--- a/Lending Club Case Study.pptx
+++ b/Lending Club Case Study.pptx
@@ -5,10 +5,10 @@
     <p:sldMasterId id="2147483821" r:id="rId1"/>
   </p:sldMasterIdLst>
   <p:notesMasterIdLst>
-    <p:notesMasterId r:id="rId9"/>
+    <p:notesMasterId r:id="rId23"/>
   </p:notesMasterIdLst>
   <p:handoutMasterIdLst>
-    <p:handoutMasterId r:id="rId10"/>
+    <p:handoutMasterId r:id="rId24"/>
   </p:handoutMasterIdLst>
   <p:sldIdLst>
     <p:sldId id="270" r:id="rId2"/>
@@ -18,6 +18,20 @@
     <p:sldId id="279" r:id="rId6"/>
     <p:sldId id="280" r:id="rId7"/>
     <p:sldId id="281" r:id="rId8"/>
+    <p:sldId id="282" r:id="rId9"/>
+    <p:sldId id="283" r:id="rId10"/>
+    <p:sldId id="284" r:id="rId11"/>
+    <p:sldId id="285" r:id="rId12"/>
+    <p:sldId id="287" r:id="rId13"/>
+    <p:sldId id="288" r:id="rId14"/>
+    <p:sldId id="289" r:id="rId15"/>
+    <p:sldId id="290" r:id="rId16"/>
+    <p:sldId id="291" r:id="rId17"/>
+    <p:sldId id="293" r:id="rId18"/>
+    <p:sldId id="294" r:id="rId19"/>
+    <p:sldId id="295" r:id="rId20"/>
+    <p:sldId id="296" r:id="rId21"/>
+    <p:sldId id="286" r:id="rId22"/>
   </p:sldIdLst>
   <p:sldSz cx="12192000" cy="6858000"/>
   <p:notesSz cx="6858000" cy="9144000"/>
@@ -987,10 +1001,10 @@
         <a:lstStyle/>
         <a:p>
           <a:r>
-            <a:rPr lang="en-IN"/>
-            <a:t>Discarding unwanted Data</a:t>
+            <a:rPr lang="en-IN" dirty="0"/>
+            <a:t>Dealing with Nulls &amp; NA</a:t>
           </a:r>
-          <a:endParaRPr lang="en-US"/>
+          <a:endParaRPr lang="en-US" dirty="0"/>
         </a:p>
       </dgm:t>
     </dgm:pt>
@@ -1024,10 +1038,10 @@
         <a:lstStyle/>
         <a:p>
           <a:r>
-            <a:rPr lang="en-IN"/>
-            <a:t>Filling in Missing Values in the Data</a:t>
+            <a:rPr lang="en-IN" dirty="0"/>
+            <a:t>Filling in Missing Information</a:t>
           </a:r>
-          <a:endParaRPr lang="en-US"/>
+          <a:endParaRPr lang="en-US" dirty="0"/>
         </a:p>
       </dgm:t>
     </dgm:pt>
@@ -1430,7 +1444,7 @@
         <a:p>
           <a:r>
             <a:rPr lang="en-IN" b="1" dirty="0"/>
-            <a:t>Filtering Outliers Data</a:t>
+            <a:t>Outliers Data Treatment</a:t>
           </a:r>
           <a:endParaRPr lang="en-US" b="1" dirty="0"/>
         </a:p>
@@ -2079,10 +2093,10 @@
             <a:buNone/>
           </a:pPr>
           <a:r>
-            <a:rPr lang="en-IN" sz="1500" kern="1200"/>
-            <a:t>Discarding unwanted Data</a:t>
+            <a:rPr lang="en-IN" sz="1500" kern="1200" dirty="0"/>
+            <a:t>Dealing with Nulls &amp; NA</a:t>
           </a:r>
-          <a:endParaRPr lang="en-US" sz="1500" kern="1200"/>
+          <a:endParaRPr lang="en-US" sz="1500" kern="1200" dirty="0"/>
         </a:p>
       </dsp:txBody>
       <dsp:txXfrm>
@@ -2188,10 +2202,10 @@
             <a:buNone/>
           </a:pPr>
           <a:r>
-            <a:rPr lang="en-IN" sz="1500" kern="1200"/>
-            <a:t>Filling in Missing Values in the Data</a:t>
+            <a:rPr lang="en-IN" sz="1500" kern="1200" dirty="0"/>
+            <a:t>Filling in Missing Information</a:t>
           </a:r>
-          <a:endParaRPr lang="en-US" sz="1500" kern="1200"/>
+          <a:endParaRPr lang="en-US" sz="1500" kern="1200" dirty="0"/>
         </a:p>
       </dsp:txBody>
       <dsp:txXfrm>
@@ -2785,7 +2799,7 @@
           </a:pPr>
           <a:r>
             <a:rPr lang="en-IN" sz="1800" b="1" kern="1200" dirty="0"/>
-            <a:t>Filtering Outliers Data</a:t>
+            <a:t>Outliers Data Treatment</a:t>
           </a:r>
           <a:endParaRPr lang="en-US" sz="1800" b="1" kern="1200" dirty="0"/>
         </a:p>
@@ -8938,22 +8952,22 @@
   <p:extLst>
     <p:ext uri="{27BBF7A9-308A-43DC-89C8-2F10F3537804}">
       <p15:sldGuideLst xmlns:p15="http://schemas.microsoft.com/office/powerpoint/2012/main">
-        <p15:guide id="1" orient="horz" pos="2160" userDrawn="1">
+        <p15:guide id="1" orient="horz" pos="2160">
           <p15:clr>
             <a:srgbClr val="F26B43"/>
           </p15:clr>
         </p15:guide>
-        <p15:guide id="2" pos="3840" userDrawn="1">
+        <p15:guide id="2" pos="3840">
           <p15:clr>
             <a:srgbClr val="F26B43"/>
           </p15:clr>
         </p15:guide>
-        <p15:guide id="3" pos="864" userDrawn="1">
+        <p15:guide id="3" pos="864">
           <p15:clr>
             <a:srgbClr val="F26B43"/>
           </p15:clr>
         </p15:guide>
-        <p15:guide id="4" pos="6792" userDrawn="1">
+        <p15:guide id="4" pos="6792">
           <p15:clr>
             <a:srgbClr val="F26B43"/>
           </p15:clr>
@@ -9280,6 +9294,2267 @@
 </p:sld>
 </file>
 
+<file path=ppt/slides/slide10.xml><?xml version="1.0" encoding="utf-8"?>
+<p:sld xmlns:a="http://schemas.openxmlformats.org/drawingml/2006/main" xmlns:r="http://schemas.openxmlformats.org/officeDocument/2006/relationships" xmlns:p="http://schemas.openxmlformats.org/presentationml/2006/main">
+  <p:cSld>
+    <p:bg>
+      <p:bgPr>
+        <a:solidFill>
+          <a:schemeClr val="bg1"/>
+        </a:solidFill>
+        <a:effectLst/>
+      </p:bgPr>
+    </p:bg>
+    <p:spTree>
+      <p:nvGrpSpPr>
+        <p:cNvPr id="1" name=""/>
+        <p:cNvGrpSpPr/>
+        <p:nvPr/>
+      </p:nvGrpSpPr>
+      <p:grpSpPr>
+        <a:xfrm>
+          <a:off x="0" y="0"/>
+          <a:ext cx="0" cy="0"/>
+          <a:chOff x="0" y="0"/>
+          <a:chExt cx="0" cy="0"/>
+        </a:xfrm>
+      </p:grpSpPr>
+      <p:sp>
+        <p:nvSpPr>
+          <p:cNvPr id="2" name="Title 1">
+            <a:extLst>
+              <a:ext uri="{FF2B5EF4-FFF2-40B4-BE49-F238E27FC236}">
+                <a16:creationId xmlns:a16="http://schemas.microsoft.com/office/drawing/2014/main" id="{B25C81AC-6E52-C28A-4A6A-8BBA20A2DC93}"/>
+              </a:ext>
+            </a:extLst>
+          </p:cNvPr>
+          <p:cNvSpPr>
+            <a:spLocks noGrp="1"/>
+          </p:cNvSpPr>
+          <p:nvPr>
+            <p:ph type="title"/>
+          </p:nvPr>
+        </p:nvSpPr>
+        <p:spPr>
+          <a:xfrm>
+            <a:off x="657224" y="499533"/>
+            <a:ext cx="10772775" cy="1658198"/>
+          </a:xfrm>
+        </p:spPr>
+        <p:txBody>
+          <a:bodyPr>
+            <a:normAutofit/>
+          </a:bodyPr>
+          <a:lstStyle/>
+          <a:p>
+            <a:r>
+              <a:rPr lang="en-IN" dirty="0"/>
+              <a:t>Outliers Data Treatment</a:t>
+            </a:r>
+          </a:p>
+        </p:txBody>
+      </p:sp>
+      <p:sp>
+        <p:nvSpPr>
+          <p:cNvPr id="3078" name="Content Placeholder 3077">
+            <a:extLst>
+              <a:ext uri="{FF2B5EF4-FFF2-40B4-BE49-F238E27FC236}">
+                <a16:creationId xmlns:a16="http://schemas.microsoft.com/office/drawing/2014/main" id="{D955F024-EE53-0A61-BAE3-10D5338B5B96}"/>
+              </a:ext>
+            </a:extLst>
+          </p:cNvPr>
+          <p:cNvSpPr>
+            <a:spLocks noGrp="1"/>
+          </p:cNvSpPr>
+          <p:nvPr>
+            <p:ph idx="1"/>
+          </p:nvPr>
+        </p:nvSpPr>
+        <p:spPr>
+          <a:xfrm>
+            <a:off x="676656" y="2011680"/>
+            <a:ext cx="10667619" cy="3766185"/>
+          </a:xfrm>
+        </p:spPr>
+        <p:txBody>
+          <a:bodyPr>
+            <a:normAutofit/>
+          </a:bodyPr>
+          <a:lstStyle/>
+          <a:p>
+            <a:r>
+              <a:rPr lang="en-US" dirty="0">
+                <a:solidFill>
+                  <a:schemeClr val="tx1">
+                    <a:lumMod val="95000"/>
+                  </a:schemeClr>
+                </a:solidFill>
+              </a:rPr>
+              <a:t>The column </a:t>
+            </a:r>
+            <a:r>
+              <a:rPr lang="en-US" b="1" i="1" dirty="0" err="1">
+                <a:solidFill>
+                  <a:schemeClr val="tx1">
+                    <a:lumMod val="95000"/>
+                  </a:schemeClr>
+                </a:solidFill>
+              </a:rPr>
+              <a:t>annual_income</a:t>
+            </a:r>
+            <a:r>
+              <a:rPr lang="en-US" dirty="0">
+                <a:solidFill>
+                  <a:schemeClr val="tx1">
+                    <a:lumMod val="95000"/>
+                  </a:schemeClr>
+                </a:solidFill>
+              </a:rPr>
+              <a:t> has very high range of values. </a:t>
+            </a:r>
+          </a:p>
+          <a:p>
+            <a:r>
+              <a:rPr lang="en-US" dirty="0">
+                <a:solidFill>
+                  <a:schemeClr val="tx1">
+                    <a:lumMod val="95000"/>
+                  </a:schemeClr>
+                </a:solidFill>
+              </a:rPr>
+              <a:t>These values can cause shift the analysis data. </a:t>
+            </a:r>
+          </a:p>
+          <a:p>
+            <a:r>
+              <a:rPr lang="en-US" dirty="0">
+                <a:solidFill>
+                  <a:schemeClr val="tx1">
+                    <a:lumMod val="95000"/>
+                  </a:schemeClr>
+                </a:solidFill>
+              </a:rPr>
+              <a:t>After ignoring the </a:t>
+            </a:r>
+            <a:r>
+              <a:rPr lang="en-US" b="1" i="1" dirty="0" err="1">
+                <a:solidFill>
+                  <a:schemeClr val="tx1">
+                    <a:lumMod val="95000"/>
+                  </a:schemeClr>
+                </a:solidFill>
+              </a:rPr>
+              <a:t>annual_income</a:t>
+            </a:r>
+            <a:r>
+              <a:rPr lang="en-US" dirty="0">
+                <a:solidFill>
+                  <a:schemeClr val="tx1">
+                    <a:lumMod val="95000"/>
+                  </a:schemeClr>
+                </a:solidFill>
+              </a:rPr>
+              <a:t> values &gt;150000, we see the data is good  for analysis.</a:t>
+            </a:r>
+          </a:p>
+        </p:txBody>
+      </p:sp>
+      <p:pic>
+        <p:nvPicPr>
+          <p:cNvPr id="3074" name="Picture 2">
+            <a:extLst>
+              <a:ext uri="{FF2B5EF4-FFF2-40B4-BE49-F238E27FC236}">
+                <a16:creationId xmlns:a16="http://schemas.microsoft.com/office/drawing/2014/main" id="{7D7B7E5D-7519-B9CF-4B51-29C2028CA05A}"/>
+              </a:ext>
+            </a:extLst>
+          </p:cNvPr>
+          <p:cNvPicPr>
+            <a:picLocks noChangeAspect="1" noChangeArrowheads="1"/>
+          </p:cNvPicPr>
+          <p:nvPr/>
+        </p:nvPicPr>
+        <p:blipFill>
+          <a:blip r:embed="rId2">
+            <a:extLst>
+              <a:ext uri="{28A0092B-C50C-407E-A947-70E740481C1C}">
+                <a14:useLocalDpi xmlns:a14="http://schemas.microsoft.com/office/drawing/2010/main" val="0"/>
+              </a:ext>
+            </a:extLst>
+          </a:blip>
+          <a:stretch>
+            <a:fillRect/>
+          </a:stretch>
+        </p:blipFill>
+        <p:spPr bwMode="auto">
+          <a:xfrm>
+            <a:off x="847725" y="3804515"/>
+            <a:ext cx="3562350" cy="2662855"/>
+          </a:xfrm>
+          <a:prstGeom prst="rect">
+            <a:avLst/>
+          </a:prstGeom>
+          <a:noFill/>
+          <a:extLst>
+            <a:ext uri="{909E8E84-426E-40DD-AFC4-6F175D3DCCD1}">
+              <a14:hiddenFill xmlns:a14="http://schemas.microsoft.com/office/drawing/2010/main">
+                <a:solidFill>
+                  <a:srgbClr val="FFFFFF"/>
+                </a:solidFill>
+              </a14:hiddenFill>
+            </a:ext>
+          </a:extLst>
+        </p:spPr>
+      </p:pic>
+      <p:pic>
+        <p:nvPicPr>
+          <p:cNvPr id="3076" name="Picture 4">
+            <a:extLst>
+              <a:ext uri="{FF2B5EF4-FFF2-40B4-BE49-F238E27FC236}">
+                <a16:creationId xmlns:a16="http://schemas.microsoft.com/office/drawing/2014/main" id="{E19D48A4-328B-C3A5-3B48-5C01BEF08E84}"/>
+              </a:ext>
+            </a:extLst>
+          </p:cNvPr>
+          <p:cNvPicPr>
+            <a:picLocks noChangeAspect="1" noChangeArrowheads="1"/>
+          </p:cNvPicPr>
+          <p:nvPr/>
+        </p:nvPicPr>
+        <p:blipFill>
+          <a:blip r:embed="rId3">
+            <a:extLst>
+              <a:ext uri="{28A0092B-C50C-407E-A947-70E740481C1C}">
+                <a14:useLocalDpi xmlns:a14="http://schemas.microsoft.com/office/drawing/2010/main" val="0"/>
+              </a:ext>
+            </a:extLst>
+          </a:blip>
+          <a:srcRect/>
+          <a:stretch>
+            <a:fillRect/>
+          </a:stretch>
+        </p:blipFill>
+        <p:spPr bwMode="auto">
+          <a:xfrm>
+            <a:off x="7010400" y="3804515"/>
+            <a:ext cx="3810000" cy="2637693"/>
+          </a:xfrm>
+          <a:prstGeom prst="rect">
+            <a:avLst/>
+          </a:prstGeom>
+          <a:noFill/>
+          <a:extLst>
+            <a:ext uri="{909E8E84-426E-40DD-AFC4-6F175D3DCCD1}">
+              <a14:hiddenFill xmlns:a14="http://schemas.microsoft.com/office/drawing/2010/main">
+                <a:solidFill>
+                  <a:srgbClr val="FFFFFF"/>
+                </a:solidFill>
+              </a14:hiddenFill>
+            </a:ext>
+          </a:extLst>
+        </p:spPr>
+      </p:pic>
+      <p:sp>
+        <p:nvSpPr>
+          <p:cNvPr id="4" name="Arrow: Right 3">
+            <a:extLst>
+              <a:ext uri="{FF2B5EF4-FFF2-40B4-BE49-F238E27FC236}">
+                <a16:creationId xmlns:a16="http://schemas.microsoft.com/office/drawing/2014/main" id="{1D66B7AD-AD97-09D0-DCEF-1C32D30E1B5F}"/>
+              </a:ext>
+            </a:extLst>
+          </p:cNvPr>
+          <p:cNvSpPr/>
+          <p:nvPr/>
+        </p:nvSpPr>
+        <p:spPr>
+          <a:xfrm>
+            <a:off x="5014722" y="4794748"/>
+            <a:ext cx="1323975" cy="657225"/>
+          </a:xfrm>
+          <a:prstGeom prst="rightArrow">
+            <a:avLst/>
+          </a:prstGeom>
+        </p:spPr>
+        <p:style>
+          <a:lnRef idx="2">
+            <a:schemeClr val="accent1">
+              <a:shade val="50000"/>
+            </a:schemeClr>
+          </a:lnRef>
+          <a:fillRef idx="1">
+            <a:schemeClr val="accent1"/>
+          </a:fillRef>
+          <a:effectRef idx="0">
+            <a:schemeClr val="accent1"/>
+          </a:effectRef>
+          <a:fontRef idx="minor">
+            <a:schemeClr val="lt1"/>
+          </a:fontRef>
+        </p:style>
+        <p:txBody>
+          <a:bodyPr rtlCol="0" anchor="ctr"/>
+          <a:lstStyle/>
+          <a:p>
+            <a:pPr algn="ctr"/>
+            <a:endParaRPr lang="en-IN"/>
+          </a:p>
+        </p:txBody>
+      </p:sp>
+    </p:spTree>
+    <p:extLst>
+      <p:ext uri="{BB962C8B-B14F-4D97-AF65-F5344CB8AC3E}">
+        <p14:creationId xmlns:p14="http://schemas.microsoft.com/office/powerpoint/2010/main" val="2048651872"/>
+      </p:ext>
+    </p:extLst>
+  </p:cSld>
+  <p:clrMapOvr>
+    <a:masterClrMapping/>
+  </p:clrMapOvr>
+  <mc:AlternateContent xmlns:mc="http://schemas.openxmlformats.org/markup-compatibility/2006" xmlns:p14="http://schemas.microsoft.com/office/powerpoint/2010/main">
+    <mc:Choice Requires="p14">
+      <p:transition spd="med" p14:dur="700">
+        <p:fade/>
+      </p:transition>
+    </mc:Choice>
+    <mc:Fallback xmlns="">
+      <p:transition spd="med">
+        <p:fade/>
+      </p:transition>
+    </mc:Fallback>
+  </mc:AlternateContent>
+</p:sld>
+</file>
+
+<file path=ppt/slides/slide11.xml><?xml version="1.0" encoding="utf-8"?>
+<p:sld xmlns:a="http://schemas.openxmlformats.org/drawingml/2006/main" xmlns:r="http://schemas.openxmlformats.org/officeDocument/2006/relationships" xmlns:p="http://schemas.openxmlformats.org/presentationml/2006/main">
+  <p:cSld>
+    <p:spTree>
+      <p:nvGrpSpPr>
+        <p:cNvPr id="1" name=""/>
+        <p:cNvGrpSpPr/>
+        <p:nvPr/>
+      </p:nvGrpSpPr>
+      <p:grpSpPr>
+        <a:xfrm>
+          <a:off x="0" y="0"/>
+          <a:ext cx="0" cy="0"/>
+          <a:chOff x="0" y="0"/>
+          <a:chExt cx="0" cy="0"/>
+        </a:xfrm>
+      </p:grpSpPr>
+      <p:sp>
+        <p:nvSpPr>
+          <p:cNvPr id="2" name="Title 1">
+            <a:extLst>
+              <a:ext uri="{FF2B5EF4-FFF2-40B4-BE49-F238E27FC236}">
+                <a16:creationId xmlns:a16="http://schemas.microsoft.com/office/drawing/2014/main" id="{00AFF480-C09C-EE59-8C9A-1991868B03F9}"/>
+              </a:ext>
+            </a:extLst>
+          </p:cNvPr>
+          <p:cNvSpPr>
+            <a:spLocks noGrp="1"/>
+          </p:cNvSpPr>
+          <p:nvPr>
+            <p:ph type="title"/>
+          </p:nvPr>
+        </p:nvSpPr>
+        <p:spPr>
+          <a:xfrm>
+            <a:off x="657224" y="499533"/>
+            <a:ext cx="10772775" cy="814917"/>
+          </a:xfrm>
+        </p:spPr>
+        <p:txBody>
+          <a:bodyPr>
+            <a:normAutofit/>
+          </a:bodyPr>
+          <a:lstStyle/>
+          <a:p>
+            <a:r>
+              <a:rPr lang="en-IN" dirty="0"/>
+              <a:t>Data Analysis </a:t>
+            </a:r>
+            <a:r>
+              <a:rPr lang="en-IN" sz="3200" dirty="0"/>
+              <a:t>–</a:t>
+            </a:r>
+            <a:r>
+              <a:rPr lang="en-IN" sz="4400" dirty="0"/>
+              <a:t> </a:t>
+            </a:r>
+            <a:r>
+              <a:rPr lang="en-IN" sz="3200" dirty="0"/>
+              <a:t>Loan Amounts funded by Investor</a:t>
+            </a:r>
+            <a:endParaRPr lang="en-IN" dirty="0"/>
+          </a:p>
+        </p:txBody>
+      </p:sp>
+      <p:sp>
+        <p:nvSpPr>
+          <p:cNvPr id="3" name="Content Placeholder 2">
+            <a:extLst>
+              <a:ext uri="{FF2B5EF4-FFF2-40B4-BE49-F238E27FC236}">
+                <a16:creationId xmlns:a16="http://schemas.microsoft.com/office/drawing/2014/main" id="{9AED37CA-F64D-4CE1-3D64-48A81505B507}"/>
+              </a:ext>
+            </a:extLst>
+          </p:cNvPr>
+          <p:cNvSpPr>
+            <a:spLocks noGrp="1"/>
+          </p:cNvSpPr>
+          <p:nvPr>
+            <p:ph idx="1"/>
+          </p:nvPr>
+        </p:nvSpPr>
+        <p:spPr>
+          <a:xfrm>
+            <a:off x="657224" y="5777864"/>
+            <a:ext cx="10753725" cy="814917"/>
+          </a:xfrm>
+        </p:spPr>
+        <p:txBody>
+          <a:bodyPr/>
+          <a:lstStyle/>
+          <a:p>
+            <a:r>
+              <a:rPr lang="en-IN" dirty="0"/>
+              <a:t>Most of the loans funded are with an investor fund between &lt;10000. And loans funded between 3000-6000 have higher chances of Charged Off</a:t>
+            </a:r>
+          </a:p>
+        </p:txBody>
+      </p:sp>
+      <p:pic>
+        <p:nvPicPr>
+          <p:cNvPr id="5124" name="Picture 4">
+            <a:extLst>
+              <a:ext uri="{FF2B5EF4-FFF2-40B4-BE49-F238E27FC236}">
+                <a16:creationId xmlns:a16="http://schemas.microsoft.com/office/drawing/2014/main" id="{E78E578D-A002-CC40-B8B8-F38140F49491}"/>
+              </a:ext>
+            </a:extLst>
+          </p:cNvPr>
+          <p:cNvPicPr>
+            <a:picLocks noChangeAspect="1" noChangeArrowheads="1"/>
+          </p:cNvPicPr>
+          <p:nvPr/>
+        </p:nvPicPr>
+        <p:blipFill>
+          <a:blip r:embed="rId2">
+            <a:extLst>
+              <a:ext uri="{28A0092B-C50C-407E-A947-70E740481C1C}">
+                <a14:useLocalDpi xmlns:a14="http://schemas.microsoft.com/office/drawing/2010/main" val="0"/>
+              </a:ext>
+            </a:extLst>
+          </a:blip>
+          <a:srcRect/>
+          <a:stretch>
+            <a:fillRect/>
+          </a:stretch>
+        </p:blipFill>
+        <p:spPr bwMode="auto">
+          <a:xfrm>
+            <a:off x="910342" y="1601194"/>
+            <a:ext cx="4585584" cy="3749584"/>
+          </a:xfrm>
+          <a:prstGeom prst="rect">
+            <a:avLst/>
+          </a:prstGeom>
+          <a:noFill/>
+          <a:extLst>
+            <a:ext uri="{909E8E84-426E-40DD-AFC4-6F175D3DCCD1}">
+              <a14:hiddenFill xmlns:a14="http://schemas.microsoft.com/office/drawing/2010/main">
+                <a:solidFill>
+                  <a:srgbClr val="FFFFFF"/>
+                </a:solidFill>
+              </a14:hiddenFill>
+            </a:ext>
+          </a:extLst>
+        </p:spPr>
+      </p:pic>
+      <p:pic>
+        <p:nvPicPr>
+          <p:cNvPr id="5126" name="Picture 6">
+            <a:extLst>
+              <a:ext uri="{FF2B5EF4-FFF2-40B4-BE49-F238E27FC236}">
+                <a16:creationId xmlns:a16="http://schemas.microsoft.com/office/drawing/2014/main" id="{C3B4A0F9-84FF-822F-6808-7EC3D4D3B697}"/>
+              </a:ext>
+            </a:extLst>
+          </p:cNvPr>
+          <p:cNvPicPr>
+            <a:picLocks noChangeAspect="1" noChangeArrowheads="1"/>
+          </p:cNvPicPr>
+          <p:nvPr/>
+        </p:nvPicPr>
+        <p:blipFill>
+          <a:blip r:embed="rId3">
+            <a:extLst>
+              <a:ext uri="{28A0092B-C50C-407E-A947-70E740481C1C}">
+                <a14:useLocalDpi xmlns:a14="http://schemas.microsoft.com/office/drawing/2010/main" val="0"/>
+              </a:ext>
+            </a:extLst>
+          </a:blip>
+          <a:srcRect/>
+          <a:stretch>
+            <a:fillRect/>
+          </a:stretch>
+        </p:blipFill>
+        <p:spPr bwMode="auto">
+          <a:xfrm>
+            <a:off x="6238875" y="1574891"/>
+            <a:ext cx="4909434" cy="3775887"/>
+          </a:xfrm>
+          <a:prstGeom prst="rect">
+            <a:avLst/>
+          </a:prstGeom>
+          <a:noFill/>
+          <a:extLst>
+            <a:ext uri="{909E8E84-426E-40DD-AFC4-6F175D3DCCD1}">
+              <a14:hiddenFill xmlns:a14="http://schemas.microsoft.com/office/drawing/2010/main">
+                <a:solidFill>
+                  <a:srgbClr val="FFFFFF"/>
+                </a:solidFill>
+              </a14:hiddenFill>
+            </a:ext>
+          </a:extLst>
+        </p:spPr>
+      </p:pic>
+    </p:spTree>
+    <p:extLst>
+      <p:ext uri="{BB962C8B-B14F-4D97-AF65-F5344CB8AC3E}">
+        <p14:creationId xmlns:p14="http://schemas.microsoft.com/office/powerpoint/2010/main" val="3166379082"/>
+      </p:ext>
+    </p:extLst>
+  </p:cSld>
+  <p:clrMapOvr>
+    <a:masterClrMapping/>
+  </p:clrMapOvr>
+  <mc:AlternateContent xmlns:mc="http://schemas.openxmlformats.org/markup-compatibility/2006" xmlns:p14="http://schemas.microsoft.com/office/powerpoint/2010/main">
+    <mc:Choice Requires="p14">
+      <p:transition spd="med" p14:dur="700">
+        <p:fade/>
+      </p:transition>
+    </mc:Choice>
+    <mc:Fallback xmlns="">
+      <p:transition spd="med">
+        <p:fade/>
+      </p:transition>
+    </mc:Fallback>
+  </mc:AlternateContent>
+</p:sld>
+</file>
+
+<file path=ppt/slides/slide12.xml><?xml version="1.0" encoding="utf-8"?>
+<p:sld xmlns:a="http://schemas.openxmlformats.org/drawingml/2006/main" xmlns:r="http://schemas.openxmlformats.org/officeDocument/2006/relationships" xmlns:p="http://schemas.openxmlformats.org/presentationml/2006/main">
+  <p:cSld>
+    <p:spTree>
+      <p:nvGrpSpPr>
+        <p:cNvPr id="1" name=""/>
+        <p:cNvGrpSpPr/>
+        <p:nvPr/>
+      </p:nvGrpSpPr>
+      <p:grpSpPr>
+        <a:xfrm>
+          <a:off x="0" y="0"/>
+          <a:ext cx="0" cy="0"/>
+          <a:chOff x="0" y="0"/>
+          <a:chExt cx="0" cy="0"/>
+        </a:xfrm>
+      </p:grpSpPr>
+      <p:sp>
+        <p:nvSpPr>
+          <p:cNvPr id="2" name="Title 1">
+            <a:extLst>
+              <a:ext uri="{FF2B5EF4-FFF2-40B4-BE49-F238E27FC236}">
+                <a16:creationId xmlns:a16="http://schemas.microsoft.com/office/drawing/2014/main" id="{00AFF480-C09C-EE59-8C9A-1991868B03F9}"/>
+              </a:ext>
+            </a:extLst>
+          </p:cNvPr>
+          <p:cNvSpPr>
+            <a:spLocks noGrp="1"/>
+          </p:cNvSpPr>
+          <p:nvPr>
+            <p:ph type="title"/>
+          </p:nvPr>
+        </p:nvSpPr>
+        <p:spPr>
+          <a:xfrm>
+            <a:off x="657224" y="499533"/>
+            <a:ext cx="10772775" cy="814917"/>
+          </a:xfrm>
+        </p:spPr>
+        <p:txBody>
+          <a:bodyPr/>
+          <a:lstStyle/>
+          <a:p>
+            <a:r>
+              <a:rPr lang="en-IN" dirty="0"/>
+              <a:t>Data Analysis</a:t>
+            </a:r>
+            <a:r>
+              <a:rPr lang="en-IN" sz="3600" dirty="0"/>
+              <a:t> – Purpose</a:t>
+            </a:r>
+          </a:p>
+        </p:txBody>
+      </p:sp>
+      <p:sp>
+        <p:nvSpPr>
+          <p:cNvPr id="3" name="Content Placeholder 2">
+            <a:extLst>
+              <a:ext uri="{FF2B5EF4-FFF2-40B4-BE49-F238E27FC236}">
+                <a16:creationId xmlns:a16="http://schemas.microsoft.com/office/drawing/2014/main" id="{9AED37CA-F64D-4CE1-3D64-48A81505B507}"/>
+              </a:ext>
+            </a:extLst>
+          </p:cNvPr>
+          <p:cNvSpPr>
+            <a:spLocks noGrp="1"/>
+          </p:cNvSpPr>
+          <p:nvPr>
+            <p:ph idx="1"/>
+          </p:nvPr>
+        </p:nvSpPr>
+        <p:spPr>
+          <a:xfrm>
+            <a:off x="657224" y="5545238"/>
+            <a:ext cx="10753725" cy="814917"/>
+          </a:xfrm>
+        </p:spPr>
+        <p:txBody>
+          <a:bodyPr>
+            <a:normAutofit/>
+          </a:bodyPr>
+          <a:lstStyle/>
+          <a:p>
+            <a:r>
+              <a:rPr lang="en-IN" sz="2000" dirty="0">
+                <a:solidFill>
+                  <a:schemeClr val="tx1">
+                    <a:lumMod val="95000"/>
+                  </a:schemeClr>
+                </a:solidFill>
+              </a:rPr>
+              <a:t>Most Loans are issued against the Purpose of </a:t>
+            </a:r>
+            <a:r>
+              <a:rPr lang="en-IN" sz="2000" b="1" dirty="0">
+                <a:solidFill>
+                  <a:schemeClr val="tx1">
+                    <a:lumMod val="95000"/>
+                  </a:schemeClr>
+                </a:solidFill>
+              </a:rPr>
+              <a:t>Debt Consolidation.</a:t>
+            </a:r>
+          </a:p>
+          <a:p>
+            <a:r>
+              <a:rPr lang="en-IN" sz="2000" b="1" dirty="0">
+                <a:solidFill>
+                  <a:schemeClr val="tx1">
+                    <a:lumMod val="95000"/>
+                  </a:schemeClr>
+                </a:solidFill>
+              </a:rPr>
+              <a:t>However, more % of loans are Charged Off </a:t>
+            </a:r>
+            <a:r>
+              <a:rPr lang="en-IN" sz="2000" dirty="0">
+                <a:solidFill>
+                  <a:schemeClr val="tx1">
+                    <a:lumMod val="95000"/>
+                  </a:schemeClr>
+                </a:solidFill>
+              </a:rPr>
+              <a:t>against the Purpose ‘</a:t>
+            </a:r>
+            <a:r>
+              <a:rPr lang="en-IN" sz="2000" b="1" dirty="0">
+                <a:solidFill>
+                  <a:schemeClr val="tx1">
+                    <a:lumMod val="95000"/>
+                  </a:schemeClr>
+                </a:solidFill>
+              </a:rPr>
+              <a:t>Small Business</a:t>
+            </a:r>
+            <a:r>
+              <a:rPr lang="en-IN" sz="2000" dirty="0">
+                <a:solidFill>
+                  <a:schemeClr val="tx1">
+                    <a:lumMod val="95000"/>
+                  </a:schemeClr>
+                </a:solidFill>
+              </a:rPr>
+              <a:t>’.</a:t>
+            </a:r>
+          </a:p>
+        </p:txBody>
+      </p:sp>
+      <p:grpSp>
+        <p:nvGrpSpPr>
+          <p:cNvPr id="4" name="Group 3">
+            <a:extLst>
+              <a:ext uri="{FF2B5EF4-FFF2-40B4-BE49-F238E27FC236}">
+                <a16:creationId xmlns:a16="http://schemas.microsoft.com/office/drawing/2014/main" id="{1FE10A1E-B0C7-AD3C-E544-A2C76AAFBDCB}"/>
+              </a:ext>
+            </a:extLst>
+          </p:cNvPr>
+          <p:cNvGrpSpPr/>
+          <p:nvPr/>
+        </p:nvGrpSpPr>
+        <p:grpSpPr>
+          <a:xfrm>
+            <a:off x="876300" y="1485441"/>
+            <a:ext cx="8877066" cy="3940625"/>
+            <a:chOff x="719137" y="1218741"/>
+            <a:chExt cx="9720029" cy="4314825"/>
+          </a:xfrm>
+        </p:grpSpPr>
+        <p:pic>
+          <p:nvPicPr>
+            <p:cNvPr id="6148" name="Picture 4">
+              <a:extLst>
+                <a:ext uri="{FF2B5EF4-FFF2-40B4-BE49-F238E27FC236}">
+                  <a16:creationId xmlns:a16="http://schemas.microsoft.com/office/drawing/2014/main" id="{70FF2D7D-725C-8430-65C8-FF36CABBE906}"/>
+                </a:ext>
+              </a:extLst>
+            </p:cNvPr>
+            <p:cNvPicPr>
+              <a:picLocks noChangeAspect="1" noChangeArrowheads="1"/>
+            </p:cNvPicPr>
+            <p:nvPr/>
+          </p:nvPicPr>
+          <p:blipFill>
+            <a:blip r:embed="rId2">
+              <a:extLst>
+                <a:ext uri="{28A0092B-C50C-407E-A947-70E740481C1C}">
+                  <a14:useLocalDpi xmlns:a14="http://schemas.microsoft.com/office/drawing/2010/main" val="0"/>
+                </a:ext>
+              </a:extLst>
+            </a:blip>
+            <a:srcRect/>
+            <a:stretch>
+              <a:fillRect/>
+            </a:stretch>
+          </p:blipFill>
+          <p:spPr bwMode="auto">
+            <a:xfrm>
+              <a:off x="719137" y="3455534"/>
+              <a:ext cx="3104916" cy="2056325"/>
+            </a:xfrm>
+            <a:prstGeom prst="rect">
+              <a:avLst/>
+            </a:prstGeom>
+            <a:noFill/>
+            <a:extLst>
+              <a:ext uri="{909E8E84-426E-40DD-AFC4-6F175D3DCCD1}">
+                <a14:hiddenFill xmlns:a14="http://schemas.microsoft.com/office/drawing/2010/main">
+                  <a:solidFill>
+                    <a:srgbClr val="FFFFFF"/>
+                  </a:solidFill>
+                </a14:hiddenFill>
+              </a:ext>
+            </a:extLst>
+          </p:spPr>
+        </p:pic>
+        <p:pic>
+          <p:nvPicPr>
+            <p:cNvPr id="6150" name="Picture 6">
+              <a:extLst>
+                <a:ext uri="{FF2B5EF4-FFF2-40B4-BE49-F238E27FC236}">
+                  <a16:creationId xmlns:a16="http://schemas.microsoft.com/office/drawing/2014/main" id="{18779798-AEE8-7C1A-D0FC-FB02C79F0FCF}"/>
+                </a:ext>
+              </a:extLst>
+            </p:cNvPr>
+            <p:cNvPicPr>
+              <a:picLocks noChangeAspect="1" noChangeArrowheads="1"/>
+            </p:cNvPicPr>
+            <p:nvPr/>
+          </p:nvPicPr>
+          <p:blipFill>
+            <a:blip r:embed="rId3">
+              <a:extLst>
+                <a:ext uri="{28A0092B-C50C-407E-A947-70E740481C1C}">
+                  <a14:useLocalDpi xmlns:a14="http://schemas.microsoft.com/office/drawing/2010/main" val="0"/>
+                </a:ext>
+              </a:extLst>
+            </a:blip>
+            <a:srcRect/>
+            <a:stretch>
+              <a:fillRect/>
+            </a:stretch>
+          </p:blipFill>
+          <p:spPr bwMode="auto">
+            <a:xfrm>
+              <a:off x="719137" y="1256841"/>
+              <a:ext cx="3104916" cy="2047347"/>
+            </a:xfrm>
+            <a:prstGeom prst="rect">
+              <a:avLst/>
+            </a:prstGeom>
+            <a:noFill/>
+            <a:extLst>
+              <a:ext uri="{909E8E84-426E-40DD-AFC4-6F175D3DCCD1}">
+                <a14:hiddenFill xmlns:a14="http://schemas.microsoft.com/office/drawing/2010/main">
+                  <a:solidFill>
+                    <a:srgbClr val="FFFFFF"/>
+                  </a:solidFill>
+                </a14:hiddenFill>
+              </a:ext>
+            </a:extLst>
+          </p:spPr>
+        </p:pic>
+        <p:pic>
+          <p:nvPicPr>
+            <p:cNvPr id="6152" name="Picture 8">
+              <a:extLst>
+                <a:ext uri="{FF2B5EF4-FFF2-40B4-BE49-F238E27FC236}">
+                  <a16:creationId xmlns:a16="http://schemas.microsoft.com/office/drawing/2014/main" id="{E0A3B497-5ED7-C044-12AA-EA77DC7763CA}"/>
+                </a:ext>
+              </a:extLst>
+            </p:cNvPr>
+            <p:cNvPicPr>
+              <a:picLocks noChangeAspect="1" noChangeArrowheads="1"/>
+            </p:cNvPicPr>
+            <p:nvPr/>
+          </p:nvPicPr>
+          <p:blipFill>
+            <a:blip r:embed="rId4">
+              <a:extLst>
+                <a:ext uri="{28A0092B-C50C-407E-A947-70E740481C1C}">
+                  <a14:useLocalDpi xmlns:a14="http://schemas.microsoft.com/office/drawing/2010/main" val="0"/>
+                </a:ext>
+              </a:extLst>
+            </a:blip>
+            <a:srcRect/>
+            <a:stretch>
+              <a:fillRect/>
+            </a:stretch>
+          </p:blipFill>
+          <p:spPr bwMode="auto">
+            <a:xfrm>
+              <a:off x="3924066" y="1218741"/>
+              <a:ext cx="6515100" cy="4314825"/>
+            </a:xfrm>
+            <a:prstGeom prst="rect">
+              <a:avLst/>
+            </a:prstGeom>
+            <a:noFill/>
+            <a:extLst>
+              <a:ext uri="{909E8E84-426E-40DD-AFC4-6F175D3DCCD1}">
+                <a14:hiddenFill xmlns:a14="http://schemas.microsoft.com/office/drawing/2010/main">
+                  <a:solidFill>
+                    <a:srgbClr val="FFFFFF"/>
+                  </a:solidFill>
+                </a14:hiddenFill>
+              </a:ext>
+            </a:extLst>
+          </p:spPr>
+        </p:pic>
+      </p:grpSp>
+    </p:spTree>
+    <p:extLst>
+      <p:ext uri="{BB962C8B-B14F-4D97-AF65-F5344CB8AC3E}">
+        <p14:creationId xmlns:p14="http://schemas.microsoft.com/office/powerpoint/2010/main" val="1858488734"/>
+      </p:ext>
+    </p:extLst>
+  </p:cSld>
+  <p:clrMapOvr>
+    <a:masterClrMapping/>
+  </p:clrMapOvr>
+  <mc:AlternateContent xmlns:mc="http://schemas.openxmlformats.org/markup-compatibility/2006">
+    <mc:Choice xmlns:p14="http://schemas.microsoft.com/office/powerpoint/2010/main" Requires="p14">
+      <p:transition spd="med" p14:dur="700">
+        <p:fade/>
+      </p:transition>
+    </mc:Choice>
+    <mc:Fallback>
+      <p:transition spd="med">
+        <p:fade/>
+      </p:transition>
+    </mc:Fallback>
+  </mc:AlternateContent>
+</p:sld>
+</file>
+
+<file path=ppt/slides/slide13.xml><?xml version="1.0" encoding="utf-8"?>
+<p:sld xmlns:a="http://schemas.openxmlformats.org/drawingml/2006/main" xmlns:r="http://schemas.openxmlformats.org/officeDocument/2006/relationships" xmlns:p="http://schemas.openxmlformats.org/presentationml/2006/main">
+  <p:cSld>
+    <p:spTree>
+      <p:nvGrpSpPr>
+        <p:cNvPr id="1" name=""/>
+        <p:cNvGrpSpPr/>
+        <p:nvPr/>
+      </p:nvGrpSpPr>
+      <p:grpSpPr>
+        <a:xfrm>
+          <a:off x="0" y="0"/>
+          <a:ext cx="0" cy="0"/>
+          <a:chOff x="0" y="0"/>
+          <a:chExt cx="0" cy="0"/>
+        </a:xfrm>
+      </p:grpSpPr>
+      <p:sp>
+        <p:nvSpPr>
+          <p:cNvPr id="2" name="Title 1">
+            <a:extLst>
+              <a:ext uri="{FF2B5EF4-FFF2-40B4-BE49-F238E27FC236}">
+                <a16:creationId xmlns:a16="http://schemas.microsoft.com/office/drawing/2014/main" id="{00AFF480-C09C-EE59-8C9A-1991868B03F9}"/>
+              </a:ext>
+            </a:extLst>
+          </p:cNvPr>
+          <p:cNvSpPr>
+            <a:spLocks noGrp="1"/>
+          </p:cNvSpPr>
+          <p:nvPr>
+            <p:ph type="title"/>
+          </p:nvPr>
+        </p:nvSpPr>
+        <p:spPr>
+          <a:xfrm>
+            <a:off x="657224" y="499533"/>
+            <a:ext cx="10772775" cy="814917"/>
+          </a:xfrm>
+        </p:spPr>
+        <p:txBody>
+          <a:bodyPr/>
+          <a:lstStyle/>
+          <a:p>
+            <a:r>
+              <a:rPr lang="en-IN" dirty="0"/>
+              <a:t>Data Analysis</a:t>
+            </a:r>
+            <a:r>
+              <a:rPr lang="en-IN" sz="3600" dirty="0"/>
+              <a:t> – Employee Tenure</a:t>
+            </a:r>
+            <a:endParaRPr lang="en-IN" dirty="0"/>
+          </a:p>
+        </p:txBody>
+      </p:sp>
+      <p:sp>
+        <p:nvSpPr>
+          <p:cNvPr id="3" name="Content Placeholder 2">
+            <a:extLst>
+              <a:ext uri="{FF2B5EF4-FFF2-40B4-BE49-F238E27FC236}">
+                <a16:creationId xmlns:a16="http://schemas.microsoft.com/office/drawing/2014/main" id="{9AED37CA-F64D-4CE1-3D64-48A81505B507}"/>
+              </a:ext>
+            </a:extLst>
+          </p:cNvPr>
+          <p:cNvSpPr>
+            <a:spLocks noGrp="1"/>
+          </p:cNvSpPr>
+          <p:nvPr>
+            <p:ph idx="1"/>
+          </p:nvPr>
+        </p:nvSpPr>
+        <p:spPr>
+          <a:xfrm>
+            <a:off x="6200777" y="1528762"/>
+            <a:ext cx="5314949" cy="3954357"/>
+          </a:xfrm>
+        </p:spPr>
+        <p:txBody>
+          <a:bodyPr>
+            <a:normAutofit/>
+          </a:bodyPr>
+          <a:lstStyle/>
+          <a:p>
+            <a:pPr>
+              <a:lnSpc>
+                <a:spcPct val="114000"/>
+              </a:lnSpc>
+            </a:pPr>
+            <a:r>
+              <a:rPr lang="en-IN" dirty="0">
+                <a:solidFill>
+                  <a:schemeClr val="tx1">
+                    <a:lumMod val="95000"/>
+                  </a:schemeClr>
+                </a:solidFill>
+              </a:rPr>
+              <a:t>Loans taken by people with employment tenure </a:t>
+            </a:r>
+            <a:r>
+              <a:rPr lang="en-IN" b="1" dirty="0">
+                <a:solidFill>
+                  <a:schemeClr val="tx1">
+                    <a:lumMod val="95000"/>
+                  </a:schemeClr>
+                </a:solidFill>
+              </a:rPr>
+              <a:t>10 or more years </a:t>
+            </a:r>
+            <a:r>
+              <a:rPr lang="en-IN" dirty="0">
+                <a:solidFill>
+                  <a:schemeClr val="tx1">
+                    <a:lumMod val="95000"/>
+                  </a:schemeClr>
+                </a:solidFill>
+              </a:rPr>
+              <a:t>are more likely to be Charged Off.</a:t>
+            </a:r>
+          </a:p>
+        </p:txBody>
+      </p:sp>
+      <p:pic>
+        <p:nvPicPr>
+          <p:cNvPr id="7170" name="Picture 2">
+            <a:extLst>
+              <a:ext uri="{FF2B5EF4-FFF2-40B4-BE49-F238E27FC236}">
+                <a16:creationId xmlns:a16="http://schemas.microsoft.com/office/drawing/2014/main" id="{11F00697-688E-F1AA-9423-AC1872B2F186}"/>
+              </a:ext>
+            </a:extLst>
+          </p:cNvPr>
+          <p:cNvPicPr>
+            <a:picLocks noChangeAspect="1" noChangeArrowheads="1"/>
+          </p:cNvPicPr>
+          <p:nvPr/>
+        </p:nvPicPr>
+        <p:blipFill>
+          <a:blip r:embed="rId2">
+            <a:extLst>
+              <a:ext uri="{28A0092B-C50C-407E-A947-70E740481C1C}">
+                <a14:useLocalDpi xmlns:a14="http://schemas.microsoft.com/office/drawing/2010/main" val="0"/>
+              </a:ext>
+            </a:extLst>
+          </a:blip>
+          <a:srcRect/>
+          <a:stretch>
+            <a:fillRect/>
+          </a:stretch>
+        </p:blipFill>
+        <p:spPr bwMode="auto">
+          <a:xfrm>
+            <a:off x="781051" y="1528762"/>
+            <a:ext cx="5210174" cy="4140717"/>
+          </a:xfrm>
+          <a:prstGeom prst="rect">
+            <a:avLst/>
+          </a:prstGeom>
+          <a:noFill/>
+          <a:extLst>
+            <a:ext uri="{909E8E84-426E-40DD-AFC4-6F175D3DCCD1}">
+              <a14:hiddenFill xmlns:a14="http://schemas.microsoft.com/office/drawing/2010/main">
+                <a:solidFill>
+                  <a:srgbClr val="FFFFFF"/>
+                </a:solidFill>
+              </a14:hiddenFill>
+            </a:ext>
+          </a:extLst>
+        </p:spPr>
+      </p:pic>
+    </p:spTree>
+    <p:extLst>
+      <p:ext uri="{BB962C8B-B14F-4D97-AF65-F5344CB8AC3E}">
+        <p14:creationId xmlns:p14="http://schemas.microsoft.com/office/powerpoint/2010/main" val="3927290707"/>
+      </p:ext>
+    </p:extLst>
+  </p:cSld>
+  <p:clrMapOvr>
+    <a:masterClrMapping/>
+  </p:clrMapOvr>
+  <mc:AlternateContent xmlns:mc="http://schemas.openxmlformats.org/markup-compatibility/2006">
+    <mc:Choice xmlns:p14="http://schemas.microsoft.com/office/powerpoint/2010/main" Requires="p14">
+      <p:transition spd="med" p14:dur="700">
+        <p:fade/>
+      </p:transition>
+    </mc:Choice>
+    <mc:Fallback>
+      <p:transition spd="med">
+        <p:fade/>
+      </p:transition>
+    </mc:Fallback>
+  </mc:AlternateContent>
+</p:sld>
+</file>
+
+<file path=ppt/slides/slide14.xml><?xml version="1.0" encoding="utf-8"?>
+<p:sld xmlns:a="http://schemas.openxmlformats.org/drawingml/2006/main" xmlns:r="http://schemas.openxmlformats.org/officeDocument/2006/relationships" xmlns:p="http://schemas.openxmlformats.org/presentationml/2006/main">
+  <p:cSld>
+    <p:spTree>
+      <p:nvGrpSpPr>
+        <p:cNvPr id="1" name=""/>
+        <p:cNvGrpSpPr/>
+        <p:nvPr/>
+      </p:nvGrpSpPr>
+      <p:grpSpPr>
+        <a:xfrm>
+          <a:off x="0" y="0"/>
+          <a:ext cx="0" cy="0"/>
+          <a:chOff x="0" y="0"/>
+          <a:chExt cx="0" cy="0"/>
+        </a:xfrm>
+      </p:grpSpPr>
+      <p:sp>
+        <p:nvSpPr>
+          <p:cNvPr id="2" name="Title 1">
+            <a:extLst>
+              <a:ext uri="{FF2B5EF4-FFF2-40B4-BE49-F238E27FC236}">
+                <a16:creationId xmlns:a16="http://schemas.microsoft.com/office/drawing/2014/main" id="{00AFF480-C09C-EE59-8C9A-1991868B03F9}"/>
+              </a:ext>
+            </a:extLst>
+          </p:cNvPr>
+          <p:cNvSpPr>
+            <a:spLocks noGrp="1"/>
+          </p:cNvSpPr>
+          <p:nvPr>
+            <p:ph type="title"/>
+          </p:nvPr>
+        </p:nvSpPr>
+        <p:spPr>
+          <a:xfrm>
+            <a:off x="657224" y="499533"/>
+            <a:ext cx="10772775" cy="814917"/>
+          </a:xfrm>
+        </p:spPr>
+        <p:txBody>
+          <a:bodyPr/>
+          <a:lstStyle/>
+          <a:p>
+            <a:r>
+              <a:rPr lang="en-IN" dirty="0"/>
+              <a:t>Data Analysis</a:t>
+            </a:r>
+            <a:r>
+              <a:rPr lang="en-IN" sz="3600" dirty="0"/>
+              <a:t> – Verification Status</a:t>
+            </a:r>
+            <a:endParaRPr lang="en-IN" dirty="0"/>
+          </a:p>
+        </p:txBody>
+      </p:sp>
+      <p:sp>
+        <p:nvSpPr>
+          <p:cNvPr id="3" name="Content Placeholder 2">
+            <a:extLst>
+              <a:ext uri="{FF2B5EF4-FFF2-40B4-BE49-F238E27FC236}">
+                <a16:creationId xmlns:a16="http://schemas.microsoft.com/office/drawing/2014/main" id="{9AED37CA-F64D-4CE1-3D64-48A81505B507}"/>
+              </a:ext>
+            </a:extLst>
+          </p:cNvPr>
+          <p:cNvSpPr>
+            <a:spLocks noGrp="1"/>
+          </p:cNvSpPr>
+          <p:nvPr>
+            <p:ph idx="1"/>
+          </p:nvPr>
+        </p:nvSpPr>
+        <p:spPr>
+          <a:xfrm>
+            <a:off x="781052" y="1547812"/>
+            <a:ext cx="4867274" cy="3954357"/>
+          </a:xfrm>
+        </p:spPr>
+        <p:txBody>
+          <a:bodyPr>
+            <a:normAutofit/>
+          </a:bodyPr>
+          <a:lstStyle/>
+          <a:p>
+            <a:pPr>
+              <a:lnSpc>
+                <a:spcPct val="114000"/>
+              </a:lnSpc>
+            </a:pPr>
+            <a:r>
+              <a:rPr lang="en-IN" dirty="0">
+                <a:solidFill>
+                  <a:schemeClr val="tx1">
+                    <a:lumMod val="95000"/>
+                  </a:schemeClr>
+                </a:solidFill>
+              </a:rPr>
+              <a:t>Almost 44% of the loans are Not Verified.</a:t>
+            </a:r>
+          </a:p>
+          <a:p>
+            <a:pPr lvl="1">
+              <a:lnSpc>
+                <a:spcPct val="114000"/>
+              </a:lnSpc>
+            </a:pPr>
+            <a:r>
+              <a:rPr lang="en-IN" dirty="0">
+                <a:solidFill>
+                  <a:schemeClr val="tx1">
+                    <a:lumMod val="95000"/>
+                  </a:schemeClr>
+                </a:solidFill>
+              </a:rPr>
+              <a:t>This could be a reason for the defaulters.</a:t>
+            </a:r>
+          </a:p>
+        </p:txBody>
+      </p:sp>
+      <p:pic>
+        <p:nvPicPr>
+          <p:cNvPr id="8196" name="Picture 4">
+            <a:extLst>
+              <a:ext uri="{FF2B5EF4-FFF2-40B4-BE49-F238E27FC236}">
+                <a16:creationId xmlns:a16="http://schemas.microsoft.com/office/drawing/2014/main" id="{300C986A-1338-6D23-D614-C1591A6DC02B}"/>
+              </a:ext>
+            </a:extLst>
+          </p:cNvPr>
+          <p:cNvPicPr>
+            <a:picLocks noChangeAspect="1" noChangeArrowheads="1"/>
+          </p:cNvPicPr>
+          <p:nvPr/>
+        </p:nvPicPr>
+        <p:blipFill>
+          <a:blip r:embed="rId2">
+            <a:extLst>
+              <a:ext uri="{28A0092B-C50C-407E-A947-70E740481C1C}">
+                <a14:useLocalDpi xmlns:a14="http://schemas.microsoft.com/office/drawing/2010/main" val="0"/>
+              </a:ext>
+            </a:extLst>
+          </a:blip>
+          <a:srcRect/>
+          <a:stretch>
+            <a:fillRect/>
+          </a:stretch>
+        </p:blipFill>
+        <p:spPr bwMode="auto">
+          <a:xfrm>
+            <a:off x="6096000" y="1547813"/>
+            <a:ext cx="5506208" cy="4376738"/>
+          </a:xfrm>
+          <a:prstGeom prst="rect">
+            <a:avLst/>
+          </a:prstGeom>
+          <a:noFill/>
+          <a:extLst>
+            <a:ext uri="{909E8E84-426E-40DD-AFC4-6F175D3DCCD1}">
+              <a14:hiddenFill xmlns:a14="http://schemas.microsoft.com/office/drawing/2010/main">
+                <a:solidFill>
+                  <a:srgbClr val="FFFFFF"/>
+                </a:solidFill>
+              </a14:hiddenFill>
+            </a:ext>
+          </a:extLst>
+        </p:spPr>
+      </p:pic>
+    </p:spTree>
+    <p:extLst>
+      <p:ext uri="{BB962C8B-B14F-4D97-AF65-F5344CB8AC3E}">
+        <p14:creationId xmlns:p14="http://schemas.microsoft.com/office/powerpoint/2010/main" val="4157932811"/>
+      </p:ext>
+    </p:extLst>
+  </p:cSld>
+  <p:clrMapOvr>
+    <a:masterClrMapping/>
+  </p:clrMapOvr>
+  <mc:AlternateContent xmlns:mc="http://schemas.openxmlformats.org/markup-compatibility/2006">
+    <mc:Choice xmlns:p14="http://schemas.microsoft.com/office/powerpoint/2010/main" Requires="p14">
+      <p:transition spd="med" p14:dur="700">
+        <p:fade/>
+      </p:transition>
+    </mc:Choice>
+    <mc:Fallback>
+      <p:transition spd="med">
+        <p:fade/>
+      </p:transition>
+    </mc:Fallback>
+  </mc:AlternateContent>
+</p:sld>
+</file>
+
+<file path=ppt/slides/slide15.xml><?xml version="1.0" encoding="utf-8"?>
+<p:sld xmlns:a="http://schemas.openxmlformats.org/drawingml/2006/main" xmlns:r="http://schemas.openxmlformats.org/officeDocument/2006/relationships" xmlns:p="http://schemas.openxmlformats.org/presentationml/2006/main">
+  <p:cSld>
+    <p:spTree>
+      <p:nvGrpSpPr>
+        <p:cNvPr id="1" name=""/>
+        <p:cNvGrpSpPr/>
+        <p:nvPr/>
+      </p:nvGrpSpPr>
+      <p:grpSpPr>
+        <a:xfrm>
+          <a:off x="0" y="0"/>
+          <a:ext cx="0" cy="0"/>
+          <a:chOff x="0" y="0"/>
+          <a:chExt cx="0" cy="0"/>
+        </a:xfrm>
+      </p:grpSpPr>
+      <p:sp>
+        <p:nvSpPr>
+          <p:cNvPr id="2" name="Title 1">
+            <a:extLst>
+              <a:ext uri="{FF2B5EF4-FFF2-40B4-BE49-F238E27FC236}">
+                <a16:creationId xmlns:a16="http://schemas.microsoft.com/office/drawing/2014/main" id="{00AFF480-C09C-EE59-8C9A-1991868B03F9}"/>
+              </a:ext>
+            </a:extLst>
+          </p:cNvPr>
+          <p:cNvSpPr>
+            <a:spLocks noGrp="1"/>
+          </p:cNvSpPr>
+          <p:nvPr>
+            <p:ph type="title"/>
+          </p:nvPr>
+        </p:nvSpPr>
+        <p:spPr>
+          <a:xfrm>
+            <a:off x="657224" y="499533"/>
+            <a:ext cx="10772775" cy="814917"/>
+          </a:xfrm>
+        </p:spPr>
+        <p:txBody>
+          <a:bodyPr/>
+          <a:lstStyle/>
+          <a:p>
+            <a:r>
+              <a:rPr lang="en-IN" dirty="0"/>
+              <a:t>Data Analysis</a:t>
+            </a:r>
+            <a:r>
+              <a:rPr lang="en-IN" sz="3600" dirty="0"/>
+              <a:t> – Issue Month &amp; Year</a:t>
+            </a:r>
+            <a:endParaRPr lang="en-IN" dirty="0"/>
+          </a:p>
+        </p:txBody>
+      </p:sp>
+      <p:sp>
+        <p:nvSpPr>
+          <p:cNvPr id="3" name="Content Placeholder 2">
+            <a:extLst>
+              <a:ext uri="{FF2B5EF4-FFF2-40B4-BE49-F238E27FC236}">
+                <a16:creationId xmlns:a16="http://schemas.microsoft.com/office/drawing/2014/main" id="{9AED37CA-F64D-4CE1-3D64-48A81505B507}"/>
+              </a:ext>
+            </a:extLst>
+          </p:cNvPr>
+          <p:cNvSpPr>
+            <a:spLocks noGrp="1"/>
+          </p:cNvSpPr>
+          <p:nvPr>
+            <p:ph idx="1"/>
+          </p:nvPr>
+        </p:nvSpPr>
+        <p:spPr>
+          <a:xfrm>
+            <a:off x="657224" y="5168746"/>
+            <a:ext cx="11344273" cy="1346354"/>
+          </a:xfrm>
+        </p:spPr>
+        <p:txBody>
+          <a:bodyPr>
+            <a:normAutofit fontScale="92500" lnSpcReduction="10000"/>
+          </a:bodyPr>
+          <a:lstStyle/>
+          <a:p>
+            <a:pPr>
+              <a:lnSpc>
+                <a:spcPct val="114000"/>
+              </a:lnSpc>
+            </a:pPr>
+            <a:r>
+              <a:rPr lang="en-IN" sz="2000" dirty="0">
+                <a:solidFill>
+                  <a:schemeClr val="tx1">
+                    <a:lumMod val="95000"/>
+                  </a:schemeClr>
+                </a:solidFill>
+              </a:rPr>
+              <a:t>We observe there is a consistent increase of loans issued YOY (Year-on-year).</a:t>
+            </a:r>
+          </a:p>
+          <a:p>
+            <a:pPr>
+              <a:lnSpc>
+                <a:spcPct val="114000"/>
+              </a:lnSpc>
+            </a:pPr>
+            <a:r>
+              <a:rPr lang="en-IN" sz="2000" dirty="0">
+                <a:solidFill>
+                  <a:schemeClr val="tx1">
+                    <a:lumMod val="95000"/>
+                  </a:schemeClr>
+                </a:solidFill>
+              </a:rPr>
+              <a:t>We observe most of the loans are taken during the year 2011.</a:t>
+            </a:r>
+          </a:p>
+          <a:p>
+            <a:pPr>
+              <a:lnSpc>
+                <a:spcPct val="114000"/>
+              </a:lnSpc>
+            </a:pPr>
+            <a:r>
+              <a:rPr lang="en-IN" sz="2000" dirty="0">
+                <a:solidFill>
+                  <a:schemeClr val="tx1">
+                    <a:lumMod val="95000"/>
+                  </a:schemeClr>
+                </a:solidFill>
+              </a:rPr>
+              <a:t>Also, most of the loans are issued during the December.</a:t>
+            </a:r>
+          </a:p>
+        </p:txBody>
+      </p:sp>
+      <p:pic>
+        <p:nvPicPr>
+          <p:cNvPr id="9218" name="Picture 2">
+            <a:extLst>
+              <a:ext uri="{FF2B5EF4-FFF2-40B4-BE49-F238E27FC236}">
+                <a16:creationId xmlns:a16="http://schemas.microsoft.com/office/drawing/2014/main" id="{AE2EABEA-1416-C67F-F853-810541EABE18}"/>
+              </a:ext>
+            </a:extLst>
+          </p:cNvPr>
+          <p:cNvPicPr>
+            <a:picLocks noChangeAspect="1" noChangeArrowheads="1"/>
+          </p:cNvPicPr>
+          <p:nvPr/>
+        </p:nvPicPr>
+        <p:blipFill>
+          <a:blip r:embed="rId2">
+            <a:extLst>
+              <a:ext uri="{28A0092B-C50C-407E-A947-70E740481C1C}">
+                <a14:useLocalDpi xmlns:a14="http://schemas.microsoft.com/office/drawing/2010/main" val="0"/>
+              </a:ext>
+            </a:extLst>
+          </a:blip>
+          <a:srcRect/>
+          <a:stretch>
+            <a:fillRect/>
+          </a:stretch>
+        </p:blipFill>
+        <p:spPr bwMode="auto">
+          <a:xfrm>
+            <a:off x="5329236" y="1512928"/>
+            <a:ext cx="4260058" cy="3276411"/>
+          </a:xfrm>
+          <a:prstGeom prst="rect">
+            <a:avLst/>
+          </a:prstGeom>
+          <a:noFill/>
+          <a:extLst>
+            <a:ext uri="{909E8E84-426E-40DD-AFC4-6F175D3DCCD1}">
+              <a14:hiddenFill xmlns:a14="http://schemas.microsoft.com/office/drawing/2010/main">
+                <a:solidFill>
+                  <a:srgbClr val="FFFFFF"/>
+                </a:solidFill>
+              </a14:hiddenFill>
+            </a:ext>
+          </a:extLst>
+        </p:spPr>
+      </p:pic>
+      <p:pic>
+        <p:nvPicPr>
+          <p:cNvPr id="9220" name="Picture 4">
+            <a:extLst>
+              <a:ext uri="{FF2B5EF4-FFF2-40B4-BE49-F238E27FC236}">
+                <a16:creationId xmlns:a16="http://schemas.microsoft.com/office/drawing/2014/main" id="{2A4E8F71-7E77-CD78-4EAE-8393208492D0}"/>
+              </a:ext>
+            </a:extLst>
+          </p:cNvPr>
+          <p:cNvPicPr>
+            <a:picLocks noChangeAspect="1" noChangeArrowheads="1"/>
+          </p:cNvPicPr>
+          <p:nvPr/>
+        </p:nvPicPr>
+        <p:blipFill>
+          <a:blip r:embed="rId3">
+            <a:extLst>
+              <a:ext uri="{28A0092B-C50C-407E-A947-70E740481C1C}">
+                <a14:useLocalDpi xmlns:a14="http://schemas.microsoft.com/office/drawing/2010/main" val="0"/>
+              </a:ext>
+            </a:extLst>
+          </a:blip>
+          <a:srcRect/>
+          <a:stretch>
+            <a:fillRect/>
+          </a:stretch>
+        </p:blipFill>
+        <p:spPr bwMode="auto">
+          <a:xfrm>
+            <a:off x="797718" y="1462088"/>
+            <a:ext cx="4260058" cy="3327252"/>
+          </a:xfrm>
+          <a:prstGeom prst="rect">
+            <a:avLst/>
+          </a:prstGeom>
+          <a:noFill/>
+          <a:extLst>
+            <a:ext uri="{909E8E84-426E-40DD-AFC4-6F175D3DCCD1}">
+              <a14:hiddenFill xmlns:a14="http://schemas.microsoft.com/office/drawing/2010/main">
+                <a:solidFill>
+                  <a:srgbClr val="FFFFFF"/>
+                </a:solidFill>
+              </a14:hiddenFill>
+            </a:ext>
+          </a:extLst>
+        </p:spPr>
+      </p:pic>
+    </p:spTree>
+    <p:extLst>
+      <p:ext uri="{BB962C8B-B14F-4D97-AF65-F5344CB8AC3E}">
+        <p14:creationId xmlns:p14="http://schemas.microsoft.com/office/powerpoint/2010/main" val="792256478"/>
+      </p:ext>
+    </p:extLst>
+  </p:cSld>
+  <p:clrMapOvr>
+    <a:masterClrMapping/>
+  </p:clrMapOvr>
+  <mc:AlternateContent xmlns:mc="http://schemas.openxmlformats.org/markup-compatibility/2006">
+    <mc:Choice xmlns:p14="http://schemas.microsoft.com/office/powerpoint/2010/main" Requires="p14">
+      <p:transition spd="med" p14:dur="700">
+        <p:fade/>
+      </p:transition>
+    </mc:Choice>
+    <mc:Fallback>
+      <p:transition spd="med">
+        <p:fade/>
+      </p:transition>
+    </mc:Fallback>
+  </mc:AlternateContent>
+</p:sld>
+</file>
+
+<file path=ppt/slides/slide16.xml><?xml version="1.0" encoding="utf-8"?>
+<p:sld xmlns:a="http://schemas.openxmlformats.org/drawingml/2006/main" xmlns:r="http://schemas.openxmlformats.org/officeDocument/2006/relationships" xmlns:p="http://schemas.openxmlformats.org/presentationml/2006/main">
+  <p:cSld>
+    <p:spTree>
+      <p:nvGrpSpPr>
+        <p:cNvPr id="1" name=""/>
+        <p:cNvGrpSpPr/>
+        <p:nvPr/>
+      </p:nvGrpSpPr>
+      <p:grpSpPr>
+        <a:xfrm>
+          <a:off x="0" y="0"/>
+          <a:ext cx="0" cy="0"/>
+          <a:chOff x="0" y="0"/>
+          <a:chExt cx="0" cy="0"/>
+        </a:xfrm>
+      </p:grpSpPr>
+      <p:sp>
+        <p:nvSpPr>
+          <p:cNvPr id="2" name="Title 1">
+            <a:extLst>
+              <a:ext uri="{FF2B5EF4-FFF2-40B4-BE49-F238E27FC236}">
+                <a16:creationId xmlns:a16="http://schemas.microsoft.com/office/drawing/2014/main" id="{00AFF480-C09C-EE59-8C9A-1991868B03F9}"/>
+              </a:ext>
+            </a:extLst>
+          </p:cNvPr>
+          <p:cNvSpPr>
+            <a:spLocks noGrp="1"/>
+          </p:cNvSpPr>
+          <p:nvPr>
+            <p:ph type="title"/>
+          </p:nvPr>
+        </p:nvSpPr>
+        <p:spPr>
+          <a:xfrm>
+            <a:off x="657224" y="499533"/>
+            <a:ext cx="10772775" cy="814917"/>
+          </a:xfrm>
+        </p:spPr>
+        <p:txBody>
+          <a:bodyPr/>
+          <a:lstStyle/>
+          <a:p>
+            <a:r>
+              <a:rPr lang="en-IN" dirty="0"/>
+              <a:t>Data Analysis</a:t>
+            </a:r>
+            <a:r>
+              <a:rPr lang="en-IN" sz="3600" dirty="0"/>
+              <a:t> – State</a:t>
+            </a:r>
+          </a:p>
+        </p:txBody>
+      </p:sp>
+      <p:sp>
+        <p:nvSpPr>
+          <p:cNvPr id="3" name="Content Placeholder 2">
+            <a:extLst>
+              <a:ext uri="{FF2B5EF4-FFF2-40B4-BE49-F238E27FC236}">
+                <a16:creationId xmlns:a16="http://schemas.microsoft.com/office/drawing/2014/main" id="{9AED37CA-F64D-4CE1-3D64-48A81505B507}"/>
+              </a:ext>
+            </a:extLst>
+          </p:cNvPr>
+          <p:cNvSpPr>
+            <a:spLocks noGrp="1"/>
+          </p:cNvSpPr>
+          <p:nvPr>
+            <p:ph idx="1"/>
+          </p:nvPr>
+        </p:nvSpPr>
+        <p:spPr>
+          <a:xfrm>
+            <a:off x="657224" y="5545238"/>
+            <a:ext cx="10753725" cy="598387"/>
+          </a:xfrm>
+        </p:spPr>
+        <p:txBody>
+          <a:bodyPr>
+            <a:normAutofit/>
+          </a:bodyPr>
+          <a:lstStyle/>
+          <a:p>
+            <a:r>
+              <a:rPr lang="en-IN" sz="2000" dirty="0">
+                <a:solidFill>
+                  <a:schemeClr val="tx1">
+                    <a:lumMod val="95000"/>
+                  </a:schemeClr>
+                </a:solidFill>
+              </a:rPr>
+              <a:t>The state CA has abnormally high amount of loans issued.</a:t>
+            </a:r>
+          </a:p>
+        </p:txBody>
+      </p:sp>
+      <p:pic>
+        <p:nvPicPr>
+          <p:cNvPr id="10242" name="Picture 2">
+            <a:extLst>
+              <a:ext uri="{FF2B5EF4-FFF2-40B4-BE49-F238E27FC236}">
+                <a16:creationId xmlns:a16="http://schemas.microsoft.com/office/drawing/2014/main" id="{07D8846D-4C5E-53F6-8B3A-FA429F7CF3EB}"/>
+              </a:ext>
+            </a:extLst>
+          </p:cNvPr>
+          <p:cNvPicPr>
+            <a:picLocks noChangeAspect="1" noChangeArrowheads="1"/>
+          </p:cNvPicPr>
+          <p:nvPr/>
+        </p:nvPicPr>
+        <p:blipFill>
+          <a:blip r:embed="rId2">
+            <a:extLst>
+              <a:ext uri="{28A0092B-C50C-407E-A947-70E740481C1C}">
+                <a14:useLocalDpi xmlns:a14="http://schemas.microsoft.com/office/drawing/2010/main" val="0"/>
+              </a:ext>
+            </a:extLst>
+          </a:blip>
+          <a:srcRect/>
+          <a:stretch>
+            <a:fillRect/>
+          </a:stretch>
+        </p:blipFill>
+        <p:spPr bwMode="auto">
+          <a:xfrm>
+            <a:off x="723899" y="1409700"/>
+            <a:ext cx="9972675" cy="3933994"/>
+          </a:xfrm>
+          <a:prstGeom prst="rect">
+            <a:avLst/>
+          </a:prstGeom>
+          <a:noFill/>
+          <a:extLst>
+            <a:ext uri="{909E8E84-426E-40DD-AFC4-6F175D3DCCD1}">
+              <a14:hiddenFill xmlns:a14="http://schemas.microsoft.com/office/drawing/2010/main">
+                <a:solidFill>
+                  <a:srgbClr val="FFFFFF"/>
+                </a:solidFill>
+              </a14:hiddenFill>
+            </a:ext>
+          </a:extLst>
+        </p:spPr>
+      </p:pic>
+    </p:spTree>
+    <p:extLst>
+      <p:ext uri="{BB962C8B-B14F-4D97-AF65-F5344CB8AC3E}">
+        <p14:creationId xmlns:p14="http://schemas.microsoft.com/office/powerpoint/2010/main" val="4086824581"/>
+      </p:ext>
+    </p:extLst>
+  </p:cSld>
+  <p:clrMapOvr>
+    <a:masterClrMapping/>
+  </p:clrMapOvr>
+  <mc:AlternateContent xmlns:mc="http://schemas.openxmlformats.org/markup-compatibility/2006">
+    <mc:Choice xmlns:p14="http://schemas.microsoft.com/office/powerpoint/2010/main" Requires="p14">
+      <p:transition spd="med" p14:dur="700">
+        <p:fade/>
+      </p:transition>
+    </mc:Choice>
+    <mc:Fallback>
+      <p:transition spd="med">
+        <p:fade/>
+      </p:transition>
+    </mc:Fallback>
+  </mc:AlternateContent>
+</p:sld>
+</file>
+
+<file path=ppt/slides/slide17.xml><?xml version="1.0" encoding="utf-8"?>
+<p:sld xmlns:a="http://schemas.openxmlformats.org/drawingml/2006/main" xmlns:r="http://schemas.openxmlformats.org/officeDocument/2006/relationships" xmlns:p="http://schemas.openxmlformats.org/presentationml/2006/main">
+  <p:cSld>
+    <p:spTree>
+      <p:nvGrpSpPr>
+        <p:cNvPr id="1" name=""/>
+        <p:cNvGrpSpPr/>
+        <p:nvPr/>
+      </p:nvGrpSpPr>
+      <p:grpSpPr>
+        <a:xfrm>
+          <a:off x="0" y="0"/>
+          <a:ext cx="0" cy="0"/>
+          <a:chOff x="0" y="0"/>
+          <a:chExt cx="0" cy="0"/>
+        </a:xfrm>
+      </p:grpSpPr>
+      <p:sp>
+        <p:nvSpPr>
+          <p:cNvPr id="2" name="Title 1">
+            <a:extLst>
+              <a:ext uri="{FF2B5EF4-FFF2-40B4-BE49-F238E27FC236}">
+                <a16:creationId xmlns:a16="http://schemas.microsoft.com/office/drawing/2014/main" id="{00AFF480-C09C-EE59-8C9A-1991868B03F9}"/>
+              </a:ext>
+            </a:extLst>
+          </p:cNvPr>
+          <p:cNvSpPr>
+            <a:spLocks noGrp="1"/>
+          </p:cNvSpPr>
+          <p:nvPr>
+            <p:ph type="title"/>
+          </p:nvPr>
+        </p:nvSpPr>
+        <p:spPr>
+          <a:xfrm>
+            <a:off x="657224" y="499533"/>
+            <a:ext cx="10772775" cy="814917"/>
+          </a:xfrm>
+        </p:spPr>
+        <p:txBody>
+          <a:bodyPr/>
+          <a:lstStyle/>
+          <a:p>
+            <a:r>
+              <a:rPr lang="en-IN" dirty="0"/>
+              <a:t>Data Analysis</a:t>
+            </a:r>
+            <a:r>
+              <a:rPr lang="en-IN" sz="3600" dirty="0"/>
+              <a:t> – State </a:t>
+            </a:r>
+            <a:r>
+              <a:rPr lang="en-IN" sz="2800" dirty="0"/>
+              <a:t>(contd.)</a:t>
+            </a:r>
+            <a:endParaRPr lang="en-IN" sz="3600" dirty="0"/>
+          </a:p>
+        </p:txBody>
+      </p:sp>
+      <p:sp>
+        <p:nvSpPr>
+          <p:cNvPr id="3" name="Content Placeholder 2">
+            <a:extLst>
+              <a:ext uri="{FF2B5EF4-FFF2-40B4-BE49-F238E27FC236}">
+                <a16:creationId xmlns:a16="http://schemas.microsoft.com/office/drawing/2014/main" id="{9AED37CA-F64D-4CE1-3D64-48A81505B507}"/>
+              </a:ext>
+            </a:extLst>
+          </p:cNvPr>
+          <p:cNvSpPr>
+            <a:spLocks noGrp="1"/>
+          </p:cNvSpPr>
+          <p:nvPr>
+            <p:ph idx="1"/>
+          </p:nvPr>
+        </p:nvSpPr>
+        <p:spPr>
+          <a:xfrm>
+            <a:off x="657224" y="5545238"/>
+            <a:ext cx="10753725" cy="598387"/>
+          </a:xfrm>
+        </p:spPr>
+        <p:txBody>
+          <a:bodyPr>
+            <a:normAutofit/>
+          </a:bodyPr>
+          <a:lstStyle/>
+          <a:p>
+            <a:r>
+              <a:rPr lang="en-IN" sz="2000" dirty="0">
+                <a:solidFill>
+                  <a:schemeClr val="tx1">
+                    <a:lumMod val="95000"/>
+                  </a:schemeClr>
+                </a:solidFill>
+              </a:rPr>
+              <a:t>We Observe that the State: NE has more % of loans charged off</a:t>
+            </a:r>
+          </a:p>
+        </p:txBody>
+      </p:sp>
+      <p:pic>
+        <p:nvPicPr>
+          <p:cNvPr id="11266" name="Picture 2">
+            <a:extLst>
+              <a:ext uri="{FF2B5EF4-FFF2-40B4-BE49-F238E27FC236}">
+                <a16:creationId xmlns:a16="http://schemas.microsoft.com/office/drawing/2014/main" id="{69464793-355D-96DB-5E48-D7EEE6915BA5}"/>
+              </a:ext>
+            </a:extLst>
+          </p:cNvPr>
+          <p:cNvPicPr>
+            <a:picLocks noChangeAspect="1" noChangeArrowheads="1"/>
+          </p:cNvPicPr>
+          <p:nvPr/>
+        </p:nvPicPr>
+        <p:blipFill>
+          <a:blip r:embed="rId2">
+            <a:extLst>
+              <a:ext uri="{28A0092B-C50C-407E-A947-70E740481C1C}">
+                <a14:useLocalDpi xmlns:a14="http://schemas.microsoft.com/office/drawing/2010/main" val="0"/>
+              </a:ext>
+            </a:extLst>
+          </a:blip>
+          <a:srcRect/>
+          <a:stretch>
+            <a:fillRect/>
+          </a:stretch>
+        </p:blipFill>
+        <p:spPr bwMode="auto">
+          <a:xfrm>
+            <a:off x="762001" y="1314449"/>
+            <a:ext cx="9877424" cy="4002487"/>
+          </a:xfrm>
+          <a:prstGeom prst="rect">
+            <a:avLst/>
+          </a:prstGeom>
+          <a:noFill/>
+          <a:extLst>
+            <a:ext uri="{909E8E84-426E-40DD-AFC4-6F175D3DCCD1}">
+              <a14:hiddenFill xmlns:a14="http://schemas.microsoft.com/office/drawing/2010/main">
+                <a:solidFill>
+                  <a:srgbClr val="FFFFFF"/>
+                </a:solidFill>
+              </a14:hiddenFill>
+            </a:ext>
+          </a:extLst>
+        </p:spPr>
+      </p:pic>
+    </p:spTree>
+    <p:extLst>
+      <p:ext uri="{BB962C8B-B14F-4D97-AF65-F5344CB8AC3E}">
+        <p14:creationId xmlns:p14="http://schemas.microsoft.com/office/powerpoint/2010/main" val="1899106958"/>
+      </p:ext>
+    </p:extLst>
+  </p:cSld>
+  <p:clrMapOvr>
+    <a:masterClrMapping/>
+  </p:clrMapOvr>
+  <mc:AlternateContent xmlns:mc="http://schemas.openxmlformats.org/markup-compatibility/2006">
+    <mc:Choice xmlns:p14="http://schemas.microsoft.com/office/powerpoint/2010/main" Requires="p14">
+      <p:transition spd="med" p14:dur="700">
+        <p:fade/>
+      </p:transition>
+    </mc:Choice>
+    <mc:Fallback>
+      <p:transition spd="med">
+        <p:fade/>
+      </p:transition>
+    </mc:Fallback>
+  </mc:AlternateContent>
+</p:sld>
+</file>
+
+<file path=ppt/slides/slide18.xml><?xml version="1.0" encoding="utf-8"?>
+<p:sld xmlns:a="http://schemas.openxmlformats.org/drawingml/2006/main" xmlns:r="http://schemas.openxmlformats.org/officeDocument/2006/relationships" xmlns:p="http://schemas.openxmlformats.org/presentationml/2006/main">
+  <p:cSld>
+    <p:spTree>
+      <p:nvGrpSpPr>
+        <p:cNvPr id="1" name=""/>
+        <p:cNvGrpSpPr/>
+        <p:nvPr/>
+      </p:nvGrpSpPr>
+      <p:grpSpPr>
+        <a:xfrm>
+          <a:off x="0" y="0"/>
+          <a:ext cx="0" cy="0"/>
+          <a:chOff x="0" y="0"/>
+          <a:chExt cx="0" cy="0"/>
+        </a:xfrm>
+      </p:grpSpPr>
+      <p:sp>
+        <p:nvSpPr>
+          <p:cNvPr id="2" name="Title 1">
+            <a:extLst>
+              <a:ext uri="{FF2B5EF4-FFF2-40B4-BE49-F238E27FC236}">
+                <a16:creationId xmlns:a16="http://schemas.microsoft.com/office/drawing/2014/main" id="{00AFF480-C09C-EE59-8C9A-1991868B03F9}"/>
+              </a:ext>
+            </a:extLst>
+          </p:cNvPr>
+          <p:cNvSpPr>
+            <a:spLocks noGrp="1"/>
+          </p:cNvSpPr>
+          <p:nvPr>
+            <p:ph type="title"/>
+          </p:nvPr>
+        </p:nvSpPr>
+        <p:spPr>
+          <a:xfrm>
+            <a:off x="657224" y="499533"/>
+            <a:ext cx="10772775" cy="814917"/>
+          </a:xfrm>
+        </p:spPr>
+        <p:txBody>
+          <a:bodyPr/>
+          <a:lstStyle/>
+          <a:p>
+            <a:r>
+              <a:rPr lang="en-IN" dirty="0"/>
+              <a:t>Data Analysis</a:t>
+            </a:r>
+            <a:r>
+              <a:rPr lang="en-IN" sz="3600" dirty="0"/>
+              <a:t> – Grade</a:t>
+            </a:r>
+          </a:p>
+        </p:txBody>
+      </p:sp>
+      <p:sp>
+        <p:nvSpPr>
+          <p:cNvPr id="3" name="Content Placeholder 2">
+            <a:extLst>
+              <a:ext uri="{FF2B5EF4-FFF2-40B4-BE49-F238E27FC236}">
+                <a16:creationId xmlns:a16="http://schemas.microsoft.com/office/drawing/2014/main" id="{9AED37CA-F64D-4CE1-3D64-48A81505B507}"/>
+              </a:ext>
+            </a:extLst>
+          </p:cNvPr>
+          <p:cNvSpPr>
+            <a:spLocks noGrp="1"/>
+          </p:cNvSpPr>
+          <p:nvPr>
+            <p:ph idx="1"/>
+          </p:nvPr>
+        </p:nvSpPr>
+        <p:spPr>
+          <a:xfrm>
+            <a:off x="657224" y="5222450"/>
+            <a:ext cx="10753725" cy="921176"/>
+          </a:xfrm>
+        </p:spPr>
+        <p:txBody>
+          <a:bodyPr>
+            <a:normAutofit/>
+          </a:bodyPr>
+          <a:lstStyle/>
+          <a:p>
+            <a:r>
+              <a:rPr lang="en-IN" sz="2000" dirty="0">
+                <a:solidFill>
+                  <a:schemeClr val="tx1">
+                    <a:lumMod val="95000"/>
+                  </a:schemeClr>
+                </a:solidFill>
+              </a:rPr>
+              <a:t>Most of the loans issued are under grade B;</a:t>
+            </a:r>
+          </a:p>
+          <a:p>
+            <a:r>
+              <a:rPr lang="en-IN" sz="2000" dirty="0">
+                <a:solidFill>
+                  <a:schemeClr val="tx1">
+                    <a:lumMod val="95000"/>
+                  </a:schemeClr>
+                </a:solidFill>
+              </a:rPr>
+              <a:t>While more % of loans are charged off under the grade G.</a:t>
+            </a:r>
+          </a:p>
+        </p:txBody>
+      </p:sp>
+      <p:pic>
+        <p:nvPicPr>
+          <p:cNvPr id="12290" name="Picture 2">
+            <a:extLst>
+              <a:ext uri="{FF2B5EF4-FFF2-40B4-BE49-F238E27FC236}">
+                <a16:creationId xmlns:a16="http://schemas.microsoft.com/office/drawing/2014/main" id="{3605961B-CC64-F3F1-A5FD-53398F17D36C}"/>
+              </a:ext>
+            </a:extLst>
+          </p:cNvPr>
+          <p:cNvPicPr>
+            <a:picLocks noChangeAspect="1" noChangeArrowheads="1"/>
+          </p:cNvPicPr>
+          <p:nvPr/>
+        </p:nvPicPr>
+        <p:blipFill>
+          <a:blip r:embed="rId2">
+            <a:extLst>
+              <a:ext uri="{28A0092B-C50C-407E-A947-70E740481C1C}">
+                <a14:useLocalDpi xmlns:a14="http://schemas.microsoft.com/office/drawing/2010/main" val="0"/>
+              </a:ext>
+            </a:extLst>
+          </a:blip>
+          <a:srcRect/>
+          <a:stretch>
+            <a:fillRect/>
+          </a:stretch>
+        </p:blipFill>
+        <p:spPr bwMode="auto">
+          <a:xfrm>
+            <a:off x="5333526" y="1903596"/>
+            <a:ext cx="3791621" cy="3050807"/>
+          </a:xfrm>
+          <a:prstGeom prst="rect">
+            <a:avLst/>
+          </a:prstGeom>
+          <a:noFill/>
+          <a:extLst>
+            <a:ext uri="{909E8E84-426E-40DD-AFC4-6F175D3DCCD1}">
+              <a14:hiddenFill xmlns:a14="http://schemas.microsoft.com/office/drawing/2010/main">
+                <a:solidFill>
+                  <a:srgbClr val="FFFFFF"/>
+                </a:solidFill>
+              </a14:hiddenFill>
+            </a:ext>
+          </a:extLst>
+        </p:spPr>
+      </p:pic>
+      <p:pic>
+        <p:nvPicPr>
+          <p:cNvPr id="12294" name="Picture 6">
+            <a:extLst>
+              <a:ext uri="{FF2B5EF4-FFF2-40B4-BE49-F238E27FC236}">
+                <a16:creationId xmlns:a16="http://schemas.microsoft.com/office/drawing/2014/main" id="{66C329A1-8749-66E1-BBD1-691ED5133583}"/>
+              </a:ext>
+            </a:extLst>
+          </p:cNvPr>
+          <p:cNvPicPr>
+            <a:picLocks noChangeAspect="1" noChangeArrowheads="1"/>
+          </p:cNvPicPr>
+          <p:nvPr/>
+        </p:nvPicPr>
+        <p:blipFill>
+          <a:blip r:embed="rId3">
+            <a:extLst>
+              <a:ext uri="{28A0092B-C50C-407E-A947-70E740481C1C}">
+                <a14:useLocalDpi xmlns:a14="http://schemas.microsoft.com/office/drawing/2010/main" val="0"/>
+              </a:ext>
+            </a:extLst>
+          </a:blip>
+          <a:srcRect/>
+          <a:stretch>
+            <a:fillRect/>
+          </a:stretch>
+        </p:blipFill>
+        <p:spPr bwMode="auto">
+          <a:xfrm>
+            <a:off x="790478" y="1899859"/>
+            <a:ext cx="3932351" cy="3024372"/>
+          </a:xfrm>
+          <a:prstGeom prst="rect">
+            <a:avLst/>
+          </a:prstGeom>
+          <a:noFill/>
+          <a:extLst>
+            <a:ext uri="{909E8E84-426E-40DD-AFC4-6F175D3DCCD1}">
+              <a14:hiddenFill xmlns:a14="http://schemas.microsoft.com/office/drawing/2010/main">
+                <a:solidFill>
+                  <a:srgbClr val="FFFFFF"/>
+                </a:solidFill>
+              </a14:hiddenFill>
+            </a:ext>
+          </a:extLst>
+        </p:spPr>
+      </p:pic>
+    </p:spTree>
+    <p:extLst>
+      <p:ext uri="{BB962C8B-B14F-4D97-AF65-F5344CB8AC3E}">
+        <p14:creationId xmlns:p14="http://schemas.microsoft.com/office/powerpoint/2010/main" val="520533789"/>
+      </p:ext>
+    </p:extLst>
+  </p:cSld>
+  <p:clrMapOvr>
+    <a:masterClrMapping/>
+  </p:clrMapOvr>
+  <mc:AlternateContent xmlns:mc="http://schemas.openxmlformats.org/markup-compatibility/2006">
+    <mc:Choice xmlns:p14="http://schemas.microsoft.com/office/powerpoint/2010/main" Requires="p14">
+      <p:transition spd="med" p14:dur="700">
+        <p:fade/>
+      </p:transition>
+    </mc:Choice>
+    <mc:Fallback>
+      <p:transition spd="med">
+        <p:fade/>
+      </p:transition>
+    </mc:Fallback>
+  </mc:AlternateContent>
+</p:sld>
+</file>
+
+<file path=ppt/slides/slide19.xml><?xml version="1.0" encoding="utf-8"?>
+<p:sld xmlns:a="http://schemas.openxmlformats.org/drawingml/2006/main" xmlns:r="http://schemas.openxmlformats.org/officeDocument/2006/relationships" xmlns:p="http://schemas.openxmlformats.org/presentationml/2006/main">
+  <p:cSld>
+    <p:spTree>
+      <p:nvGrpSpPr>
+        <p:cNvPr id="1" name=""/>
+        <p:cNvGrpSpPr/>
+        <p:nvPr/>
+      </p:nvGrpSpPr>
+      <p:grpSpPr>
+        <a:xfrm>
+          <a:off x="0" y="0"/>
+          <a:ext cx="0" cy="0"/>
+          <a:chOff x="0" y="0"/>
+          <a:chExt cx="0" cy="0"/>
+        </a:xfrm>
+      </p:grpSpPr>
+      <p:sp>
+        <p:nvSpPr>
+          <p:cNvPr id="2" name="Title 1">
+            <a:extLst>
+              <a:ext uri="{FF2B5EF4-FFF2-40B4-BE49-F238E27FC236}">
+                <a16:creationId xmlns:a16="http://schemas.microsoft.com/office/drawing/2014/main" id="{00AFF480-C09C-EE59-8C9A-1991868B03F9}"/>
+              </a:ext>
+            </a:extLst>
+          </p:cNvPr>
+          <p:cNvSpPr>
+            <a:spLocks noGrp="1"/>
+          </p:cNvSpPr>
+          <p:nvPr>
+            <p:ph type="title"/>
+          </p:nvPr>
+        </p:nvSpPr>
+        <p:spPr>
+          <a:xfrm>
+            <a:off x="657224" y="499533"/>
+            <a:ext cx="10772775" cy="814917"/>
+          </a:xfrm>
+        </p:spPr>
+        <p:txBody>
+          <a:bodyPr/>
+          <a:lstStyle/>
+          <a:p>
+            <a:r>
+              <a:rPr lang="en-IN" dirty="0"/>
+              <a:t>Data Analysis</a:t>
+            </a:r>
+            <a:r>
+              <a:rPr lang="en-IN" sz="3600" dirty="0"/>
+              <a:t> – Sub-Grade</a:t>
+            </a:r>
+          </a:p>
+        </p:txBody>
+      </p:sp>
+      <p:sp>
+        <p:nvSpPr>
+          <p:cNvPr id="3" name="Content Placeholder 2">
+            <a:extLst>
+              <a:ext uri="{FF2B5EF4-FFF2-40B4-BE49-F238E27FC236}">
+                <a16:creationId xmlns:a16="http://schemas.microsoft.com/office/drawing/2014/main" id="{9AED37CA-F64D-4CE1-3D64-48A81505B507}"/>
+              </a:ext>
+            </a:extLst>
+          </p:cNvPr>
+          <p:cNvSpPr>
+            <a:spLocks noGrp="1"/>
+          </p:cNvSpPr>
+          <p:nvPr>
+            <p:ph idx="1"/>
+          </p:nvPr>
+        </p:nvSpPr>
+        <p:spPr>
+          <a:xfrm>
+            <a:off x="657224" y="5222450"/>
+            <a:ext cx="10753725" cy="921176"/>
+          </a:xfrm>
+        </p:spPr>
+        <p:txBody>
+          <a:bodyPr>
+            <a:normAutofit/>
+          </a:bodyPr>
+          <a:lstStyle/>
+          <a:p>
+            <a:r>
+              <a:rPr lang="en-IN" sz="2000" dirty="0">
+                <a:solidFill>
+                  <a:schemeClr val="tx1">
+                    <a:lumMod val="95000"/>
+                  </a:schemeClr>
+                </a:solidFill>
+              </a:rPr>
+              <a:t>The sub-Grades F5 has more % of loans Charged Off. </a:t>
+            </a:r>
+          </a:p>
+          <a:p>
+            <a:r>
+              <a:rPr lang="en-IN" sz="2000" dirty="0">
+                <a:solidFill>
+                  <a:schemeClr val="tx1">
+                    <a:lumMod val="95000"/>
+                  </a:schemeClr>
+                </a:solidFill>
+              </a:rPr>
+              <a:t>The Sub-Grades G2, G2, G3, G5 seems to be at the top of the loans being Charged Off.</a:t>
+            </a:r>
+          </a:p>
+        </p:txBody>
+      </p:sp>
+      <p:pic>
+        <p:nvPicPr>
+          <p:cNvPr id="13316" name="Picture 4">
+            <a:extLst>
+              <a:ext uri="{FF2B5EF4-FFF2-40B4-BE49-F238E27FC236}">
+                <a16:creationId xmlns:a16="http://schemas.microsoft.com/office/drawing/2014/main" id="{49233F20-67B3-5226-71FA-6EE5DF1BA622}"/>
+              </a:ext>
+            </a:extLst>
+          </p:cNvPr>
+          <p:cNvPicPr>
+            <a:picLocks noChangeAspect="1" noChangeArrowheads="1"/>
+          </p:cNvPicPr>
+          <p:nvPr/>
+        </p:nvPicPr>
+        <p:blipFill>
+          <a:blip r:embed="rId2">
+            <a:extLst>
+              <a:ext uri="{28A0092B-C50C-407E-A947-70E740481C1C}">
+                <a14:useLocalDpi xmlns:a14="http://schemas.microsoft.com/office/drawing/2010/main" val="0"/>
+              </a:ext>
+            </a:extLst>
+          </a:blip>
+          <a:srcRect/>
+          <a:stretch>
+            <a:fillRect/>
+          </a:stretch>
+        </p:blipFill>
+        <p:spPr bwMode="auto">
+          <a:xfrm>
+            <a:off x="790221" y="1408669"/>
+            <a:ext cx="10931044" cy="3477655"/>
+          </a:xfrm>
+          <a:prstGeom prst="rect">
+            <a:avLst/>
+          </a:prstGeom>
+          <a:noFill/>
+          <a:extLst>
+            <a:ext uri="{909E8E84-426E-40DD-AFC4-6F175D3DCCD1}">
+              <a14:hiddenFill xmlns:a14="http://schemas.microsoft.com/office/drawing/2010/main">
+                <a:solidFill>
+                  <a:srgbClr val="FFFFFF"/>
+                </a:solidFill>
+              </a14:hiddenFill>
+            </a:ext>
+          </a:extLst>
+        </p:spPr>
+      </p:pic>
+    </p:spTree>
+    <p:extLst>
+      <p:ext uri="{BB962C8B-B14F-4D97-AF65-F5344CB8AC3E}">
+        <p14:creationId xmlns:p14="http://schemas.microsoft.com/office/powerpoint/2010/main" val="2272296879"/>
+      </p:ext>
+    </p:extLst>
+  </p:cSld>
+  <p:clrMapOvr>
+    <a:masterClrMapping/>
+  </p:clrMapOvr>
+  <mc:AlternateContent xmlns:mc="http://schemas.openxmlformats.org/markup-compatibility/2006">
+    <mc:Choice xmlns:p14="http://schemas.microsoft.com/office/powerpoint/2010/main" Requires="p14">
+      <p:transition spd="med" p14:dur="700">
+        <p:fade/>
+      </p:transition>
+    </mc:Choice>
+    <mc:Fallback>
+      <p:transition spd="med">
+        <p:fade/>
+      </p:transition>
+    </mc:Fallback>
+  </mc:AlternateContent>
+</p:sld>
+</file>
+
 <file path=ppt/slides/slide2.xml><?xml version="1.0" encoding="utf-8"?>
 <p:sld xmlns:a="http://schemas.openxmlformats.org/drawingml/2006/main" xmlns:r="http://schemas.openxmlformats.org/officeDocument/2006/relationships" xmlns:p="http://schemas.openxmlformats.org/presentationml/2006/main">
   <p:cSld>
@@ -9519,6 +11794,726 @@
     <p:extLst>
       <p:ext uri="{BB962C8B-B14F-4D97-AF65-F5344CB8AC3E}">
         <p14:creationId xmlns:p14="http://schemas.microsoft.com/office/powerpoint/2010/main" val="4001121652"/>
+      </p:ext>
+    </p:extLst>
+  </p:cSld>
+  <p:clrMapOvr>
+    <a:masterClrMapping/>
+  </p:clrMapOvr>
+  <mc:AlternateContent xmlns:mc="http://schemas.openxmlformats.org/markup-compatibility/2006" xmlns:p14="http://schemas.microsoft.com/office/powerpoint/2010/main">
+    <mc:Choice Requires="p14">
+      <p:transition spd="med" p14:dur="700">
+        <p:fade/>
+      </p:transition>
+    </mc:Choice>
+    <mc:Fallback xmlns="">
+      <p:transition spd="med">
+        <p:fade/>
+      </p:transition>
+    </mc:Fallback>
+  </mc:AlternateContent>
+</p:sld>
+</file>
+
+<file path=ppt/slides/slide20.xml><?xml version="1.0" encoding="utf-8"?>
+<p:sld xmlns:a="http://schemas.openxmlformats.org/drawingml/2006/main" xmlns:r="http://schemas.openxmlformats.org/officeDocument/2006/relationships" xmlns:p="http://schemas.openxmlformats.org/presentationml/2006/main">
+  <p:cSld>
+    <p:spTree>
+      <p:nvGrpSpPr>
+        <p:cNvPr id="1" name=""/>
+        <p:cNvGrpSpPr/>
+        <p:nvPr/>
+      </p:nvGrpSpPr>
+      <p:grpSpPr>
+        <a:xfrm>
+          <a:off x="0" y="0"/>
+          <a:ext cx="0" cy="0"/>
+          <a:chOff x="0" y="0"/>
+          <a:chExt cx="0" cy="0"/>
+        </a:xfrm>
+      </p:grpSpPr>
+      <p:sp>
+        <p:nvSpPr>
+          <p:cNvPr id="2" name="Title 1">
+            <a:extLst>
+              <a:ext uri="{FF2B5EF4-FFF2-40B4-BE49-F238E27FC236}">
+                <a16:creationId xmlns:a16="http://schemas.microsoft.com/office/drawing/2014/main" id="{00AFF480-C09C-EE59-8C9A-1991868B03F9}"/>
+              </a:ext>
+            </a:extLst>
+          </p:cNvPr>
+          <p:cNvSpPr>
+            <a:spLocks noGrp="1"/>
+          </p:cNvSpPr>
+          <p:nvPr>
+            <p:ph type="title"/>
+          </p:nvPr>
+        </p:nvSpPr>
+        <p:spPr>
+          <a:xfrm>
+            <a:off x="657224" y="499533"/>
+            <a:ext cx="10772775" cy="814917"/>
+          </a:xfrm>
+        </p:spPr>
+        <p:txBody>
+          <a:bodyPr/>
+          <a:lstStyle/>
+          <a:p>
+            <a:r>
+              <a:rPr lang="en-IN" dirty="0"/>
+              <a:t>Data Analysis</a:t>
+            </a:r>
+            <a:r>
+              <a:rPr lang="en-IN" sz="3600" dirty="0"/>
+              <a:t> – Home Ownership</a:t>
+            </a:r>
+          </a:p>
+        </p:txBody>
+      </p:sp>
+      <p:sp>
+        <p:nvSpPr>
+          <p:cNvPr id="3" name="Content Placeholder 2">
+            <a:extLst>
+              <a:ext uri="{FF2B5EF4-FFF2-40B4-BE49-F238E27FC236}">
+                <a16:creationId xmlns:a16="http://schemas.microsoft.com/office/drawing/2014/main" id="{9AED37CA-F64D-4CE1-3D64-48A81505B507}"/>
+              </a:ext>
+            </a:extLst>
+          </p:cNvPr>
+          <p:cNvSpPr>
+            <a:spLocks noGrp="1"/>
+          </p:cNvSpPr>
+          <p:nvPr>
+            <p:ph idx="1"/>
+          </p:nvPr>
+        </p:nvSpPr>
+        <p:spPr>
+          <a:xfrm>
+            <a:off x="5392132" y="1397768"/>
+            <a:ext cx="5448693" cy="3692706"/>
+          </a:xfrm>
+        </p:spPr>
+        <p:txBody>
+          <a:bodyPr>
+            <a:normAutofit/>
+          </a:bodyPr>
+          <a:lstStyle/>
+          <a:p>
+            <a:pPr>
+              <a:lnSpc>
+                <a:spcPct val="114000"/>
+              </a:lnSpc>
+            </a:pPr>
+            <a:r>
+              <a:rPr lang="en-IN" sz="2000" dirty="0">
+                <a:solidFill>
+                  <a:schemeClr val="tx1">
+                    <a:lumMod val="95000"/>
+                  </a:schemeClr>
+                </a:solidFill>
+              </a:rPr>
+              <a:t>More loans are given to the people who have </a:t>
+            </a:r>
+            <a:r>
+              <a:rPr lang="en-IN" sz="2000" b="1" dirty="0">
+                <a:solidFill>
+                  <a:schemeClr val="tx1">
+                    <a:lumMod val="95000"/>
+                  </a:schemeClr>
+                </a:solidFill>
+              </a:rPr>
+              <a:t>home Ownership – Rent</a:t>
+            </a:r>
+            <a:r>
+              <a:rPr lang="en-IN" sz="2000" dirty="0">
+                <a:solidFill>
+                  <a:schemeClr val="tx1">
+                    <a:lumMod val="95000"/>
+                  </a:schemeClr>
+                </a:solidFill>
+              </a:rPr>
+              <a:t> and are also charged off more.</a:t>
+            </a:r>
+          </a:p>
+          <a:p>
+            <a:pPr>
+              <a:lnSpc>
+                <a:spcPct val="114000"/>
+              </a:lnSpc>
+            </a:pPr>
+            <a:r>
+              <a:rPr lang="en-IN" sz="2000" dirty="0">
+                <a:solidFill>
+                  <a:schemeClr val="tx1">
+                    <a:lumMod val="95000"/>
+                  </a:schemeClr>
+                </a:solidFill>
+              </a:rPr>
+              <a:t>On Further analysis, the loans with </a:t>
+            </a:r>
+            <a:r>
+              <a:rPr lang="en-IN" sz="2000" b="1" dirty="0" err="1">
+                <a:solidFill>
+                  <a:schemeClr val="tx1">
+                    <a:lumMod val="95000"/>
+                  </a:schemeClr>
+                </a:solidFill>
+              </a:rPr>
+              <a:t>home_ownership</a:t>
+            </a:r>
+            <a:r>
+              <a:rPr lang="en-IN" sz="2000" dirty="0">
+                <a:solidFill>
+                  <a:schemeClr val="tx1">
+                    <a:lumMod val="95000"/>
+                  </a:schemeClr>
+                </a:solidFill>
+              </a:rPr>
+              <a:t> mentioned as OTHER have a higher rate of Charged Off.</a:t>
+            </a:r>
+          </a:p>
+        </p:txBody>
+      </p:sp>
+      <p:pic>
+        <p:nvPicPr>
+          <p:cNvPr id="14342" name="Picture 6">
+            <a:extLst>
+              <a:ext uri="{FF2B5EF4-FFF2-40B4-BE49-F238E27FC236}">
+                <a16:creationId xmlns:a16="http://schemas.microsoft.com/office/drawing/2014/main" id="{D151D607-24D5-6955-3CBC-B3E581B582F9}"/>
+              </a:ext>
+            </a:extLst>
+          </p:cNvPr>
+          <p:cNvPicPr>
+            <a:picLocks noChangeAspect="1" noChangeArrowheads="1"/>
+          </p:cNvPicPr>
+          <p:nvPr/>
+        </p:nvPicPr>
+        <p:blipFill>
+          <a:blip r:embed="rId2">
+            <a:extLst>
+              <a:ext uri="{28A0092B-C50C-407E-A947-70E740481C1C}">
+                <a14:useLocalDpi xmlns:a14="http://schemas.microsoft.com/office/drawing/2010/main" val="0"/>
+              </a:ext>
+            </a:extLst>
+          </a:blip>
+          <a:srcRect/>
+          <a:stretch>
+            <a:fillRect/>
+          </a:stretch>
+        </p:blipFill>
+        <p:spPr bwMode="auto">
+          <a:xfrm>
+            <a:off x="712950" y="4282967"/>
+            <a:ext cx="4191000" cy="2257425"/>
+          </a:xfrm>
+          <a:prstGeom prst="rect">
+            <a:avLst/>
+          </a:prstGeom>
+          <a:noFill/>
+          <a:extLst>
+            <a:ext uri="{909E8E84-426E-40DD-AFC4-6F175D3DCCD1}">
+              <a14:hiddenFill xmlns:a14="http://schemas.microsoft.com/office/drawing/2010/main">
+                <a:solidFill>
+                  <a:srgbClr val="FFFFFF"/>
+                </a:solidFill>
+              </a14:hiddenFill>
+            </a:ext>
+          </a:extLst>
+        </p:spPr>
+      </p:pic>
+      <p:pic>
+        <p:nvPicPr>
+          <p:cNvPr id="14344" name="Picture 8">
+            <a:extLst>
+              <a:ext uri="{FF2B5EF4-FFF2-40B4-BE49-F238E27FC236}">
+                <a16:creationId xmlns:a16="http://schemas.microsoft.com/office/drawing/2014/main" id="{5BFC26E7-FDEA-8CB0-1D35-CA6F900CA608}"/>
+              </a:ext>
+            </a:extLst>
+          </p:cNvPr>
+          <p:cNvPicPr>
+            <a:picLocks noChangeAspect="1" noChangeArrowheads="1"/>
+          </p:cNvPicPr>
+          <p:nvPr/>
+        </p:nvPicPr>
+        <p:blipFill>
+          <a:blip r:embed="rId3">
+            <a:extLst>
+              <a:ext uri="{28A0092B-C50C-407E-A947-70E740481C1C}">
+                <a14:useLocalDpi xmlns:a14="http://schemas.microsoft.com/office/drawing/2010/main" val="0"/>
+              </a:ext>
+            </a:extLst>
+          </a:blip>
+          <a:srcRect/>
+          <a:stretch>
+            <a:fillRect/>
+          </a:stretch>
+        </p:blipFill>
+        <p:spPr bwMode="auto">
+          <a:xfrm>
+            <a:off x="712950" y="1397768"/>
+            <a:ext cx="4191000" cy="2801881"/>
+          </a:xfrm>
+          <a:prstGeom prst="rect">
+            <a:avLst/>
+          </a:prstGeom>
+          <a:noFill/>
+          <a:extLst>
+            <a:ext uri="{909E8E84-426E-40DD-AFC4-6F175D3DCCD1}">
+              <a14:hiddenFill xmlns:a14="http://schemas.microsoft.com/office/drawing/2010/main">
+                <a:solidFill>
+                  <a:srgbClr val="FFFFFF"/>
+                </a:solidFill>
+              </a14:hiddenFill>
+            </a:ext>
+          </a:extLst>
+        </p:spPr>
+      </p:pic>
+    </p:spTree>
+    <p:extLst>
+      <p:ext uri="{BB962C8B-B14F-4D97-AF65-F5344CB8AC3E}">
+        <p14:creationId xmlns:p14="http://schemas.microsoft.com/office/powerpoint/2010/main" val="3049603710"/>
+      </p:ext>
+    </p:extLst>
+  </p:cSld>
+  <p:clrMapOvr>
+    <a:masterClrMapping/>
+  </p:clrMapOvr>
+  <mc:AlternateContent xmlns:mc="http://schemas.openxmlformats.org/markup-compatibility/2006">
+    <mc:Choice xmlns:p14="http://schemas.microsoft.com/office/powerpoint/2010/main" Requires="p14">
+      <p:transition spd="med" p14:dur="700">
+        <p:fade/>
+      </p:transition>
+    </mc:Choice>
+    <mc:Fallback>
+      <p:transition spd="med">
+        <p:fade/>
+      </p:transition>
+    </mc:Fallback>
+  </mc:AlternateContent>
+</p:sld>
+</file>
+
+<file path=ppt/slides/slide21.xml><?xml version="1.0" encoding="utf-8"?>
+<p:sld xmlns:a="http://schemas.openxmlformats.org/drawingml/2006/main" xmlns:r="http://schemas.openxmlformats.org/officeDocument/2006/relationships" xmlns:p="http://schemas.openxmlformats.org/presentationml/2006/main">
+  <p:cSld>
+    <p:spTree>
+      <p:nvGrpSpPr>
+        <p:cNvPr id="1" name=""/>
+        <p:cNvGrpSpPr/>
+        <p:nvPr/>
+      </p:nvGrpSpPr>
+      <p:grpSpPr>
+        <a:xfrm>
+          <a:off x="0" y="0"/>
+          <a:ext cx="0" cy="0"/>
+          <a:chOff x="0" y="0"/>
+          <a:chExt cx="0" cy="0"/>
+        </a:xfrm>
+      </p:grpSpPr>
+      <p:sp>
+        <p:nvSpPr>
+          <p:cNvPr id="2" name="Title 1">
+            <a:extLst>
+              <a:ext uri="{FF2B5EF4-FFF2-40B4-BE49-F238E27FC236}">
+                <a16:creationId xmlns:a16="http://schemas.microsoft.com/office/drawing/2014/main" id="{E4660895-E842-C3C9-6C5E-E0D106CFC53F}"/>
+              </a:ext>
+            </a:extLst>
+          </p:cNvPr>
+          <p:cNvSpPr>
+            <a:spLocks noGrp="1"/>
+          </p:cNvSpPr>
+          <p:nvPr>
+            <p:ph type="title"/>
+          </p:nvPr>
+        </p:nvSpPr>
+        <p:spPr>
+          <a:xfrm>
+            <a:off x="657224" y="499533"/>
+            <a:ext cx="10772775" cy="886207"/>
+          </a:xfrm>
+        </p:spPr>
+        <p:txBody>
+          <a:bodyPr/>
+          <a:lstStyle/>
+          <a:p>
+            <a:r>
+              <a:rPr lang="en-IN" dirty="0"/>
+              <a:t>Summary of Analysis</a:t>
+            </a:r>
+          </a:p>
+        </p:txBody>
+      </p:sp>
+      <p:sp>
+        <p:nvSpPr>
+          <p:cNvPr id="3" name="Content Placeholder 2">
+            <a:extLst>
+              <a:ext uri="{FF2B5EF4-FFF2-40B4-BE49-F238E27FC236}">
+                <a16:creationId xmlns:a16="http://schemas.microsoft.com/office/drawing/2014/main" id="{AD369338-DBB3-81D3-B98B-BABA682E0382}"/>
+              </a:ext>
+            </a:extLst>
+          </p:cNvPr>
+          <p:cNvSpPr>
+            <a:spLocks noGrp="1"/>
+          </p:cNvSpPr>
+          <p:nvPr>
+            <p:ph idx="1"/>
+          </p:nvPr>
+        </p:nvSpPr>
+        <p:spPr>
+          <a:xfrm>
+            <a:off x="676656" y="1470581"/>
+            <a:ext cx="10753725" cy="5073093"/>
+          </a:xfrm>
+        </p:spPr>
+        <p:txBody>
+          <a:bodyPr>
+            <a:normAutofit lnSpcReduction="10000"/>
+          </a:bodyPr>
+          <a:lstStyle/>
+          <a:p>
+            <a:r>
+              <a:rPr lang="en-IN" b="1" dirty="0">
+                <a:solidFill>
+                  <a:schemeClr val="tx1">
+                    <a:lumMod val="95000"/>
+                  </a:schemeClr>
+                </a:solidFill>
+              </a:rPr>
+              <a:t>Investor funded Amount</a:t>
+            </a:r>
+            <a:r>
+              <a:rPr lang="en-IN" dirty="0">
+                <a:solidFill>
+                  <a:schemeClr val="tx1">
+                    <a:lumMod val="95000"/>
+                  </a:schemeClr>
+                </a:solidFill>
+              </a:rPr>
+              <a:t> range between </a:t>
+            </a:r>
+            <a:r>
+              <a:rPr lang="en-IN" b="1" dirty="0">
+                <a:solidFill>
+                  <a:schemeClr val="tx1">
+                    <a:lumMod val="95000"/>
+                  </a:schemeClr>
+                </a:solidFill>
+              </a:rPr>
+              <a:t>3000-6000</a:t>
+            </a:r>
+            <a:r>
+              <a:rPr lang="en-IN" dirty="0">
+                <a:solidFill>
+                  <a:schemeClr val="tx1">
+                    <a:lumMod val="95000"/>
+                  </a:schemeClr>
+                </a:solidFill>
+              </a:rPr>
+              <a:t> are having a higher chances of getting Charged Off.</a:t>
+            </a:r>
+          </a:p>
+          <a:p>
+            <a:r>
+              <a:rPr lang="en-IN" b="1" dirty="0">
+                <a:solidFill>
+                  <a:schemeClr val="tx1">
+                    <a:lumMod val="95000"/>
+                  </a:schemeClr>
+                </a:solidFill>
+              </a:rPr>
+              <a:t>Purpose</a:t>
+            </a:r>
+            <a:r>
+              <a:rPr lang="en-IN" dirty="0">
+                <a:solidFill>
+                  <a:schemeClr val="tx1">
+                    <a:lumMod val="95000"/>
+                  </a:schemeClr>
+                </a:solidFill>
+              </a:rPr>
+              <a:t> attribute may be a factor for the loans getting Charged Off.</a:t>
+            </a:r>
+          </a:p>
+          <a:p>
+            <a:r>
+              <a:rPr lang="en-IN" dirty="0">
+                <a:solidFill>
+                  <a:schemeClr val="tx1">
+                    <a:lumMod val="95000"/>
+                  </a:schemeClr>
+                </a:solidFill>
+              </a:rPr>
+              <a:t>People with </a:t>
+            </a:r>
+            <a:r>
+              <a:rPr lang="en-IN" b="1" dirty="0">
+                <a:solidFill>
+                  <a:schemeClr val="tx1">
+                    <a:lumMod val="95000"/>
+                  </a:schemeClr>
+                </a:solidFill>
+              </a:rPr>
+              <a:t>employment 10 or more years</a:t>
+            </a:r>
+            <a:r>
+              <a:rPr lang="en-IN" dirty="0">
+                <a:solidFill>
+                  <a:schemeClr val="tx1">
+                    <a:lumMod val="95000"/>
+                  </a:schemeClr>
+                </a:solidFill>
+              </a:rPr>
+              <a:t> are more likely to be Charged Off.</a:t>
+            </a:r>
+          </a:p>
+          <a:p>
+            <a:r>
+              <a:rPr lang="en-IN" dirty="0">
+                <a:solidFill>
+                  <a:schemeClr val="tx1">
+                    <a:lumMod val="95000"/>
+                  </a:schemeClr>
+                </a:solidFill>
+              </a:rPr>
+              <a:t>Almost </a:t>
+            </a:r>
+            <a:r>
+              <a:rPr lang="en-IN" b="1" dirty="0">
+                <a:solidFill>
+                  <a:schemeClr val="tx1">
+                    <a:lumMod val="95000"/>
+                  </a:schemeClr>
+                </a:solidFill>
+              </a:rPr>
+              <a:t>44%</a:t>
+            </a:r>
+            <a:r>
+              <a:rPr lang="en-IN" dirty="0">
+                <a:solidFill>
+                  <a:schemeClr val="tx1">
+                    <a:lumMod val="95000"/>
+                  </a:schemeClr>
+                </a:solidFill>
+              </a:rPr>
+              <a:t> of the loans are </a:t>
+            </a:r>
+            <a:r>
+              <a:rPr lang="en-IN" b="1" dirty="0">
+                <a:solidFill>
+                  <a:schemeClr val="tx1">
+                    <a:lumMod val="95000"/>
+                  </a:schemeClr>
+                </a:solidFill>
+              </a:rPr>
+              <a:t>not verified</a:t>
+            </a:r>
+            <a:r>
+              <a:rPr lang="en-IN" dirty="0">
+                <a:solidFill>
+                  <a:schemeClr val="tx1">
+                    <a:lumMod val="95000"/>
+                  </a:schemeClr>
+                </a:solidFill>
+              </a:rPr>
+              <a:t>. This could be a reason for the defaulters.</a:t>
+            </a:r>
+          </a:p>
+          <a:p>
+            <a:r>
+              <a:rPr lang="en-IN" dirty="0">
+                <a:solidFill>
+                  <a:schemeClr val="tx1">
+                    <a:lumMod val="95000"/>
+                  </a:schemeClr>
+                </a:solidFill>
+              </a:rPr>
+              <a:t>It is observed of a pattern on the </a:t>
+            </a:r>
+            <a:r>
+              <a:rPr lang="en-IN" b="1" dirty="0">
+                <a:solidFill>
+                  <a:schemeClr val="tx1">
+                    <a:lumMod val="95000"/>
+                  </a:schemeClr>
+                </a:solidFill>
+              </a:rPr>
+              <a:t>Month</a:t>
+            </a:r>
+            <a:r>
+              <a:rPr lang="en-IN" dirty="0">
+                <a:solidFill>
+                  <a:schemeClr val="tx1">
+                    <a:lumMod val="95000"/>
+                  </a:schemeClr>
+                </a:solidFill>
+              </a:rPr>
+              <a:t> of the loan issued. </a:t>
+            </a:r>
+          </a:p>
+          <a:p>
+            <a:r>
+              <a:rPr lang="en-IN" dirty="0">
+                <a:solidFill>
+                  <a:schemeClr val="tx1">
+                    <a:lumMod val="95000"/>
+                  </a:schemeClr>
+                </a:solidFill>
+              </a:rPr>
+              <a:t>Loans issued to the </a:t>
+            </a:r>
+            <a:r>
+              <a:rPr lang="en-IN" b="1" dirty="0">
+                <a:solidFill>
+                  <a:schemeClr val="tx1">
+                    <a:lumMod val="95000"/>
+                  </a:schemeClr>
+                </a:solidFill>
+              </a:rPr>
+              <a:t>State NE</a:t>
+            </a:r>
+            <a:r>
+              <a:rPr lang="en-IN" dirty="0">
+                <a:solidFill>
+                  <a:schemeClr val="tx1">
+                    <a:lumMod val="95000"/>
+                  </a:schemeClr>
+                </a:solidFill>
+              </a:rPr>
+              <a:t> has more % of loans charged off</a:t>
+            </a:r>
+          </a:p>
+          <a:p>
+            <a:r>
+              <a:rPr lang="en-IN" dirty="0">
+                <a:solidFill>
+                  <a:schemeClr val="tx1">
+                    <a:lumMod val="95000"/>
+                  </a:schemeClr>
+                </a:solidFill>
+              </a:rPr>
+              <a:t>Loans issued under the </a:t>
+            </a:r>
+            <a:r>
+              <a:rPr lang="en-IN" b="1" dirty="0">
+                <a:solidFill>
+                  <a:schemeClr val="tx1">
+                    <a:lumMod val="95000"/>
+                  </a:schemeClr>
+                </a:solidFill>
+              </a:rPr>
+              <a:t>Grade – G</a:t>
+            </a:r>
+            <a:r>
+              <a:rPr lang="en-IN" dirty="0">
+                <a:solidFill>
+                  <a:schemeClr val="tx1">
+                    <a:lumMod val="95000"/>
+                  </a:schemeClr>
+                </a:solidFill>
+              </a:rPr>
+              <a:t> are more likely to be charged off.</a:t>
+            </a:r>
+          </a:p>
+          <a:p>
+            <a:r>
+              <a:rPr lang="en-IN" dirty="0">
+                <a:solidFill>
+                  <a:schemeClr val="tx1">
+                    <a:lumMod val="95000"/>
+                  </a:schemeClr>
+                </a:solidFill>
+              </a:rPr>
+              <a:t>Also, the loans issued under </a:t>
+            </a:r>
+            <a:r>
+              <a:rPr lang="en-IN" b="1" dirty="0">
+                <a:solidFill>
+                  <a:schemeClr val="tx1">
+                    <a:lumMod val="95000"/>
+                  </a:schemeClr>
+                </a:solidFill>
+              </a:rPr>
+              <a:t>sub-Grades F5, G2, G2, G3, G5</a:t>
+            </a:r>
+            <a:r>
+              <a:rPr lang="en-IN" dirty="0">
+                <a:solidFill>
+                  <a:schemeClr val="tx1">
+                    <a:lumMod val="95000"/>
+                  </a:schemeClr>
+                </a:solidFill>
+              </a:rPr>
+              <a:t> are prone to be Charged Off.</a:t>
+            </a:r>
+          </a:p>
+          <a:p>
+            <a:r>
+              <a:rPr lang="en-IN" dirty="0">
+                <a:solidFill>
+                  <a:schemeClr val="tx1">
+                    <a:lumMod val="95000"/>
+                  </a:schemeClr>
+                </a:solidFill>
+              </a:rPr>
+              <a:t>Loans issued to home ownership is </a:t>
+            </a:r>
+            <a:r>
+              <a:rPr lang="en-IN" b="1" dirty="0">
+                <a:solidFill>
+                  <a:schemeClr val="tx1">
+                    <a:lumMod val="95000"/>
+                  </a:schemeClr>
+                </a:solidFill>
+              </a:rPr>
+              <a:t>OTHER</a:t>
+            </a:r>
+            <a:r>
+              <a:rPr lang="en-IN" dirty="0">
+                <a:solidFill>
+                  <a:schemeClr val="tx1">
+                    <a:lumMod val="95000"/>
+                  </a:schemeClr>
+                </a:solidFill>
+              </a:rPr>
+              <a:t> tend to have their loans Charged Off more. </a:t>
+            </a:r>
+          </a:p>
+          <a:p>
+            <a:r>
+              <a:rPr lang="en-IN" dirty="0">
+                <a:solidFill>
+                  <a:schemeClr val="tx1">
+                    <a:lumMod val="95000"/>
+                  </a:schemeClr>
+                </a:solidFill>
+              </a:rPr>
+              <a:t>Also, home ownership as </a:t>
+            </a:r>
+            <a:r>
+              <a:rPr lang="en-IN" b="1" dirty="0">
+                <a:solidFill>
+                  <a:schemeClr val="tx1">
+                    <a:lumMod val="95000"/>
+                  </a:schemeClr>
+                </a:solidFill>
+              </a:rPr>
+              <a:t>RENT</a:t>
+            </a:r>
+            <a:r>
+              <a:rPr lang="en-IN" dirty="0">
+                <a:solidFill>
+                  <a:schemeClr val="tx1">
+                    <a:lumMod val="95000"/>
+                  </a:schemeClr>
+                </a:solidFill>
+              </a:rPr>
+              <a:t> tend to take more loans and also Charged off…</a:t>
+            </a:r>
+          </a:p>
+        </p:txBody>
+      </p:sp>
+    </p:spTree>
+    <p:extLst>
+      <p:ext uri="{BB962C8B-B14F-4D97-AF65-F5344CB8AC3E}">
+        <p14:creationId xmlns:p14="http://schemas.microsoft.com/office/powerpoint/2010/main" val="1409506077"/>
       </p:ext>
     </p:extLst>
   </p:cSld>
@@ -9734,7 +12729,7 @@
         <p:spPr>
           <a:xfrm>
             <a:off x="676657" y="2157730"/>
-            <a:ext cx="6638543" cy="3718681"/>
+            <a:ext cx="6638543" cy="4128770"/>
           </a:xfrm>
         </p:spPr>
         <p:txBody>
@@ -9754,7 +12749,34 @@
                   <a:srgbClr val="FFFFFF"/>
                 </a:solidFill>
               </a:rPr>
-              <a:t>Analysing the past lending data, the company wants to understand the driving factors (or driver variables) behind loan default, i.e., the variables which are strong indicators of default.  The company can utilise this knowledge for its portfolio and risk assessment. </a:t>
+              <a:t>Analysing the past lending data, the company wants to understand the driving factors (or driver variables) behind loan default, i.e., the variables which are strong indicators of default.</a:t>
+            </a:r>
+          </a:p>
+          <a:p>
+            <a:pPr algn="just">
+              <a:lnSpc>
+                <a:spcPct val="114000"/>
+              </a:lnSpc>
+            </a:pPr>
+            <a:endParaRPr lang="en-IN" dirty="0">
+              <a:solidFill>
+                <a:srgbClr val="FFFFFF"/>
+              </a:solidFill>
+            </a:endParaRPr>
+          </a:p>
+          <a:p>
+            <a:pPr algn="just">
+              <a:lnSpc>
+                <a:spcPct val="114000"/>
+              </a:lnSpc>
+            </a:pPr>
+            <a:r>
+              <a:rPr lang="en-IN" dirty="0">
+                <a:solidFill>
+                  <a:srgbClr val="FFFFFF"/>
+                </a:solidFill>
+              </a:rPr>
+              <a:t>The company can utilise this knowledge for its portfolio and risk assessment. </a:t>
             </a:r>
             <a:r>
               <a:rPr lang="en-IN" dirty="0" err="1">
@@ -9974,7 +12996,11 @@
                 <a:spcPct val="114000"/>
               </a:lnSpc>
             </a:pPr>
-            <a:endParaRPr lang="en-US" dirty="0"/>
+            <a:endParaRPr lang="en-US" dirty="0">
+              <a:solidFill>
+                <a:schemeClr val="tx1"/>
+              </a:solidFill>
+            </a:endParaRPr>
           </a:p>
           <a:p>
             <a:pPr marL="4572" lvl="1" indent="0">
@@ -9988,7 +13014,7 @@
                   <a:schemeClr val="tx1"/>
                 </a:solidFill>
               </a:rPr>
-              <a:t>Gautham Singh</a:t>
+              <a:t>Gautam Singh</a:t>
             </a:r>
           </a:p>
           <a:p>
@@ -9998,7 +13024,11 @@
               </a:lnSpc>
             </a:pPr>
             <a:r>
-              <a:rPr lang="en-US" dirty="0"/>
+              <a:rPr lang="en-US" dirty="0">
+                <a:solidFill>
+                  <a:schemeClr val="tx1"/>
+                </a:solidFill>
+              </a:rPr>
               <a:t>Back-End Engineer with 5+ years of experience developing and maintaining scalable, high-performance, and secure server-side applications. Experience in various domains like Health, FMCG, Real Estate, and Social Media platforms.</a:t>
             </a:r>
           </a:p>
@@ -10393,7 +13423,7 @@
             <p:ph idx="1"/>
             <p:extLst>
               <p:ext uri="{D42A27DB-BD31-4B8C-83A1-F6EECF244321}">
-                <p14:modId xmlns:p14="http://schemas.microsoft.com/office/powerpoint/2010/main" val="1512070158"/>
+                <p14:modId xmlns:p14="http://schemas.microsoft.com/office/powerpoint/2010/main" val="317829076"/>
               </p:ext>
             </p:extLst>
           </p:nvPr>
@@ -10436,6 +13466,14 @@
 <file path=ppt/slides/slide7.xml><?xml version="1.0" encoding="utf-8"?>
 <p:sld xmlns:a="http://schemas.openxmlformats.org/drawingml/2006/main" xmlns:r="http://schemas.openxmlformats.org/officeDocument/2006/relationships" xmlns:p="http://schemas.openxmlformats.org/presentationml/2006/main">
   <p:cSld>
+    <p:bg>
+      <p:bgPr>
+        <a:solidFill>
+          <a:schemeClr val="bg2"/>
+        </a:solidFill>
+        <a:effectLst/>
+      </p:bgPr>
+    </p:bg>
     <p:spTree>
       <p:nvGrpSpPr>
         <p:cNvPr id="1" name=""/>
@@ -10466,14 +13504,21 @@
             <p:ph type="title"/>
           </p:nvPr>
         </p:nvSpPr>
-        <p:spPr/>
+        <p:spPr>
+          <a:xfrm>
+            <a:off x="657225" y="499533"/>
+            <a:ext cx="9696450" cy="938742"/>
+          </a:xfrm>
+        </p:spPr>
         <p:txBody>
-          <a:bodyPr/>
+          <a:bodyPr>
+            <a:normAutofit/>
+          </a:bodyPr>
           <a:lstStyle/>
           <a:p>
             <a:r>
               <a:rPr lang="en-IN" dirty="0"/>
-              <a:t>Data Cleaning</a:t>
+              <a:t>Data Cleaning – Nulls &amp; NA</a:t>
             </a:r>
           </a:p>
         </p:txBody>
@@ -10494,19 +13539,1118 @@
             <p:ph idx="1"/>
           </p:nvPr>
         </p:nvSpPr>
-        <p:spPr/>
+        <p:spPr>
+          <a:xfrm>
+            <a:off x="676656" y="2011680"/>
+            <a:ext cx="7552943" cy="4579620"/>
+          </a:xfrm>
+        </p:spPr>
         <p:txBody>
-          <a:bodyPr/>
+          <a:bodyPr>
+            <a:normAutofit/>
+          </a:bodyPr>
           <a:lstStyle/>
           <a:p>
-            <a:endParaRPr lang="en-IN" dirty="0"/>
+            <a:pPr marL="361950" lvl="1" indent="-355600" algn="just">
+              <a:lnSpc>
+                <a:spcPct val="114000"/>
+              </a:lnSpc>
+              <a:buClr>
+                <a:schemeClr val="tx1"/>
+              </a:buClr>
+              <a:buFont typeface="Arial" panose="020B0604020202020204" pitchFamily="34" charset="0"/>
+              <a:buChar char="•"/>
+            </a:pPr>
+            <a:r>
+              <a:rPr lang="en-IN" sz="1700" dirty="0">
+                <a:solidFill>
+                  <a:schemeClr val="tx1">
+                    <a:lumMod val="95000"/>
+                  </a:schemeClr>
+                </a:solidFill>
+              </a:rPr>
+              <a:t>Initial Analysis has ~52% of data with Nulls or NA values. </a:t>
+            </a:r>
+          </a:p>
+          <a:p>
+            <a:pPr marL="361950" lvl="1" indent="-355600" algn="just">
+              <a:lnSpc>
+                <a:spcPct val="114000"/>
+              </a:lnSpc>
+              <a:buClr>
+                <a:schemeClr val="tx1"/>
+              </a:buClr>
+              <a:buFont typeface="Arial" panose="020B0604020202020204" pitchFamily="34" charset="0"/>
+              <a:buChar char="•"/>
+            </a:pPr>
+            <a:r>
+              <a:rPr lang="en-IN" sz="1700" dirty="0">
+                <a:solidFill>
+                  <a:schemeClr val="tx1">
+                    <a:lumMod val="95000"/>
+                  </a:schemeClr>
+                </a:solidFill>
+              </a:rPr>
+              <a:t>Upon further Analysis, we observe Most of the Columns have only 1 value (either it be NA/NULL/a valid value). These columns are not useful for analysis. They can be discarded.</a:t>
+            </a:r>
+          </a:p>
+          <a:p>
+            <a:pPr marL="361950" lvl="1" indent="-355600" algn="just">
+              <a:lnSpc>
+                <a:spcPct val="114000"/>
+              </a:lnSpc>
+              <a:buClr>
+                <a:schemeClr val="tx1"/>
+              </a:buClr>
+              <a:buFont typeface="Arial" panose="020B0604020202020204" pitchFamily="34" charset="0"/>
+              <a:buChar char="•"/>
+            </a:pPr>
+            <a:endParaRPr lang="en-IN" sz="1700" dirty="0">
+              <a:solidFill>
+                <a:schemeClr val="tx1">
+                  <a:lumMod val="95000"/>
+                </a:schemeClr>
+              </a:solidFill>
+            </a:endParaRPr>
+          </a:p>
+          <a:p>
+            <a:pPr marL="361950" lvl="1" indent="-355600" algn="just">
+              <a:lnSpc>
+                <a:spcPct val="114000"/>
+              </a:lnSpc>
+              <a:buClr>
+                <a:schemeClr val="tx1"/>
+              </a:buClr>
+              <a:buFont typeface="Arial" panose="020B0604020202020204" pitchFamily="34" charset="0"/>
+              <a:buChar char="•"/>
+            </a:pPr>
+            <a:r>
+              <a:rPr lang="en-IN" sz="1700" dirty="0">
+                <a:solidFill>
+                  <a:schemeClr val="tx1">
+                    <a:lumMod val="95000"/>
+                  </a:schemeClr>
+                </a:solidFill>
+              </a:rPr>
+              <a:t>The columns related to person identification (id, </a:t>
+            </a:r>
+            <a:r>
+              <a:rPr lang="en-IN" sz="1700" dirty="0" err="1">
+                <a:solidFill>
+                  <a:schemeClr val="tx1">
+                    <a:lumMod val="95000"/>
+                  </a:schemeClr>
+                </a:solidFill>
+              </a:rPr>
+              <a:t>member_id</a:t>
+            </a:r>
+            <a:r>
+              <a:rPr lang="en-IN" sz="1700" dirty="0">
+                <a:solidFill>
+                  <a:schemeClr val="tx1">
+                    <a:lumMod val="95000"/>
+                  </a:schemeClr>
+                </a:solidFill>
+              </a:rPr>
+              <a:t>, </a:t>
+            </a:r>
+            <a:r>
+              <a:rPr lang="en-IN" sz="1700" dirty="0" err="1">
+                <a:solidFill>
+                  <a:schemeClr val="tx1">
+                    <a:lumMod val="95000"/>
+                  </a:schemeClr>
+                </a:solidFill>
+              </a:rPr>
+              <a:t>emp_title</a:t>
+            </a:r>
+            <a:r>
+              <a:rPr lang="en-IN" sz="1700" dirty="0">
+                <a:solidFill>
+                  <a:schemeClr val="tx1">
+                    <a:lumMod val="95000"/>
+                  </a:schemeClr>
+                </a:solidFill>
+              </a:rPr>
+              <a:t>, title, </a:t>
+            </a:r>
+            <a:r>
+              <a:rPr lang="en-IN" sz="1700" dirty="0" err="1">
+                <a:solidFill>
+                  <a:schemeClr val="tx1">
+                    <a:lumMod val="95000"/>
+                  </a:schemeClr>
+                </a:solidFill>
+              </a:rPr>
+              <a:t>url</a:t>
+            </a:r>
+            <a:r>
+              <a:rPr lang="en-IN" sz="1700" dirty="0">
+                <a:solidFill>
+                  <a:schemeClr val="tx1">
+                    <a:lumMod val="95000"/>
+                  </a:schemeClr>
+                </a:solidFill>
+              </a:rPr>
+              <a:t>, </a:t>
+            </a:r>
+            <a:r>
+              <a:rPr lang="en-IN" sz="1700" dirty="0" err="1">
+                <a:solidFill>
+                  <a:schemeClr val="tx1">
+                    <a:lumMod val="95000"/>
+                  </a:schemeClr>
+                </a:solidFill>
+              </a:rPr>
+              <a:t>desc</a:t>
+            </a:r>
+            <a:r>
+              <a:rPr lang="en-IN" sz="1700" dirty="0">
+                <a:solidFill>
+                  <a:schemeClr val="tx1">
+                    <a:lumMod val="95000"/>
+                  </a:schemeClr>
+                </a:solidFill>
+              </a:rPr>
+              <a:t>, etc) is assumed that they may not add any relevance to the analysis. Hence, they are discarded.</a:t>
+            </a:r>
+          </a:p>
+          <a:p>
+            <a:pPr marL="361950" lvl="1" indent="-355600" algn="just">
+              <a:lnSpc>
+                <a:spcPct val="114000"/>
+              </a:lnSpc>
+              <a:buClr>
+                <a:schemeClr val="tx1"/>
+              </a:buClr>
+              <a:buFont typeface="Arial" panose="020B0604020202020204" pitchFamily="34" charset="0"/>
+              <a:buChar char="•"/>
+            </a:pPr>
+            <a:r>
+              <a:rPr lang="en-IN" sz="1700" dirty="0">
+                <a:solidFill>
+                  <a:schemeClr val="tx1">
+                    <a:lumMod val="95000"/>
+                  </a:schemeClr>
+                </a:solidFill>
+              </a:rPr>
+              <a:t>Also, some columns related to the current loan information, like last due date etc. are also assumed to be non-relevant as the analysis is not person centric.</a:t>
+            </a:r>
+          </a:p>
+          <a:p>
+            <a:pPr marL="361950" lvl="1" indent="-355600" algn="just">
+              <a:lnSpc>
+                <a:spcPct val="114000"/>
+              </a:lnSpc>
+              <a:buClr>
+                <a:schemeClr val="tx1"/>
+              </a:buClr>
+              <a:buFont typeface="Arial" panose="020B0604020202020204" pitchFamily="34" charset="0"/>
+              <a:buChar char="•"/>
+            </a:pPr>
+            <a:r>
+              <a:rPr lang="en-IN" sz="1700" dirty="0">
+                <a:solidFill>
+                  <a:schemeClr val="tx1">
+                    <a:lumMod val="95000"/>
+                  </a:schemeClr>
+                </a:solidFill>
+              </a:rPr>
+              <a:t>The columns </a:t>
+            </a:r>
+            <a:r>
+              <a:rPr lang="en-IN" sz="1700" dirty="0" err="1">
+                <a:solidFill>
+                  <a:schemeClr val="tx1">
+                    <a:lumMod val="95000"/>
+                  </a:schemeClr>
+                </a:solidFill>
+              </a:rPr>
+              <a:t>pub_rec_bankruptcies</a:t>
+            </a:r>
+            <a:r>
+              <a:rPr lang="en-IN" sz="1700" dirty="0">
+                <a:solidFill>
+                  <a:schemeClr val="tx1">
+                    <a:lumMod val="95000"/>
+                  </a:schemeClr>
+                </a:solidFill>
+              </a:rPr>
+              <a:t>, </a:t>
+            </a:r>
+            <a:r>
+              <a:rPr lang="en-IN" sz="1700" dirty="0" err="1">
+                <a:solidFill>
+                  <a:schemeClr val="tx1">
+                    <a:lumMod val="95000"/>
+                  </a:schemeClr>
+                </a:solidFill>
+              </a:rPr>
+              <a:t>tax_liens</a:t>
+            </a:r>
+            <a:r>
+              <a:rPr lang="en-IN" sz="1700" dirty="0">
+                <a:solidFill>
+                  <a:schemeClr val="tx1">
+                    <a:lumMod val="95000"/>
+                  </a:schemeClr>
+                </a:solidFill>
+              </a:rPr>
+              <a:t> have mostly ~1 non-null information. As we cannot fill in with any information, it is assumed &amp; discarded.</a:t>
+            </a:r>
+          </a:p>
+          <a:p>
+            <a:pPr marL="207518" lvl="2" indent="0" algn="just">
+              <a:lnSpc>
+                <a:spcPct val="114000"/>
+              </a:lnSpc>
+              <a:buClr>
+                <a:schemeClr val="tx1"/>
+              </a:buClr>
+              <a:buNone/>
+            </a:pPr>
+            <a:endParaRPr lang="en-IN" sz="1300" dirty="0">
+              <a:solidFill>
+                <a:schemeClr val="tx1">
+                  <a:lumMod val="95000"/>
+                </a:schemeClr>
+              </a:solidFill>
+            </a:endParaRPr>
           </a:p>
         </p:txBody>
       </p:sp>
+      <p:pic>
+        <p:nvPicPr>
+          <p:cNvPr id="7" name="Graphic 6" descr="Mop and bucket">
+            <a:extLst>
+              <a:ext uri="{FF2B5EF4-FFF2-40B4-BE49-F238E27FC236}">
+                <a16:creationId xmlns:a16="http://schemas.microsoft.com/office/drawing/2014/main" id="{AFDEB4D1-783B-55FC-603A-C7B919DE42ED}"/>
+              </a:ext>
+            </a:extLst>
+          </p:cNvPr>
+          <p:cNvPicPr>
+            <a:picLocks noChangeAspect="1"/>
+          </p:cNvPicPr>
+          <p:nvPr/>
+        </p:nvPicPr>
+        <p:blipFill>
+          <a:blip r:embed="rId2">
+            <a:extLst>
+              <a:ext uri="{28A0092B-C50C-407E-A947-70E740481C1C}">
+                <a14:useLocalDpi xmlns:a14="http://schemas.microsoft.com/office/drawing/2010/main" val="0"/>
+              </a:ext>
+              <a:ext uri="{96DAC541-7B7A-43D3-8B79-37D633B846F1}">
+                <asvg:svgBlip xmlns:asvg="http://schemas.microsoft.com/office/drawing/2016/SVG/main" r:embed="rId3"/>
+              </a:ext>
+            </a:extLst>
+          </a:blip>
+          <a:stretch>
+            <a:fillRect/>
+          </a:stretch>
+        </p:blipFill>
+        <p:spPr>
+          <a:xfrm>
+            <a:off x="8100058" y="1703445"/>
+            <a:ext cx="3448478" cy="3448478"/>
+          </a:xfrm>
+          <a:prstGeom prst="rect">
+            <a:avLst/>
+          </a:prstGeom>
+        </p:spPr>
+      </p:pic>
     </p:spTree>
     <p:extLst>
       <p:ext uri="{BB962C8B-B14F-4D97-AF65-F5344CB8AC3E}">
         <p14:creationId xmlns:p14="http://schemas.microsoft.com/office/powerpoint/2010/main" val="3529232089"/>
+      </p:ext>
+    </p:extLst>
+  </p:cSld>
+  <p:clrMapOvr>
+    <a:masterClrMapping/>
+  </p:clrMapOvr>
+  <mc:AlternateContent xmlns:mc="http://schemas.openxmlformats.org/markup-compatibility/2006" xmlns:p14="http://schemas.microsoft.com/office/powerpoint/2010/main">
+    <mc:Choice Requires="p14">
+      <p:transition spd="med" p14:dur="700">
+        <p:fade/>
+      </p:transition>
+    </mc:Choice>
+    <mc:Fallback xmlns="">
+      <p:transition spd="med">
+        <p:fade/>
+      </p:transition>
+    </mc:Fallback>
+  </mc:AlternateContent>
+</p:sld>
+</file>
+
+<file path=ppt/slides/slide8.xml><?xml version="1.0" encoding="utf-8"?>
+<p:sld xmlns:a="http://schemas.openxmlformats.org/drawingml/2006/main" xmlns:r="http://schemas.openxmlformats.org/officeDocument/2006/relationships" xmlns:p="http://schemas.openxmlformats.org/presentationml/2006/main">
+  <p:cSld>
+    <p:spTree>
+      <p:nvGrpSpPr>
+        <p:cNvPr id="1" name=""/>
+        <p:cNvGrpSpPr/>
+        <p:nvPr/>
+      </p:nvGrpSpPr>
+      <p:grpSpPr>
+        <a:xfrm>
+          <a:off x="0" y="0"/>
+          <a:ext cx="0" cy="0"/>
+          <a:chOff x="0" y="0"/>
+          <a:chExt cx="0" cy="0"/>
+        </a:xfrm>
+      </p:grpSpPr>
+      <p:sp>
+        <p:nvSpPr>
+          <p:cNvPr id="2" name="Title 1">
+            <a:extLst>
+              <a:ext uri="{FF2B5EF4-FFF2-40B4-BE49-F238E27FC236}">
+                <a16:creationId xmlns:a16="http://schemas.microsoft.com/office/drawing/2014/main" id="{0FE951E1-6EF4-CA4C-966A-A4E92C9D6CDE}"/>
+              </a:ext>
+            </a:extLst>
+          </p:cNvPr>
+          <p:cNvSpPr>
+            <a:spLocks noGrp="1"/>
+          </p:cNvSpPr>
+          <p:nvPr>
+            <p:ph type="title"/>
+          </p:nvPr>
+        </p:nvSpPr>
+        <p:spPr>
+          <a:xfrm>
+            <a:off x="657225" y="499533"/>
+            <a:ext cx="10096500" cy="986367"/>
+          </a:xfrm>
+        </p:spPr>
+        <p:txBody>
+          <a:bodyPr>
+            <a:normAutofit/>
+          </a:bodyPr>
+          <a:lstStyle/>
+          <a:p>
+            <a:r>
+              <a:rPr lang="en-IN" dirty="0"/>
+              <a:t>Data Cleaning –Missing Information</a:t>
+            </a:r>
+          </a:p>
+        </p:txBody>
+      </p:sp>
+      <p:sp>
+        <p:nvSpPr>
+          <p:cNvPr id="3" name="Content Placeholder 2">
+            <a:extLst>
+              <a:ext uri="{FF2B5EF4-FFF2-40B4-BE49-F238E27FC236}">
+                <a16:creationId xmlns:a16="http://schemas.microsoft.com/office/drawing/2014/main" id="{29364848-618E-8EF0-CCD6-C54F18029261}"/>
+              </a:ext>
+            </a:extLst>
+          </p:cNvPr>
+          <p:cNvSpPr>
+            <a:spLocks noGrp="1"/>
+          </p:cNvSpPr>
+          <p:nvPr>
+            <p:ph idx="1"/>
+          </p:nvPr>
+        </p:nvSpPr>
+        <p:spPr>
+          <a:xfrm>
+            <a:off x="676656" y="1485900"/>
+            <a:ext cx="7552943" cy="4572000"/>
+          </a:xfrm>
+        </p:spPr>
+        <p:txBody>
+          <a:bodyPr>
+            <a:normAutofit/>
+          </a:bodyPr>
+          <a:lstStyle/>
+          <a:p>
+            <a:pPr marL="361950" lvl="1" indent="-355600" algn="just">
+              <a:lnSpc>
+                <a:spcPct val="114000"/>
+              </a:lnSpc>
+              <a:buClr>
+                <a:schemeClr val="tx1"/>
+              </a:buClr>
+              <a:buFont typeface="Arial" panose="020B0604020202020204" pitchFamily="34" charset="0"/>
+              <a:buChar char="•"/>
+            </a:pPr>
+            <a:r>
+              <a:rPr lang="en-IN" sz="2000" dirty="0">
+                <a:solidFill>
+                  <a:schemeClr val="tx1">
+                    <a:lumMod val="95000"/>
+                  </a:schemeClr>
+                </a:solidFill>
+              </a:rPr>
+              <a:t>Following columns have missing information. </a:t>
+            </a:r>
+          </a:p>
+          <a:p>
+            <a:pPr marL="361950" lvl="1" indent="-355600" algn="just">
+              <a:lnSpc>
+                <a:spcPct val="114000"/>
+              </a:lnSpc>
+              <a:buClr>
+                <a:schemeClr val="tx1"/>
+              </a:buClr>
+              <a:buFont typeface="Arial" panose="020B0604020202020204" pitchFamily="34" charset="0"/>
+              <a:buChar char="•"/>
+            </a:pPr>
+            <a:endParaRPr lang="en-IN" sz="2000" dirty="0">
+              <a:solidFill>
+                <a:schemeClr val="tx1">
+                  <a:lumMod val="95000"/>
+                </a:schemeClr>
+              </a:solidFill>
+            </a:endParaRPr>
+          </a:p>
+          <a:p>
+            <a:pPr marL="361950" lvl="1" indent="-355600" algn="just">
+              <a:lnSpc>
+                <a:spcPct val="114000"/>
+              </a:lnSpc>
+              <a:buClr>
+                <a:schemeClr val="tx1"/>
+              </a:buClr>
+              <a:buFont typeface="Arial" panose="020B0604020202020204" pitchFamily="34" charset="0"/>
+              <a:buChar char="•"/>
+            </a:pPr>
+            <a:r>
+              <a:rPr lang="en-IN" sz="2000" dirty="0">
+                <a:solidFill>
+                  <a:schemeClr val="tx1">
+                    <a:lumMod val="95000"/>
+                  </a:schemeClr>
+                </a:solidFill>
+              </a:rPr>
+              <a:t>The Column </a:t>
+            </a:r>
+            <a:r>
+              <a:rPr lang="en-IN" sz="2000" b="1" dirty="0" err="1">
+                <a:solidFill>
+                  <a:schemeClr val="tx1">
+                    <a:lumMod val="95000"/>
+                  </a:schemeClr>
+                </a:solidFill>
+              </a:rPr>
+              <a:t>funded_amnt_inv</a:t>
+            </a:r>
+            <a:endParaRPr lang="en-IN" sz="2000" b="1" dirty="0">
+              <a:solidFill>
+                <a:schemeClr val="tx1">
+                  <a:lumMod val="95000"/>
+                </a:schemeClr>
+              </a:solidFill>
+            </a:endParaRPr>
+          </a:p>
+          <a:p>
+            <a:pPr marL="563118" lvl="2" indent="-355600" algn="just">
+              <a:lnSpc>
+                <a:spcPct val="114000"/>
+              </a:lnSpc>
+              <a:buClr>
+                <a:schemeClr val="tx1"/>
+              </a:buClr>
+              <a:buFont typeface="Arial" panose="020B0604020202020204" pitchFamily="34" charset="0"/>
+              <a:buChar char="•"/>
+            </a:pPr>
+            <a:r>
+              <a:rPr lang="en-IN" sz="1600" dirty="0">
+                <a:solidFill>
+                  <a:schemeClr val="tx1">
+                    <a:lumMod val="95000"/>
+                  </a:schemeClr>
+                </a:solidFill>
+              </a:rPr>
+              <a:t>which represents the loan amount funded by the investor has some values=0; which doesn’t make sense. Also those records cannot be sampled/assumed. Hence, its better to discard them.</a:t>
+            </a:r>
+          </a:p>
+          <a:p>
+            <a:pPr marL="207518" lvl="2" indent="0" algn="just">
+              <a:lnSpc>
+                <a:spcPct val="114000"/>
+              </a:lnSpc>
+              <a:buClr>
+                <a:schemeClr val="tx1"/>
+              </a:buClr>
+              <a:buNone/>
+            </a:pPr>
+            <a:endParaRPr lang="en-IN" sz="1600" dirty="0">
+              <a:solidFill>
+                <a:schemeClr val="tx1">
+                  <a:lumMod val="95000"/>
+                </a:schemeClr>
+              </a:solidFill>
+            </a:endParaRPr>
+          </a:p>
+          <a:p>
+            <a:pPr marL="361950" lvl="1" indent="-355600" algn="just">
+              <a:lnSpc>
+                <a:spcPct val="114000"/>
+              </a:lnSpc>
+              <a:buClr>
+                <a:schemeClr val="tx1"/>
+              </a:buClr>
+              <a:buFont typeface="Arial" panose="020B0604020202020204" pitchFamily="34" charset="0"/>
+              <a:buChar char="•"/>
+            </a:pPr>
+            <a:r>
+              <a:rPr lang="en-IN" sz="2000" dirty="0">
+                <a:solidFill>
+                  <a:schemeClr val="tx1">
+                    <a:lumMod val="95000"/>
+                  </a:schemeClr>
+                </a:solidFill>
+              </a:rPr>
+              <a:t>The Column </a:t>
+            </a:r>
+            <a:r>
+              <a:rPr lang="en-IN" sz="2000" b="1" dirty="0" err="1">
+                <a:solidFill>
+                  <a:schemeClr val="tx1">
+                    <a:lumMod val="95000"/>
+                  </a:schemeClr>
+                </a:solidFill>
+              </a:rPr>
+              <a:t>emp_length</a:t>
+            </a:r>
+            <a:endParaRPr lang="en-IN" sz="2000" b="1" dirty="0">
+              <a:solidFill>
+                <a:schemeClr val="tx1">
+                  <a:lumMod val="95000"/>
+                </a:schemeClr>
+              </a:solidFill>
+            </a:endParaRPr>
+          </a:p>
+          <a:p>
+            <a:pPr marL="563118" lvl="2" indent="-355600" algn="just">
+              <a:lnSpc>
+                <a:spcPct val="114000"/>
+              </a:lnSpc>
+              <a:buClr>
+                <a:schemeClr val="tx1"/>
+              </a:buClr>
+              <a:buFont typeface="Arial" panose="020B0604020202020204" pitchFamily="34" charset="0"/>
+              <a:buChar char="•"/>
+            </a:pPr>
+            <a:r>
+              <a:rPr lang="en-IN" sz="1600" dirty="0">
+                <a:solidFill>
+                  <a:schemeClr val="tx1">
+                    <a:lumMod val="95000"/>
+                  </a:schemeClr>
+                </a:solidFill>
+              </a:rPr>
+              <a:t>which represents the employment tenure has some missing information. We can take the most frequently observed value in the </a:t>
+            </a:r>
+            <a:r>
+              <a:rPr lang="en-IN" sz="1600" dirty="0" err="1">
+                <a:solidFill>
+                  <a:schemeClr val="tx1">
+                    <a:lumMod val="95000"/>
+                  </a:schemeClr>
+                </a:solidFill>
+              </a:rPr>
+              <a:t>emp_length</a:t>
+            </a:r>
+            <a:r>
+              <a:rPr lang="en-IN" sz="1600" dirty="0">
+                <a:solidFill>
+                  <a:schemeClr val="tx1">
+                    <a:lumMod val="95000"/>
+                  </a:schemeClr>
+                </a:solidFill>
+              </a:rPr>
+              <a:t> column (mode) and applying there.  (The column </a:t>
+            </a:r>
+            <a:r>
+              <a:rPr lang="en-IN" sz="1600" dirty="0" err="1">
+                <a:solidFill>
+                  <a:schemeClr val="tx1">
+                    <a:lumMod val="95000"/>
+                  </a:schemeClr>
+                </a:solidFill>
+              </a:rPr>
+              <a:t>emp_length</a:t>
+            </a:r>
+            <a:r>
+              <a:rPr lang="en-IN" sz="1600" dirty="0">
+                <a:solidFill>
+                  <a:schemeClr val="tx1">
+                    <a:lumMod val="95000"/>
+                  </a:schemeClr>
+                </a:solidFill>
+              </a:rPr>
+              <a:t> is a categorical column. Hence, considering the most occurred value).</a:t>
+            </a:r>
+          </a:p>
+        </p:txBody>
+      </p:sp>
+      <p:pic>
+        <p:nvPicPr>
+          <p:cNvPr id="7" name="Graphic 6" descr="Mop and bucket">
+            <a:extLst>
+              <a:ext uri="{FF2B5EF4-FFF2-40B4-BE49-F238E27FC236}">
+                <a16:creationId xmlns:a16="http://schemas.microsoft.com/office/drawing/2014/main" id="{AFDEB4D1-783B-55FC-603A-C7B919DE42ED}"/>
+              </a:ext>
+            </a:extLst>
+          </p:cNvPr>
+          <p:cNvPicPr>
+            <a:picLocks noChangeAspect="1"/>
+          </p:cNvPicPr>
+          <p:nvPr/>
+        </p:nvPicPr>
+        <p:blipFill>
+          <a:blip r:embed="rId2">
+            <a:extLst>
+              <a:ext uri="{28A0092B-C50C-407E-A947-70E740481C1C}">
+                <a14:useLocalDpi xmlns:a14="http://schemas.microsoft.com/office/drawing/2010/main" val="0"/>
+              </a:ext>
+              <a:ext uri="{96DAC541-7B7A-43D3-8B79-37D633B846F1}">
+                <asvg:svgBlip xmlns:asvg="http://schemas.microsoft.com/office/drawing/2016/SVG/main" r:embed="rId3"/>
+              </a:ext>
+            </a:extLst>
+          </a:blip>
+          <a:stretch>
+            <a:fillRect/>
+          </a:stretch>
+        </p:blipFill>
+        <p:spPr>
+          <a:xfrm>
+            <a:off x="8100058" y="1703445"/>
+            <a:ext cx="3448478" cy="3448478"/>
+          </a:xfrm>
+          <a:prstGeom prst="rect">
+            <a:avLst/>
+          </a:prstGeom>
+        </p:spPr>
+      </p:pic>
+    </p:spTree>
+    <p:extLst>
+      <p:ext uri="{BB962C8B-B14F-4D97-AF65-F5344CB8AC3E}">
+        <p14:creationId xmlns:p14="http://schemas.microsoft.com/office/powerpoint/2010/main" val="2285208201"/>
+      </p:ext>
+    </p:extLst>
+  </p:cSld>
+  <p:clrMapOvr>
+    <a:masterClrMapping/>
+  </p:clrMapOvr>
+  <mc:AlternateContent xmlns:mc="http://schemas.openxmlformats.org/markup-compatibility/2006" xmlns:p14="http://schemas.microsoft.com/office/powerpoint/2010/main">
+    <mc:Choice Requires="p14">
+      <p:transition spd="med" p14:dur="700">
+        <p:fade/>
+      </p:transition>
+    </mc:Choice>
+    <mc:Fallback xmlns="">
+      <p:transition spd="med">
+        <p:fade/>
+      </p:transition>
+    </mc:Fallback>
+  </mc:AlternateContent>
+</p:sld>
+</file>
+
+<file path=ppt/slides/slide9.xml><?xml version="1.0" encoding="utf-8"?>
+<p:sld xmlns:a="http://schemas.openxmlformats.org/drawingml/2006/main" xmlns:r="http://schemas.openxmlformats.org/officeDocument/2006/relationships" xmlns:p="http://schemas.openxmlformats.org/presentationml/2006/main">
+  <p:cSld>
+    <p:spTree>
+      <p:nvGrpSpPr>
+        <p:cNvPr id="1" name=""/>
+        <p:cNvGrpSpPr/>
+        <p:nvPr/>
+      </p:nvGrpSpPr>
+      <p:grpSpPr>
+        <a:xfrm>
+          <a:off x="0" y="0"/>
+          <a:ext cx="0" cy="0"/>
+          <a:chOff x="0" y="0"/>
+          <a:chExt cx="0" cy="0"/>
+        </a:xfrm>
+      </p:grpSpPr>
+      <p:sp>
+        <p:nvSpPr>
+          <p:cNvPr id="2" name="Title 1">
+            <a:extLst>
+              <a:ext uri="{FF2B5EF4-FFF2-40B4-BE49-F238E27FC236}">
+                <a16:creationId xmlns:a16="http://schemas.microsoft.com/office/drawing/2014/main" id="{0FE951E1-6EF4-CA4C-966A-A4E92C9D6CDE}"/>
+              </a:ext>
+            </a:extLst>
+          </p:cNvPr>
+          <p:cNvSpPr>
+            <a:spLocks noGrp="1"/>
+          </p:cNvSpPr>
+          <p:nvPr>
+            <p:ph type="title"/>
+          </p:nvPr>
+        </p:nvSpPr>
+        <p:spPr>
+          <a:xfrm>
+            <a:off x="657225" y="499533"/>
+            <a:ext cx="10096500" cy="986367"/>
+          </a:xfrm>
+        </p:spPr>
+        <p:txBody>
+          <a:bodyPr>
+            <a:normAutofit/>
+          </a:bodyPr>
+          <a:lstStyle/>
+          <a:p>
+            <a:r>
+              <a:rPr lang="en-IN" dirty="0"/>
+              <a:t>Data Conversions &amp; Extraction</a:t>
+            </a:r>
+          </a:p>
+        </p:txBody>
+      </p:sp>
+      <p:sp>
+        <p:nvSpPr>
+          <p:cNvPr id="3" name="Content Placeholder 2">
+            <a:extLst>
+              <a:ext uri="{FF2B5EF4-FFF2-40B4-BE49-F238E27FC236}">
+                <a16:creationId xmlns:a16="http://schemas.microsoft.com/office/drawing/2014/main" id="{29364848-618E-8EF0-CCD6-C54F18029261}"/>
+              </a:ext>
+            </a:extLst>
+          </p:cNvPr>
+          <p:cNvSpPr>
+            <a:spLocks noGrp="1"/>
+          </p:cNvSpPr>
+          <p:nvPr>
+            <p:ph idx="1"/>
+          </p:nvPr>
+        </p:nvSpPr>
+        <p:spPr>
+          <a:xfrm>
+            <a:off x="676656" y="1485900"/>
+            <a:ext cx="7552943" cy="4572000"/>
+          </a:xfrm>
+        </p:spPr>
+        <p:txBody>
+          <a:bodyPr>
+            <a:normAutofit/>
+          </a:bodyPr>
+          <a:lstStyle/>
+          <a:p>
+            <a:pPr marL="361950" lvl="1" indent="-355600" algn="just">
+              <a:lnSpc>
+                <a:spcPct val="114000"/>
+              </a:lnSpc>
+              <a:buClr>
+                <a:schemeClr val="tx1"/>
+              </a:buClr>
+              <a:buFont typeface="Arial" panose="020B0604020202020204" pitchFamily="34" charset="0"/>
+              <a:buChar char="•"/>
+            </a:pPr>
+            <a:r>
+              <a:rPr lang="en-IN" sz="2000" dirty="0">
+                <a:solidFill>
+                  <a:schemeClr val="tx1">
+                    <a:lumMod val="95000"/>
+                  </a:schemeClr>
+                </a:solidFill>
+              </a:rPr>
+              <a:t>Following columns require data conversions. </a:t>
+            </a:r>
+          </a:p>
+          <a:p>
+            <a:pPr marL="361950" lvl="1" indent="-355600" algn="just">
+              <a:lnSpc>
+                <a:spcPct val="114000"/>
+              </a:lnSpc>
+              <a:buClr>
+                <a:schemeClr val="tx1"/>
+              </a:buClr>
+              <a:buFont typeface="Arial" panose="020B0604020202020204" pitchFamily="34" charset="0"/>
+              <a:buChar char="•"/>
+            </a:pPr>
+            <a:r>
+              <a:rPr lang="en-IN" sz="2000" dirty="0">
+                <a:solidFill>
+                  <a:schemeClr val="tx1">
+                    <a:lumMod val="95000"/>
+                  </a:schemeClr>
+                </a:solidFill>
+              </a:rPr>
+              <a:t>The Column </a:t>
+            </a:r>
+            <a:r>
+              <a:rPr lang="en-IN" sz="2000" b="1" dirty="0" err="1">
+                <a:solidFill>
+                  <a:schemeClr val="tx1">
+                    <a:lumMod val="95000"/>
+                  </a:schemeClr>
+                </a:solidFill>
+              </a:rPr>
+              <a:t>issue_d</a:t>
+            </a:r>
+            <a:endParaRPr lang="en-IN" sz="2000" b="1" dirty="0">
+              <a:solidFill>
+                <a:schemeClr val="tx1">
+                  <a:lumMod val="95000"/>
+                </a:schemeClr>
+              </a:solidFill>
+            </a:endParaRPr>
+          </a:p>
+          <a:p>
+            <a:pPr marL="563118" lvl="2" indent="-355600" algn="just">
+              <a:lnSpc>
+                <a:spcPct val="114000"/>
+              </a:lnSpc>
+              <a:buClr>
+                <a:schemeClr val="tx1"/>
+              </a:buClr>
+              <a:buFont typeface="Arial" panose="020B0604020202020204" pitchFamily="34" charset="0"/>
+              <a:buChar char="•"/>
+            </a:pPr>
+            <a:r>
+              <a:rPr lang="en-IN" sz="1600" dirty="0">
+                <a:solidFill>
+                  <a:schemeClr val="tx1">
+                    <a:lumMod val="95000"/>
+                  </a:schemeClr>
+                </a:solidFill>
+              </a:rPr>
+              <a:t>represents the loan issued date is identified as a string data. The values are converted to python date time. The Month and Year information is extracted.</a:t>
+            </a:r>
+          </a:p>
+          <a:p>
+            <a:pPr marL="361950" lvl="1" indent="-355600" algn="just">
+              <a:lnSpc>
+                <a:spcPct val="114000"/>
+              </a:lnSpc>
+              <a:buClr>
+                <a:schemeClr val="tx1"/>
+              </a:buClr>
+              <a:buFont typeface="Arial" panose="020B0604020202020204" pitchFamily="34" charset="0"/>
+              <a:buChar char="•"/>
+            </a:pPr>
+            <a:r>
+              <a:rPr lang="en-IN" sz="2000" dirty="0">
+                <a:solidFill>
+                  <a:schemeClr val="tx1">
+                    <a:lumMod val="95000"/>
+                  </a:schemeClr>
+                </a:solidFill>
+              </a:rPr>
+              <a:t>The Column </a:t>
+            </a:r>
+            <a:r>
+              <a:rPr lang="en-IN" sz="2000" b="1" dirty="0" err="1">
+                <a:solidFill>
+                  <a:schemeClr val="tx1">
+                    <a:lumMod val="95000"/>
+                  </a:schemeClr>
+                </a:solidFill>
+              </a:rPr>
+              <a:t>int_rate</a:t>
+            </a:r>
+            <a:endParaRPr lang="en-IN" sz="2000" b="1" dirty="0">
+              <a:solidFill>
+                <a:schemeClr val="tx1">
+                  <a:lumMod val="95000"/>
+                </a:schemeClr>
+              </a:solidFill>
+            </a:endParaRPr>
+          </a:p>
+          <a:p>
+            <a:pPr marL="563118" lvl="2" indent="-355600" algn="just">
+              <a:lnSpc>
+                <a:spcPct val="114000"/>
+              </a:lnSpc>
+              <a:buClr>
+                <a:schemeClr val="tx1"/>
+              </a:buClr>
+              <a:buFont typeface="Arial" panose="020B0604020202020204" pitchFamily="34" charset="0"/>
+              <a:buChar char="•"/>
+            </a:pPr>
+            <a:r>
+              <a:rPr lang="en-IN" sz="1600" dirty="0">
+                <a:solidFill>
+                  <a:schemeClr val="tx1">
+                    <a:lumMod val="95000"/>
+                  </a:schemeClr>
+                </a:solidFill>
+              </a:rPr>
+              <a:t>which represents the loan interest rate. It has % postfixed for every value.</a:t>
+            </a:r>
+          </a:p>
+          <a:p>
+            <a:pPr marL="361950" lvl="1" indent="-355600" algn="just">
+              <a:lnSpc>
+                <a:spcPct val="114000"/>
+              </a:lnSpc>
+              <a:buClr>
+                <a:schemeClr val="tx1"/>
+              </a:buClr>
+              <a:buFont typeface="Arial" panose="020B0604020202020204" pitchFamily="34" charset="0"/>
+              <a:buChar char="•"/>
+            </a:pPr>
+            <a:r>
+              <a:rPr lang="en-IN" sz="2000" dirty="0">
+                <a:solidFill>
+                  <a:schemeClr val="tx1">
+                    <a:lumMod val="95000"/>
+                  </a:schemeClr>
+                </a:solidFill>
+              </a:rPr>
+              <a:t>The Column </a:t>
+            </a:r>
+            <a:r>
+              <a:rPr lang="en-IN" sz="2000" b="1" dirty="0">
+                <a:solidFill>
+                  <a:schemeClr val="tx1">
+                    <a:lumMod val="95000"/>
+                  </a:schemeClr>
+                </a:solidFill>
+              </a:rPr>
+              <a:t>term</a:t>
+            </a:r>
+          </a:p>
+          <a:p>
+            <a:pPr marL="563118" lvl="2" indent="-355600" algn="just">
+              <a:lnSpc>
+                <a:spcPct val="114000"/>
+              </a:lnSpc>
+              <a:buClr>
+                <a:schemeClr val="tx1"/>
+              </a:buClr>
+              <a:buFont typeface="Arial" panose="020B0604020202020204" pitchFamily="34" charset="0"/>
+              <a:buChar char="•"/>
+            </a:pPr>
+            <a:r>
+              <a:rPr lang="en-IN" sz="1600" dirty="0">
+                <a:solidFill>
+                  <a:schemeClr val="tx1">
+                    <a:lumMod val="95000"/>
+                  </a:schemeClr>
+                </a:solidFill>
+              </a:rPr>
+              <a:t>which represents the loan term in months. It has months postfixed for every value which is removed.</a:t>
+            </a:r>
+          </a:p>
+          <a:p>
+            <a:pPr marL="361950" lvl="1" indent="-355600" algn="just">
+              <a:lnSpc>
+                <a:spcPct val="114000"/>
+              </a:lnSpc>
+              <a:buClr>
+                <a:schemeClr val="tx1"/>
+              </a:buClr>
+              <a:buFont typeface="Arial" panose="020B0604020202020204" pitchFamily="34" charset="0"/>
+              <a:buChar char="•"/>
+            </a:pPr>
+            <a:r>
+              <a:rPr lang="en-IN" sz="2000" dirty="0">
+                <a:solidFill>
+                  <a:schemeClr val="tx1">
+                    <a:lumMod val="95000"/>
+                  </a:schemeClr>
+                </a:solidFill>
+              </a:rPr>
+              <a:t>The Column </a:t>
+            </a:r>
+            <a:r>
+              <a:rPr lang="en-IN" sz="2000" b="1" dirty="0" err="1">
+                <a:solidFill>
+                  <a:schemeClr val="tx1">
+                    <a:lumMod val="95000"/>
+                  </a:schemeClr>
+                </a:solidFill>
+              </a:rPr>
+              <a:t>emp_length</a:t>
+            </a:r>
+            <a:endParaRPr lang="en-IN" sz="2000" b="1" dirty="0">
+              <a:solidFill>
+                <a:schemeClr val="tx1">
+                  <a:lumMod val="95000"/>
+                </a:schemeClr>
+              </a:solidFill>
+            </a:endParaRPr>
+          </a:p>
+          <a:p>
+            <a:pPr marL="563118" lvl="2" indent="-355600" algn="just">
+              <a:lnSpc>
+                <a:spcPct val="114000"/>
+              </a:lnSpc>
+              <a:buClr>
+                <a:schemeClr val="tx1"/>
+              </a:buClr>
+              <a:buFont typeface="Arial" panose="020B0604020202020204" pitchFamily="34" charset="0"/>
+              <a:buChar char="•"/>
+            </a:pPr>
+            <a:r>
+              <a:rPr lang="en-IN" sz="1600" dirty="0">
+                <a:solidFill>
+                  <a:schemeClr val="tx1">
+                    <a:lumMod val="95000"/>
+                  </a:schemeClr>
+                </a:solidFill>
+              </a:rPr>
+              <a:t>which represents the employment tenure in years. It has year/years postfixed for every value which is removed.</a:t>
+            </a:r>
+          </a:p>
+          <a:p>
+            <a:pPr marL="361950" lvl="1" indent="-355600" algn="just">
+              <a:lnSpc>
+                <a:spcPct val="114000"/>
+              </a:lnSpc>
+              <a:buClr>
+                <a:schemeClr val="tx1"/>
+              </a:buClr>
+              <a:buFont typeface="Arial" panose="020B0604020202020204" pitchFamily="34" charset="0"/>
+              <a:buChar char="•"/>
+            </a:pPr>
+            <a:endParaRPr lang="en-IN" sz="2000" dirty="0">
+              <a:solidFill>
+                <a:schemeClr val="tx1">
+                  <a:lumMod val="95000"/>
+                </a:schemeClr>
+              </a:solidFill>
+            </a:endParaRPr>
+          </a:p>
+        </p:txBody>
+      </p:sp>
+      <p:pic>
+        <p:nvPicPr>
+          <p:cNvPr id="7" name="Graphic 6" descr="Mop and bucket">
+            <a:extLst>
+              <a:ext uri="{FF2B5EF4-FFF2-40B4-BE49-F238E27FC236}">
+                <a16:creationId xmlns:a16="http://schemas.microsoft.com/office/drawing/2014/main" id="{AFDEB4D1-783B-55FC-603A-C7B919DE42ED}"/>
+              </a:ext>
+            </a:extLst>
+          </p:cNvPr>
+          <p:cNvPicPr>
+            <a:picLocks noChangeAspect="1"/>
+          </p:cNvPicPr>
+          <p:nvPr/>
+        </p:nvPicPr>
+        <p:blipFill>
+          <a:blip r:embed="rId2">
+            <a:extLst>
+              <a:ext uri="{28A0092B-C50C-407E-A947-70E740481C1C}">
+                <a14:useLocalDpi xmlns:a14="http://schemas.microsoft.com/office/drawing/2010/main" val="0"/>
+              </a:ext>
+              <a:ext uri="{96DAC541-7B7A-43D3-8B79-37D633B846F1}">
+                <asvg:svgBlip xmlns:asvg="http://schemas.microsoft.com/office/drawing/2016/SVG/main" r:embed="rId3"/>
+              </a:ext>
+            </a:extLst>
+          </a:blip>
+          <a:stretch>
+            <a:fillRect/>
+          </a:stretch>
+        </p:blipFill>
+        <p:spPr>
+          <a:xfrm>
+            <a:off x="8100058" y="1703445"/>
+            <a:ext cx="3448478" cy="3448478"/>
+          </a:xfrm>
+          <a:prstGeom prst="rect">
+            <a:avLst/>
+          </a:prstGeom>
+        </p:spPr>
+      </p:pic>
+    </p:spTree>
+    <p:extLst>
+      <p:ext uri="{BB962C8B-B14F-4D97-AF65-F5344CB8AC3E}">
+        <p14:creationId xmlns:p14="http://schemas.microsoft.com/office/powerpoint/2010/main" val="1741927854"/>
       </p:ext>
     </p:extLst>
   </p:cSld>

--- a/Lending Club Case Study.pptx
+++ b/Lending Club Case Study.pptx
@@ -5,10 +5,10 @@
     <p:sldMasterId id="2147483821" r:id="rId1"/>
   </p:sldMasterIdLst>
   <p:notesMasterIdLst>
-    <p:notesMasterId r:id="rId23"/>
+    <p:notesMasterId r:id="rId37"/>
   </p:notesMasterIdLst>
   <p:handoutMasterIdLst>
-    <p:handoutMasterId r:id="rId24"/>
+    <p:handoutMasterId r:id="rId38"/>
   </p:handoutMasterIdLst>
   <p:sldIdLst>
     <p:sldId id="270" r:id="rId2"/>
@@ -32,6 +32,20 @@
     <p:sldId id="295" r:id="rId20"/>
     <p:sldId id="296" r:id="rId21"/>
     <p:sldId id="286" r:id="rId22"/>
+    <p:sldId id="297" r:id="rId23"/>
+    <p:sldId id="298" r:id="rId24"/>
+    <p:sldId id="299" r:id="rId25"/>
+    <p:sldId id="301" r:id="rId26"/>
+    <p:sldId id="302" r:id="rId27"/>
+    <p:sldId id="304" r:id="rId28"/>
+    <p:sldId id="303" r:id="rId29"/>
+    <p:sldId id="306" r:id="rId30"/>
+    <p:sldId id="307" r:id="rId31"/>
+    <p:sldId id="308" r:id="rId32"/>
+    <p:sldId id="309" r:id="rId33"/>
+    <p:sldId id="310" r:id="rId34"/>
+    <p:sldId id="311" r:id="rId35"/>
+    <p:sldId id="313" r:id="rId36"/>
   </p:sldIdLst>
   <p:sldSz cx="12192000" cy="6858000"/>
   <p:notesSz cx="6858000" cy="9144000"/>
@@ -10159,13 +10173,13 @@
   <p:clrMapOvr>
     <a:masterClrMapping/>
   </p:clrMapOvr>
-  <mc:AlternateContent xmlns:mc="http://schemas.openxmlformats.org/markup-compatibility/2006">
-    <mc:Choice xmlns:p14="http://schemas.microsoft.com/office/powerpoint/2010/main" Requires="p14">
+  <mc:AlternateContent xmlns:mc="http://schemas.openxmlformats.org/markup-compatibility/2006" xmlns:p14="http://schemas.microsoft.com/office/powerpoint/2010/main">
+    <mc:Choice Requires="p14">
       <p:transition spd="med" p14:dur="700">
         <p:fade/>
       </p:transition>
     </mc:Choice>
-    <mc:Fallback>
+    <mc:Fallback xmlns="">
       <p:transition spd="med">
         <p:fade/>
       </p:transition>
@@ -10352,13 +10366,13 @@
   <p:clrMapOvr>
     <a:masterClrMapping/>
   </p:clrMapOvr>
-  <mc:AlternateContent xmlns:mc="http://schemas.openxmlformats.org/markup-compatibility/2006">
-    <mc:Choice xmlns:p14="http://schemas.microsoft.com/office/powerpoint/2010/main" Requires="p14">
+  <mc:AlternateContent xmlns:mc="http://schemas.openxmlformats.org/markup-compatibility/2006" xmlns:p14="http://schemas.microsoft.com/office/powerpoint/2010/main">
+    <mc:Choice Requires="p14">
       <p:transition spd="med" p14:dur="700">
         <p:fade/>
       </p:transition>
     </mc:Choice>
-    <mc:Fallback>
+    <mc:Fallback xmlns="">
       <p:transition spd="med">
         <p:fade/>
       </p:transition>
@@ -10542,13 +10556,13 @@
   <p:clrMapOvr>
     <a:masterClrMapping/>
   </p:clrMapOvr>
-  <mc:AlternateContent xmlns:mc="http://schemas.openxmlformats.org/markup-compatibility/2006">
-    <mc:Choice xmlns:p14="http://schemas.microsoft.com/office/powerpoint/2010/main" Requires="p14">
+  <mc:AlternateContent xmlns:mc="http://schemas.openxmlformats.org/markup-compatibility/2006" xmlns:p14="http://schemas.microsoft.com/office/powerpoint/2010/main">
+    <mc:Choice Requires="p14">
       <p:transition spd="med" p14:dur="700">
         <p:fade/>
       </p:transition>
     </mc:Choice>
-    <mc:Fallback>
+    <mc:Fallback xmlns="">
       <p:transition spd="med">
         <p:fade/>
       </p:transition>
@@ -10796,13 +10810,13 @@
   <p:clrMapOvr>
     <a:masterClrMapping/>
   </p:clrMapOvr>
-  <mc:AlternateContent xmlns:mc="http://schemas.openxmlformats.org/markup-compatibility/2006">
-    <mc:Choice xmlns:p14="http://schemas.microsoft.com/office/powerpoint/2010/main" Requires="p14">
+  <mc:AlternateContent xmlns:mc="http://schemas.openxmlformats.org/markup-compatibility/2006" xmlns:p14="http://schemas.microsoft.com/office/powerpoint/2010/main">
+    <mc:Choice Requires="p14">
       <p:transition spd="med" p14:dur="700">
         <p:fade/>
       </p:transition>
     </mc:Choice>
-    <mc:Fallback>
+    <mc:Fallback xmlns="">
       <p:transition spd="med">
         <p:fade/>
       </p:transition>
@@ -10963,13 +10977,13 @@
   <p:clrMapOvr>
     <a:masterClrMapping/>
   </p:clrMapOvr>
-  <mc:AlternateContent xmlns:mc="http://schemas.openxmlformats.org/markup-compatibility/2006">
-    <mc:Choice xmlns:p14="http://schemas.microsoft.com/office/powerpoint/2010/main" Requires="p14">
+  <mc:AlternateContent xmlns:mc="http://schemas.openxmlformats.org/markup-compatibility/2006" xmlns:p14="http://schemas.microsoft.com/office/powerpoint/2010/main">
+    <mc:Choice Requires="p14">
       <p:transition spd="med" p14:dur="700">
         <p:fade/>
       </p:transition>
     </mc:Choice>
-    <mc:Fallback>
+    <mc:Fallback xmlns="">
       <p:transition spd="med">
         <p:fade/>
       </p:transition>
@@ -11135,13 +11149,13 @@
   <p:clrMapOvr>
     <a:masterClrMapping/>
   </p:clrMapOvr>
-  <mc:AlternateContent xmlns:mc="http://schemas.openxmlformats.org/markup-compatibility/2006">
-    <mc:Choice xmlns:p14="http://schemas.microsoft.com/office/powerpoint/2010/main" Requires="p14">
+  <mc:AlternateContent xmlns:mc="http://schemas.openxmlformats.org/markup-compatibility/2006" xmlns:p14="http://schemas.microsoft.com/office/powerpoint/2010/main">
+    <mc:Choice Requires="p14">
       <p:transition spd="med" p14:dur="700">
         <p:fade/>
       </p:transition>
     </mc:Choice>
-    <mc:Fallback>
+    <mc:Fallback xmlns="">
       <p:transition spd="med">
         <p:fade/>
       </p:transition>
@@ -11361,13 +11375,13 @@
   <p:clrMapOvr>
     <a:masterClrMapping/>
   </p:clrMapOvr>
-  <mc:AlternateContent xmlns:mc="http://schemas.openxmlformats.org/markup-compatibility/2006">
-    <mc:Choice xmlns:p14="http://schemas.microsoft.com/office/powerpoint/2010/main" Requires="p14">
+  <mc:AlternateContent xmlns:mc="http://schemas.openxmlformats.org/markup-compatibility/2006" xmlns:p14="http://schemas.microsoft.com/office/powerpoint/2010/main">
+    <mc:Choice Requires="p14">
       <p:transition spd="med" p14:dur="700">
         <p:fade/>
       </p:transition>
     </mc:Choice>
-    <mc:Fallback>
+    <mc:Fallback xmlns="">
       <p:transition spd="med">
         <p:fade/>
       </p:transition>
@@ -11540,13 +11554,13 @@
   <p:clrMapOvr>
     <a:masterClrMapping/>
   </p:clrMapOvr>
-  <mc:AlternateContent xmlns:mc="http://schemas.openxmlformats.org/markup-compatibility/2006">
-    <mc:Choice xmlns:p14="http://schemas.microsoft.com/office/powerpoint/2010/main" Requires="p14">
+  <mc:AlternateContent xmlns:mc="http://schemas.openxmlformats.org/markup-compatibility/2006" xmlns:p14="http://schemas.microsoft.com/office/powerpoint/2010/main">
+    <mc:Choice Requires="p14">
       <p:transition spd="med" p14:dur="700">
         <p:fade/>
       </p:transition>
     </mc:Choice>
-    <mc:Fallback>
+    <mc:Fallback xmlns="">
       <p:transition spd="med">
         <p:fade/>
       </p:transition>
@@ -12076,13 +12090,13 @@
   <p:clrMapOvr>
     <a:masterClrMapping/>
   </p:clrMapOvr>
-  <mc:AlternateContent xmlns:mc="http://schemas.openxmlformats.org/markup-compatibility/2006">
-    <mc:Choice xmlns:p14="http://schemas.microsoft.com/office/powerpoint/2010/main" Requires="p14">
+  <mc:AlternateContent xmlns:mc="http://schemas.openxmlformats.org/markup-compatibility/2006" xmlns:p14="http://schemas.microsoft.com/office/powerpoint/2010/main">
+    <mc:Choice Requires="p14">
       <p:transition spd="med" p14:dur="700">
         <p:fade/>
       </p:transition>
     </mc:Choice>
-    <mc:Fallback>
+    <mc:Fallback xmlns="">
       <p:transition spd="med">
         <p:fade/>
       </p:transition>
@@ -12094,6 +12108,14 @@
 <file path=ppt/slides/slide21.xml><?xml version="1.0" encoding="utf-8"?>
 <p:sld xmlns:a="http://schemas.openxmlformats.org/drawingml/2006/main" xmlns:r="http://schemas.openxmlformats.org/officeDocument/2006/relationships" xmlns:p="http://schemas.openxmlformats.org/presentationml/2006/main">
   <p:cSld>
+    <p:bg>
+      <p:bgPr>
+        <a:solidFill>
+          <a:schemeClr val="accent1"/>
+        </a:solidFill>
+        <a:effectLst/>
+      </p:bgPr>
+    </p:bg>
     <p:spTree>
       <p:nvGrpSpPr>
         <p:cNvPr id="1" name=""/>
@@ -12165,12 +12187,17 @@
         </p:spPr>
         <p:txBody>
           <a:bodyPr>
-            <a:normAutofit lnSpcReduction="10000"/>
+            <a:normAutofit/>
           </a:bodyPr>
           <a:lstStyle/>
           <a:p>
-            <a:r>
-              <a:rPr lang="en-IN" b="1" dirty="0">
+            <a:pPr>
+              <a:lnSpc>
+                <a:spcPct val="114000"/>
+              </a:lnSpc>
+            </a:pPr>
+            <a:r>
+              <a:rPr lang="en-IN" sz="2000" b="1" dirty="0">
                 <a:solidFill>
                   <a:schemeClr val="tx1">
                     <a:lumMod val="95000"/>
@@ -12180,7 +12207,7 @@
               <a:t>Investor funded Amount</a:t>
             </a:r>
             <a:r>
-              <a:rPr lang="en-IN" dirty="0">
+              <a:rPr lang="en-IN" sz="2000" dirty="0">
                 <a:solidFill>
                   <a:schemeClr val="tx1">
                     <a:lumMod val="95000"/>
@@ -12190,7 +12217,7 @@
               <a:t> range between </a:t>
             </a:r>
             <a:r>
-              <a:rPr lang="en-IN" b="1" dirty="0">
+              <a:rPr lang="en-IN" sz="2000" b="1" dirty="0">
                 <a:solidFill>
                   <a:schemeClr val="tx1">
                     <a:lumMod val="95000"/>
@@ -12200,7 +12227,7 @@
               <a:t>3000-6000</a:t>
             </a:r>
             <a:r>
-              <a:rPr lang="en-IN" dirty="0">
+              <a:rPr lang="en-IN" sz="2000" dirty="0">
                 <a:solidFill>
                   <a:schemeClr val="tx1">
                     <a:lumMod val="95000"/>
@@ -12211,8 +12238,13 @@
             </a:r>
           </a:p>
           <a:p>
-            <a:r>
-              <a:rPr lang="en-IN" b="1" dirty="0">
+            <a:pPr>
+              <a:lnSpc>
+                <a:spcPct val="114000"/>
+              </a:lnSpc>
+            </a:pPr>
+            <a:r>
+              <a:rPr lang="en-IN" sz="2000" b="1" dirty="0">
                 <a:solidFill>
                   <a:schemeClr val="tx1">
                     <a:lumMod val="95000"/>
@@ -12222,7 +12254,7 @@
               <a:t>Purpose</a:t>
             </a:r>
             <a:r>
-              <a:rPr lang="en-IN" dirty="0">
+              <a:rPr lang="en-IN" sz="2000" dirty="0">
                 <a:solidFill>
                   <a:schemeClr val="tx1">
                     <a:lumMod val="95000"/>
@@ -12233,8 +12265,13 @@
             </a:r>
           </a:p>
           <a:p>
-            <a:r>
-              <a:rPr lang="en-IN" dirty="0">
+            <a:pPr>
+              <a:lnSpc>
+                <a:spcPct val="114000"/>
+              </a:lnSpc>
+            </a:pPr>
+            <a:r>
+              <a:rPr lang="en-IN" sz="2000" dirty="0">
                 <a:solidFill>
                   <a:schemeClr val="tx1">
                     <a:lumMod val="95000"/>
@@ -12244,7 +12281,7 @@
               <a:t>People with </a:t>
             </a:r>
             <a:r>
-              <a:rPr lang="en-IN" b="1" dirty="0">
+              <a:rPr lang="en-IN" sz="2000" b="1" dirty="0">
                 <a:solidFill>
                   <a:schemeClr val="tx1">
                     <a:lumMod val="95000"/>
@@ -12254,7 +12291,7 @@
               <a:t>employment 10 or more years</a:t>
             </a:r>
             <a:r>
-              <a:rPr lang="en-IN" dirty="0">
+              <a:rPr lang="en-IN" sz="2000" dirty="0">
                 <a:solidFill>
                   <a:schemeClr val="tx1">
                     <a:lumMod val="95000"/>
@@ -12265,8 +12302,13 @@
             </a:r>
           </a:p>
           <a:p>
-            <a:r>
-              <a:rPr lang="en-IN" dirty="0">
+            <a:pPr>
+              <a:lnSpc>
+                <a:spcPct val="114000"/>
+              </a:lnSpc>
+            </a:pPr>
+            <a:r>
+              <a:rPr lang="en-IN" sz="2000" dirty="0">
                 <a:solidFill>
                   <a:schemeClr val="tx1">
                     <a:lumMod val="95000"/>
@@ -12276,7 +12318,7 @@
               <a:t>Almost </a:t>
             </a:r>
             <a:r>
-              <a:rPr lang="en-IN" b="1" dirty="0">
+              <a:rPr lang="en-IN" sz="2000" b="1" dirty="0">
                 <a:solidFill>
                   <a:schemeClr val="tx1">
                     <a:lumMod val="95000"/>
@@ -12286,7 +12328,7 @@
               <a:t>44%</a:t>
             </a:r>
             <a:r>
-              <a:rPr lang="en-IN" dirty="0">
+              <a:rPr lang="en-IN" sz="2000" dirty="0">
                 <a:solidFill>
                   <a:schemeClr val="tx1">
                     <a:lumMod val="95000"/>
@@ -12296,7 +12338,7 @@
               <a:t> of the loans are </a:t>
             </a:r>
             <a:r>
-              <a:rPr lang="en-IN" b="1" dirty="0">
+              <a:rPr lang="en-IN" sz="2000" b="1" dirty="0">
                 <a:solidFill>
                   <a:schemeClr val="tx1">
                     <a:lumMod val="95000"/>
@@ -12306,7 +12348,7 @@
               <a:t>not verified</a:t>
             </a:r>
             <a:r>
-              <a:rPr lang="en-IN" dirty="0">
+              <a:rPr lang="en-IN" sz="2000" dirty="0">
                 <a:solidFill>
                   <a:schemeClr val="tx1">
                     <a:lumMod val="95000"/>
@@ -12317,8 +12359,13 @@
             </a:r>
           </a:p>
           <a:p>
-            <a:r>
-              <a:rPr lang="en-IN" dirty="0">
+            <a:pPr>
+              <a:lnSpc>
+                <a:spcPct val="114000"/>
+              </a:lnSpc>
+            </a:pPr>
+            <a:r>
+              <a:rPr lang="en-IN" sz="2000" dirty="0">
                 <a:solidFill>
                   <a:schemeClr val="tx1">
                     <a:lumMod val="95000"/>
@@ -12328,7 +12375,7 @@
               <a:t>It is observed of a pattern on the </a:t>
             </a:r>
             <a:r>
-              <a:rPr lang="en-IN" b="1" dirty="0">
+              <a:rPr lang="en-IN" sz="2000" b="1" dirty="0">
                 <a:solidFill>
                   <a:schemeClr val="tx1">
                     <a:lumMod val="95000"/>
@@ -12338,7 +12385,7 @@
               <a:t>Month</a:t>
             </a:r>
             <a:r>
-              <a:rPr lang="en-IN" dirty="0">
+              <a:rPr lang="en-IN" sz="2000" dirty="0">
                 <a:solidFill>
                   <a:schemeClr val="tx1">
                     <a:lumMod val="95000"/>
@@ -12349,8 +12396,13 @@
             </a:r>
           </a:p>
           <a:p>
-            <a:r>
-              <a:rPr lang="en-IN" dirty="0">
+            <a:pPr>
+              <a:lnSpc>
+                <a:spcPct val="114000"/>
+              </a:lnSpc>
+            </a:pPr>
+            <a:r>
+              <a:rPr lang="en-IN" sz="2000" dirty="0">
                 <a:solidFill>
                   <a:schemeClr val="tx1">
                     <a:lumMod val="95000"/>
@@ -12360,7 +12412,7 @@
               <a:t>Loans issued to the </a:t>
             </a:r>
             <a:r>
-              <a:rPr lang="en-IN" b="1" dirty="0">
+              <a:rPr lang="en-IN" sz="2000" b="1" dirty="0">
                 <a:solidFill>
                   <a:schemeClr val="tx1">
                     <a:lumMod val="95000"/>
@@ -12370,7 +12422,7 @@
               <a:t>State NE</a:t>
             </a:r>
             <a:r>
-              <a:rPr lang="en-IN" dirty="0">
+              <a:rPr lang="en-IN" sz="2000" dirty="0">
                 <a:solidFill>
                   <a:schemeClr val="tx1">
                     <a:lumMod val="95000"/>
@@ -12381,8 +12433,13 @@
             </a:r>
           </a:p>
           <a:p>
-            <a:r>
-              <a:rPr lang="en-IN" dirty="0">
+            <a:pPr>
+              <a:lnSpc>
+                <a:spcPct val="114000"/>
+              </a:lnSpc>
+            </a:pPr>
+            <a:r>
+              <a:rPr lang="en-IN" sz="2000" dirty="0">
                 <a:solidFill>
                   <a:schemeClr val="tx1">
                     <a:lumMod val="95000"/>
@@ -12392,7 +12449,7 @@
               <a:t>Loans issued under the </a:t>
             </a:r>
             <a:r>
-              <a:rPr lang="en-IN" b="1" dirty="0">
+              <a:rPr lang="en-IN" sz="2000" b="1" dirty="0">
                 <a:solidFill>
                   <a:schemeClr val="tx1">
                     <a:lumMod val="95000"/>
@@ -12402,7 +12459,7 @@
               <a:t>Grade – G</a:t>
             </a:r>
             <a:r>
-              <a:rPr lang="en-IN" dirty="0">
+              <a:rPr lang="en-IN" sz="2000" dirty="0">
                 <a:solidFill>
                   <a:schemeClr val="tx1">
                     <a:lumMod val="95000"/>
@@ -12413,8 +12470,13 @@
             </a:r>
           </a:p>
           <a:p>
-            <a:r>
-              <a:rPr lang="en-IN" dirty="0">
+            <a:pPr>
+              <a:lnSpc>
+                <a:spcPct val="114000"/>
+              </a:lnSpc>
+            </a:pPr>
+            <a:r>
+              <a:rPr lang="en-IN" sz="2000" dirty="0">
                 <a:solidFill>
                   <a:schemeClr val="tx1">
                     <a:lumMod val="95000"/>
@@ -12424,7 +12486,7 @@
               <a:t>Also, the loans issued under </a:t>
             </a:r>
             <a:r>
-              <a:rPr lang="en-IN" b="1" dirty="0">
+              <a:rPr lang="en-IN" sz="2000" b="1" dirty="0">
                 <a:solidFill>
                   <a:schemeClr val="tx1">
                     <a:lumMod val="95000"/>
@@ -12434,7 +12496,7 @@
               <a:t>sub-Grades F5, G2, G2, G3, G5</a:t>
             </a:r>
             <a:r>
-              <a:rPr lang="en-IN" dirty="0">
+              <a:rPr lang="en-IN" sz="2000" dirty="0">
                 <a:solidFill>
                   <a:schemeClr val="tx1">
                     <a:lumMod val="95000"/>
@@ -12445,8 +12507,13 @@
             </a:r>
           </a:p>
           <a:p>
-            <a:r>
-              <a:rPr lang="en-IN" dirty="0">
+            <a:pPr>
+              <a:lnSpc>
+                <a:spcPct val="114000"/>
+              </a:lnSpc>
+            </a:pPr>
+            <a:r>
+              <a:rPr lang="en-IN" sz="2000" dirty="0">
                 <a:solidFill>
                   <a:schemeClr val="tx1">
                     <a:lumMod val="95000"/>
@@ -12456,7 +12523,7 @@
               <a:t>Loans issued to home ownership is </a:t>
             </a:r>
             <a:r>
-              <a:rPr lang="en-IN" b="1" dirty="0">
+              <a:rPr lang="en-IN" sz="2000" b="1" dirty="0">
                 <a:solidFill>
                   <a:schemeClr val="tx1">
                     <a:lumMod val="95000"/>
@@ -12466,7 +12533,7 @@
               <a:t>OTHER</a:t>
             </a:r>
             <a:r>
-              <a:rPr lang="en-IN" dirty="0">
+              <a:rPr lang="en-IN" sz="2000" dirty="0">
                 <a:solidFill>
                   <a:schemeClr val="tx1">
                     <a:lumMod val="95000"/>
@@ -12477,8 +12544,13 @@
             </a:r>
           </a:p>
           <a:p>
-            <a:r>
-              <a:rPr lang="en-IN" dirty="0">
+            <a:pPr>
+              <a:lnSpc>
+                <a:spcPct val="114000"/>
+              </a:lnSpc>
+            </a:pPr>
+            <a:r>
+              <a:rPr lang="en-IN" sz="2000" dirty="0">
                 <a:solidFill>
                   <a:schemeClr val="tx1">
                     <a:lumMod val="95000"/>
@@ -12488,7 +12560,7 @@
               <a:t>Also, home ownership as </a:t>
             </a:r>
             <a:r>
-              <a:rPr lang="en-IN" b="1" dirty="0">
+              <a:rPr lang="en-IN" sz="2000" b="1" dirty="0">
                 <a:solidFill>
                   <a:schemeClr val="tx1">
                     <a:lumMod val="95000"/>
@@ -12498,7 +12570,7 @@
               <a:t>RENT</a:t>
             </a:r>
             <a:r>
-              <a:rPr lang="en-IN" dirty="0">
+              <a:rPr lang="en-IN" sz="2000" dirty="0">
                 <a:solidFill>
                   <a:schemeClr val="tx1">
                     <a:lumMod val="95000"/>
@@ -12527,6 +12599,2370 @@
       </p:transition>
     </mc:Choice>
     <mc:Fallback xmlns="">
+      <p:transition spd="med">
+        <p:fade/>
+      </p:transition>
+    </mc:Fallback>
+  </mc:AlternateContent>
+</p:sld>
+</file>
+
+<file path=ppt/slides/slide22.xml><?xml version="1.0" encoding="utf-8"?>
+<p:sld xmlns:a="http://schemas.openxmlformats.org/drawingml/2006/main" xmlns:r="http://schemas.openxmlformats.org/officeDocument/2006/relationships" xmlns:p="http://schemas.openxmlformats.org/presentationml/2006/main">
+  <p:cSld>
+    <p:spTree>
+      <p:nvGrpSpPr>
+        <p:cNvPr id="1" name=""/>
+        <p:cNvGrpSpPr/>
+        <p:nvPr/>
+      </p:nvGrpSpPr>
+      <p:grpSpPr>
+        <a:xfrm>
+          <a:off x="0" y="0"/>
+          <a:ext cx="0" cy="0"/>
+          <a:chOff x="0" y="0"/>
+          <a:chExt cx="0" cy="0"/>
+        </a:xfrm>
+      </p:grpSpPr>
+      <p:sp>
+        <p:nvSpPr>
+          <p:cNvPr id="2" name="Title 1">
+            <a:extLst>
+              <a:ext uri="{FF2B5EF4-FFF2-40B4-BE49-F238E27FC236}">
+                <a16:creationId xmlns:a16="http://schemas.microsoft.com/office/drawing/2014/main" id="{08201A1E-5E7C-4C1F-A0E6-1073CED5F620}"/>
+              </a:ext>
+            </a:extLst>
+          </p:cNvPr>
+          <p:cNvSpPr>
+            <a:spLocks noGrp="1"/>
+          </p:cNvSpPr>
+          <p:nvPr>
+            <p:ph type="title"/>
+          </p:nvPr>
+        </p:nvSpPr>
+        <p:spPr>
+          <a:xfrm>
+            <a:off x="657224" y="499533"/>
+            <a:ext cx="10772775" cy="839073"/>
+          </a:xfrm>
+        </p:spPr>
+        <p:txBody>
+          <a:bodyPr/>
+          <a:lstStyle/>
+          <a:p>
+            <a:r>
+              <a:rPr lang="en-IN" dirty="0"/>
+              <a:t>Binning of Data</a:t>
+            </a:r>
+          </a:p>
+        </p:txBody>
+      </p:sp>
+      <p:sp>
+        <p:nvSpPr>
+          <p:cNvPr id="3" name="Content Placeholder 2">
+            <a:extLst>
+              <a:ext uri="{FF2B5EF4-FFF2-40B4-BE49-F238E27FC236}">
+                <a16:creationId xmlns:a16="http://schemas.microsoft.com/office/drawing/2014/main" id="{8D29805C-DA19-11F3-6CDE-03DF111D4B28}"/>
+              </a:ext>
+            </a:extLst>
+          </p:cNvPr>
+          <p:cNvSpPr>
+            <a:spLocks noGrp="1"/>
+          </p:cNvSpPr>
+          <p:nvPr>
+            <p:ph idx="1"/>
+          </p:nvPr>
+        </p:nvSpPr>
+        <p:spPr>
+          <a:xfrm>
+            <a:off x="676656" y="1489436"/>
+            <a:ext cx="10753725" cy="4986778"/>
+          </a:xfrm>
+        </p:spPr>
+        <p:txBody>
+          <a:bodyPr>
+            <a:normAutofit lnSpcReduction="10000"/>
+          </a:bodyPr>
+          <a:lstStyle/>
+          <a:p>
+            <a:pPr marL="179388" indent="-179388">
+              <a:buFont typeface="Arial" panose="020B0604020202020204" pitchFamily="34" charset="0"/>
+              <a:buChar char="•"/>
+            </a:pPr>
+            <a:r>
+              <a:rPr lang="en-IN" dirty="0">
+                <a:solidFill>
+                  <a:schemeClr val="tx1">
+                    <a:lumMod val="95000"/>
+                  </a:schemeClr>
+                </a:solidFill>
+              </a:rPr>
+              <a:t>Binning is a concept of dividing the continuous variables into bins so as each bin may act as a category. </a:t>
+            </a:r>
+          </a:p>
+          <a:p>
+            <a:pPr marL="179388" indent="-179388">
+              <a:buFont typeface="Arial" panose="020B0604020202020204" pitchFamily="34" charset="0"/>
+              <a:buChar char="•"/>
+            </a:pPr>
+            <a:r>
+              <a:rPr lang="en-IN" dirty="0">
+                <a:solidFill>
+                  <a:schemeClr val="tx1">
+                    <a:lumMod val="95000"/>
+                  </a:schemeClr>
+                </a:solidFill>
+              </a:rPr>
+              <a:t>Following attributes are categorized into 5 bins:</a:t>
+            </a:r>
+          </a:p>
+          <a:p>
+            <a:pPr marL="435420" lvl="1" indent="-179388">
+              <a:lnSpc>
+                <a:spcPct val="120000"/>
+              </a:lnSpc>
+              <a:buFont typeface="Arial" panose="020B0604020202020204" pitchFamily="34" charset="0"/>
+              <a:buChar char="•"/>
+            </a:pPr>
+            <a:r>
+              <a:rPr lang="en-IN" sz="2100" dirty="0" err="1">
+                <a:solidFill>
+                  <a:schemeClr val="tx1">
+                    <a:lumMod val="95000"/>
+                  </a:schemeClr>
+                </a:solidFill>
+              </a:rPr>
+              <a:t>annual_income</a:t>
+            </a:r>
+            <a:endParaRPr lang="en-IN" sz="2100" dirty="0">
+              <a:solidFill>
+                <a:schemeClr val="tx1">
+                  <a:lumMod val="95000"/>
+                </a:schemeClr>
+              </a:solidFill>
+            </a:endParaRPr>
+          </a:p>
+          <a:p>
+            <a:pPr marL="435420" lvl="1" indent="-179388">
+              <a:lnSpc>
+                <a:spcPct val="120000"/>
+              </a:lnSpc>
+              <a:buFont typeface="Arial" panose="020B0604020202020204" pitchFamily="34" charset="0"/>
+              <a:buChar char="•"/>
+            </a:pPr>
+            <a:r>
+              <a:rPr lang="en-IN" sz="2100" dirty="0" err="1">
+                <a:solidFill>
+                  <a:schemeClr val="tx1">
+                    <a:lumMod val="95000"/>
+                  </a:schemeClr>
+                </a:solidFill>
+              </a:rPr>
+              <a:t>funded_amount_investor</a:t>
+            </a:r>
+            <a:endParaRPr lang="en-IN" sz="2100" dirty="0">
+              <a:solidFill>
+                <a:schemeClr val="tx1">
+                  <a:lumMod val="95000"/>
+                </a:schemeClr>
+              </a:solidFill>
+            </a:endParaRPr>
+          </a:p>
+          <a:p>
+            <a:pPr marL="435420" lvl="1" indent="-179388">
+              <a:lnSpc>
+                <a:spcPct val="120000"/>
+              </a:lnSpc>
+              <a:buFont typeface="Arial" panose="020B0604020202020204" pitchFamily="34" charset="0"/>
+              <a:buChar char="•"/>
+            </a:pPr>
+            <a:r>
+              <a:rPr lang="en-IN" sz="2100" dirty="0" err="1">
+                <a:solidFill>
+                  <a:schemeClr val="tx1">
+                    <a:lumMod val="95000"/>
+                  </a:schemeClr>
+                </a:solidFill>
+              </a:rPr>
+              <a:t>installment</a:t>
+            </a:r>
+            <a:endParaRPr lang="en-IN" sz="2100" dirty="0">
+              <a:solidFill>
+                <a:schemeClr val="tx1">
+                  <a:lumMod val="95000"/>
+                </a:schemeClr>
+              </a:solidFill>
+            </a:endParaRPr>
+          </a:p>
+          <a:p>
+            <a:pPr marL="435420" lvl="1" indent="-179388">
+              <a:lnSpc>
+                <a:spcPct val="120000"/>
+              </a:lnSpc>
+              <a:buFont typeface="Arial" panose="020B0604020202020204" pitchFamily="34" charset="0"/>
+              <a:buChar char="•"/>
+            </a:pPr>
+            <a:r>
+              <a:rPr lang="en-IN" sz="2100" dirty="0" err="1">
+                <a:solidFill>
+                  <a:schemeClr val="tx1">
+                    <a:lumMod val="95000"/>
+                  </a:schemeClr>
+                </a:solidFill>
+              </a:rPr>
+              <a:t>total_received_late_fee</a:t>
+            </a:r>
+            <a:endParaRPr lang="en-IN" sz="2100" dirty="0">
+              <a:solidFill>
+                <a:schemeClr val="tx1">
+                  <a:lumMod val="95000"/>
+                </a:schemeClr>
+              </a:solidFill>
+            </a:endParaRPr>
+          </a:p>
+          <a:p>
+            <a:pPr marL="435420" lvl="1" indent="-179388">
+              <a:lnSpc>
+                <a:spcPct val="120000"/>
+              </a:lnSpc>
+              <a:buFont typeface="Arial" panose="020B0604020202020204" pitchFamily="34" charset="0"/>
+              <a:buChar char="•"/>
+            </a:pPr>
+            <a:r>
+              <a:rPr lang="en-IN" sz="2100" dirty="0" err="1">
+                <a:solidFill>
+                  <a:schemeClr val="tx1">
+                    <a:lumMod val="95000"/>
+                  </a:schemeClr>
+                </a:solidFill>
+              </a:rPr>
+              <a:t>dti</a:t>
+            </a:r>
+            <a:endParaRPr lang="en-IN" sz="2100" dirty="0">
+              <a:solidFill>
+                <a:schemeClr val="tx1">
+                  <a:lumMod val="95000"/>
+                </a:schemeClr>
+              </a:solidFill>
+            </a:endParaRPr>
+          </a:p>
+          <a:p>
+            <a:pPr marL="435420" lvl="1" indent="-179388">
+              <a:lnSpc>
+                <a:spcPct val="120000"/>
+              </a:lnSpc>
+              <a:buFont typeface="Arial" panose="020B0604020202020204" pitchFamily="34" charset="0"/>
+              <a:buChar char="•"/>
+            </a:pPr>
+            <a:r>
+              <a:rPr lang="en-IN" sz="2100" dirty="0" err="1">
+                <a:solidFill>
+                  <a:schemeClr val="tx1">
+                    <a:lumMod val="95000"/>
+                  </a:schemeClr>
+                </a:solidFill>
+              </a:rPr>
+              <a:t>interest_rate</a:t>
+            </a:r>
+            <a:endParaRPr lang="en-IN" sz="2100" dirty="0">
+              <a:solidFill>
+                <a:schemeClr val="tx1">
+                  <a:lumMod val="95000"/>
+                </a:schemeClr>
+              </a:solidFill>
+            </a:endParaRPr>
+          </a:p>
+          <a:p>
+            <a:pPr marL="435420" lvl="1" indent="-179388">
+              <a:lnSpc>
+                <a:spcPct val="120000"/>
+              </a:lnSpc>
+              <a:buFont typeface="Arial" panose="020B0604020202020204" pitchFamily="34" charset="0"/>
+              <a:buChar char="•"/>
+            </a:pPr>
+            <a:r>
+              <a:rPr lang="en-IN" sz="2100" dirty="0" err="1">
+                <a:solidFill>
+                  <a:schemeClr val="tx1">
+                    <a:lumMod val="95000"/>
+                  </a:schemeClr>
+                </a:solidFill>
+              </a:rPr>
+              <a:t>emp_length</a:t>
+            </a:r>
+            <a:endParaRPr lang="en-IN" sz="2100" dirty="0">
+              <a:solidFill>
+                <a:schemeClr val="tx1">
+                  <a:lumMod val="95000"/>
+                </a:schemeClr>
+              </a:solidFill>
+            </a:endParaRPr>
+          </a:p>
+          <a:p>
+            <a:pPr marL="435420" lvl="1" indent="-179388">
+              <a:lnSpc>
+                <a:spcPct val="120000"/>
+              </a:lnSpc>
+              <a:buFont typeface="Arial" panose="020B0604020202020204" pitchFamily="34" charset="0"/>
+              <a:buChar char="•"/>
+            </a:pPr>
+            <a:r>
+              <a:rPr lang="en-IN" sz="2100" dirty="0">
+                <a:solidFill>
+                  <a:schemeClr val="tx1">
+                    <a:lumMod val="95000"/>
+                  </a:schemeClr>
+                </a:solidFill>
+              </a:rPr>
+              <a:t>inq_last_6mths</a:t>
+            </a:r>
+          </a:p>
+          <a:p>
+            <a:pPr marL="435420" lvl="1" indent="-179388">
+              <a:lnSpc>
+                <a:spcPct val="120000"/>
+              </a:lnSpc>
+              <a:buFont typeface="Arial" panose="020B0604020202020204" pitchFamily="34" charset="0"/>
+              <a:buChar char="•"/>
+            </a:pPr>
+            <a:r>
+              <a:rPr lang="en-IN" sz="2100" dirty="0" err="1">
+                <a:solidFill>
+                  <a:schemeClr val="tx1">
+                    <a:lumMod val="95000"/>
+                  </a:schemeClr>
+                </a:solidFill>
+              </a:rPr>
+              <a:t>public_derogatory_records</a:t>
+            </a:r>
+            <a:endParaRPr lang="en-IN" dirty="0">
+              <a:solidFill>
+                <a:schemeClr val="tx1">
+                  <a:lumMod val="95000"/>
+                </a:schemeClr>
+              </a:solidFill>
+            </a:endParaRPr>
+          </a:p>
+        </p:txBody>
+      </p:sp>
+    </p:spTree>
+    <p:extLst>
+      <p:ext uri="{BB962C8B-B14F-4D97-AF65-F5344CB8AC3E}">
+        <p14:creationId xmlns:p14="http://schemas.microsoft.com/office/powerpoint/2010/main" val="3436366700"/>
+      </p:ext>
+    </p:extLst>
+  </p:cSld>
+  <p:clrMapOvr>
+    <a:masterClrMapping/>
+  </p:clrMapOvr>
+  <mc:AlternateContent xmlns:mc="http://schemas.openxmlformats.org/markup-compatibility/2006" xmlns:p14="http://schemas.microsoft.com/office/powerpoint/2010/main">
+    <mc:Choice Requires="p14">
+      <p:transition spd="med" p14:dur="700">
+        <p:fade/>
+      </p:transition>
+    </mc:Choice>
+    <mc:Fallback xmlns="">
+      <p:transition spd="med">
+        <p:fade/>
+      </p:transition>
+    </mc:Fallback>
+  </mc:AlternateContent>
+</p:sld>
+</file>
+
+<file path=ppt/slides/slide23.xml><?xml version="1.0" encoding="utf-8"?>
+<p:sld xmlns:a="http://schemas.openxmlformats.org/drawingml/2006/main" xmlns:r="http://schemas.openxmlformats.org/officeDocument/2006/relationships" xmlns:p="http://schemas.openxmlformats.org/presentationml/2006/main">
+  <p:cSld>
+    <p:spTree>
+      <p:nvGrpSpPr>
+        <p:cNvPr id="1" name=""/>
+        <p:cNvGrpSpPr/>
+        <p:nvPr/>
+      </p:nvGrpSpPr>
+      <p:grpSpPr>
+        <a:xfrm>
+          <a:off x="0" y="0"/>
+          <a:ext cx="0" cy="0"/>
+          <a:chOff x="0" y="0"/>
+          <a:chExt cx="0" cy="0"/>
+        </a:xfrm>
+      </p:grpSpPr>
+      <p:sp>
+        <p:nvSpPr>
+          <p:cNvPr id="2" name="Title 1">
+            <a:extLst>
+              <a:ext uri="{FF2B5EF4-FFF2-40B4-BE49-F238E27FC236}">
+                <a16:creationId xmlns:a16="http://schemas.microsoft.com/office/drawing/2014/main" id="{35707FBC-CBDC-196C-C782-58C7AFCCD6D5}"/>
+              </a:ext>
+            </a:extLst>
+          </p:cNvPr>
+          <p:cNvSpPr>
+            <a:spLocks noGrp="1"/>
+          </p:cNvSpPr>
+          <p:nvPr>
+            <p:ph type="title"/>
+          </p:nvPr>
+        </p:nvSpPr>
+        <p:spPr>
+          <a:xfrm>
+            <a:off x="657224" y="499533"/>
+            <a:ext cx="10772775" cy="867354"/>
+          </a:xfrm>
+        </p:spPr>
+        <p:txBody>
+          <a:bodyPr/>
+          <a:lstStyle/>
+          <a:p>
+            <a:r>
+              <a:rPr lang="en-IN" dirty="0"/>
+              <a:t>Data Analysis</a:t>
+            </a:r>
+            <a:r>
+              <a:rPr lang="en-IN" sz="5400" dirty="0"/>
+              <a:t> </a:t>
+            </a:r>
+            <a:r>
+              <a:rPr lang="en-IN" sz="4000" dirty="0"/>
+              <a:t>– Binned Values</a:t>
+            </a:r>
+          </a:p>
+        </p:txBody>
+      </p:sp>
+      <p:pic>
+        <p:nvPicPr>
+          <p:cNvPr id="1026" name="Picture 2">
+            <a:extLst>
+              <a:ext uri="{FF2B5EF4-FFF2-40B4-BE49-F238E27FC236}">
+                <a16:creationId xmlns:a16="http://schemas.microsoft.com/office/drawing/2014/main" id="{E0676D87-881A-8B63-1236-2EC21C4D150F}"/>
+              </a:ext>
+            </a:extLst>
+          </p:cNvPr>
+          <p:cNvPicPr>
+            <a:picLocks noGrp="1" noChangeAspect="1" noChangeArrowheads="1"/>
+          </p:cNvPicPr>
+          <p:nvPr>
+            <p:ph idx="1"/>
+          </p:nvPr>
+        </p:nvPicPr>
+        <p:blipFill>
+          <a:blip r:embed="rId2">
+            <a:extLst>
+              <a:ext uri="{28A0092B-C50C-407E-A947-70E740481C1C}">
+                <a14:useLocalDpi xmlns:a14="http://schemas.microsoft.com/office/drawing/2010/main" val="0"/>
+              </a:ext>
+            </a:extLst>
+          </a:blip>
+          <a:srcRect/>
+          <a:stretch>
+            <a:fillRect/>
+          </a:stretch>
+        </p:blipFill>
+        <p:spPr bwMode="auto">
+          <a:xfrm>
+            <a:off x="5792078" y="1373612"/>
+            <a:ext cx="5639590" cy="2490621"/>
+          </a:xfrm>
+          <a:prstGeom prst="rect">
+            <a:avLst/>
+          </a:prstGeom>
+          <a:noFill/>
+          <a:extLst>
+            <a:ext uri="{909E8E84-426E-40DD-AFC4-6F175D3DCCD1}">
+              <a14:hiddenFill xmlns:a14="http://schemas.microsoft.com/office/drawing/2010/main">
+                <a:solidFill>
+                  <a:srgbClr val="FFFFFF"/>
+                </a:solidFill>
+              </a14:hiddenFill>
+            </a:ext>
+          </a:extLst>
+        </p:spPr>
+      </p:pic>
+      <p:pic>
+        <p:nvPicPr>
+          <p:cNvPr id="1032" name="Picture 8">
+            <a:extLst>
+              <a:ext uri="{FF2B5EF4-FFF2-40B4-BE49-F238E27FC236}">
+                <a16:creationId xmlns:a16="http://schemas.microsoft.com/office/drawing/2014/main" id="{F3A9D52D-42D9-4A60-B9AD-2EBF7388380A}"/>
+              </a:ext>
+            </a:extLst>
+          </p:cNvPr>
+          <p:cNvPicPr>
+            <a:picLocks noChangeAspect="1" noChangeArrowheads="1"/>
+          </p:cNvPicPr>
+          <p:nvPr/>
+        </p:nvPicPr>
+        <p:blipFill>
+          <a:blip r:embed="rId3">
+            <a:extLst>
+              <a:ext uri="{28A0092B-C50C-407E-A947-70E740481C1C}">
+                <a14:useLocalDpi xmlns:a14="http://schemas.microsoft.com/office/drawing/2010/main" val="0"/>
+              </a:ext>
+            </a:extLst>
+          </a:blip>
+          <a:srcRect/>
+          <a:stretch>
+            <a:fillRect/>
+          </a:stretch>
+        </p:blipFill>
+        <p:spPr bwMode="auto">
+          <a:xfrm>
+            <a:off x="657224" y="4010807"/>
+            <a:ext cx="4985691" cy="2604836"/>
+          </a:xfrm>
+          <a:prstGeom prst="rect">
+            <a:avLst/>
+          </a:prstGeom>
+          <a:noFill/>
+          <a:extLst>
+            <a:ext uri="{909E8E84-426E-40DD-AFC4-6F175D3DCCD1}">
+              <a14:hiddenFill xmlns:a14="http://schemas.microsoft.com/office/drawing/2010/main">
+                <a:solidFill>
+                  <a:srgbClr val="FFFFFF"/>
+                </a:solidFill>
+              </a14:hiddenFill>
+            </a:ext>
+          </a:extLst>
+        </p:spPr>
+      </p:pic>
+      <p:pic>
+        <p:nvPicPr>
+          <p:cNvPr id="1034" name="Picture 10">
+            <a:extLst>
+              <a:ext uri="{FF2B5EF4-FFF2-40B4-BE49-F238E27FC236}">
+                <a16:creationId xmlns:a16="http://schemas.microsoft.com/office/drawing/2014/main" id="{1775E582-9F0F-F4A7-CDD3-0A7F38C8E8FD}"/>
+              </a:ext>
+            </a:extLst>
+          </p:cNvPr>
+          <p:cNvPicPr>
+            <a:picLocks noChangeAspect="1" noChangeArrowheads="1"/>
+          </p:cNvPicPr>
+          <p:nvPr/>
+        </p:nvPicPr>
+        <p:blipFill>
+          <a:blip r:embed="rId4">
+            <a:extLst>
+              <a:ext uri="{28A0092B-C50C-407E-A947-70E740481C1C}">
+                <a14:useLocalDpi xmlns:a14="http://schemas.microsoft.com/office/drawing/2010/main" val="0"/>
+              </a:ext>
+            </a:extLst>
+          </a:blip>
+          <a:srcRect/>
+          <a:stretch>
+            <a:fillRect/>
+          </a:stretch>
+        </p:blipFill>
+        <p:spPr bwMode="auto">
+          <a:xfrm>
+            <a:off x="657224" y="1330086"/>
+            <a:ext cx="4985691" cy="2533182"/>
+          </a:xfrm>
+          <a:prstGeom prst="rect">
+            <a:avLst/>
+          </a:prstGeom>
+          <a:noFill/>
+          <a:extLst>
+            <a:ext uri="{909E8E84-426E-40DD-AFC4-6F175D3DCCD1}">
+              <a14:hiddenFill xmlns:a14="http://schemas.microsoft.com/office/drawing/2010/main">
+                <a:solidFill>
+                  <a:srgbClr val="FFFFFF"/>
+                </a:solidFill>
+              </a14:hiddenFill>
+            </a:ext>
+          </a:extLst>
+        </p:spPr>
+      </p:pic>
+      <p:pic>
+        <p:nvPicPr>
+          <p:cNvPr id="1036" name="Picture 12">
+            <a:extLst>
+              <a:ext uri="{FF2B5EF4-FFF2-40B4-BE49-F238E27FC236}">
+                <a16:creationId xmlns:a16="http://schemas.microsoft.com/office/drawing/2014/main" id="{8F4BDBB0-8B7F-E3B4-915B-458158D8DC69}"/>
+              </a:ext>
+            </a:extLst>
+          </p:cNvPr>
+          <p:cNvPicPr>
+            <a:picLocks noChangeAspect="1" noChangeArrowheads="1"/>
+          </p:cNvPicPr>
+          <p:nvPr/>
+        </p:nvPicPr>
+        <p:blipFill>
+          <a:blip r:embed="rId5">
+            <a:extLst>
+              <a:ext uri="{28A0092B-C50C-407E-A947-70E740481C1C}">
+                <a14:useLocalDpi xmlns:a14="http://schemas.microsoft.com/office/drawing/2010/main" val="0"/>
+              </a:ext>
+            </a:extLst>
+          </a:blip>
+          <a:srcRect/>
+          <a:stretch>
+            <a:fillRect/>
+          </a:stretch>
+        </p:blipFill>
+        <p:spPr bwMode="auto">
+          <a:xfrm>
+            <a:off x="5792079" y="4015736"/>
+            <a:ext cx="5067300" cy="2587207"/>
+          </a:xfrm>
+          <a:prstGeom prst="rect">
+            <a:avLst/>
+          </a:prstGeom>
+          <a:noFill/>
+          <a:extLst>
+            <a:ext uri="{909E8E84-426E-40DD-AFC4-6F175D3DCCD1}">
+              <a14:hiddenFill xmlns:a14="http://schemas.microsoft.com/office/drawing/2010/main">
+                <a:solidFill>
+                  <a:srgbClr val="FFFFFF"/>
+                </a:solidFill>
+              </a14:hiddenFill>
+            </a:ext>
+          </a:extLst>
+        </p:spPr>
+      </p:pic>
+    </p:spTree>
+    <p:extLst>
+      <p:ext uri="{BB962C8B-B14F-4D97-AF65-F5344CB8AC3E}">
+        <p14:creationId xmlns:p14="http://schemas.microsoft.com/office/powerpoint/2010/main" val="3982237307"/>
+      </p:ext>
+    </p:extLst>
+  </p:cSld>
+  <p:clrMapOvr>
+    <a:masterClrMapping/>
+  </p:clrMapOvr>
+  <mc:AlternateContent xmlns:mc="http://schemas.openxmlformats.org/markup-compatibility/2006" xmlns:p14="http://schemas.microsoft.com/office/powerpoint/2010/main">
+    <mc:Choice Requires="p14">
+      <p:transition spd="med" p14:dur="700">
+        <p:fade/>
+      </p:transition>
+    </mc:Choice>
+    <mc:Fallback xmlns="">
+      <p:transition spd="med">
+        <p:fade/>
+      </p:transition>
+    </mc:Fallback>
+  </mc:AlternateContent>
+</p:sld>
+</file>
+
+<file path=ppt/slides/slide24.xml><?xml version="1.0" encoding="utf-8"?>
+<p:sld xmlns:a="http://schemas.openxmlformats.org/drawingml/2006/main" xmlns:r="http://schemas.openxmlformats.org/officeDocument/2006/relationships" xmlns:p="http://schemas.openxmlformats.org/presentationml/2006/main">
+  <p:cSld>
+    <p:spTree>
+      <p:nvGrpSpPr>
+        <p:cNvPr id="1" name=""/>
+        <p:cNvGrpSpPr/>
+        <p:nvPr/>
+      </p:nvGrpSpPr>
+      <p:grpSpPr>
+        <a:xfrm>
+          <a:off x="0" y="0"/>
+          <a:ext cx="0" cy="0"/>
+          <a:chOff x="0" y="0"/>
+          <a:chExt cx="0" cy="0"/>
+        </a:xfrm>
+      </p:grpSpPr>
+      <p:sp>
+        <p:nvSpPr>
+          <p:cNvPr id="2" name="Title 1">
+            <a:extLst>
+              <a:ext uri="{FF2B5EF4-FFF2-40B4-BE49-F238E27FC236}">
+                <a16:creationId xmlns:a16="http://schemas.microsoft.com/office/drawing/2014/main" id="{35707FBC-CBDC-196C-C782-58C7AFCCD6D5}"/>
+              </a:ext>
+            </a:extLst>
+          </p:cNvPr>
+          <p:cNvSpPr>
+            <a:spLocks noGrp="1"/>
+          </p:cNvSpPr>
+          <p:nvPr>
+            <p:ph type="title"/>
+          </p:nvPr>
+        </p:nvSpPr>
+        <p:spPr>
+          <a:xfrm>
+            <a:off x="657224" y="499533"/>
+            <a:ext cx="10772775" cy="867354"/>
+          </a:xfrm>
+        </p:spPr>
+        <p:txBody>
+          <a:bodyPr/>
+          <a:lstStyle/>
+          <a:p>
+            <a:r>
+              <a:rPr lang="en-IN" dirty="0"/>
+              <a:t>Data Analysis</a:t>
+            </a:r>
+            <a:r>
+              <a:rPr lang="en-IN" sz="5400" dirty="0"/>
+              <a:t> </a:t>
+            </a:r>
+            <a:r>
+              <a:rPr lang="en-IN" sz="4000" dirty="0"/>
+              <a:t>– Binned Values</a:t>
+            </a:r>
+          </a:p>
+        </p:txBody>
+      </p:sp>
+      <p:pic>
+        <p:nvPicPr>
+          <p:cNvPr id="1028" name="Picture 4">
+            <a:extLst>
+              <a:ext uri="{FF2B5EF4-FFF2-40B4-BE49-F238E27FC236}">
+                <a16:creationId xmlns:a16="http://schemas.microsoft.com/office/drawing/2014/main" id="{64FCE1BB-5836-D6AD-AEF8-4DF9ECC4EDF3}"/>
+              </a:ext>
+            </a:extLst>
+          </p:cNvPr>
+          <p:cNvPicPr>
+            <a:picLocks noChangeAspect="1" noChangeArrowheads="1"/>
+          </p:cNvPicPr>
+          <p:nvPr/>
+        </p:nvPicPr>
+        <p:blipFill>
+          <a:blip r:embed="rId2">
+            <a:extLst>
+              <a:ext uri="{28A0092B-C50C-407E-A947-70E740481C1C}">
+                <a14:useLocalDpi xmlns:a14="http://schemas.microsoft.com/office/drawing/2010/main" val="0"/>
+              </a:ext>
+            </a:extLst>
+          </a:blip>
+          <a:srcRect/>
+          <a:stretch>
+            <a:fillRect/>
+          </a:stretch>
+        </p:blipFill>
+        <p:spPr bwMode="auto">
+          <a:xfrm>
+            <a:off x="1016000" y="1552494"/>
+            <a:ext cx="4878912" cy="2427859"/>
+          </a:xfrm>
+          <a:prstGeom prst="rect">
+            <a:avLst/>
+          </a:prstGeom>
+          <a:noFill/>
+          <a:extLst>
+            <a:ext uri="{909E8E84-426E-40DD-AFC4-6F175D3DCCD1}">
+              <a14:hiddenFill xmlns:a14="http://schemas.microsoft.com/office/drawing/2010/main">
+                <a:solidFill>
+                  <a:srgbClr val="FFFFFF"/>
+                </a:solidFill>
+              </a14:hiddenFill>
+            </a:ext>
+          </a:extLst>
+        </p:spPr>
+      </p:pic>
+      <p:pic>
+        <p:nvPicPr>
+          <p:cNvPr id="1038" name="Picture 14">
+            <a:extLst>
+              <a:ext uri="{FF2B5EF4-FFF2-40B4-BE49-F238E27FC236}">
+                <a16:creationId xmlns:a16="http://schemas.microsoft.com/office/drawing/2014/main" id="{C4992D41-B83D-4261-1FBE-4EBEAAC0A7AB}"/>
+              </a:ext>
+            </a:extLst>
+          </p:cNvPr>
+          <p:cNvPicPr>
+            <a:picLocks noChangeAspect="1" noChangeArrowheads="1"/>
+          </p:cNvPicPr>
+          <p:nvPr/>
+        </p:nvPicPr>
+        <p:blipFill>
+          <a:blip r:embed="rId3">
+            <a:extLst>
+              <a:ext uri="{28A0092B-C50C-407E-A947-70E740481C1C}">
+                <a14:useLocalDpi xmlns:a14="http://schemas.microsoft.com/office/drawing/2010/main" val="0"/>
+              </a:ext>
+            </a:extLst>
+          </a:blip>
+          <a:srcRect/>
+          <a:stretch>
+            <a:fillRect/>
+          </a:stretch>
+        </p:blipFill>
+        <p:spPr bwMode="auto">
+          <a:xfrm>
+            <a:off x="1449523" y="4156009"/>
+            <a:ext cx="4445389" cy="2244134"/>
+          </a:xfrm>
+          <a:prstGeom prst="rect">
+            <a:avLst/>
+          </a:prstGeom>
+          <a:noFill/>
+          <a:extLst>
+            <a:ext uri="{909E8E84-426E-40DD-AFC4-6F175D3DCCD1}">
+              <a14:hiddenFill xmlns:a14="http://schemas.microsoft.com/office/drawing/2010/main">
+                <a:solidFill>
+                  <a:srgbClr val="FFFFFF"/>
+                </a:solidFill>
+              </a14:hiddenFill>
+            </a:ext>
+          </a:extLst>
+        </p:spPr>
+      </p:pic>
+      <p:pic>
+        <p:nvPicPr>
+          <p:cNvPr id="1040" name="Picture 16">
+            <a:extLst>
+              <a:ext uri="{FF2B5EF4-FFF2-40B4-BE49-F238E27FC236}">
+                <a16:creationId xmlns:a16="http://schemas.microsoft.com/office/drawing/2014/main" id="{0B83E843-F458-463C-A48B-8E581B08438B}"/>
+              </a:ext>
+            </a:extLst>
+          </p:cNvPr>
+          <p:cNvPicPr>
+            <a:picLocks noChangeAspect="1" noChangeArrowheads="1"/>
+          </p:cNvPicPr>
+          <p:nvPr/>
+        </p:nvPicPr>
+        <p:blipFill>
+          <a:blip r:embed="rId4">
+            <a:extLst>
+              <a:ext uri="{28A0092B-C50C-407E-A947-70E740481C1C}">
+                <a14:useLocalDpi xmlns:a14="http://schemas.microsoft.com/office/drawing/2010/main" val="0"/>
+              </a:ext>
+            </a:extLst>
+          </a:blip>
+          <a:srcRect/>
+          <a:stretch>
+            <a:fillRect/>
+          </a:stretch>
+        </p:blipFill>
+        <p:spPr bwMode="auto">
+          <a:xfrm>
+            <a:off x="6018733" y="1552493"/>
+            <a:ext cx="5157267" cy="2427860"/>
+          </a:xfrm>
+          <a:prstGeom prst="rect">
+            <a:avLst/>
+          </a:prstGeom>
+          <a:noFill/>
+          <a:extLst>
+            <a:ext uri="{909E8E84-426E-40DD-AFC4-6F175D3DCCD1}">
+              <a14:hiddenFill xmlns:a14="http://schemas.microsoft.com/office/drawing/2010/main">
+                <a:solidFill>
+                  <a:srgbClr val="FFFFFF"/>
+                </a:solidFill>
+              </a14:hiddenFill>
+            </a:ext>
+          </a:extLst>
+        </p:spPr>
+      </p:pic>
+      <p:pic>
+        <p:nvPicPr>
+          <p:cNvPr id="1042" name="Picture 18">
+            <a:extLst>
+              <a:ext uri="{FF2B5EF4-FFF2-40B4-BE49-F238E27FC236}">
+                <a16:creationId xmlns:a16="http://schemas.microsoft.com/office/drawing/2014/main" id="{556E790B-2B79-A2B7-BF41-6C09424847F5}"/>
+              </a:ext>
+            </a:extLst>
+          </p:cNvPr>
+          <p:cNvPicPr>
+            <a:picLocks noChangeAspect="1" noChangeArrowheads="1"/>
+          </p:cNvPicPr>
+          <p:nvPr/>
+        </p:nvPicPr>
+        <p:blipFill>
+          <a:blip r:embed="rId5">
+            <a:extLst>
+              <a:ext uri="{28A0092B-C50C-407E-A947-70E740481C1C}">
+                <a14:useLocalDpi xmlns:a14="http://schemas.microsoft.com/office/drawing/2010/main" val="0"/>
+              </a:ext>
+            </a:extLst>
+          </a:blip>
+          <a:srcRect/>
+          <a:stretch>
+            <a:fillRect/>
+          </a:stretch>
+        </p:blipFill>
+        <p:spPr bwMode="auto">
+          <a:xfrm>
+            <a:off x="6018732" y="4165959"/>
+            <a:ext cx="5157268" cy="2320031"/>
+          </a:xfrm>
+          <a:prstGeom prst="rect">
+            <a:avLst/>
+          </a:prstGeom>
+          <a:noFill/>
+          <a:extLst>
+            <a:ext uri="{909E8E84-426E-40DD-AFC4-6F175D3DCCD1}">
+              <a14:hiddenFill xmlns:a14="http://schemas.microsoft.com/office/drawing/2010/main">
+                <a:solidFill>
+                  <a:srgbClr val="FFFFFF"/>
+                </a:solidFill>
+              </a14:hiddenFill>
+            </a:ext>
+          </a:extLst>
+        </p:spPr>
+      </p:pic>
+    </p:spTree>
+    <p:extLst>
+      <p:ext uri="{BB962C8B-B14F-4D97-AF65-F5344CB8AC3E}">
+        <p14:creationId xmlns:p14="http://schemas.microsoft.com/office/powerpoint/2010/main" val="195623195"/>
+      </p:ext>
+    </p:extLst>
+  </p:cSld>
+  <p:clrMapOvr>
+    <a:masterClrMapping/>
+  </p:clrMapOvr>
+  <mc:AlternateContent xmlns:mc="http://schemas.openxmlformats.org/markup-compatibility/2006">
+    <mc:Choice xmlns:p14="http://schemas.microsoft.com/office/powerpoint/2010/main" Requires="p14">
+      <p:transition spd="med" p14:dur="700">
+        <p:fade/>
+      </p:transition>
+    </mc:Choice>
+    <mc:Fallback>
+      <p:transition spd="med">
+        <p:fade/>
+      </p:transition>
+    </mc:Fallback>
+  </mc:AlternateContent>
+</p:sld>
+</file>
+
+<file path=ppt/slides/slide25.xml><?xml version="1.0" encoding="utf-8"?>
+<p:sld xmlns:a="http://schemas.openxmlformats.org/drawingml/2006/main" xmlns:r="http://schemas.openxmlformats.org/officeDocument/2006/relationships" xmlns:p="http://schemas.openxmlformats.org/presentationml/2006/main">
+  <p:cSld>
+    <p:bg>
+      <p:bgPr>
+        <a:solidFill>
+          <a:schemeClr val="accent1"/>
+        </a:solidFill>
+        <a:effectLst/>
+      </p:bgPr>
+    </p:bg>
+    <p:spTree>
+      <p:nvGrpSpPr>
+        <p:cNvPr id="1" name=""/>
+        <p:cNvGrpSpPr/>
+        <p:nvPr/>
+      </p:nvGrpSpPr>
+      <p:grpSpPr>
+        <a:xfrm>
+          <a:off x="0" y="0"/>
+          <a:ext cx="0" cy="0"/>
+          <a:chOff x="0" y="0"/>
+          <a:chExt cx="0" cy="0"/>
+        </a:xfrm>
+      </p:grpSpPr>
+      <p:sp>
+        <p:nvSpPr>
+          <p:cNvPr id="2" name="Title 1">
+            <a:extLst>
+              <a:ext uri="{FF2B5EF4-FFF2-40B4-BE49-F238E27FC236}">
+                <a16:creationId xmlns:a16="http://schemas.microsoft.com/office/drawing/2014/main" id="{E4660895-E842-C3C9-6C5E-E0D106CFC53F}"/>
+              </a:ext>
+            </a:extLst>
+          </p:cNvPr>
+          <p:cNvSpPr>
+            <a:spLocks noGrp="1"/>
+          </p:cNvSpPr>
+          <p:nvPr>
+            <p:ph type="title"/>
+          </p:nvPr>
+        </p:nvSpPr>
+        <p:spPr>
+          <a:xfrm>
+            <a:off x="657224" y="499533"/>
+            <a:ext cx="10772775" cy="886207"/>
+          </a:xfrm>
+        </p:spPr>
+        <p:txBody>
+          <a:bodyPr/>
+          <a:lstStyle/>
+          <a:p>
+            <a:r>
+              <a:rPr lang="en-IN" dirty="0">
+                <a:solidFill>
+                  <a:schemeClr val="tx1"/>
+                </a:solidFill>
+              </a:rPr>
+              <a:t>Summary of Binning data</a:t>
+            </a:r>
+          </a:p>
+        </p:txBody>
+      </p:sp>
+      <p:sp>
+        <p:nvSpPr>
+          <p:cNvPr id="3" name="Content Placeholder 2">
+            <a:extLst>
+              <a:ext uri="{FF2B5EF4-FFF2-40B4-BE49-F238E27FC236}">
+                <a16:creationId xmlns:a16="http://schemas.microsoft.com/office/drawing/2014/main" id="{AD369338-DBB3-81D3-B98B-BABA682E0382}"/>
+              </a:ext>
+            </a:extLst>
+          </p:cNvPr>
+          <p:cNvSpPr>
+            <a:spLocks noGrp="1"/>
+          </p:cNvSpPr>
+          <p:nvPr>
+            <p:ph idx="1"/>
+          </p:nvPr>
+        </p:nvSpPr>
+        <p:spPr>
+          <a:xfrm>
+            <a:off x="676656" y="1470581"/>
+            <a:ext cx="10753725" cy="5073093"/>
+          </a:xfrm>
+        </p:spPr>
+        <p:txBody>
+          <a:bodyPr>
+            <a:normAutofit/>
+          </a:bodyPr>
+          <a:lstStyle/>
+          <a:p>
+            <a:pPr marL="179388" indent="-179388">
+              <a:lnSpc>
+                <a:spcPct val="114000"/>
+              </a:lnSpc>
+              <a:buClr>
+                <a:schemeClr val="tx1"/>
+              </a:buClr>
+              <a:buFont typeface="Arial" panose="020B0604020202020204" pitchFamily="34" charset="0"/>
+              <a:buChar char="•"/>
+            </a:pPr>
+            <a:r>
+              <a:rPr lang="en-IN" dirty="0">
+                <a:solidFill>
+                  <a:schemeClr val="tx1"/>
+                </a:solidFill>
+              </a:rPr>
+              <a:t>Loans with </a:t>
+            </a:r>
+            <a:r>
+              <a:rPr lang="en-IN" b="1" dirty="0">
+                <a:solidFill>
+                  <a:schemeClr val="tx1"/>
+                </a:solidFill>
+              </a:rPr>
+              <a:t>Investor funded amount &lt; ~7850</a:t>
+            </a:r>
+            <a:r>
+              <a:rPr lang="en-IN" dirty="0">
+                <a:solidFill>
+                  <a:schemeClr val="tx1"/>
+                </a:solidFill>
+              </a:rPr>
+              <a:t> are observed to be Charged Off</a:t>
+            </a:r>
+          </a:p>
+          <a:p>
+            <a:pPr marL="179388" indent="-179388">
+              <a:lnSpc>
+                <a:spcPct val="114000"/>
+              </a:lnSpc>
+              <a:buClr>
+                <a:schemeClr val="tx1"/>
+              </a:buClr>
+              <a:buFont typeface="Arial" panose="020B0604020202020204" pitchFamily="34" charset="0"/>
+              <a:buChar char="•"/>
+            </a:pPr>
+            <a:r>
+              <a:rPr lang="en-IN" dirty="0">
+                <a:solidFill>
+                  <a:schemeClr val="tx1"/>
+                </a:solidFill>
+              </a:rPr>
+              <a:t>Loans with </a:t>
+            </a:r>
+            <a:r>
+              <a:rPr lang="en-IN" b="1" dirty="0">
+                <a:solidFill>
+                  <a:schemeClr val="tx1"/>
+                </a:solidFill>
+              </a:rPr>
+              <a:t>Monthly Instalments in the range of ~23 - 244</a:t>
+            </a:r>
+            <a:r>
+              <a:rPr lang="en-IN" dirty="0">
+                <a:solidFill>
+                  <a:schemeClr val="tx1"/>
+                </a:solidFill>
+              </a:rPr>
+              <a:t> are observed to be Charged Off</a:t>
+            </a:r>
+          </a:p>
+          <a:p>
+            <a:pPr marL="179388" indent="-179388">
+              <a:lnSpc>
+                <a:spcPct val="114000"/>
+              </a:lnSpc>
+              <a:buClr>
+                <a:schemeClr val="tx1"/>
+              </a:buClr>
+              <a:buFont typeface="Arial" panose="020B0604020202020204" pitchFamily="34" charset="0"/>
+              <a:buChar char="•"/>
+            </a:pPr>
+            <a:r>
+              <a:rPr lang="en-IN" dirty="0">
+                <a:solidFill>
+                  <a:schemeClr val="tx1"/>
+                </a:solidFill>
+              </a:rPr>
+              <a:t>Loans with </a:t>
+            </a:r>
+            <a:r>
+              <a:rPr lang="en-IN" b="1" dirty="0" err="1">
+                <a:solidFill>
+                  <a:schemeClr val="tx1"/>
+                </a:solidFill>
+              </a:rPr>
+              <a:t>dti</a:t>
+            </a:r>
+            <a:r>
+              <a:rPr lang="en-IN" b="1" dirty="0">
+                <a:solidFill>
+                  <a:schemeClr val="tx1"/>
+                </a:solidFill>
+              </a:rPr>
+              <a:t> in the range of ~7-22.5</a:t>
+            </a:r>
+            <a:r>
+              <a:rPr lang="en-IN" dirty="0">
+                <a:solidFill>
+                  <a:schemeClr val="tx1"/>
+                </a:solidFill>
+              </a:rPr>
+              <a:t> are observed to be Charged Off</a:t>
+            </a:r>
+          </a:p>
+          <a:p>
+            <a:pPr marL="179388" indent="-179388">
+              <a:lnSpc>
+                <a:spcPct val="114000"/>
+              </a:lnSpc>
+              <a:buClr>
+                <a:schemeClr val="tx1"/>
+              </a:buClr>
+              <a:buFont typeface="Arial" panose="020B0604020202020204" pitchFamily="34" charset="0"/>
+              <a:buChar char="•"/>
+            </a:pPr>
+            <a:r>
+              <a:rPr lang="en-IN" dirty="0">
+                <a:solidFill>
+                  <a:schemeClr val="tx1"/>
+                </a:solidFill>
+              </a:rPr>
+              <a:t>Loans with </a:t>
+            </a:r>
+            <a:r>
+              <a:rPr lang="en-IN" b="1" dirty="0">
+                <a:solidFill>
+                  <a:schemeClr val="tx1"/>
+                </a:solidFill>
+              </a:rPr>
+              <a:t>Interest Rate in the range of ~ 9.75-14.5</a:t>
+            </a:r>
+            <a:r>
+              <a:rPr lang="en-IN" dirty="0">
+                <a:solidFill>
+                  <a:schemeClr val="tx1"/>
+                </a:solidFill>
+              </a:rPr>
+              <a:t> are observed to be Charged Off</a:t>
+            </a:r>
+          </a:p>
+          <a:p>
+            <a:pPr marL="179388" indent="-179388">
+              <a:lnSpc>
+                <a:spcPct val="114000"/>
+              </a:lnSpc>
+              <a:buClr>
+                <a:schemeClr val="tx1"/>
+              </a:buClr>
+              <a:buFont typeface="Arial" panose="020B0604020202020204" pitchFamily="34" charset="0"/>
+              <a:buChar char="•"/>
+            </a:pPr>
+            <a:r>
+              <a:rPr lang="en-IN" dirty="0">
+                <a:solidFill>
+                  <a:schemeClr val="tx1"/>
+                </a:solidFill>
+              </a:rPr>
+              <a:t>Loans with </a:t>
+            </a:r>
+            <a:r>
+              <a:rPr lang="en-IN" b="1" dirty="0">
+                <a:solidFill>
+                  <a:schemeClr val="tx1"/>
+                </a:solidFill>
+              </a:rPr>
+              <a:t>1-2 inquiries in last 6 months</a:t>
+            </a:r>
+            <a:r>
+              <a:rPr lang="en-IN" dirty="0">
+                <a:solidFill>
+                  <a:schemeClr val="tx1"/>
+                </a:solidFill>
+              </a:rPr>
+              <a:t> are observed to be Charged Off</a:t>
+            </a:r>
+          </a:p>
+          <a:p>
+            <a:pPr marL="179388" indent="-179388">
+              <a:lnSpc>
+                <a:spcPct val="114000"/>
+              </a:lnSpc>
+              <a:buClr>
+                <a:schemeClr val="tx1"/>
+              </a:buClr>
+              <a:buFont typeface="Arial" panose="020B0604020202020204" pitchFamily="34" charset="0"/>
+              <a:buChar char="•"/>
+            </a:pPr>
+            <a:r>
+              <a:rPr lang="en-IN" dirty="0">
+                <a:solidFill>
+                  <a:schemeClr val="tx1"/>
+                </a:solidFill>
+              </a:rPr>
+              <a:t>Loans with </a:t>
+            </a:r>
+            <a:r>
+              <a:rPr lang="en-IN" b="1" dirty="0">
+                <a:solidFill>
+                  <a:schemeClr val="tx1"/>
+                </a:solidFill>
+              </a:rPr>
+              <a:t>at least 1 public derogatory record</a:t>
+            </a:r>
+            <a:r>
+              <a:rPr lang="en-IN" dirty="0">
+                <a:solidFill>
+                  <a:schemeClr val="tx1"/>
+                </a:solidFill>
+              </a:rPr>
+              <a:t> are observed to be Charged Off</a:t>
+            </a:r>
+          </a:p>
+        </p:txBody>
+      </p:sp>
+    </p:spTree>
+    <p:extLst>
+      <p:ext uri="{BB962C8B-B14F-4D97-AF65-F5344CB8AC3E}">
+        <p14:creationId xmlns:p14="http://schemas.microsoft.com/office/powerpoint/2010/main" val="2399449442"/>
+      </p:ext>
+    </p:extLst>
+  </p:cSld>
+  <p:clrMapOvr>
+    <a:overrideClrMapping bg1="dk1" tx1="lt1" bg2="dk2" tx2="lt2" accent1="accent1" accent2="accent2" accent3="accent3" accent4="accent4" accent5="accent5" accent6="accent6" hlink="hlink" folHlink="folHlink"/>
+  </p:clrMapOvr>
+  <mc:AlternateContent xmlns:mc="http://schemas.openxmlformats.org/markup-compatibility/2006" xmlns:p14="http://schemas.microsoft.com/office/powerpoint/2010/main">
+    <mc:Choice Requires="p14">
+      <p:transition spd="med" p14:dur="700">
+        <p:fade/>
+      </p:transition>
+    </mc:Choice>
+    <mc:Fallback xmlns="">
+      <p:transition spd="med">
+        <p:fade/>
+      </p:transition>
+    </mc:Fallback>
+  </mc:AlternateContent>
+</p:sld>
+</file>
+
+<file path=ppt/slides/slide26.xml><?xml version="1.0" encoding="utf-8"?>
+<p:sld xmlns:a="http://schemas.openxmlformats.org/drawingml/2006/main" xmlns:r="http://schemas.openxmlformats.org/officeDocument/2006/relationships" xmlns:p="http://schemas.openxmlformats.org/presentationml/2006/main">
+  <p:cSld>
+    <p:spTree>
+      <p:nvGrpSpPr>
+        <p:cNvPr id="1" name=""/>
+        <p:cNvGrpSpPr/>
+        <p:nvPr/>
+      </p:nvGrpSpPr>
+      <p:grpSpPr>
+        <a:xfrm>
+          <a:off x="0" y="0"/>
+          <a:ext cx="0" cy="0"/>
+          <a:chOff x="0" y="0"/>
+          <a:chExt cx="0" cy="0"/>
+        </a:xfrm>
+      </p:grpSpPr>
+      <p:sp>
+        <p:nvSpPr>
+          <p:cNvPr id="2" name="Title 1">
+            <a:extLst>
+              <a:ext uri="{FF2B5EF4-FFF2-40B4-BE49-F238E27FC236}">
+                <a16:creationId xmlns:a16="http://schemas.microsoft.com/office/drawing/2014/main" id="{0F1C7A80-DC28-1922-E396-9421F9365606}"/>
+              </a:ext>
+            </a:extLst>
+          </p:cNvPr>
+          <p:cNvSpPr>
+            <a:spLocks noGrp="1"/>
+          </p:cNvSpPr>
+          <p:nvPr>
+            <p:ph type="title"/>
+          </p:nvPr>
+        </p:nvSpPr>
+        <p:spPr>
+          <a:xfrm>
+            <a:off x="657224" y="499533"/>
+            <a:ext cx="10772775" cy="1018182"/>
+          </a:xfrm>
+        </p:spPr>
+        <p:txBody>
+          <a:bodyPr>
+            <a:normAutofit/>
+          </a:bodyPr>
+          <a:lstStyle/>
+          <a:p>
+            <a:r>
+              <a:rPr lang="en-IN" dirty="0"/>
+              <a:t>Multivariate Analysis </a:t>
+            </a:r>
+            <a:r>
+              <a:rPr lang="en-IN" sz="3200" dirty="0"/>
+              <a:t>(Interest Rate – Purpose)</a:t>
+            </a:r>
+            <a:endParaRPr lang="en-IN" dirty="0"/>
+          </a:p>
+        </p:txBody>
+      </p:sp>
+      <p:sp>
+        <p:nvSpPr>
+          <p:cNvPr id="3" name="Content Placeholder 2">
+            <a:extLst>
+              <a:ext uri="{FF2B5EF4-FFF2-40B4-BE49-F238E27FC236}">
+                <a16:creationId xmlns:a16="http://schemas.microsoft.com/office/drawing/2014/main" id="{D94D65CF-4E07-5072-26FD-FE694F46B8BC}"/>
+              </a:ext>
+            </a:extLst>
+          </p:cNvPr>
+          <p:cNvSpPr>
+            <a:spLocks noGrp="1"/>
+          </p:cNvSpPr>
+          <p:nvPr>
+            <p:ph idx="1"/>
+          </p:nvPr>
+        </p:nvSpPr>
+        <p:spPr>
+          <a:xfrm>
+            <a:off x="720228" y="5642817"/>
+            <a:ext cx="10646766" cy="715672"/>
+          </a:xfrm>
+        </p:spPr>
+        <p:txBody>
+          <a:bodyPr>
+            <a:normAutofit lnSpcReduction="10000"/>
+          </a:bodyPr>
+          <a:lstStyle/>
+          <a:p>
+            <a:pPr marL="179388" indent="-179388">
+              <a:buClr>
+                <a:schemeClr val="tx1"/>
+              </a:buClr>
+              <a:buFont typeface="Arial" panose="020B0604020202020204" pitchFamily="34" charset="0"/>
+              <a:buChar char="•"/>
+            </a:pPr>
+            <a:r>
+              <a:rPr lang="en-IN" dirty="0">
+                <a:solidFill>
+                  <a:schemeClr val="tx1">
+                    <a:lumMod val="95000"/>
+                  </a:schemeClr>
+                </a:solidFill>
+              </a:rPr>
+              <a:t>Loans with purpose of </a:t>
+            </a:r>
+            <a:r>
+              <a:rPr lang="en-IN" b="1" dirty="0">
+                <a:solidFill>
+                  <a:schemeClr val="tx1">
+                    <a:lumMod val="95000"/>
+                  </a:schemeClr>
+                </a:solidFill>
+              </a:rPr>
+              <a:t>House</a:t>
+            </a:r>
+            <a:r>
+              <a:rPr lang="en-IN" dirty="0">
+                <a:solidFill>
+                  <a:schemeClr val="tx1">
+                    <a:lumMod val="95000"/>
+                  </a:schemeClr>
+                </a:solidFill>
+              </a:rPr>
+              <a:t> and with </a:t>
+            </a:r>
+            <a:r>
+              <a:rPr lang="en-IN" b="1" dirty="0">
+                <a:solidFill>
+                  <a:schemeClr val="tx1">
+                    <a:lumMod val="95000"/>
+                  </a:schemeClr>
+                </a:solidFill>
+              </a:rPr>
+              <a:t>higher interest rate</a:t>
+            </a:r>
+            <a:r>
+              <a:rPr lang="en-IN" dirty="0">
+                <a:solidFill>
+                  <a:schemeClr val="tx1">
+                    <a:lumMod val="95000"/>
+                  </a:schemeClr>
+                </a:solidFill>
+              </a:rPr>
+              <a:t> are having changes of getting Charged Off</a:t>
+            </a:r>
+          </a:p>
+        </p:txBody>
+      </p:sp>
+      <p:pic>
+        <p:nvPicPr>
+          <p:cNvPr id="2050" name="Picture 2">
+            <a:extLst>
+              <a:ext uri="{FF2B5EF4-FFF2-40B4-BE49-F238E27FC236}">
+                <a16:creationId xmlns:a16="http://schemas.microsoft.com/office/drawing/2014/main" id="{DCFEDBE8-E14E-6AE0-A04C-C38399C9B665}"/>
+              </a:ext>
+            </a:extLst>
+          </p:cNvPr>
+          <p:cNvPicPr>
+            <a:picLocks noChangeAspect="1" noChangeArrowheads="1"/>
+          </p:cNvPicPr>
+          <p:nvPr/>
+        </p:nvPicPr>
+        <p:blipFill>
+          <a:blip r:embed="rId2">
+            <a:extLst>
+              <a:ext uri="{28A0092B-C50C-407E-A947-70E740481C1C}">
+                <a14:useLocalDpi xmlns:a14="http://schemas.microsoft.com/office/drawing/2010/main" val="0"/>
+              </a:ext>
+            </a:extLst>
+          </a:blip>
+          <a:srcRect/>
+          <a:stretch>
+            <a:fillRect/>
+          </a:stretch>
+        </p:blipFill>
+        <p:spPr bwMode="auto">
+          <a:xfrm>
+            <a:off x="2978924" y="1593994"/>
+            <a:ext cx="5797431" cy="3670011"/>
+          </a:xfrm>
+          <a:prstGeom prst="rect">
+            <a:avLst/>
+          </a:prstGeom>
+          <a:noFill/>
+          <a:extLst>
+            <a:ext uri="{909E8E84-426E-40DD-AFC4-6F175D3DCCD1}">
+              <a14:hiddenFill xmlns:a14="http://schemas.microsoft.com/office/drawing/2010/main">
+                <a:solidFill>
+                  <a:srgbClr val="FFFFFF"/>
+                </a:solidFill>
+              </a14:hiddenFill>
+            </a:ext>
+          </a:extLst>
+        </p:spPr>
+      </p:pic>
+    </p:spTree>
+    <p:extLst>
+      <p:ext uri="{BB962C8B-B14F-4D97-AF65-F5344CB8AC3E}">
+        <p14:creationId xmlns:p14="http://schemas.microsoft.com/office/powerpoint/2010/main" val="2402854921"/>
+      </p:ext>
+    </p:extLst>
+  </p:cSld>
+  <p:clrMapOvr>
+    <a:masterClrMapping/>
+  </p:clrMapOvr>
+  <mc:AlternateContent xmlns:mc="http://schemas.openxmlformats.org/markup-compatibility/2006" xmlns:p14="http://schemas.microsoft.com/office/powerpoint/2010/main">
+    <mc:Choice Requires="p14">
+      <p:transition spd="med" p14:dur="700">
+        <p:fade/>
+      </p:transition>
+    </mc:Choice>
+    <mc:Fallback xmlns="">
+      <p:transition spd="med">
+        <p:fade/>
+      </p:transition>
+    </mc:Fallback>
+  </mc:AlternateContent>
+</p:sld>
+</file>
+
+<file path=ppt/slides/slide27.xml><?xml version="1.0" encoding="utf-8"?>
+<p:sld xmlns:a="http://schemas.openxmlformats.org/drawingml/2006/main" xmlns:r="http://schemas.openxmlformats.org/officeDocument/2006/relationships" xmlns:p="http://schemas.openxmlformats.org/presentationml/2006/main">
+  <p:cSld>
+    <p:spTree>
+      <p:nvGrpSpPr>
+        <p:cNvPr id="1" name=""/>
+        <p:cNvGrpSpPr/>
+        <p:nvPr/>
+      </p:nvGrpSpPr>
+      <p:grpSpPr>
+        <a:xfrm>
+          <a:off x="0" y="0"/>
+          <a:ext cx="0" cy="0"/>
+          <a:chOff x="0" y="0"/>
+          <a:chExt cx="0" cy="0"/>
+        </a:xfrm>
+      </p:grpSpPr>
+      <p:sp>
+        <p:nvSpPr>
+          <p:cNvPr id="2" name="Title 1">
+            <a:extLst>
+              <a:ext uri="{FF2B5EF4-FFF2-40B4-BE49-F238E27FC236}">
+                <a16:creationId xmlns:a16="http://schemas.microsoft.com/office/drawing/2014/main" id="{0F1C7A80-DC28-1922-E396-9421F9365606}"/>
+              </a:ext>
+            </a:extLst>
+          </p:cNvPr>
+          <p:cNvSpPr>
+            <a:spLocks noGrp="1"/>
+          </p:cNvSpPr>
+          <p:nvPr>
+            <p:ph type="title"/>
+          </p:nvPr>
+        </p:nvSpPr>
+        <p:spPr>
+          <a:xfrm>
+            <a:off x="657224" y="499533"/>
+            <a:ext cx="10772775" cy="1018182"/>
+          </a:xfrm>
+        </p:spPr>
+        <p:txBody>
+          <a:bodyPr>
+            <a:normAutofit/>
+          </a:bodyPr>
+          <a:lstStyle/>
+          <a:p>
+            <a:r>
+              <a:rPr lang="en-IN" dirty="0"/>
+              <a:t>Multivariate Analysis </a:t>
+            </a:r>
+            <a:r>
+              <a:rPr lang="en-IN" sz="3200" dirty="0"/>
+              <a:t>(Annual Income - </a:t>
+            </a:r>
+            <a:r>
+              <a:rPr lang="en-IN" sz="3200" dirty="0" err="1"/>
+              <a:t>emp_length</a:t>
+            </a:r>
+            <a:r>
+              <a:rPr lang="en-IN" sz="3200" dirty="0"/>
+              <a:t>)</a:t>
+            </a:r>
+            <a:endParaRPr lang="en-IN" dirty="0"/>
+          </a:p>
+        </p:txBody>
+      </p:sp>
+      <p:sp>
+        <p:nvSpPr>
+          <p:cNvPr id="3" name="Content Placeholder 2">
+            <a:extLst>
+              <a:ext uri="{FF2B5EF4-FFF2-40B4-BE49-F238E27FC236}">
+                <a16:creationId xmlns:a16="http://schemas.microsoft.com/office/drawing/2014/main" id="{D94D65CF-4E07-5072-26FD-FE694F46B8BC}"/>
+              </a:ext>
+            </a:extLst>
+          </p:cNvPr>
+          <p:cNvSpPr>
+            <a:spLocks noGrp="1"/>
+          </p:cNvSpPr>
+          <p:nvPr>
+            <p:ph idx="1"/>
+          </p:nvPr>
+        </p:nvSpPr>
+        <p:spPr>
+          <a:xfrm>
+            <a:off x="761238" y="5661648"/>
+            <a:ext cx="10668761" cy="696819"/>
+          </a:xfrm>
+        </p:spPr>
+        <p:txBody>
+          <a:bodyPr>
+            <a:normAutofit lnSpcReduction="10000"/>
+          </a:bodyPr>
+          <a:lstStyle/>
+          <a:p>
+            <a:pPr marL="179388" indent="-179388">
+              <a:buClr>
+                <a:schemeClr val="tx1"/>
+              </a:buClr>
+              <a:buFont typeface="Arial" panose="020B0604020202020204" pitchFamily="34" charset="0"/>
+              <a:buChar char="•"/>
+            </a:pPr>
+            <a:r>
+              <a:rPr lang="en-IN" dirty="0">
+                <a:solidFill>
+                  <a:schemeClr val="tx1">
+                    <a:lumMod val="95000"/>
+                  </a:schemeClr>
+                </a:solidFill>
+              </a:rPr>
+              <a:t>Loans are Charged Off when the employment is </a:t>
+            </a:r>
+            <a:r>
+              <a:rPr lang="en-IN" b="1" dirty="0">
+                <a:solidFill>
+                  <a:schemeClr val="tx1">
+                    <a:lumMod val="95000"/>
+                  </a:schemeClr>
+                </a:solidFill>
+              </a:rPr>
+              <a:t>7 years </a:t>
+            </a:r>
+            <a:r>
+              <a:rPr lang="en-IN" dirty="0">
+                <a:solidFill>
+                  <a:schemeClr val="tx1">
+                    <a:lumMod val="95000"/>
+                  </a:schemeClr>
+                </a:solidFill>
+              </a:rPr>
+              <a:t>and the annual income is in the range of </a:t>
+            </a:r>
+            <a:r>
+              <a:rPr lang="en-IN" b="1" dirty="0">
+                <a:solidFill>
+                  <a:schemeClr val="tx1">
+                    <a:lumMod val="95000"/>
+                  </a:schemeClr>
+                </a:solidFill>
+              </a:rPr>
+              <a:t>[627K-938K]</a:t>
+            </a:r>
+          </a:p>
+        </p:txBody>
+      </p:sp>
+      <p:pic>
+        <p:nvPicPr>
+          <p:cNvPr id="3074" name="Picture 2">
+            <a:extLst>
+              <a:ext uri="{FF2B5EF4-FFF2-40B4-BE49-F238E27FC236}">
+                <a16:creationId xmlns:a16="http://schemas.microsoft.com/office/drawing/2014/main" id="{25701EA5-7BAC-C10F-87D9-8F2164261C88}"/>
+              </a:ext>
+            </a:extLst>
+          </p:cNvPr>
+          <p:cNvPicPr>
+            <a:picLocks noChangeAspect="1" noChangeArrowheads="1"/>
+          </p:cNvPicPr>
+          <p:nvPr/>
+        </p:nvPicPr>
+        <p:blipFill>
+          <a:blip r:embed="rId2">
+            <a:extLst>
+              <a:ext uri="{28A0092B-C50C-407E-A947-70E740481C1C}">
+                <a14:useLocalDpi xmlns:a14="http://schemas.microsoft.com/office/drawing/2010/main" val="0"/>
+              </a:ext>
+            </a:extLst>
+          </a:blip>
+          <a:srcRect/>
+          <a:stretch>
+            <a:fillRect/>
+          </a:stretch>
+        </p:blipFill>
+        <p:spPr bwMode="auto">
+          <a:xfrm>
+            <a:off x="2958066" y="1650112"/>
+            <a:ext cx="5874850" cy="3557776"/>
+          </a:xfrm>
+          <a:prstGeom prst="rect">
+            <a:avLst/>
+          </a:prstGeom>
+          <a:noFill/>
+          <a:extLst>
+            <a:ext uri="{909E8E84-426E-40DD-AFC4-6F175D3DCCD1}">
+              <a14:hiddenFill xmlns:a14="http://schemas.microsoft.com/office/drawing/2010/main">
+                <a:solidFill>
+                  <a:srgbClr val="FFFFFF"/>
+                </a:solidFill>
+              </a14:hiddenFill>
+            </a:ext>
+          </a:extLst>
+        </p:spPr>
+      </p:pic>
+    </p:spTree>
+    <p:extLst>
+      <p:ext uri="{BB962C8B-B14F-4D97-AF65-F5344CB8AC3E}">
+        <p14:creationId xmlns:p14="http://schemas.microsoft.com/office/powerpoint/2010/main" val="2073131590"/>
+      </p:ext>
+    </p:extLst>
+  </p:cSld>
+  <p:clrMapOvr>
+    <a:masterClrMapping/>
+  </p:clrMapOvr>
+  <mc:AlternateContent xmlns:mc="http://schemas.openxmlformats.org/markup-compatibility/2006">
+    <mc:Choice xmlns:p14="http://schemas.microsoft.com/office/powerpoint/2010/main" Requires="p14">
+      <p:transition spd="med" p14:dur="700">
+        <p:fade/>
+      </p:transition>
+    </mc:Choice>
+    <mc:Fallback>
+      <p:transition spd="med">
+        <p:fade/>
+      </p:transition>
+    </mc:Fallback>
+  </mc:AlternateContent>
+</p:sld>
+</file>
+
+<file path=ppt/slides/slide28.xml><?xml version="1.0" encoding="utf-8"?>
+<p:sld xmlns:a="http://schemas.openxmlformats.org/drawingml/2006/main" xmlns:r="http://schemas.openxmlformats.org/officeDocument/2006/relationships" xmlns:p="http://schemas.openxmlformats.org/presentationml/2006/main">
+  <p:cSld>
+    <p:spTree>
+      <p:nvGrpSpPr>
+        <p:cNvPr id="1" name=""/>
+        <p:cNvGrpSpPr/>
+        <p:nvPr/>
+      </p:nvGrpSpPr>
+      <p:grpSpPr>
+        <a:xfrm>
+          <a:off x="0" y="0"/>
+          <a:ext cx="0" cy="0"/>
+          <a:chOff x="0" y="0"/>
+          <a:chExt cx="0" cy="0"/>
+        </a:xfrm>
+      </p:grpSpPr>
+      <p:sp>
+        <p:nvSpPr>
+          <p:cNvPr id="2" name="Title 1">
+            <a:extLst>
+              <a:ext uri="{FF2B5EF4-FFF2-40B4-BE49-F238E27FC236}">
+                <a16:creationId xmlns:a16="http://schemas.microsoft.com/office/drawing/2014/main" id="{0F1C7A80-DC28-1922-E396-9421F9365606}"/>
+              </a:ext>
+            </a:extLst>
+          </p:cNvPr>
+          <p:cNvSpPr>
+            <a:spLocks noGrp="1"/>
+          </p:cNvSpPr>
+          <p:nvPr>
+            <p:ph type="title"/>
+          </p:nvPr>
+        </p:nvSpPr>
+        <p:spPr>
+          <a:xfrm>
+            <a:off x="657224" y="499533"/>
+            <a:ext cx="10772775" cy="1018182"/>
+          </a:xfrm>
+        </p:spPr>
+        <p:txBody>
+          <a:bodyPr>
+            <a:normAutofit fontScale="90000"/>
+          </a:bodyPr>
+          <a:lstStyle/>
+          <a:p>
+            <a:r>
+              <a:rPr lang="en-IN" dirty="0"/>
+              <a:t>Multivariate Analysis </a:t>
+            </a:r>
+            <a:r>
+              <a:rPr lang="en-IN" sz="3300" dirty="0"/>
+              <a:t>(</a:t>
+            </a:r>
+            <a:r>
+              <a:rPr lang="en-IN" sz="3300" dirty="0" err="1"/>
+              <a:t>funded_amount_investor</a:t>
+            </a:r>
+            <a:r>
+              <a:rPr lang="en-IN" sz="3300" dirty="0"/>
+              <a:t>- Grade)</a:t>
+            </a:r>
+          </a:p>
+        </p:txBody>
+      </p:sp>
+      <p:sp>
+        <p:nvSpPr>
+          <p:cNvPr id="3" name="Content Placeholder 2">
+            <a:extLst>
+              <a:ext uri="{FF2B5EF4-FFF2-40B4-BE49-F238E27FC236}">
+                <a16:creationId xmlns:a16="http://schemas.microsoft.com/office/drawing/2014/main" id="{D94D65CF-4E07-5072-26FD-FE694F46B8BC}"/>
+              </a:ext>
+            </a:extLst>
+          </p:cNvPr>
+          <p:cNvSpPr>
+            <a:spLocks noGrp="1"/>
+          </p:cNvSpPr>
+          <p:nvPr>
+            <p:ph idx="1"/>
+          </p:nvPr>
+        </p:nvSpPr>
+        <p:spPr>
+          <a:xfrm>
+            <a:off x="6232648" y="1734532"/>
+            <a:ext cx="5197351" cy="3516198"/>
+          </a:xfrm>
+        </p:spPr>
+        <p:txBody>
+          <a:bodyPr>
+            <a:normAutofit/>
+          </a:bodyPr>
+          <a:lstStyle/>
+          <a:p>
+            <a:pPr marL="179388" indent="-179388" algn="just">
+              <a:buClr>
+                <a:schemeClr val="tx1"/>
+              </a:buClr>
+              <a:buFont typeface="Arial" panose="020B0604020202020204" pitchFamily="34" charset="0"/>
+              <a:buChar char="•"/>
+            </a:pPr>
+            <a:r>
+              <a:rPr lang="en-IN" dirty="0">
+                <a:solidFill>
+                  <a:schemeClr val="tx1">
+                    <a:lumMod val="95000"/>
+                  </a:schemeClr>
+                </a:solidFill>
+              </a:rPr>
+              <a:t>Loans Charged Off when:</a:t>
+            </a:r>
+          </a:p>
+          <a:p>
+            <a:pPr marL="179388" indent="-179388" algn="just">
+              <a:buClr>
+                <a:schemeClr val="tx1"/>
+              </a:buClr>
+              <a:buFont typeface="Arial" panose="020B0604020202020204" pitchFamily="34" charset="0"/>
+              <a:buChar char="•"/>
+            </a:pPr>
+            <a:endParaRPr lang="en-IN" dirty="0">
+              <a:solidFill>
+                <a:schemeClr val="tx1">
+                  <a:lumMod val="95000"/>
+                </a:schemeClr>
+              </a:solidFill>
+            </a:endParaRPr>
+          </a:p>
+          <a:p>
+            <a:pPr marL="435420" lvl="1" indent="-179388" algn="just">
+              <a:buClr>
+                <a:schemeClr val="tx1"/>
+              </a:buClr>
+              <a:buFont typeface="Arial" panose="020B0604020202020204" pitchFamily="34" charset="0"/>
+              <a:buChar char="•"/>
+            </a:pPr>
+            <a:r>
+              <a:rPr lang="en-IN" dirty="0">
+                <a:solidFill>
+                  <a:schemeClr val="tx1">
+                    <a:lumMod val="95000"/>
+                  </a:schemeClr>
+                </a:solidFill>
+              </a:rPr>
+              <a:t>Grade is F and Investor funded amount &gt; 16K.</a:t>
+            </a:r>
+          </a:p>
+          <a:p>
+            <a:pPr marL="435420" lvl="1" indent="-179388" algn="just">
+              <a:buClr>
+                <a:schemeClr val="tx1"/>
+              </a:buClr>
+              <a:buFont typeface="Arial" panose="020B0604020202020204" pitchFamily="34" charset="0"/>
+              <a:buChar char="•"/>
+            </a:pPr>
+            <a:endParaRPr lang="en-IN" dirty="0">
+              <a:solidFill>
+                <a:schemeClr val="tx1">
+                  <a:lumMod val="95000"/>
+                </a:schemeClr>
+              </a:solidFill>
+            </a:endParaRPr>
+          </a:p>
+          <a:p>
+            <a:pPr marL="435420" lvl="1" indent="-179388" algn="just">
+              <a:buClr>
+                <a:schemeClr val="tx1"/>
+              </a:buClr>
+              <a:buFont typeface="Arial" panose="020B0604020202020204" pitchFamily="34" charset="0"/>
+              <a:buChar char="•"/>
+            </a:pPr>
+            <a:r>
+              <a:rPr lang="en-IN" dirty="0">
+                <a:solidFill>
+                  <a:schemeClr val="tx1">
+                    <a:lumMod val="95000"/>
+                  </a:schemeClr>
+                </a:solidFill>
+              </a:rPr>
+              <a:t>Grade is G and Investor funded amount &lt; 18K</a:t>
+            </a:r>
+          </a:p>
+        </p:txBody>
+      </p:sp>
+      <p:pic>
+        <p:nvPicPr>
+          <p:cNvPr id="3076" name="Picture 4">
+            <a:extLst>
+              <a:ext uri="{FF2B5EF4-FFF2-40B4-BE49-F238E27FC236}">
+                <a16:creationId xmlns:a16="http://schemas.microsoft.com/office/drawing/2014/main" id="{C974E967-12F5-C4BA-D2FC-CDBC90A2D2E9}"/>
+              </a:ext>
+            </a:extLst>
+          </p:cNvPr>
+          <p:cNvPicPr>
+            <a:picLocks noChangeAspect="1" noChangeArrowheads="1"/>
+          </p:cNvPicPr>
+          <p:nvPr/>
+        </p:nvPicPr>
+        <p:blipFill>
+          <a:blip r:embed="rId2">
+            <a:extLst>
+              <a:ext uri="{28A0092B-C50C-407E-A947-70E740481C1C}">
+                <a14:useLocalDpi xmlns:a14="http://schemas.microsoft.com/office/drawing/2010/main" val="0"/>
+              </a:ext>
+            </a:extLst>
+          </a:blip>
+          <a:srcRect/>
+          <a:stretch>
+            <a:fillRect/>
+          </a:stretch>
+        </p:blipFill>
+        <p:spPr bwMode="auto">
+          <a:xfrm>
+            <a:off x="657223" y="1809342"/>
+            <a:ext cx="5302130" cy="3950436"/>
+          </a:xfrm>
+          <a:prstGeom prst="rect">
+            <a:avLst/>
+          </a:prstGeom>
+          <a:noFill/>
+          <a:extLst>
+            <a:ext uri="{909E8E84-426E-40DD-AFC4-6F175D3DCCD1}">
+              <a14:hiddenFill xmlns:a14="http://schemas.microsoft.com/office/drawing/2010/main">
+                <a:solidFill>
+                  <a:srgbClr val="FFFFFF"/>
+                </a:solidFill>
+              </a14:hiddenFill>
+            </a:ext>
+          </a:extLst>
+        </p:spPr>
+      </p:pic>
+    </p:spTree>
+    <p:extLst>
+      <p:ext uri="{BB962C8B-B14F-4D97-AF65-F5344CB8AC3E}">
+        <p14:creationId xmlns:p14="http://schemas.microsoft.com/office/powerpoint/2010/main" val="1472770681"/>
+      </p:ext>
+    </p:extLst>
+  </p:cSld>
+  <p:clrMapOvr>
+    <a:masterClrMapping/>
+  </p:clrMapOvr>
+  <mc:AlternateContent xmlns:mc="http://schemas.openxmlformats.org/markup-compatibility/2006">
+    <mc:Choice xmlns:p14="http://schemas.microsoft.com/office/powerpoint/2010/main" Requires="p14">
+      <p:transition spd="med" p14:dur="700">
+        <p:fade/>
+      </p:transition>
+    </mc:Choice>
+    <mc:Fallback>
+      <p:transition spd="med">
+        <p:fade/>
+      </p:transition>
+    </mc:Fallback>
+  </mc:AlternateContent>
+</p:sld>
+</file>
+
+<file path=ppt/slides/slide29.xml><?xml version="1.0" encoding="utf-8"?>
+<p:sld xmlns:a="http://schemas.openxmlformats.org/drawingml/2006/main" xmlns:r="http://schemas.openxmlformats.org/officeDocument/2006/relationships" xmlns:p="http://schemas.openxmlformats.org/presentationml/2006/main">
+  <p:cSld>
+    <p:spTree>
+      <p:nvGrpSpPr>
+        <p:cNvPr id="1" name=""/>
+        <p:cNvGrpSpPr/>
+        <p:nvPr/>
+      </p:nvGrpSpPr>
+      <p:grpSpPr>
+        <a:xfrm>
+          <a:off x="0" y="0"/>
+          <a:ext cx="0" cy="0"/>
+          <a:chOff x="0" y="0"/>
+          <a:chExt cx="0" cy="0"/>
+        </a:xfrm>
+      </p:grpSpPr>
+      <p:sp>
+        <p:nvSpPr>
+          <p:cNvPr id="2" name="Title 1">
+            <a:extLst>
+              <a:ext uri="{FF2B5EF4-FFF2-40B4-BE49-F238E27FC236}">
+                <a16:creationId xmlns:a16="http://schemas.microsoft.com/office/drawing/2014/main" id="{0F1C7A80-DC28-1922-E396-9421F9365606}"/>
+              </a:ext>
+            </a:extLst>
+          </p:cNvPr>
+          <p:cNvSpPr>
+            <a:spLocks noGrp="1"/>
+          </p:cNvSpPr>
+          <p:nvPr>
+            <p:ph type="title"/>
+          </p:nvPr>
+        </p:nvSpPr>
+        <p:spPr>
+          <a:xfrm>
+            <a:off x="657224" y="499533"/>
+            <a:ext cx="10772775" cy="1018182"/>
+          </a:xfrm>
+        </p:spPr>
+        <p:txBody>
+          <a:bodyPr>
+            <a:normAutofit/>
+          </a:bodyPr>
+          <a:lstStyle/>
+          <a:p>
+            <a:r>
+              <a:rPr lang="en-IN" dirty="0"/>
+              <a:t>Multivariate Analysis </a:t>
+            </a:r>
+            <a:r>
+              <a:rPr lang="en-IN" sz="3300" dirty="0"/>
+              <a:t>(Grade - </a:t>
+            </a:r>
+            <a:r>
+              <a:rPr lang="en-IN" sz="3300" dirty="0" err="1"/>
+              <a:t>dti</a:t>
+            </a:r>
+            <a:r>
+              <a:rPr lang="en-IN" sz="3300" dirty="0"/>
+              <a:t>)</a:t>
+            </a:r>
+          </a:p>
+        </p:txBody>
+      </p:sp>
+      <p:sp>
+        <p:nvSpPr>
+          <p:cNvPr id="3" name="Content Placeholder 2">
+            <a:extLst>
+              <a:ext uri="{FF2B5EF4-FFF2-40B4-BE49-F238E27FC236}">
+                <a16:creationId xmlns:a16="http://schemas.microsoft.com/office/drawing/2014/main" id="{D94D65CF-4E07-5072-26FD-FE694F46B8BC}"/>
+              </a:ext>
+            </a:extLst>
+          </p:cNvPr>
+          <p:cNvSpPr>
+            <a:spLocks noGrp="1"/>
+          </p:cNvSpPr>
+          <p:nvPr>
+            <p:ph idx="1"/>
+          </p:nvPr>
+        </p:nvSpPr>
+        <p:spPr>
+          <a:xfrm>
+            <a:off x="762002" y="1668546"/>
+            <a:ext cx="5120324" cy="4314825"/>
+          </a:xfrm>
+        </p:spPr>
+        <p:txBody>
+          <a:bodyPr>
+            <a:normAutofit/>
+          </a:bodyPr>
+          <a:lstStyle/>
+          <a:p>
+            <a:pPr marL="179388" indent="-179388" algn="just">
+              <a:buClr>
+                <a:schemeClr val="tx1"/>
+              </a:buClr>
+              <a:buFont typeface="Arial" panose="020B0604020202020204" pitchFamily="34" charset="0"/>
+              <a:buChar char="•"/>
+            </a:pPr>
+            <a:r>
+              <a:rPr lang="en-IN" dirty="0">
+                <a:solidFill>
+                  <a:schemeClr val="tx1">
+                    <a:lumMod val="95000"/>
+                  </a:schemeClr>
+                </a:solidFill>
+              </a:rPr>
+              <a:t>DTI </a:t>
+            </a:r>
+            <a:r>
+              <a:rPr lang="en-IN" dirty="0">
+                <a:solidFill>
+                  <a:schemeClr val="tx1">
+                    <a:lumMod val="95000"/>
+                  </a:schemeClr>
+                </a:solidFill>
+                <a:sym typeface="Wingdings" panose="05000000000000000000" pitchFamily="2" charset="2"/>
+              </a:rPr>
+              <a:t> </a:t>
+            </a:r>
+            <a:r>
+              <a:rPr lang="en-IN" dirty="0">
+                <a:solidFill>
+                  <a:schemeClr val="tx1">
+                    <a:lumMod val="95000"/>
+                  </a:schemeClr>
+                </a:solidFill>
+              </a:rPr>
+              <a:t>Debt to Income ratio</a:t>
+            </a:r>
+          </a:p>
+          <a:p>
+            <a:pPr marL="179388" indent="-179388" algn="just">
+              <a:buClr>
+                <a:schemeClr val="tx1"/>
+              </a:buClr>
+              <a:buFont typeface="Arial" panose="020B0604020202020204" pitchFamily="34" charset="0"/>
+              <a:buChar char="•"/>
+            </a:pPr>
+            <a:endParaRPr lang="en-IN" dirty="0">
+              <a:solidFill>
+                <a:schemeClr val="tx1">
+                  <a:lumMod val="95000"/>
+                </a:schemeClr>
+              </a:solidFill>
+            </a:endParaRPr>
+          </a:p>
+          <a:p>
+            <a:pPr marL="179388" indent="-179388" algn="just">
+              <a:buClr>
+                <a:schemeClr val="tx1"/>
+              </a:buClr>
+              <a:buFont typeface="Arial" panose="020B0604020202020204" pitchFamily="34" charset="0"/>
+              <a:buChar char="•"/>
+            </a:pPr>
+            <a:r>
+              <a:rPr lang="en-IN" dirty="0">
+                <a:solidFill>
+                  <a:schemeClr val="tx1">
+                    <a:lumMod val="95000"/>
+                  </a:schemeClr>
+                </a:solidFill>
+              </a:rPr>
+              <a:t>Loans Charged Off when:</a:t>
+            </a:r>
+          </a:p>
+          <a:p>
+            <a:pPr marL="179388" indent="-179388" algn="just">
+              <a:buClr>
+                <a:schemeClr val="tx1"/>
+              </a:buClr>
+              <a:buFont typeface="Arial" panose="020B0604020202020204" pitchFamily="34" charset="0"/>
+              <a:buChar char="•"/>
+            </a:pPr>
+            <a:endParaRPr lang="en-IN" dirty="0">
+              <a:solidFill>
+                <a:schemeClr val="tx1">
+                  <a:lumMod val="95000"/>
+                </a:schemeClr>
+              </a:solidFill>
+            </a:endParaRPr>
+          </a:p>
+          <a:p>
+            <a:pPr marL="435420" lvl="1" indent="-179388" algn="just">
+              <a:buClr>
+                <a:schemeClr val="tx1"/>
+              </a:buClr>
+              <a:buFont typeface="Arial" panose="020B0604020202020204" pitchFamily="34" charset="0"/>
+              <a:buChar char="•"/>
+            </a:pPr>
+            <a:r>
+              <a:rPr lang="en-IN" dirty="0">
+                <a:solidFill>
+                  <a:schemeClr val="tx1">
+                    <a:lumMod val="95000"/>
+                  </a:schemeClr>
+                </a:solidFill>
+              </a:rPr>
+              <a:t>Grade is A with </a:t>
+            </a:r>
+            <a:r>
+              <a:rPr lang="en-IN" dirty="0" err="1">
+                <a:solidFill>
+                  <a:schemeClr val="tx1">
+                    <a:lumMod val="95000"/>
+                  </a:schemeClr>
+                </a:solidFill>
+              </a:rPr>
+              <a:t>dti</a:t>
+            </a:r>
+            <a:r>
+              <a:rPr lang="en-IN" dirty="0">
+                <a:solidFill>
+                  <a:schemeClr val="tx1">
+                    <a:lumMod val="95000"/>
+                  </a:schemeClr>
+                </a:solidFill>
+              </a:rPr>
+              <a:t> &gt; 12.5</a:t>
+            </a:r>
+          </a:p>
+          <a:p>
+            <a:pPr marL="435420" lvl="1" indent="-179388" algn="just">
+              <a:buClr>
+                <a:schemeClr val="tx1"/>
+              </a:buClr>
+              <a:buFont typeface="Arial" panose="020B0604020202020204" pitchFamily="34" charset="0"/>
+              <a:buChar char="•"/>
+            </a:pPr>
+            <a:r>
+              <a:rPr lang="en-IN" dirty="0">
+                <a:solidFill>
+                  <a:schemeClr val="tx1">
+                    <a:lumMod val="95000"/>
+                  </a:schemeClr>
+                </a:solidFill>
+              </a:rPr>
+              <a:t>Grade is B with </a:t>
+            </a:r>
+            <a:r>
+              <a:rPr lang="en-IN" dirty="0" err="1">
+                <a:solidFill>
+                  <a:schemeClr val="tx1">
+                    <a:lumMod val="95000"/>
+                  </a:schemeClr>
+                </a:solidFill>
+              </a:rPr>
+              <a:t>dti</a:t>
+            </a:r>
+            <a:r>
+              <a:rPr lang="en-IN" dirty="0">
+                <a:solidFill>
+                  <a:schemeClr val="tx1">
+                    <a:lumMod val="95000"/>
+                  </a:schemeClr>
+                </a:solidFill>
+              </a:rPr>
+              <a:t> &gt; ~13.75</a:t>
+            </a:r>
+          </a:p>
+          <a:p>
+            <a:pPr marL="435420" lvl="1" indent="-179388" algn="just">
+              <a:buClr>
+                <a:schemeClr val="tx1"/>
+              </a:buClr>
+              <a:buFont typeface="Arial" panose="020B0604020202020204" pitchFamily="34" charset="0"/>
+              <a:buChar char="•"/>
+            </a:pPr>
+            <a:r>
+              <a:rPr lang="en-IN" dirty="0">
+                <a:solidFill>
+                  <a:schemeClr val="tx1">
+                    <a:lumMod val="95000"/>
+                  </a:schemeClr>
+                </a:solidFill>
+              </a:rPr>
+              <a:t>Grade is C with </a:t>
+            </a:r>
+            <a:r>
+              <a:rPr lang="en-IN" dirty="0" err="1">
+                <a:solidFill>
+                  <a:schemeClr val="tx1">
+                    <a:lumMod val="95000"/>
+                  </a:schemeClr>
+                </a:solidFill>
+              </a:rPr>
+              <a:t>dti</a:t>
+            </a:r>
+            <a:r>
+              <a:rPr lang="en-IN" dirty="0">
+                <a:solidFill>
+                  <a:schemeClr val="tx1">
+                    <a:lumMod val="95000"/>
+                  </a:schemeClr>
+                </a:solidFill>
+              </a:rPr>
+              <a:t> &gt; 14.</a:t>
+            </a:r>
+          </a:p>
+          <a:p>
+            <a:pPr marL="435420" lvl="1" indent="-179388" algn="just">
+              <a:buClr>
+                <a:schemeClr val="tx1"/>
+              </a:buClr>
+              <a:buFont typeface="Arial" panose="020B0604020202020204" pitchFamily="34" charset="0"/>
+              <a:buChar char="•"/>
+            </a:pPr>
+            <a:r>
+              <a:rPr lang="en-IN" dirty="0">
+                <a:solidFill>
+                  <a:schemeClr val="tx1">
+                    <a:lumMod val="95000"/>
+                  </a:schemeClr>
+                </a:solidFill>
+              </a:rPr>
+              <a:t>Grade is G and </a:t>
+            </a:r>
+            <a:r>
+              <a:rPr lang="en-IN" dirty="0" err="1">
+                <a:solidFill>
+                  <a:schemeClr val="tx1">
+                    <a:lumMod val="95000"/>
+                  </a:schemeClr>
+                </a:solidFill>
+              </a:rPr>
+              <a:t>dti</a:t>
+            </a:r>
+            <a:r>
+              <a:rPr lang="en-IN" dirty="0">
+                <a:solidFill>
+                  <a:schemeClr val="tx1">
+                    <a:lumMod val="95000"/>
+                  </a:schemeClr>
+                </a:solidFill>
+              </a:rPr>
+              <a:t> &lt; 13.5.</a:t>
+            </a:r>
+          </a:p>
+          <a:p>
+            <a:pPr marL="435420" lvl="1" indent="-179388" algn="just">
+              <a:buClr>
+                <a:schemeClr val="tx1"/>
+              </a:buClr>
+              <a:buFont typeface="Arial" panose="020B0604020202020204" pitchFamily="34" charset="0"/>
+              <a:buChar char="•"/>
+            </a:pPr>
+            <a:r>
+              <a:rPr lang="en-IN" dirty="0">
+                <a:solidFill>
+                  <a:schemeClr val="tx1">
+                    <a:lumMod val="95000"/>
+                  </a:schemeClr>
+                </a:solidFill>
+              </a:rPr>
+              <a:t>Grade G covers a vast range of DTI where the Loans are Charged Off. </a:t>
+            </a:r>
+          </a:p>
+        </p:txBody>
+      </p:sp>
+      <p:pic>
+        <p:nvPicPr>
+          <p:cNvPr id="6148" name="Picture 4">
+            <a:extLst>
+              <a:ext uri="{FF2B5EF4-FFF2-40B4-BE49-F238E27FC236}">
+                <a16:creationId xmlns:a16="http://schemas.microsoft.com/office/drawing/2014/main" id="{437A7247-B349-C228-B984-FE6D0E2940AE}"/>
+              </a:ext>
+            </a:extLst>
+          </p:cNvPr>
+          <p:cNvPicPr>
+            <a:picLocks noChangeAspect="1" noChangeArrowheads="1"/>
+          </p:cNvPicPr>
+          <p:nvPr/>
+        </p:nvPicPr>
+        <p:blipFill>
+          <a:blip r:embed="rId2">
+            <a:extLst>
+              <a:ext uri="{28A0092B-C50C-407E-A947-70E740481C1C}">
+                <a14:useLocalDpi xmlns:a14="http://schemas.microsoft.com/office/drawing/2010/main" val="0"/>
+              </a:ext>
+            </a:extLst>
+          </a:blip>
+          <a:srcRect/>
+          <a:stretch>
+            <a:fillRect/>
+          </a:stretch>
+        </p:blipFill>
+        <p:spPr bwMode="auto">
+          <a:xfrm>
+            <a:off x="6096000" y="1668546"/>
+            <a:ext cx="5486400" cy="4314825"/>
+          </a:xfrm>
+          <a:prstGeom prst="rect">
+            <a:avLst/>
+          </a:prstGeom>
+          <a:noFill/>
+          <a:extLst>
+            <a:ext uri="{909E8E84-426E-40DD-AFC4-6F175D3DCCD1}">
+              <a14:hiddenFill xmlns:a14="http://schemas.microsoft.com/office/drawing/2010/main">
+                <a:solidFill>
+                  <a:srgbClr val="FFFFFF"/>
+                </a:solidFill>
+              </a14:hiddenFill>
+            </a:ext>
+          </a:extLst>
+        </p:spPr>
+      </p:pic>
+    </p:spTree>
+    <p:extLst>
+      <p:ext uri="{BB962C8B-B14F-4D97-AF65-F5344CB8AC3E}">
+        <p14:creationId xmlns:p14="http://schemas.microsoft.com/office/powerpoint/2010/main" val="3969752853"/>
+      </p:ext>
+    </p:extLst>
+  </p:cSld>
+  <p:clrMapOvr>
+    <a:masterClrMapping/>
+  </p:clrMapOvr>
+  <mc:AlternateContent xmlns:mc="http://schemas.openxmlformats.org/markup-compatibility/2006">
+    <mc:Choice xmlns:p14="http://schemas.microsoft.com/office/powerpoint/2010/main" Requires="p14">
+      <p:transition spd="med" p14:dur="700">
+        <p:fade/>
+      </p:transition>
+    </mc:Choice>
+    <mc:Fallback>
       <p:transition spd="med">
         <p:fade/>
       </p:transition>
@@ -12820,6 +15256,323 @@
   <p:clrMapOvr>
     <a:masterClrMapping/>
   </p:clrMapOvr>
+  <mc:AlternateContent xmlns:mc="http://schemas.openxmlformats.org/markup-compatibility/2006" xmlns:p14="http://schemas.microsoft.com/office/powerpoint/2010/main">
+    <mc:Choice Requires="p14">
+      <p:transition spd="med" p14:dur="700">
+        <p:fade/>
+      </p:transition>
+    </mc:Choice>
+    <mc:Fallback xmlns="">
+      <p:transition spd="med">
+        <p:fade/>
+      </p:transition>
+    </mc:Fallback>
+  </mc:AlternateContent>
+</p:sld>
+</file>
+
+<file path=ppt/slides/slide30.xml><?xml version="1.0" encoding="utf-8"?>
+<p:sld xmlns:a="http://schemas.openxmlformats.org/drawingml/2006/main" xmlns:r="http://schemas.openxmlformats.org/officeDocument/2006/relationships" xmlns:p="http://schemas.openxmlformats.org/presentationml/2006/main">
+  <p:cSld>
+    <p:spTree>
+      <p:nvGrpSpPr>
+        <p:cNvPr id="1" name=""/>
+        <p:cNvGrpSpPr/>
+        <p:nvPr/>
+      </p:nvGrpSpPr>
+      <p:grpSpPr>
+        <a:xfrm>
+          <a:off x="0" y="0"/>
+          <a:ext cx="0" cy="0"/>
+          <a:chOff x="0" y="0"/>
+          <a:chExt cx="0" cy="0"/>
+        </a:xfrm>
+      </p:grpSpPr>
+      <p:sp>
+        <p:nvSpPr>
+          <p:cNvPr id="2" name="Title 1">
+            <a:extLst>
+              <a:ext uri="{FF2B5EF4-FFF2-40B4-BE49-F238E27FC236}">
+                <a16:creationId xmlns:a16="http://schemas.microsoft.com/office/drawing/2014/main" id="{0F1C7A80-DC28-1922-E396-9421F9365606}"/>
+              </a:ext>
+            </a:extLst>
+          </p:cNvPr>
+          <p:cNvSpPr>
+            <a:spLocks noGrp="1"/>
+          </p:cNvSpPr>
+          <p:nvPr>
+            <p:ph type="title"/>
+          </p:nvPr>
+        </p:nvSpPr>
+        <p:spPr>
+          <a:xfrm>
+            <a:off x="657224" y="499533"/>
+            <a:ext cx="10772775" cy="1018182"/>
+          </a:xfrm>
+        </p:spPr>
+        <p:txBody>
+          <a:bodyPr>
+            <a:normAutofit/>
+          </a:bodyPr>
+          <a:lstStyle/>
+          <a:p>
+            <a:r>
+              <a:rPr lang="en-IN" dirty="0"/>
+              <a:t>Multivariate Analysis </a:t>
+            </a:r>
+            <a:r>
+              <a:rPr lang="en-IN" sz="3300" dirty="0"/>
+              <a:t>(Issue Month - </a:t>
+            </a:r>
+            <a:r>
+              <a:rPr lang="en-IN" sz="3300" dirty="0" err="1"/>
+              <a:t>dti</a:t>
+            </a:r>
+            <a:r>
+              <a:rPr lang="en-IN" sz="3300" dirty="0"/>
+              <a:t>)</a:t>
+            </a:r>
+          </a:p>
+        </p:txBody>
+      </p:sp>
+      <p:sp>
+        <p:nvSpPr>
+          <p:cNvPr id="3" name="Content Placeholder 2">
+            <a:extLst>
+              <a:ext uri="{FF2B5EF4-FFF2-40B4-BE49-F238E27FC236}">
+                <a16:creationId xmlns:a16="http://schemas.microsoft.com/office/drawing/2014/main" id="{D94D65CF-4E07-5072-26FD-FE694F46B8BC}"/>
+              </a:ext>
+            </a:extLst>
+          </p:cNvPr>
+          <p:cNvSpPr>
+            <a:spLocks noGrp="1"/>
+          </p:cNvSpPr>
+          <p:nvPr>
+            <p:ph idx="1"/>
+          </p:nvPr>
+        </p:nvSpPr>
+        <p:spPr>
+          <a:xfrm>
+            <a:off x="762002" y="1668546"/>
+            <a:ext cx="5120324" cy="4314825"/>
+          </a:xfrm>
+        </p:spPr>
+        <p:txBody>
+          <a:bodyPr>
+            <a:normAutofit/>
+          </a:bodyPr>
+          <a:lstStyle/>
+          <a:p>
+            <a:pPr marL="179388" indent="-179388" algn="just">
+              <a:buClr>
+                <a:schemeClr val="tx1"/>
+              </a:buClr>
+              <a:buFont typeface="Arial" panose="020B0604020202020204" pitchFamily="34" charset="0"/>
+              <a:buChar char="•"/>
+            </a:pPr>
+            <a:r>
+              <a:rPr lang="en-IN" dirty="0">
+                <a:solidFill>
+                  <a:schemeClr val="tx1">
+                    <a:lumMod val="95000"/>
+                  </a:schemeClr>
+                </a:solidFill>
+              </a:rPr>
+              <a:t>DTI </a:t>
+            </a:r>
+            <a:r>
+              <a:rPr lang="en-IN" dirty="0">
+                <a:solidFill>
+                  <a:schemeClr val="tx1">
+                    <a:lumMod val="95000"/>
+                  </a:schemeClr>
+                </a:solidFill>
+                <a:sym typeface="Wingdings" panose="05000000000000000000" pitchFamily="2" charset="2"/>
+              </a:rPr>
+              <a:t> </a:t>
+            </a:r>
+            <a:r>
+              <a:rPr lang="en-IN" dirty="0">
+                <a:solidFill>
+                  <a:schemeClr val="tx1">
+                    <a:lumMod val="95000"/>
+                  </a:schemeClr>
+                </a:solidFill>
+              </a:rPr>
+              <a:t>Debt to Income ratio </a:t>
+            </a:r>
+          </a:p>
+          <a:p>
+            <a:pPr marL="179388" indent="-179388" algn="just">
+              <a:buClr>
+                <a:schemeClr val="tx1"/>
+              </a:buClr>
+              <a:buFont typeface="Arial" panose="020B0604020202020204" pitchFamily="34" charset="0"/>
+              <a:buChar char="•"/>
+            </a:pPr>
+            <a:endParaRPr lang="en-IN" dirty="0">
+              <a:solidFill>
+                <a:schemeClr val="tx1">
+                  <a:lumMod val="95000"/>
+                </a:schemeClr>
+              </a:solidFill>
+            </a:endParaRPr>
+          </a:p>
+          <a:p>
+            <a:pPr marL="179388" indent="-179388" algn="just">
+              <a:buClr>
+                <a:schemeClr val="tx1"/>
+              </a:buClr>
+              <a:buFont typeface="Arial" panose="020B0604020202020204" pitchFamily="34" charset="0"/>
+              <a:buChar char="•"/>
+            </a:pPr>
+            <a:r>
+              <a:rPr lang="en-IN" dirty="0">
+                <a:solidFill>
+                  <a:schemeClr val="tx1">
+                    <a:lumMod val="95000"/>
+                  </a:schemeClr>
+                </a:solidFill>
+              </a:rPr>
+              <a:t>Loans Charged Off with the </a:t>
+            </a:r>
+            <a:r>
+              <a:rPr lang="en-IN" dirty="0" err="1">
+                <a:solidFill>
+                  <a:schemeClr val="tx1">
+                    <a:lumMod val="95000"/>
+                  </a:schemeClr>
+                </a:solidFill>
+              </a:rPr>
+              <a:t>dti</a:t>
+            </a:r>
+            <a:r>
+              <a:rPr lang="en-IN" dirty="0">
+                <a:solidFill>
+                  <a:schemeClr val="tx1">
+                    <a:lumMod val="95000"/>
+                  </a:schemeClr>
+                </a:solidFill>
+              </a:rPr>
+              <a:t> &gt; 13.5:</a:t>
+            </a:r>
+          </a:p>
+          <a:p>
+            <a:pPr marL="435420" lvl="1" indent="-179388" algn="just">
+              <a:buClr>
+                <a:schemeClr val="tx1"/>
+              </a:buClr>
+              <a:buFont typeface="Arial" panose="020B0604020202020204" pitchFamily="34" charset="0"/>
+              <a:buChar char="•"/>
+            </a:pPr>
+            <a:r>
+              <a:rPr lang="en-IN" dirty="0">
+                <a:solidFill>
+                  <a:schemeClr val="tx1">
+                    <a:lumMod val="95000"/>
+                  </a:schemeClr>
+                </a:solidFill>
+              </a:rPr>
+              <a:t>when issued during the Months </a:t>
+            </a:r>
+          </a:p>
+          <a:p>
+            <a:pPr marL="435420" lvl="1" indent="-179388" algn="just">
+              <a:buClr>
+                <a:schemeClr val="tx1"/>
+              </a:buClr>
+              <a:buFont typeface="Arial" panose="020B0604020202020204" pitchFamily="34" charset="0"/>
+              <a:buChar char="•"/>
+            </a:pPr>
+            <a:r>
+              <a:rPr lang="en-IN" dirty="0">
+                <a:solidFill>
+                  <a:schemeClr val="tx1">
+                    <a:lumMod val="95000"/>
+                  </a:schemeClr>
+                </a:solidFill>
+              </a:rPr>
+              <a:t>April-July</a:t>
+            </a:r>
+          </a:p>
+          <a:p>
+            <a:pPr marL="435420" lvl="1" indent="-179388" algn="just">
+              <a:buClr>
+                <a:schemeClr val="tx1"/>
+              </a:buClr>
+              <a:buFont typeface="Arial" panose="020B0604020202020204" pitchFamily="34" charset="0"/>
+              <a:buChar char="•"/>
+            </a:pPr>
+            <a:r>
+              <a:rPr lang="en-IN" dirty="0">
+                <a:solidFill>
+                  <a:schemeClr val="tx1">
+                    <a:lumMod val="95000"/>
+                  </a:schemeClr>
+                </a:solidFill>
+              </a:rPr>
+              <a:t>Oct-Dec</a:t>
+            </a:r>
+          </a:p>
+        </p:txBody>
+      </p:sp>
+      <p:pic>
+        <p:nvPicPr>
+          <p:cNvPr id="7170" name="Picture 2">
+            <a:extLst>
+              <a:ext uri="{FF2B5EF4-FFF2-40B4-BE49-F238E27FC236}">
+                <a16:creationId xmlns:a16="http://schemas.microsoft.com/office/drawing/2014/main" id="{A3E1B008-AD29-1307-6447-E0B95A60E235}"/>
+              </a:ext>
+            </a:extLst>
+          </p:cNvPr>
+          <p:cNvPicPr>
+            <a:picLocks noChangeAspect="1" noChangeArrowheads="1"/>
+          </p:cNvPicPr>
+          <p:nvPr/>
+        </p:nvPicPr>
+        <p:blipFill>
+          <a:blip r:embed="rId2">
+            <a:extLst>
+              <a:ext uri="{28A0092B-C50C-407E-A947-70E740481C1C}">
+                <a14:useLocalDpi xmlns:a14="http://schemas.microsoft.com/office/drawing/2010/main" val="0"/>
+              </a:ext>
+            </a:extLst>
+          </a:blip>
+          <a:srcRect/>
+          <a:stretch>
+            <a:fillRect/>
+          </a:stretch>
+        </p:blipFill>
+        <p:spPr bwMode="auto">
+          <a:xfrm>
+            <a:off x="6096000" y="1668545"/>
+            <a:ext cx="5572125" cy="4314825"/>
+          </a:xfrm>
+          <a:prstGeom prst="rect">
+            <a:avLst/>
+          </a:prstGeom>
+          <a:noFill/>
+          <a:extLst>
+            <a:ext uri="{909E8E84-426E-40DD-AFC4-6F175D3DCCD1}">
+              <a14:hiddenFill xmlns:a14="http://schemas.microsoft.com/office/drawing/2010/main">
+                <a:solidFill>
+                  <a:srgbClr val="FFFFFF"/>
+                </a:solidFill>
+              </a14:hiddenFill>
+            </a:ext>
+          </a:extLst>
+        </p:spPr>
+      </p:pic>
+    </p:spTree>
+    <p:extLst>
+      <p:ext uri="{BB962C8B-B14F-4D97-AF65-F5344CB8AC3E}">
+        <p14:creationId xmlns:p14="http://schemas.microsoft.com/office/powerpoint/2010/main" val="2068007900"/>
+      </p:ext>
+    </p:extLst>
+  </p:cSld>
+  <p:clrMapOvr>
+    <a:masterClrMapping/>
+  </p:clrMapOvr>
   <mc:AlternateContent xmlns:mc="http://schemas.openxmlformats.org/markup-compatibility/2006">
     <mc:Choice xmlns:p14="http://schemas.microsoft.com/office/powerpoint/2010/main" Requires="p14">
       <p:transition spd="med" p14:dur="700">
@@ -12827,6 +15580,1625 @@
       </p:transition>
     </mc:Choice>
     <mc:Fallback>
+      <p:transition spd="med">
+        <p:fade/>
+      </p:transition>
+    </mc:Fallback>
+  </mc:AlternateContent>
+</p:sld>
+</file>
+
+<file path=ppt/slides/slide31.xml><?xml version="1.0" encoding="utf-8"?>
+<p:sld xmlns:a="http://schemas.openxmlformats.org/drawingml/2006/main" xmlns:r="http://schemas.openxmlformats.org/officeDocument/2006/relationships" xmlns:p="http://schemas.openxmlformats.org/presentationml/2006/main">
+  <p:cSld>
+    <p:spTree>
+      <p:nvGrpSpPr>
+        <p:cNvPr id="1" name=""/>
+        <p:cNvGrpSpPr/>
+        <p:nvPr/>
+      </p:nvGrpSpPr>
+      <p:grpSpPr>
+        <a:xfrm>
+          <a:off x="0" y="0"/>
+          <a:ext cx="0" cy="0"/>
+          <a:chOff x="0" y="0"/>
+          <a:chExt cx="0" cy="0"/>
+        </a:xfrm>
+      </p:grpSpPr>
+      <p:sp>
+        <p:nvSpPr>
+          <p:cNvPr id="2" name="Title 1">
+            <a:extLst>
+              <a:ext uri="{FF2B5EF4-FFF2-40B4-BE49-F238E27FC236}">
+                <a16:creationId xmlns:a16="http://schemas.microsoft.com/office/drawing/2014/main" id="{0F1C7A80-DC28-1922-E396-9421F9365606}"/>
+              </a:ext>
+            </a:extLst>
+          </p:cNvPr>
+          <p:cNvSpPr>
+            <a:spLocks noGrp="1"/>
+          </p:cNvSpPr>
+          <p:nvPr>
+            <p:ph type="title"/>
+          </p:nvPr>
+        </p:nvSpPr>
+        <p:spPr>
+          <a:xfrm>
+            <a:off x="657224" y="499533"/>
+            <a:ext cx="10772775" cy="1018182"/>
+          </a:xfrm>
+        </p:spPr>
+        <p:txBody>
+          <a:bodyPr>
+            <a:normAutofit/>
+          </a:bodyPr>
+          <a:lstStyle/>
+          <a:p>
+            <a:r>
+              <a:rPr lang="en-IN" dirty="0"/>
+              <a:t>Multivariate Analysis </a:t>
+            </a:r>
+            <a:r>
+              <a:rPr lang="en-IN" sz="3300" dirty="0"/>
+              <a:t>(Purpose - </a:t>
+            </a:r>
+            <a:r>
+              <a:rPr lang="en-IN" sz="3300" dirty="0" err="1"/>
+              <a:t>dti</a:t>
+            </a:r>
+            <a:r>
+              <a:rPr lang="en-IN" sz="3300" dirty="0"/>
+              <a:t>)</a:t>
+            </a:r>
+          </a:p>
+        </p:txBody>
+      </p:sp>
+      <p:sp>
+        <p:nvSpPr>
+          <p:cNvPr id="3" name="Content Placeholder 2">
+            <a:extLst>
+              <a:ext uri="{FF2B5EF4-FFF2-40B4-BE49-F238E27FC236}">
+                <a16:creationId xmlns:a16="http://schemas.microsoft.com/office/drawing/2014/main" id="{D94D65CF-4E07-5072-26FD-FE694F46B8BC}"/>
+              </a:ext>
+            </a:extLst>
+          </p:cNvPr>
+          <p:cNvSpPr>
+            <a:spLocks noGrp="1"/>
+          </p:cNvSpPr>
+          <p:nvPr>
+            <p:ph idx="1"/>
+          </p:nvPr>
+        </p:nvSpPr>
+        <p:spPr>
+          <a:xfrm>
+            <a:off x="762001" y="1668546"/>
+            <a:ext cx="5949883" cy="4314825"/>
+          </a:xfrm>
+        </p:spPr>
+        <p:txBody>
+          <a:bodyPr>
+            <a:normAutofit/>
+          </a:bodyPr>
+          <a:lstStyle/>
+          <a:p>
+            <a:pPr marL="179388" indent="-179388" algn="just">
+              <a:buClr>
+                <a:schemeClr val="tx1"/>
+              </a:buClr>
+              <a:buFont typeface="Arial" panose="020B0604020202020204" pitchFamily="34" charset="0"/>
+              <a:buChar char="•"/>
+            </a:pPr>
+            <a:r>
+              <a:rPr lang="en-IN" dirty="0">
+                <a:solidFill>
+                  <a:schemeClr val="tx1">
+                    <a:lumMod val="95000"/>
+                  </a:schemeClr>
+                </a:solidFill>
+              </a:rPr>
+              <a:t>DTI </a:t>
+            </a:r>
+            <a:r>
+              <a:rPr lang="en-IN" dirty="0">
+                <a:solidFill>
+                  <a:schemeClr val="tx1">
+                    <a:lumMod val="95000"/>
+                  </a:schemeClr>
+                </a:solidFill>
+                <a:sym typeface="Wingdings" panose="05000000000000000000" pitchFamily="2" charset="2"/>
+              </a:rPr>
+              <a:t> </a:t>
+            </a:r>
+            <a:r>
+              <a:rPr lang="en-IN" dirty="0">
+                <a:solidFill>
+                  <a:schemeClr val="tx1">
+                    <a:lumMod val="95000"/>
+                  </a:schemeClr>
+                </a:solidFill>
+              </a:rPr>
+              <a:t>Debt to Income ratio</a:t>
+            </a:r>
+          </a:p>
+          <a:p>
+            <a:pPr marL="179388" indent="-179388" algn="just">
+              <a:buClr>
+                <a:schemeClr val="tx1"/>
+              </a:buClr>
+              <a:buFont typeface="Arial" panose="020B0604020202020204" pitchFamily="34" charset="0"/>
+              <a:buChar char="•"/>
+            </a:pPr>
+            <a:endParaRPr lang="en-IN" dirty="0">
+              <a:solidFill>
+                <a:schemeClr val="tx1">
+                  <a:lumMod val="95000"/>
+                </a:schemeClr>
+              </a:solidFill>
+            </a:endParaRPr>
+          </a:p>
+          <a:p>
+            <a:pPr marL="179388" indent="-179388" algn="just">
+              <a:buClr>
+                <a:schemeClr val="tx1"/>
+              </a:buClr>
+              <a:buFont typeface="Arial" panose="020B0604020202020204" pitchFamily="34" charset="0"/>
+              <a:buChar char="•"/>
+            </a:pPr>
+            <a:r>
+              <a:rPr lang="en-IN" dirty="0">
+                <a:solidFill>
+                  <a:schemeClr val="tx1">
+                    <a:lumMod val="95000"/>
+                  </a:schemeClr>
+                </a:solidFill>
+              </a:rPr>
+              <a:t>Loans Charged Off with the following combination:</a:t>
+            </a:r>
+          </a:p>
+          <a:p>
+            <a:pPr marL="435420" lvl="1" indent="-179388" algn="just">
+              <a:buClr>
+                <a:schemeClr val="tx1"/>
+              </a:buClr>
+              <a:buFont typeface="Arial" panose="020B0604020202020204" pitchFamily="34" charset="0"/>
+              <a:buChar char="•"/>
+            </a:pPr>
+            <a:r>
+              <a:rPr lang="en-IN" dirty="0">
+                <a:solidFill>
+                  <a:schemeClr val="tx1">
+                    <a:lumMod val="95000"/>
+                  </a:schemeClr>
+                </a:solidFill>
+              </a:rPr>
+              <a:t>Small Businesses with </a:t>
+            </a:r>
+            <a:r>
+              <a:rPr lang="en-IN" dirty="0" err="1">
+                <a:solidFill>
+                  <a:schemeClr val="tx1">
+                    <a:lumMod val="95000"/>
+                  </a:schemeClr>
+                </a:solidFill>
+              </a:rPr>
+              <a:t>dti</a:t>
+            </a:r>
+            <a:r>
+              <a:rPr lang="en-IN" dirty="0">
+                <a:solidFill>
+                  <a:schemeClr val="tx1">
+                    <a:lumMod val="95000"/>
+                  </a:schemeClr>
+                </a:solidFill>
+              </a:rPr>
+              <a:t> &gt; 11.50</a:t>
+            </a:r>
+          </a:p>
+          <a:p>
+            <a:pPr marL="435420" lvl="1" indent="-179388" algn="just">
+              <a:buClr>
+                <a:schemeClr val="tx1"/>
+              </a:buClr>
+              <a:buFont typeface="Arial" panose="020B0604020202020204" pitchFamily="34" charset="0"/>
+              <a:buChar char="•"/>
+            </a:pPr>
+            <a:r>
+              <a:rPr lang="en-IN" dirty="0">
+                <a:solidFill>
+                  <a:schemeClr val="tx1">
+                    <a:lumMod val="95000"/>
+                  </a:schemeClr>
+                </a:solidFill>
+              </a:rPr>
+              <a:t>Vacation with </a:t>
+            </a:r>
+            <a:r>
+              <a:rPr lang="en-IN" dirty="0" err="1">
+                <a:solidFill>
+                  <a:schemeClr val="tx1">
+                    <a:lumMod val="95000"/>
+                  </a:schemeClr>
+                </a:solidFill>
+              </a:rPr>
+              <a:t>dti</a:t>
+            </a:r>
+            <a:r>
+              <a:rPr lang="en-IN" dirty="0">
+                <a:solidFill>
+                  <a:schemeClr val="tx1">
+                    <a:lumMod val="95000"/>
+                  </a:schemeClr>
+                </a:solidFill>
+              </a:rPr>
+              <a:t> &gt; 13.0</a:t>
+            </a:r>
+          </a:p>
+          <a:p>
+            <a:pPr marL="435420" lvl="1" indent="-179388" algn="just">
+              <a:buClr>
+                <a:schemeClr val="tx1"/>
+              </a:buClr>
+              <a:buFont typeface="Arial" panose="020B0604020202020204" pitchFamily="34" charset="0"/>
+              <a:buChar char="•"/>
+            </a:pPr>
+            <a:r>
+              <a:rPr lang="en-IN" dirty="0" err="1">
+                <a:solidFill>
+                  <a:schemeClr val="tx1">
+                    <a:lumMod val="95000"/>
+                  </a:schemeClr>
+                </a:solidFill>
+              </a:rPr>
+              <a:t>debt_consolidation</a:t>
+            </a:r>
+            <a:r>
+              <a:rPr lang="en-IN" dirty="0">
+                <a:solidFill>
+                  <a:schemeClr val="tx1">
+                    <a:lumMod val="95000"/>
+                  </a:schemeClr>
+                </a:solidFill>
+              </a:rPr>
+              <a:t> with </a:t>
+            </a:r>
+            <a:r>
+              <a:rPr lang="en-IN" dirty="0" err="1">
+                <a:solidFill>
+                  <a:schemeClr val="tx1">
+                    <a:lumMod val="95000"/>
+                  </a:schemeClr>
+                </a:solidFill>
+              </a:rPr>
+              <a:t>dti</a:t>
+            </a:r>
+            <a:r>
+              <a:rPr lang="en-IN" dirty="0">
+                <a:solidFill>
+                  <a:schemeClr val="tx1">
+                    <a:lumMod val="95000"/>
+                  </a:schemeClr>
+                </a:solidFill>
+              </a:rPr>
+              <a:t> &gt; 14.75</a:t>
+            </a:r>
+          </a:p>
+          <a:p>
+            <a:pPr marL="435420" lvl="1" indent="-179388" algn="just">
+              <a:buClr>
+                <a:schemeClr val="tx1"/>
+              </a:buClr>
+              <a:buFont typeface="Arial" panose="020B0604020202020204" pitchFamily="34" charset="0"/>
+              <a:buChar char="•"/>
+            </a:pPr>
+            <a:r>
+              <a:rPr lang="en-IN" dirty="0">
+                <a:solidFill>
+                  <a:schemeClr val="tx1">
+                    <a:lumMod val="95000"/>
+                  </a:schemeClr>
+                </a:solidFill>
+              </a:rPr>
+              <a:t>Major Purchases with </a:t>
+            </a:r>
+            <a:r>
+              <a:rPr lang="en-IN" dirty="0" err="1">
+                <a:solidFill>
+                  <a:schemeClr val="tx1">
+                    <a:lumMod val="95000"/>
+                  </a:schemeClr>
+                </a:solidFill>
+              </a:rPr>
+              <a:t>dti</a:t>
+            </a:r>
+            <a:r>
+              <a:rPr lang="en-IN" dirty="0">
+                <a:solidFill>
+                  <a:schemeClr val="tx1">
+                    <a:lumMod val="95000"/>
+                  </a:schemeClr>
+                </a:solidFill>
+              </a:rPr>
+              <a:t> &gt; 11.25</a:t>
+            </a:r>
+          </a:p>
+          <a:p>
+            <a:pPr marL="435420" lvl="1" indent="-179388" algn="just">
+              <a:buClr>
+                <a:schemeClr val="tx1"/>
+              </a:buClr>
+              <a:buFont typeface="Arial" panose="020B0604020202020204" pitchFamily="34" charset="0"/>
+              <a:buChar char="•"/>
+            </a:pPr>
+            <a:r>
+              <a:rPr lang="en-IN" dirty="0">
+                <a:solidFill>
+                  <a:schemeClr val="tx1">
+                    <a:lumMod val="95000"/>
+                  </a:schemeClr>
+                </a:solidFill>
+              </a:rPr>
+              <a:t>House with </a:t>
+            </a:r>
+            <a:r>
+              <a:rPr lang="en-IN" dirty="0" err="1">
+                <a:solidFill>
+                  <a:schemeClr val="tx1">
+                    <a:lumMod val="95000"/>
+                  </a:schemeClr>
+                </a:solidFill>
+              </a:rPr>
+              <a:t>dti</a:t>
+            </a:r>
+            <a:r>
+              <a:rPr lang="en-IN" dirty="0">
+                <a:solidFill>
+                  <a:schemeClr val="tx1">
+                    <a:lumMod val="95000"/>
+                  </a:schemeClr>
+                </a:solidFill>
+              </a:rPr>
+              <a:t> &gt; 11.50</a:t>
+            </a:r>
+          </a:p>
+        </p:txBody>
+      </p:sp>
+      <p:pic>
+        <p:nvPicPr>
+          <p:cNvPr id="8194" name="Picture 2">
+            <a:extLst>
+              <a:ext uri="{FF2B5EF4-FFF2-40B4-BE49-F238E27FC236}">
+                <a16:creationId xmlns:a16="http://schemas.microsoft.com/office/drawing/2014/main" id="{463DC76B-73B1-B92B-31DD-23722ECB6500}"/>
+              </a:ext>
+            </a:extLst>
+          </p:cNvPr>
+          <p:cNvPicPr>
+            <a:picLocks noChangeAspect="1" noChangeArrowheads="1"/>
+          </p:cNvPicPr>
+          <p:nvPr/>
+        </p:nvPicPr>
+        <p:blipFill>
+          <a:blip r:embed="rId2">
+            <a:extLst>
+              <a:ext uri="{28A0092B-C50C-407E-A947-70E740481C1C}">
+                <a14:useLocalDpi xmlns:a14="http://schemas.microsoft.com/office/drawing/2010/main" val="0"/>
+              </a:ext>
+            </a:extLst>
+          </a:blip>
+          <a:srcRect/>
+          <a:stretch>
+            <a:fillRect/>
+          </a:stretch>
+        </p:blipFill>
+        <p:spPr bwMode="auto">
+          <a:xfrm>
+            <a:off x="6894494" y="1668546"/>
+            <a:ext cx="5086973" cy="4034673"/>
+          </a:xfrm>
+          <a:prstGeom prst="rect">
+            <a:avLst/>
+          </a:prstGeom>
+          <a:noFill/>
+          <a:extLst>
+            <a:ext uri="{909E8E84-426E-40DD-AFC4-6F175D3DCCD1}">
+              <a14:hiddenFill xmlns:a14="http://schemas.microsoft.com/office/drawing/2010/main">
+                <a:solidFill>
+                  <a:srgbClr val="FFFFFF"/>
+                </a:solidFill>
+              </a14:hiddenFill>
+            </a:ext>
+          </a:extLst>
+        </p:spPr>
+      </p:pic>
+    </p:spTree>
+    <p:extLst>
+      <p:ext uri="{BB962C8B-B14F-4D97-AF65-F5344CB8AC3E}">
+        <p14:creationId xmlns:p14="http://schemas.microsoft.com/office/powerpoint/2010/main" val="3871207791"/>
+      </p:ext>
+    </p:extLst>
+  </p:cSld>
+  <p:clrMapOvr>
+    <a:masterClrMapping/>
+  </p:clrMapOvr>
+  <mc:AlternateContent xmlns:mc="http://schemas.openxmlformats.org/markup-compatibility/2006">
+    <mc:Choice xmlns:p14="http://schemas.microsoft.com/office/powerpoint/2010/main" Requires="p14">
+      <p:transition spd="med" p14:dur="700">
+        <p:fade/>
+      </p:transition>
+    </mc:Choice>
+    <mc:Fallback>
+      <p:transition spd="med">
+        <p:fade/>
+      </p:transition>
+    </mc:Fallback>
+  </mc:AlternateContent>
+</p:sld>
+</file>
+
+<file path=ppt/slides/slide32.xml><?xml version="1.0" encoding="utf-8"?>
+<p:sld xmlns:a="http://schemas.openxmlformats.org/drawingml/2006/main" xmlns:r="http://schemas.openxmlformats.org/officeDocument/2006/relationships" xmlns:p="http://schemas.openxmlformats.org/presentationml/2006/main">
+  <p:cSld>
+    <p:spTree>
+      <p:nvGrpSpPr>
+        <p:cNvPr id="1" name=""/>
+        <p:cNvGrpSpPr/>
+        <p:nvPr/>
+      </p:nvGrpSpPr>
+      <p:grpSpPr>
+        <a:xfrm>
+          <a:off x="0" y="0"/>
+          <a:ext cx="0" cy="0"/>
+          <a:chOff x="0" y="0"/>
+          <a:chExt cx="0" cy="0"/>
+        </a:xfrm>
+      </p:grpSpPr>
+      <p:sp>
+        <p:nvSpPr>
+          <p:cNvPr id="2" name="Title 1">
+            <a:extLst>
+              <a:ext uri="{FF2B5EF4-FFF2-40B4-BE49-F238E27FC236}">
+                <a16:creationId xmlns:a16="http://schemas.microsoft.com/office/drawing/2014/main" id="{0F1C7A80-DC28-1922-E396-9421F9365606}"/>
+              </a:ext>
+            </a:extLst>
+          </p:cNvPr>
+          <p:cNvSpPr>
+            <a:spLocks noGrp="1"/>
+          </p:cNvSpPr>
+          <p:nvPr>
+            <p:ph type="title"/>
+          </p:nvPr>
+        </p:nvSpPr>
+        <p:spPr>
+          <a:xfrm>
+            <a:off x="657224" y="499533"/>
+            <a:ext cx="10772775" cy="1018182"/>
+          </a:xfrm>
+        </p:spPr>
+        <p:txBody>
+          <a:bodyPr>
+            <a:normAutofit/>
+          </a:bodyPr>
+          <a:lstStyle/>
+          <a:p>
+            <a:r>
+              <a:rPr lang="en-IN" dirty="0"/>
+              <a:t>Multivariate Analysis </a:t>
+            </a:r>
+            <a:r>
+              <a:rPr lang="en-IN" sz="3300" dirty="0"/>
+              <a:t>(Home Ownership - </a:t>
+            </a:r>
+            <a:r>
+              <a:rPr lang="en-IN" sz="3300" dirty="0" err="1"/>
+              <a:t>dti</a:t>
+            </a:r>
+            <a:r>
+              <a:rPr lang="en-IN" sz="3300" dirty="0"/>
+              <a:t>)</a:t>
+            </a:r>
+          </a:p>
+        </p:txBody>
+      </p:sp>
+      <p:sp>
+        <p:nvSpPr>
+          <p:cNvPr id="3" name="Content Placeholder 2">
+            <a:extLst>
+              <a:ext uri="{FF2B5EF4-FFF2-40B4-BE49-F238E27FC236}">
+                <a16:creationId xmlns:a16="http://schemas.microsoft.com/office/drawing/2014/main" id="{D94D65CF-4E07-5072-26FD-FE694F46B8BC}"/>
+              </a:ext>
+            </a:extLst>
+          </p:cNvPr>
+          <p:cNvSpPr>
+            <a:spLocks noGrp="1"/>
+          </p:cNvSpPr>
+          <p:nvPr>
+            <p:ph idx="1"/>
+          </p:nvPr>
+        </p:nvSpPr>
+        <p:spPr>
+          <a:xfrm>
+            <a:off x="762001" y="1668546"/>
+            <a:ext cx="5362575" cy="4314825"/>
+          </a:xfrm>
+        </p:spPr>
+        <p:txBody>
+          <a:bodyPr>
+            <a:normAutofit/>
+          </a:bodyPr>
+          <a:lstStyle/>
+          <a:p>
+            <a:pPr marL="179388" indent="-179388" algn="just">
+              <a:buClr>
+                <a:schemeClr val="tx1"/>
+              </a:buClr>
+              <a:buFont typeface="Arial" panose="020B0604020202020204" pitchFamily="34" charset="0"/>
+              <a:buChar char="•"/>
+            </a:pPr>
+            <a:r>
+              <a:rPr lang="en-IN" dirty="0">
+                <a:solidFill>
+                  <a:schemeClr val="tx1">
+                    <a:lumMod val="95000"/>
+                  </a:schemeClr>
+                </a:solidFill>
+              </a:rPr>
+              <a:t>DTI </a:t>
+            </a:r>
+            <a:r>
+              <a:rPr lang="en-IN" dirty="0">
+                <a:solidFill>
+                  <a:schemeClr val="tx1">
+                    <a:lumMod val="95000"/>
+                  </a:schemeClr>
+                </a:solidFill>
+                <a:sym typeface="Wingdings" panose="05000000000000000000" pitchFamily="2" charset="2"/>
+              </a:rPr>
+              <a:t> </a:t>
+            </a:r>
+            <a:r>
+              <a:rPr lang="en-IN" dirty="0">
+                <a:solidFill>
+                  <a:schemeClr val="tx1">
+                    <a:lumMod val="95000"/>
+                  </a:schemeClr>
+                </a:solidFill>
+              </a:rPr>
+              <a:t>Debt to Income ratio</a:t>
+            </a:r>
+          </a:p>
+          <a:p>
+            <a:pPr marL="179388" indent="-179388" algn="just">
+              <a:buClr>
+                <a:schemeClr val="tx1"/>
+              </a:buClr>
+              <a:buFont typeface="Arial" panose="020B0604020202020204" pitchFamily="34" charset="0"/>
+              <a:buChar char="•"/>
+            </a:pPr>
+            <a:endParaRPr lang="en-IN" dirty="0">
+              <a:solidFill>
+                <a:schemeClr val="tx1">
+                  <a:lumMod val="95000"/>
+                </a:schemeClr>
+              </a:solidFill>
+            </a:endParaRPr>
+          </a:p>
+          <a:p>
+            <a:pPr marL="179388" indent="-179388" algn="just">
+              <a:buClr>
+                <a:schemeClr val="tx1"/>
+              </a:buClr>
+              <a:buFont typeface="Arial" panose="020B0604020202020204" pitchFamily="34" charset="0"/>
+              <a:buChar char="•"/>
+            </a:pPr>
+            <a:r>
+              <a:rPr lang="en-IN" dirty="0">
+                <a:solidFill>
+                  <a:schemeClr val="tx1">
+                    <a:lumMod val="95000"/>
+                  </a:schemeClr>
+                </a:solidFill>
+              </a:rPr>
+              <a:t>Loans Charged Off with Home Ownership as MORTGAGE and having a DTI &gt; 14.</a:t>
+            </a:r>
+          </a:p>
+        </p:txBody>
+      </p:sp>
+      <p:pic>
+        <p:nvPicPr>
+          <p:cNvPr id="9218" name="Picture 2">
+            <a:extLst>
+              <a:ext uri="{FF2B5EF4-FFF2-40B4-BE49-F238E27FC236}">
+                <a16:creationId xmlns:a16="http://schemas.microsoft.com/office/drawing/2014/main" id="{2448B630-95CD-8EAA-B754-A70F1C21C819}"/>
+              </a:ext>
+            </a:extLst>
+          </p:cNvPr>
+          <p:cNvPicPr>
+            <a:picLocks noChangeAspect="1" noChangeArrowheads="1"/>
+          </p:cNvPicPr>
+          <p:nvPr/>
+        </p:nvPicPr>
+        <p:blipFill>
+          <a:blip r:embed="rId2">
+            <a:extLst>
+              <a:ext uri="{28A0092B-C50C-407E-A947-70E740481C1C}">
+                <a14:useLocalDpi xmlns:a14="http://schemas.microsoft.com/office/drawing/2010/main" val="0"/>
+              </a:ext>
+            </a:extLst>
+          </a:blip>
+          <a:srcRect/>
+          <a:stretch>
+            <a:fillRect/>
+          </a:stretch>
+        </p:blipFill>
+        <p:spPr bwMode="auto">
+          <a:xfrm>
+            <a:off x="6412437" y="1637909"/>
+            <a:ext cx="5362575" cy="4314825"/>
+          </a:xfrm>
+          <a:prstGeom prst="rect">
+            <a:avLst/>
+          </a:prstGeom>
+          <a:noFill/>
+          <a:extLst>
+            <a:ext uri="{909E8E84-426E-40DD-AFC4-6F175D3DCCD1}">
+              <a14:hiddenFill xmlns:a14="http://schemas.microsoft.com/office/drawing/2010/main">
+                <a:solidFill>
+                  <a:srgbClr val="FFFFFF"/>
+                </a:solidFill>
+              </a14:hiddenFill>
+            </a:ext>
+          </a:extLst>
+        </p:spPr>
+      </p:pic>
+    </p:spTree>
+    <p:extLst>
+      <p:ext uri="{BB962C8B-B14F-4D97-AF65-F5344CB8AC3E}">
+        <p14:creationId xmlns:p14="http://schemas.microsoft.com/office/powerpoint/2010/main" val="2819382599"/>
+      </p:ext>
+    </p:extLst>
+  </p:cSld>
+  <p:clrMapOvr>
+    <a:masterClrMapping/>
+  </p:clrMapOvr>
+  <mc:AlternateContent xmlns:mc="http://schemas.openxmlformats.org/markup-compatibility/2006">
+    <mc:Choice xmlns:p14="http://schemas.microsoft.com/office/powerpoint/2010/main" Requires="p14">
+      <p:transition spd="med" p14:dur="700">
+        <p:fade/>
+      </p:transition>
+    </mc:Choice>
+    <mc:Fallback>
+      <p:transition spd="med">
+        <p:fade/>
+      </p:transition>
+    </mc:Fallback>
+  </mc:AlternateContent>
+</p:sld>
+</file>
+
+<file path=ppt/slides/slide33.xml><?xml version="1.0" encoding="utf-8"?>
+<p:sld xmlns:a="http://schemas.openxmlformats.org/drawingml/2006/main" xmlns:r="http://schemas.openxmlformats.org/officeDocument/2006/relationships" xmlns:p="http://schemas.openxmlformats.org/presentationml/2006/main">
+  <p:cSld>
+    <p:spTree>
+      <p:nvGrpSpPr>
+        <p:cNvPr id="1" name=""/>
+        <p:cNvGrpSpPr/>
+        <p:nvPr/>
+      </p:nvGrpSpPr>
+      <p:grpSpPr>
+        <a:xfrm>
+          <a:off x="0" y="0"/>
+          <a:ext cx="0" cy="0"/>
+          <a:chOff x="0" y="0"/>
+          <a:chExt cx="0" cy="0"/>
+        </a:xfrm>
+      </p:grpSpPr>
+      <p:sp>
+        <p:nvSpPr>
+          <p:cNvPr id="2" name="Title 1">
+            <a:extLst>
+              <a:ext uri="{FF2B5EF4-FFF2-40B4-BE49-F238E27FC236}">
+                <a16:creationId xmlns:a16="http://schemas.microsoft.com/office/drawing/2014/main" id="{0F1C7A80-DC28-1922-E396-9421F9365606}"/>
+              </a:ext>
+            </a:extLst>
+          </p:cNvPr>
+          <p:cNvSpPr>
+            <a:spLocks noGrp="1"/>
+          </p:cNvSpPr>
+          <p:nvPr>
+            <p:ph type="title"/>
+          </p:nvPr>
+        </p:nvSpPr>
+        <p:spPr>
+          <a:xfrm>
+            <a:off x="657224" y="499533"/>
+            <a:ext cx="10772775" cy="1018182"/>
+          </a:xfrm>
+        </p:spPr>
+        <p:txBody>
+          <a:bodyPr>
+            <a:normAutofit/>
+          </a:bodyPr>
+          <a:lstStyle/>
+          <a:p>
+            <a:r>
+              <a:rPr lang="en-IN" dirty="0"/>
+              <a:t>Multivariate Analysis </a:t>
+            </a:r>
+            <a:r>
+              <a:rPr lang="en-IN" sz="3300" dirty="0"/>
+              <a:t>(Year- </a:t>
+            </a:r>
+            <a:r>
+              <a:rPr lang="en-IN" sz="3300" dirty="0" err="1"/>
+              <a:t>dti</a:t>
+            </a:r>
+            <a:r>
+              <a:rPr lang="en-IN" sz="3300" dirty="0"/>
+              <a:t>)</a:t>
+            </a:r>
+          </a:p>
+        </p:txBody>
+      </p:sp>
+      <p:sp>
+        <p:nvSpPr>
+          <p:cNvPr id="3" name="Content Placeholder 2">
+            <a:extLst>
+              <a:ext uri="{FF2B5EF4-FFF2-40B4-BE49-F238E27FC236}">
+                <a16:creationId xmlns:a16="http://schemas.microsoft.com/office/drawing/2014/main" id="{D94D65CF-4E07-5072-26FD-FE694F46B8BC}"/>
+              </a:ext>
+            </a:extLst>
+          </p:cNvPr>
+          <p:cNvSpPr>
+            <a:spLocks noGrp="1"/>
+          </p:cNvSpPr>
+          <p:nvPr>
+            <p:ph idx="1"/>
+          </p:nvPr>
+        </p:nvSpPr>
+        <p:spPr>
+          <a:xfrm>
+            <a:off x="762001" y="1668546"/>
+            <a:ext cx="5362575" cy="4314825"/>
+          </a:xfrm>
+        </p:spPr>
+        <p:txBody>
+          <a:bodyPr>
+            <a:normAutofit/>
+          </a:bodyPr>
+          <a:lstStyle/>
+          <a:p>
+            <a:pPr marL="179388" indent="-179388" algn="just">
+              <a:buClr>
+                <a:schemeClr val="tx1"/>
+              </a:buClr>
+              <a:buFont typeface="Arial" panose="020B0604020202020204" pitchFamily="34" charset="0"/>
+              <a:buChar char="•"/>
+            </a:pPr>
+            <a:r>
+              <a:rPr lang="en-IN" dirty="0">
+                <a:solidFill>
+                  <a:schemeClr val="tx1">
+                    <a:lumMod val="95000"/>
+                  </a:schemeClr>
+                </a:solidFill>
+              </a:rPr>
+              <a:t>DTI </a:t>
+            </a:r>
+            <a:r>
+              <a:rPr lang="en-IN" dirty="0">
+                <a:solidFill>
+                  <a:schemeClr val="tx1">
+                    <a:lumMod val="95000"/>
+                  </a:schemeClr>
+                </a:solidFill>
+                <a:sym typeface="Wingdings" panose="05000000000000000000" pitchFamily="2" charset="2"/>
+              </a:rPr>
+              <a:t> </a:t>
+            </a:r>
+            <a:r>
+              <a:rPr lang="en-IN" dirty="0">
+                <a:solidFill>
+                  <a:schemeClr val="tx1">
+                    <a:lumMod val="95000"/>
+                  </a:schemeClr>
+                </a:solidFill>
+              </a:rPr>
+              <a:t>Debt to Income ratio</a:t>
+            </a:r>
+          </a:p>
+          <a:p>
+            <a:pPr marL="179388" indent="-179388" algn="just">
+              <a:buClr>
+                <a:schemeClr val="tx1"/>
+              </a:buClr>
+              <a:buFont typeface="Arial" panose="020B0604020202020204" pitchFamily="34" charset="0"/>
+              <a:buChar char="•"/>
+            </a:pPr>
+            <a:endParaRPr lang="en-IN" dirty="0">
+              <a:solidFill>
+                <a:schemeClr val="tx1">
+                  <a:lumMod val="95000"/>
+                </a:schemeClr>
+              </a:solidFill>
+            </a:endParaRPr>
+          </a:p>
+          <a:p>
+            <a:pPr marL="179388" indent="-179388" algn="just">
+              <a:buClr>
+                <a:schemeClr val="tx1"/>
+              </a:buClr>
+              <a:buFont typeface="Arial" panose="020B0604020202020204" pitchFamily="34" charset="0"/>
+              <a:buChar char="•"/>
+            </a:pPr>
+            <a:r>
+              <a:rPr lang="en-IN" dirty="0">
+                <a:solidFill>
+                  <a:schemeClr val="tx1">
+                    <a:lumMod val="95000"/>
+                  </a:schemeClr>
+                </a:solidFill>
+              </a:rPr>
+              <a:t>Loans issued during 2010 &amp; 2011 with DTI&gt; 13.25 are Charged Off</a:t>
+            </a:r>
+          </a:p>
+        </p:txBody>
+      </p:sp>
+      <p:pic>
+        <p:nvPicPr>
+          <p:cNvPr id="10242" name="Picture 2">
+            <a:extLst>
+              <a:ext uri="{FF2B5EF4-FFF2-40B4-BE49-F238E27FC236}">
+                <a16:creationId xmlns:a16="http://schemas.microsoft.com/office/drawing/2014/main" id="{D250C108-D4E3-250F-10AF-3898DD6704D2}"/>
+              </a:ext>
+            </a:extLst>
+          </p:cNvPr>
+          <p:cNvPicPr>
+            <a:picLocks noChangeAspect="1" noChangeArrowheads="1"/>
+          </p:cNvPicPr>
+          <p:nvPr/>
+        </p:nvPicPr>
+        <p:blipFill>
+          <a:blip r:embed="rId2">
+            <a:extLst>
+              <a:ext uri="{28A0092B-C50C-407E-A947-70E740481C1C}">
+                <a14:useLocalDpi xmlns:a14="http://schemas.microsoft.com/office/drawing/2010/main" val="0"/>
+              </a:ext>
+            </a:extLst>
+          </a:blip>
+          <a:srcRect/>
+          <a:stretch>
+            <a:fillRect/>
+          </a:stretch>
+        </p:blipFill>
+        <p:spPr bwMode="auto">
+          <a:xfrm>
+            <a:off x="6461847" y="1668546"/>
+            <a:ext cx="4968152" cy="4836056"/>
+          </a:xfrm>
+          <a:prstGeom prst="rect">
+            <a:avLst/>
+          </a:prstGeom>
+          <a:noFill/>
+          <a:extLst>
+            <a:ext uri="{909E8E84-426E-40DD-AFC4-6F175D3DCCD1}">
+              <a14:hiddenFill xmlns:a14="http://schemas.microsoft.com/office/drawing/2010/main">
+                <a:solidFill>
+                  <a:srgbClr val="FFFFFF"/>
+                </a:solidFill>
+              </a14:hiddenFill>
+            </a:ext>
+          </a:extLst>
+        </p:spPr>
+      </p:pic>
+    </p:spTree>
+    <p:extLst>
+      <p:ext uri="{BB962C8B-B14F-4D97-AF65-F5344CB8AC3E}">
+        <p14:creationId xmlns:p14="http://schemas.microsoft.com/office/powerpoint/2010/main" val="2855757291"/>
+      </p:ext>
+    </p:extLst>
+  </p:cSld>
+  <p:clrMapOvr>
+    <a:masterClrMapping/>
+  </p:clrMapOvr>
+  <mc:AlternateContent xmlns:mc="http://schemas.openxmlformats.org/markup-compatibility/2006">
+    <mc:Choice xmlns:p14="http://schemas.microsoft.com/office/powerpoint/2010/main" Requires="p14">
+      <p:transition spd="med" p14:dur="700">
+        <p:fade/>
+      </p:transition>
+    </mc:Choice>
+    <mc:Fallback>
+      <p:transition spd="med">
+        <p:fade/>
+      </p:transition>
+    </mc:Fallback>
+  </mc:AlternateContent>
+</p:sld>
+</file>
+
+<file path=ppt/slides/slide34.xml><?xml version="1.0" encoding="utf-8"?>
+<p:sld xmlns:a="http://schemas.openxmlformats.org/drawingml/2006/main" xmlns:r="http://schemas.openxmlformats.org/officeDocument/2006/relationships" xmlns:p="http://schemas.openxmlformats.org/presentationml/2006/main">
+  <p:cSld>
+    <p:bg>
+      <p:bgPr>
+        <a:solidFill>
+          <a:schemeClr val="accent1"/>
+        </a:solidFill>
+        <a:effectLst/>
+      </p:bgPr>
+    </p:bg>
+    <p:spTree>
+      <p:nvGrpSpPr>
+        <p:cNvPr id="1" name=""/>
+        <p:cNvGrpSpPr/>
+        <p:nvPr/>
+      </p:nvGrpSpPr>
+      <p:grpSpPr>
+        <a:xfrm>
+          <a:off x="0" y="0"/>
+          <a:ext cx="0" cy="0"/>
+          <a:chOff x="0" y="0"/>
+          <a:chExt cx="0" cy="0"/>
+        </a:xfrm>
+      </p:grpSpPr>
+      <p:sp>
+        <p:nvSpPr>
+          <p:cNvPr id="2" name="Title 1">
+            <a:extLst>
+              <a:ext uri="{FF2B5EF4-FFF2-40B4-BE49-F238E27FC236}">
+                <a16:creationId xmlns:a16="http://schemas.microsoft.com/office/drawing/2014/main" id="{8AB5B8C0-00CD-FD4D-833A-D978934000E3}"/>
+              </a:ext>
+            </a:extLst>
+          </p:cNvPr>
+          <p:cNvSpPr>
+            <a:spLocks noGrp="1"/>
+          </p:cNvSpPr>
+          <p:nvPr>
+            <p:ph type="title"/>
+          </p:nvPr>
+        </p:nvSpPr>
+        <p:spPr>
+          <a:xfrm>
+            <a:off x="657224" y="499533"/>
+            <a:ext cx="10772775" cy="707098"/>
+          </a:xfrm>
+        </p:spPr>
+        <p:txBody>
+          <a:bodyPr>
+            <a:normAutofit fontScale="90000"/>
+          </a:bodyPr>
+          <a:lstStyle/>
+          <a:p>
+            <a:r>
+              <a:rPr lang="en-IN" dirty="0"/>
+              <a:t>Observations</a:t>
+            </a:r>
+          </a:p>
+        </p:txBody>
+      </p:sp>
+      <p:sp>
+        <p:nvSpPr>
+          <p:cNvPr id="3" name="Content Placeholder 2">
+            <a:extLst>
+              <a:ext uri="{FF2B5EF4-FFF2-40B4-BE49-F238E27FC236}">
+                <a16:creationId xmlns:a16="http://schemas.microsoft.com/office/drawing/2014/main" id="{DF2B6BE7-2E1E-D479-7EF8-D6D44A3EDE61}"/>
+              </a:ext>
+            </a:extLst>
+          </p:cNvPr>
+          <p:cNvSpPr>
+            <a:spLocks noGrp="1"/>
+          </p:cNvSpPr>
+          <p:nvPr>
+            <p:ph idx="1"/>
+          </p:nvPr>
+        </p:nvSpPr>
+        <p:spPr>
+          <a:xfrm>
+            <a:off x="676656" y="1310326"/>
+            <a:ext cx="10753725" cy="4467539"/>
+          </a:xfrm>
+        </p:spPr>
+        <p:txBody>
+          <a:bodyPr>
+            <a:normAutofit/>
+          </a:bodyPr>
+          <a:lstStyle/>
+          <a:p>
+            <a:pPr>
+              <a:lnSpc>
+                <a:spcPct val="120000"/>
+              </a:lnSpc>
+            </a:pPr>
+            <a:r>
+              <a:rPr lang="en-IN" dirty="0">
+                <a:solidFill>
+                  <a:schemeClr val="tx1"/>
+                </a:solidFill>
+              </a:rPr>
+              <a:t>Loans with purpose of House and with </a:t>
+            </a:r>
+            <a:r>
+              <a:rPr lang="en-IN" b="1" dirty="0">
+                <a:solidFill>
+                  <a:schemeClr val="tx1"/>
+                </a:solidFill>
+              </a:rPr>
+              <a:t>higher interest rate </a:t>
+            </a:r>
+            <a:r>
+              <a:rPr lang="en-IN" dirty="0">
+                <a:solidFill>
+                  <a:schemeClr val="tx1"/>
+                </a:solidFill>
+              </a:rPr>
+              <a:t>are having changes of getting Charged Off</a:t>
+            </a:r>
+          </a:p>
+          <a:p>
+            <a:pPr>
+              <a:lnSpc>
+                <a:spcPct val="120000"/>
+              </a:lnSpc>
+            </a:pPr>
+            <a:r>
+              <a:rPr lang="en-IN" dirty="0">
+                <a:solidFill>
+                  <a:schemeClr val="tx1"/>
+                </a:solidFill>
+              </a:rPr>
+              <a:t>Loans are Charged Off when the </a:t>
+            </a:r>
+            <a:r>
+              <a:rPr lang="en-IN" b="1" dirty="0">
+                <a:solidFill>
+                  <a:schemeClr val="tx1"/>
+                </a:solidFill>
+              </a:rPr>
+              <a:t>employment is 7 years</a:t>
+            </a:r>
+            <a:r>
+              <a:rPr lang="en-IN" dirty="0">
+                <a:solidFill>
+                  <a:schemeClr val="tx1"/>
+                </a:solidFill>
+              </a:rPr>
+              <a:t> and the annual income is in the </a:t>
+            </a:r>
+            <a:r>
+              <a:rPr lang="en-IN" b="1" dirty="0">
+                <a:solidFill>
+                  <a:schemeClr val="tx1"/>
+                </a:solidFill>
+              </a:rPr>
+              <a:t>range of [627K – 938K]</a:t>
+            </a:r>
+          </a:p>
+          <a:p>
+            <a:pPr>
+              <a:lnSpc>
+                <a:spcPct val="120000"/>
+              </a:lnSpc>
+            </a:pPr>
+            <a:r>
+              <a:rPr lang="en-IN" dirty="0">
+                <a:solidFill>
+                  <a:schemeClr val="tx1"/>
+                </a:solidFill>
+              </a:rPr>
+              <a:t>The Loans with </a:t>
+            </a:r>
+            <a:r>
+              <a:rPr lang="en-IN" b="1" dirty="0">
+                <a:solidFill>
+                  <a:schemeClr val="tx1"/>
+                </a:solidFill>
+              </a:rPr>
+              <a:t>Grade F</a:t>
+            </a:r>
+            <a:r>
+              <a:rPr lang="en-IN" dirty="0">
+                <a:solidFill>
+                  <a:schemeClr val="tx1"/>
+                </a:solidFill>
+              </a:rPr>
+              <a:t> are likely to be Charged Off when the </a:t>
+            </a:r>
+            <a:r>
+              <a:rPr lang="en-IN" b="1" dirty="0" err="1">
+                <a:solidFill>
+                  <a:schemeClr val="tx1"/>
+                </a:solidFill>
+              </a:rPr>
+              <a:t>loan_amount</a:t>
+            </a:r>
+            <a:r>
+              <a:rPr lang="en-IN" b="1" dirty="0">
+                <a:solidFill>
+                  <a:schemeClr val="tx1"/>
+                </a:solidFill>
+              </a:rPr>
+              <a:t> is &gt; 16K</a:t>
+            </a:r>
+            <a:r>
+              <a:rPr lang="en-IN" dirty="0">
+                <a:solidFill>
+                  <a:schemeClr val="tx1"/>
+                </a:solidFill>
+              </a:rPr>
+              <a:t>. and </a:t>
+            </a:r>
+            <a:r>
+              <a:rPr lang="en-IN" b="1" dirty="0">
+                <a:solidFill>
+                  <a:schemeClr val="tx1"/>
+                </a:solidFill>
+              </a:rPr>
+              <a:t>Grade G</a:t>
+            </a:r>
+            <a:r>
+              <a:rPr lang="en-IN" dirty="0">
+                <a:solidFill>
+                  <a:schemeClr val="tx1"/>
+                </a:solidFill>
+              </a:rPr>
+              <a:t> with </a:t>
+            </a:r>
+            <a:r>
+              <a:rPr lang="en-IN" b="1" dirty="0" err="1">
+                <a:solidFill>
+                  <a:schemeClr val="tx1"/>
+                </a:solidFill>
+              </a:rPr>
+              <a:t>funded_amount_investor</a:t>
+            </a:r>
+            <a:r>
+              <a:rPr lang="en-IN" b="1" dirty="0">
+                <a:solidFill>
+                  <a:schemeClr val="tx1"/>
+                </a:solidFill>
+              </a:rPr>
+              <a:t> &lt; 18K</a:t>
+            </a:r>
+          </a:p>
+          <a:p>
+            <a:pPr>
+              <a:lnSpc>
+                <a:spcPct val="120000"/>
+              </a:lnSpc>
+            </a:pPr>
+            <a:endParaRPr lang="en-IN" b="1" dirty="0">
+              <a:solidFill>
+                <a:schemeClr val="tx1"/>
+              </a:solidFill>
+            </a:endParaRPr>
+          </a:p>
+        </p:txBody>
+      </p:sp>
+    </p:spTree>
+    <p:extLst>
+      <p:ext uri="{BB962C8B-B14F-4D97-AF65-F5344CB8AC3E}">
+        <p14:creationId xmlns:p14="http://schemas.microsoft.com/office/powerpoint/2010/main" val="1024141949"/>
+      </p:ext>
+    </p:extLst>
+  </p:cSld>
+  <p:clrMapOvr>
+    <a:overrideClrMapping bg1="dk1" tx1="lt1" bg2="dk2" tx2="lt2" accent1="accent1" accent2="accent2" accent3="accent3" accent4="accent4" accent5="accent5" accent6="accent6" hlink="hlink" folHlink="folHlink"/>
+  </p:clrMapOvr>
+  <mc:AlternateContent xmlns:mc="http://schemas.openxmlformats.org/markup-compatibility/2006">
+    <mc:Choice xmlns:p14="http://schemas.microsoft.com/office/powerpoint/2010/main" Requires="p14">
+      <p:transition spd="med" p14:dur="700">
+        <p:fade/>
+      </p:transition>
+    </mc:Choice>
+    <mc:Fallback>
+      <p:transition spd="med">
+        <p:fade/>
+      </p:transition>
+    </mc:Fallback>
+  </mc:AlternateContent>
+</p:sld>
+</file>
+
+<file path=ppt/slides/slide35.xml><?xml version="1.0" encoding="utf-8"?>
+<p:sld xmlns:a="http://schemas.openxmlformats.org/drawingml/2006/main" xmlns:r="http://schemas.openxmlformats.org/officeDocument/2006/relationships" xmlns:p="http://schemas.openxmlformats.org/presentationml/2006/main">
+  <p:cSld>
+    <p:bg>
+      <p:bgPr>
+        <a:solidFill>
+          <a:schemeClr val="accent1"/>
+        </a:solidFill>
+        <a:effectLst/>
+      </p:bgPr>
+    </p:bg>
+    <p:spTree>
+      <p:nvGrpSpPr>
+        <p:cNvPr id="1" name=""/>
+        <p:cNvGrpSpPr/>
+        <p:nvPr/>
+      </p:nvGrpSpPr>
+      <p:grpSpPr>
+        <a:xfrm>
+          <a:off x="0" y="0"/>
+          <a:ext cx="0" cy="0"/>
+          <a:chOff x="0" y="0"/>
+          <a:chExt cx="0" cy="0"/>
+        </a:xfrm>
+      </p:grpSpPr>
+      <p:sp>
+        <p:nvSpPr>
+          <p:cNvPr id="2" name="Title 1">
+            <a:extLst>
+              <a:ext uri="{FF2B5EF4-FFF2-40B4-BE49-F238E27FC236}">
+                <a16:creationId xmlns:a16="http://schemas.microsoft.com/office/drawing/2014/main" id="{80150491-DCA7-A054-6F2B-1CAC3A61599D}"/>
+              </a:ext>
+            </a:extLst>
+          </p:cNvPr>
+          <p:cNvSpPr>
+            <a:spLocks noGrp="1"/>
+          </p:cNvSpPr>
+          <p:nvPr>
+            <p:ph type="title"/>
+          </p:nvPr>
+        </p:nvSpPr>
+        <p:spPr>
+          <a:xfrm>
+            <a:off x="657224" y="499533"/>
+            <a:ext cx="10772775" cy="1005417"/>
+          </a:xfrm>
+        </p:spPr>
+        <p:txBody>
+          <a:bodyPr/>
+          <a:lstStyle/>
+          <a:p>
+            <a:r>
+              <a:rPr lang="en-IN" dirty="0">
+                <a:solidFill>
+                  <a:schemeClr val="tx1"/>
+                </a:solidFill>
+              </a:rPr>
+              <a:t>Observations </a:t>
+            </a:r>
+            <a:r>
+              <a:rPr lang="en-IN" sz="3200" dirty="0">
+                <a:solidFill>
+                  <a:schemeClr val="tx1"/>
+                </a:solidFill>
+              </a:rPr>
+              <a:t>– DTI analysis</a:t>
+            </a:r>
+            <a:endParaRPr lang="en-IN" dirty="0">
+              <a:solidFill>
+                <a:schemeClr val="tx1"/>
+              </a:solidFill>
+            </a:endParaRPr>
+          </a:p>
+        </p:txBody>
+      </p:sp>
+      <p:sp>
+        <p:nvSpPr>
+          <p:cNvPr id="3" name="Content Placeholder 2">
+            <a:extLst>
+              <a:ext uri="{FF2B5EF4-FFF2-40B4-BE49-F238E27FC236}">
+                <a16:creationId xmlns:a16="http://schemas.microsoft.com/office/drawing/2014/main" id="{C8392820-A732-3EDD-0307-D18BF4A0EE84}"/>
+              </a:ext>
+            </a:extLst>
+          </p:cNvPr>
+          <p:cNvSpPr>
+            <a:spLocks noGrp="1"/>
+          </p:cNvSpPr>
+          <p:nvPr>
+            <p:ph idx="1"/>
+          </p:nvPr>
+        </p:nvSpPr>
+        <p:spPr>
+          <a:xfrm>
+            <a:off x="676656" y="1504950"/>
+            <a:ext cx="10753725" cy="4853517"/>
+          </a:xfrm>
+        </p:spPr>
+        <p:txBody>
+          <a:bodyPr>
+            <a:normAutofit fontScale="92500" lnSpcReduction="10000"/>
+          </a:bodyPr>
+          <a:lstStyle/>
+          <a:p>
+            <a:pPr marL="180975" indent="-180975">
+              <a:buClr>
+                <a:schemeClr val="tx1"/>
+              </a:buClr>
+              <a:buFont typeface="Arial" panose="020B0604020202020204" pitchFamily="34" charset="0"/>
+              <a:buChar char="•"/>
+              <a:tabLst>
+                <a:tab pos="1706563" algn="l"/>
+              </a:tabLst>
+            </a:pPr>
+            <a:r>
+              <a:rPr lang="en-IN" b="1" dirty="0">
+                <a:solidFill>
+                  <a:schemeClr val="tx1"/>
+                </a:solidFill>
+              </a:rPr>
+              <a:t>DTI &gt; 11.25</a:t>
+            </a:r>
+            <a:r>
+              <a:rPr lang="en-IN" dirty="0">
+                <a:solidFill>
+                  <a:schemeClr val="tx1"/>
+                </a:solidFill>
+              </a:rPr>
+              <a:t> 	Purpose - Major Purchases</a:t>
+            </a:r>
+          </a:p>
+          <a:p>
+            <a:pPr marL="180975" indent="-180975">
+              <a:buClr>
+                <a:schemeClr val="tx1"/>
+              </a:buClr>
+              <a:buFont typeface="Arial" panose="020B0604020202020204" pitchFamily="34" charset="0"/>
+              <a:buChar char="•"/>
+              <a:tabLst>
+                <a:tab pos="1706563" algn="l"/>
+              </a:tabLst>
+            </a:pPr>
+            <a:r>
+              <a:rPr lang="en-IN" b="1" dirty="0">
+                <a:solidFill>
+                  <a:schemeClr val="tx1"/>
+                </a:solidFill>
+              </a:rPr>
+              <a:t>DTI &gt;11.50</a:t>
+            </a:r>
+            <a:r>
+              <a:rPr lang="en-IN" dirty="0">
+                <a:solidFill>
+                  <a:schemeClr val="tx1"/>
+                </a:solidFill>
+              </a:rPr>
+              <a:t> 	Purpose - Major Purchases, Small Business, House</a:t>
+            </a:r>
+          </a:p>
+          <a:p>
+            <a:pPr marL="180975" indent="-180975">
+              <a:buClr>
+                <a:schemeClr val="tx1"/>
+              </a:buClr>
+              <a:buFont typeface="Arial" panose="020B0604020202020204" pitchFamily="34" charset="0"/>
+              <a:buChar char="•"/>
+              <a:tabLst>
+                <a:tab pos="1706563" algn="l"/>
+              </a:tabLst>
+            </a:pPr>
+            <a:r>
+              <a:rPr lang="en-IN" b="1" dirty="0">
+                <a:solidFill>
+                  <a:schemeClr val="tx1"/>
+                </a:solidFill>
+              </a:rPr>
+              <a:t>DTI &gt;13.0 	</a:t>
+            </a:r>
+            <a:r>
+              <a:rPr lang="en-IN" dirty="0">
+                <a:solidFill>
+                  <a:schemeClr val="tx1"/>
+                </a:solidFill>
+              </a:rPr>
+              <a:t>Purpose - Major Purchases, Small Business, House, Vacation</a:t>
+            </a:r>
+          </a:p>
+          <a:p>
+            <a:pPr marL="180975" indent="-180975">
+              <a:buClr>
+                <a:schemeClr val="tx1"/>
+              </a:buClr>
+              <a:buFont typeface="Arial" panose="020B0604020202020204" pitchFamily="34" charset="0"/>
+              <a:buChar char="•"/>
+              <a:tabLst>
+                <a:tab pos="1706563" algn="l"/>
+              </a:tabLst>
+            </a:pPr>
+            <a:r>
+              <a:rPr lang="en-IN" b="1" dirty="0">
+                <a:solidFill>
+                  <a:schemeClr val="tx1"/>
+                </a:solidFill>
+              </a:rPr>
+              <a:t>DTI &gt;13.5</a:t>
+            </a:r>
+            <a:r>
+              <a:rPr lang="en-IN" dirty="0">
+                <a:solidFill>
+                  <a:schemeClr val="tx1"/>
+                </a:solidFill>
+              </a:rPr>
+              <a:t> 	Purpose - Major Purchases, Small Business, House, Vacation</a:t>
+            </a:r>
+          </a:p>
+          <a:p>
+            <a:pPr marL="256032" lvl="1" indent="0">
+              <a:buClr>
+                <a:schemeClr val="tx1"/>
+              </a:buClr>
+              <a:buNone/>
+              <a:tabLst>
+                <a:tab pos="1706563" algn="l"/>
+              </a:tabLst>
+            </a:pPr>
+            <a:r>
+              <a:rPr lang="en-IN" dirty="0">
+                <a:solidFill>
+                  <a:schemeClr val="tx1"/>
+                </a:solidFill>
+              </a:rPr>
+              <a:t>	Months - Apr-Jul &amp; Oct-Dec</a:t>
+            </a:r>
+          </a:p>
+          <a:p>
+            <a:pPr marL="180975" indent="-180975">
+              <a:buClr>
+                <a:schemeClr val="tx1"/>
+              </a:buClr>
+              <a:buFont typeface="Arial" panose="020B0604020202020204" pitchFamily="34" charset="0"/>
+              <a:buChar char="•"/>
+              <a:tabLst>
+                <a:tab pos="1706563" algn="l"/>
+              </a:tabLst>
+            </a:pPr>
+            <a:r>
+              <a:rPr lang="en-IN" b="1" dirty="0">
+                <a:solidFill>
+                  <a:schemeClr val="tx1"/>
+                </a:solidFill>
+              </a:rPr>
+              <a:t>DTI &gt;14 	</a:t>
+            </a:r>
+            <a:r>
+              <a:rPr lang="en-IN" dirty="0">
+                <a:solidFill>
+                  <a:schemeClr val="tx1"/>
+                </a:solidFill>
+              </a:rPr>
+              <a:t>Purpose - Major Purchases, Small Business, House, Vacation</a:t>
+            </a:r>
+          </a:p>
+          <a:p>
+            <a:pPr marL="256032" lvl="1" indent="0">
+              <a:buClr>
+                <a:schemeClr val="tx1"/>
+              </a:buClr>
+              <a:buNone/>
+              <a:tabLst>
+                <a:tab pos="1706563" algn="l"/>
+              </a:tabLst>
+            </a:pPr>
+            <a:r>
+              <a:rPr lang="en-IN" dirty="0">
+                <a:solidFill>
+                  <a:schemeClr val="tx1"/>
+                </a:solidFill>
+              </a:rPr>
+              <a:t>	Home Ownership - Mortgage | Grade - Garde C </a:t>
+            </a:r>
+          </a:p>
+          <a:p>
+            <a:pPr marL="256032" lvl="1" indent="0">
+              <a:buClr>
+                <a:schemeClr val="tx1"/>
+              </a:buClr>
+              <a:buNone/>
+              <a:tabLst>
+                <a:tab pos="1706563" algn="l"/>
+              </a:tabLst>
+            </a:pPr>
+            <a:r>
+              <a:rPr lang="en-IN" dirty="0">
+                <a:solidFill>
+                  <a:schemeClr val="tx1"/>
+                </a:solidFill>
+              </a:rPr>
+              <a:t>	Months - Apr-Jul &amp; Oct-Dec</a:t>
+            </a:r>
+          </a:p>
+          <a:p>
+            <a:pPr marL="180975" indent="-180975">
+              <a:buClr>
+                <a:schemeClr val="tx1"/>
+              </a:buClr>
+              <a:buFont typeface="Arial" panose="020B0604020202020204" pitchFamily="34" charset="0"/>
+              <a:buChar char="•"/>
+              <a:tabLst>
+                <a:tab pos="1706563" algn="l"/>
+              </a:tabLst>
+            </a:pPr>
+            <a:r>
+              <a:rPr lang="en-IN" b="1" dirty="0">
+                <a:solidFill>
+                  <a:schemeClr val="tx1"/>
+                </a:solidFill>
+              </a:rPr>
+              <a:t>DTI &gt;14.75</a:t>
+            </a:r>
+            <a:r>
+              <a:rPr lang="en-IN" dirty="0">
+                <a:solidFill>
+                  <a:schemeClr val="tx1"/>
+                </a:solidFill>
+              </a:rPr>
+              <a:t> 	Purpose - Major Purchases, Small Business, House, Vacation, </a:t>
+            </a:r>
+          </a:p>
+          <a:p>
+            <a:pPr marL="0" indent="0">
+              <a:buClr>
+                <a:schemeClr val="tx1"/>
+              </a:buClr>
+              <a:buNone/>
+              <a:tabLst>
+                <a:tab pos="1706563" algn="l"/>
+              </a:tabLst>
+            </a:pPr>
+            <a:r>
+              <a:rPr lang="en-IN" dirty="0">
+                <a:solidFill>
+                  <a:schemeClr val="tx1"/>
+                </a:solidFill>
+              </a:rPr>
+              <a:t>			 Debt Consolidation </a:t>
+            </a:r>
+          </a:p>
+          <a:p>
+            <a:pPr marL="0" indent="0">
+              <a:buClr>
+                <a:schemeClr val="tx1"/>
+              </a:buClr>
+              <a:buNone/>
+              <a:tabLst>
+                <a:tab pos="1706563" algn="l"/>
+              </a:tabLst>
+            </a:pPr>
+            <a:r>
+              <a:rPr lang="en-IN" dirty="0">
+                <a:solidFill>
+                  <a:schemeClr val="tx1"/>
+                </a:solidFill>
+              </a:rPr>
+              <a:t>	Home Ownership - Mortgage |	Grade - Garde C </a:t>
+            </a:r>
+          </a:p>
+          <a:p>
+            <a:pPr marL="0" indent="0">
+              <a:buClr>
+                <a:schemeClr val="tx1"/>
+              </a:buClr>
+              <a:buNone/>
+              <a:tabLst>
+                <a:tab pos="1706563" algn="l"/>
+              </a:tabLst>
+            </a:pPr>
+            <a:r>
+              <a:rPr lang="en-IN" dirty="0">
+                <a:solidFill>
+                  <a:schemeClr val="tx1"/>
+                </a:solidFill>
+              </a:rPr>
+              <a:t>	Months - Apr-Jul &amp; Oct-Dec</a:t>
+            </a:r>
+          </a:p>
+        </p:txBody>
+      </p:sp>
+    </p:spTree>
+    <p:extLst>
+      <p:ext uri="{BB962C8B-B14F-4D97-AF65-F5344CB8AC3E}">
+        <p14:creationId xmlns:p14="http://schemas.microsoft.com/office/powerpoint/2010/main" val="4106183563"/>
+      </p:ext>
+    </p:extLst>
+  </p:cSld>
+  <p:clrMapOvr>
+    <a:overrideClrMapping bg1="dk1" tx1="lt1" bg2="dk2" tx2="lt2" accent1="accent1" accent2="accent2" accent3="accent3" accent4="accent4" accent5="accent5" accent6="accent6" hlink="hlink" folHlink="folHlink"/>
+  </p:clrMapOvr>
+  <mc:AlternateContent xmlns:mc="http://schemas.openxmlformats.org/markup-compatibility/2006" xmlns:p14="http://schemas.microsoft.com/office/powerpoint/2010/main">
+    <mc:Choice Requires="p14">
+      <p:transition spd="med" p14:dur="700">
+        <p:fade/>
+      </p:transition>
+    </mc:Choice>
+    <mc:Fallback xmlns="">
       <p:transition spd="med">
         <p:fade/>
       </p:transition>
@@ -15472,4 +19844,133 @@
     </a:folHlink>
   </a:clrScheme>
 </a:themeOverride>
+</file>
+
+<file path=ppt/theme/themeOverride2.xml><?xml version="1.0" encoding="utf-8"?>
+<a:themeOverride xmlns:a="http://schemas.openxmlformats.org/drawingml/2006/main">
+  <a:clrScheme name="Metropolitan">
+    <a:dk1>
+      <a:sysClr val="windowText" lastClr="000000"/>
+    </a:dk1>
+    <a:lt1>
+      <a:sysClr val="window" lastClr="FFFFFF"/>
+    </a:lt1>
+    <a:dk2>
+      <a:srgbClr val="303030"/>
+    </a:dk2>
+    <a:lt2>
+      <a:srgbClr val="DEDEE0"/>
+    </a:lt2>
+    <a:accent1>
+      <a:srgbClr val="AD0101"/>
+    </a:accent1>
+    <a:accent2>
+      <a:srgbClr val="726056"/>
+    </a:accent2>
+    <a:accent3>
+      <a:srgbClr val="AC956E"/>
+    </a:accent3>
+    <a:accent4>
+      <a:srgbClr val="808DA9"/>
+    </a:accent4>
+    <a:accent5>
+      <a:srgbClr val="424E5B"/>
+    </a:accent5>
+    <a:accent6>
+      <a:srgbClr val="730E00"/>
+    </a:accent6>
+    <a:hlink>
+      <a:srgbClr val="D26900"/>
+    </a:hlink>
+    <a:folHlink>
+      <a:srgbClr val="D89243"/>
+    </a:folHlink>
+  </a:clrScheme>
+</a:themeOverride>
+</file>
+
+<file path=ppt/theme/themeOverride3.xml><?xml version="1.0" encoding="utf-8"?>
+<a:themeOverride xmlns:a="http://schemas.openxmlformats.org/drawingml/2006/main">
+  <a:clrScheme name="Metropolitan">
+    <a:dk1>
+      <a:sysClr val="windowText" lastClr="000000"/>
+    </a:dk1>
+    <a:lt1>
+      <a:sysClr val="window" lastClr="FFFFFF"/>
+    </a:lt1>
+    <a:dk2>
+      <a:srgbClr val="303030"/>
+    </a:dk2>
+    <a:lt2>
+      <a:srgbClr val="DEDEE0"/>
+    </a:lt2>
+    <a:accent1>
+      <a:srgbClr val="AD0101"/>
+    </a:accent1>
+    <a:accent2>
+      <a:srgbClr val="726056"/>
+    </a:accent2>
+    <a:accent3>
+      <a:srgbClr val="AC956E"/>
+    </a:accent3>
+    <a:accent4>
+      <a:srgbClr val="808DA9"/>
+    </a:accent4>
+    <a:accent5>
+      <a:srgbClr val="424E5B"/>
+    </a:accent5>
+    <a:accent6>
+      <a:srgbClr val="730E00"/>
+    </a:accent6>
+    <a:hlink>
+      <a:srgbClr val="D26900"/>
+    </a:hlink>
+    <a:folHlink>
+      <a:srgbClr val="D89243"/>
+    </a:folHlink>
+  </a:clrScheme>
+</a:themeOverride>
+</file>
+
+<file path=ppt/theme/themeOverride4.xml><?xml version="1.0" encoding="utf-8"?>
+<a:themeOverride xmlns:a="http://schemas.openxmlformats.org/drawingml/2006/main">
+  <a:clrScheme name="Metropolitan">
+    <a:dk1>
+      <a:sysClr val="windowText" lastClr="000000"/>
+    </a:dk1>
+    <a:lt1>
+      <a:sysClr val="window" lastClr="FFFFFF"/>
+    </a:lt1>
+    <a:dk2>
+      <a:srgbClr val="303030"/>
+    </a:dk2>
+    <a:lt2>
+      <a:srgbClr val="DEDEE0"/>
+    </a:lt2>
+    <a:accent1>
+      <a:srgbClr val="AD0101"/>
+    </a:accent1>
+    <a:accent2>
+      <a:srgbClr val="726056"/>
+    </a:accent2>
+    <a:accent3>
+      <a:srgbClr val="AC956E"/>
+    </a:accent3>
+    <a:accent4>
+      <a:srgbClr val="808DA9"/>
+    </a:accent4>
+    <a:accent5>
+      <a:srgbClr val="424E5B"/>
+    </a:accent5>
+    <a:accent6>
+      <a:srgbClr val="730E00"/>
+    </a:accent6>
+    <a:hlink>
+      <a:srgbClr val="D26900"/>
+    </a:hlink>
+    <a:folHlink>
+      <a:srgbClr val="D89243"/>
+    </a:folHlink>
+  </a:clrScheme>
+</a:themeOverride>
 </file>
--- a/Lending Club Case Study.pptx
+++ b/Lending Club Case Study.pptx
@@ -5,10 +5,10 @@
     <p:sldMasterId id="2147483821" r:id="rId1"/>
   </p:sldMasterIdLst>
   <p:notesMasterIdLst>
-    <p:notesMasterId r:id="rId37"/>
+    <p:notesMasterId r:id="rId40"/>
   </p:notesMasterIdLst>
   <p:handoutMasterIdLst>
-    <p:handoutMasterId r:id="rId38"/>
+    <p:handoutMasterId r:id="rId41"/>
   </p:handoutMasterIdLst>
   <p:sldIdLst>
     <p:sldId id="270" r:id="rId2"/>
@@ -31,21 +31,24 @@
     <p:sldId id="294" r:id="rId19"/>
     <p:sldId id="295" r:id="rId20"/>
     <p:sldId id="296" r:id="rId21"/>
-    <p:sldId id="286" r:id="rId22"/>
-    <p:sldId id="297" r:id="rId23"/>
-    <p:sldId id="298" r:id="rId24"/>
-    <p:sldId id="299" r:id="rId25"/>
-    <p:sldId id="301" r:id="rId26"/>
-    <p:sldId id="302" r:id="rId27"/>
-    <p:sldId id="304" r:id="rId28"/>
-    <p:sldId id="303" r:id="rId29"/>
-    <p:sldId id="306" r:id="rId30"/>
-    <p:sldId id="307" r:id="rId31"/>
-    <p:sldId id="308" r:id="rId32"/>
-    <p:sldId id="309" r:id="rId33"/>
-    <p:sldId id="310" r:id="rId34"/>
-    <p:sldId id="311" r:id="rId35"/>
-    <p:sldId id="313" r:id="rId36"/>
+    <p:sldId id="314" r:id="rId22"/>
+    <p:sldId id="317" r:id="rId23"/>
+    <p:sldId id="286" r:id="rId24"/>
+    <p:sldId id="297" r:id="rId25"/>
+    <p:sldId id="298" r:id="rId26"/>
+    <p:sldId id="299" r:id="rId27"/>
+    <p:sldId id="301" r:id="rId28"/>
+    <p:sldId id="302" r:id="rId29"/>
+    <p:sldId id="304" r:id="rId30"/>
+    <p:sldId id="303" r:id="rId31"/>
+    <p:sldId id="306" r:id="rId32"/>
+    <p:sldId id="307" r:id="rId33"/>
+    <p:sldId id="308" r:id="rId34"/>
+    <p:sldId id="309" r:id="rId35"/>
+    <p:sldId id="310" r:id="rId36"/>
+    <p:sldId id="311" r:id="rId37"/>
+    <p:sldId id="313" r:id="rId38"/>
+    <p:sldId id="315" r:id="rId39"/>
   </p:sldIdLst>
   <p:sldSz cx="12192000" cy="6858000"/>
   <p:notesSz cx="6858000" cy="9144000"/>
@@ -9252,18 +9255,59 @@
         </p:nvSpPr>
         <p:spPr>
           <a:xfrm>
-            <a:off x="667512" y="5537199"/>
-            <a:ext cx="9228201" cy="800545"/>
+            <a:off x="142264" y="5335572"/>
+            <a:ext cx="11782643" cy="1376314"/>
           </a:xfrm>
         </p:spPr>
         <p:txBody>
           <a:bodyPr>
-            <a:normAutofit/>
+            <a:normAutofit fontScale="92500" lnSpcReduction="10000"/>
           </a:bodyPr>
           <a:lstStyle/>
           <a:p>
-            <a:r>
-              <a:rPr lang="en-US" sz="2000" dirty="0">
+            <a:pPr algn="ctr"/>
+            <a:r>
+              <a:rPr lang="en-IN" sz="2000" b="1" dirty="0">
+                <a:solidFill>
+                  <a:prstClr val="white"/>
+                </a:solidFill>
+                <a:latin typeface="Calibri Light" panose="020F0302020204030204"/>
+              </a:rPr>
+              <a:t>Satya Krishna Vasista E</a:t>
+            </a:r>
+          </a:p>
+          <a:p>
+            <a:pPr marL="4572" marR="0" lvl="1" indent="0" defTabSz="914400" rtl="0" eaLnBrk="1" fontAlgn="auto" latinLnBrk="0" hangingPunct="1">
+              <a:lnSpc>
+                <a:spcPct val="114000"/>
+              </a:lnSpc>
+              <a:spcBef>
+                <a:spcPts val="600"/>
+              </a:spcBef>
+              <a:spcAft>
+                <a:spcPts val="0"/>
+              </a:spcAft>
+              <a:buClrTx/>
+              <a:buSzTx/>
+              <a:buFont typeface="Arial" pitchFamily="34" charset="0"/>
+              <a:buChar char=" "/>
+              <a:tabLst/>
+              <a:defRPr/>
+            </a:pPr>
+            <a:r>
+              <a:rPr lang="en-US" sz="2000" b="1" dirty="0">
+                <a:solidFill>
+                  <a:prstClr val="white"/>
+                </a:solidFill>
+                <a:latin typeface="Calibri Light" panose="020F0302020204030204"/>
+              </a:rPr>
+              <a:t>Gautam Singh</a:t>
+            </a:r>
+          </a:p>
+          <a:p>
+            <a:pPr algn="ctr"/>
+            <a:r>
+              <a:rPr lang="en-US" sz="1300" dirty="0">
                 <a:solidFill>
                   <a:srgbClr val="FFFFFF"/>
                 </a:solidFill>
@@ -9272,8 +9316,9 @@
             </a:r>
           </a:p>
           <a:p>
-            <a:r>
-              <a:rPr lang="en-US" sz="2000" dirty="0">
+            <a:pPr algn="ctr"/>
+            <a:r>
+              <a:rPr lang="en-US" sz="1300" dirty="0">
                 <a:solidFill>
                   <a:srgbClr val="FFFFFF"/>
                 </a:solidFill>
@@ -11236,8 +11281,8 @@
         </p:nvSpPr>
         <p:spPr>
           <a:xfrm>
-            <a:off x="657224" y="5222450"/>
-            <a:ext cx="10753725" cy="921176"/>
+            <a:off x="657224" y="5543550"/>
+            <a:ext cx="10753725" cy="970372"/>
           </a:xfrm>
         </p:spPr>
         <p:txBody>
@@ -11254,7 +11299,7 @@
                   </a:schemeClr>
                 </a:solidFill>
               </a:rPr>
-              <a:t>Most of the loans issued are under grade B;</a:t>
+              <a:t>Most of the loans issued are under grade B; </a:t>
             </a:r>
           </a:p>
           <a:p>
@@ -11300,8 +11345,8 @@
         </p:blipFill>
         <p:spPr bwMode="auto">
           <a:xfrm>
-            <a:off x="5333526" y="1903596"/>
-            <a:ext cx="3791621" cy="3050807"/>
+            <a:off x="6464743" y="1453691"/>
+            <a:ext cx="4909929" cy="3950618"/>
           </a:xfrm>
           <a:prstGeom prst="rect">
             <a:avLst/>
@@ -11320,10 +11365,10 @@
       </p:pic>
       <p:pic>
         <p:nvPicPr>
-          <p:cNvPr id="12294" name="Picture 6">
+          <p:cNvPr id="4098" name="Picture 2">
             <a:extLst>
               <a:ext uri="{FF2B5EF4-FFF2-40B4-BE49-F238E27FC236}">
-                <a16:creationId xmlns:a16="http://schemas.microsoft.com/office/drawing/2014/main" id="{66C329A1-8749-66E1-BBD1-691ED5133583}"/>
+                <a16:creationId xmlns:a16="http://schemas.microsoft.com/office/drawing/2014/main" id="{2FFC4CD1-D88E-28ED-BEA4-04F0FF8CFBCD}"/>
               </a:ext>
             </a:extLst>
           </p:cNvPr>
@@ -11347,8 +11392,8 @@
         </p:blipFill>
         <p:spPr bwMode="auto">
           <a:xfrm>
-            <a:off x="790478" y="1899859"/>
-            <a:ext cx="3932351" cy="3024372"/>
+            <a:off x="781051" y="1453691"/>
+            <a:ext cx="5136675" cy="3950618"/>
           </a:xfrm>
           <a:prstGeom prst="rect">
             <a:avLst/>
@@ -11492,7 +11537,7 @@
                   </a:schemeClr>
                 </a:solidFill>
               </a:rPr>
-              <a:t>The Sub-Grades G2, G2, G3, G5 seems to be at the top of the loans being Charged Off.</a:t>
+              <a:t>The Sub-Grades G3, G5, G2, G1 seems to be at the top of the loans being Charged Off.</a:t>
             </a:r>
           </a:p>
         </p:txBody>
@@ -12108,14 +12153,6 @@
 <file path=ppt/slides/slide21.xml><?xml version="1.0" encoding="utf-8"?>
 <p:sld xmlns:a="http://schemas.openxmlformats.org/drawingml/2006/main" xmlns:r="http://schemas.openxmlformats.org/officeDocument/2006/relationships" xmlns:p="http://schemas.openxmlformats.org/presentationml/2006/main">
   <p:cSld>
-    <p:bg>
-      <p:bgPr>
-        <a:solidFill>
-          <a:schemeClr val="accent1"/>
-        </a:solidFill>
-        <a:effectLst/>
-      </p:bgPr>
-    </p:bg>
     <p:spTree>
       <p:nvGrpSpPr>
         <p:cNvPr id="1" name=""/>
@@ -12135,7 +12172,7 @@
           <p:cNvPr id="2" name="Title 1">
             <a:extLst>
               <a:ext uri="{FF2B5EF4-FFF2-40B4-BE49-F238E27FC236}">
-                <a16:creationId xmlns:a16="http://schemas.microsoft.com/office/drawing/2014/main" id="{E4660895-E842-C3C9-6C5E-E0D106CFC53F}"/>
+                <a16:creationId xmlns:a16="http://schemas.microsoft.com/office/drawing/2014/main" id="{00AFF480-C09C-EE59-8C9A-1991868B03F9}"/>
               </a:ext>
             </a:extLst>
           </p:cNvPr>
@@ -12149,7 +12186,7 @@
         <p:spPr>
           <a:xfrm>
             <a:off x="657224" y="499533"/>
-            <a:ext cx="10772775" cy="886207"/>
+            <a:ext cx="10772775" cy="814917"/>
           </a:xfrm>
         </p:spPr>
         <p:txBody>
@@ -12158,7 +12195,11 @@
           <a:p>
             <a:r>
               <a:rPr lang="en-IN" dirty="0"/>
-              <a:t>Summary of Analysis</a:t>
+              <a:t>Data Analysis</a:t>
+            </a:r>
+            <a:r>
+              <a:rPr lang="en-IN" sz="3600" dirty="0"/>
+              <a:t> – Term</a:t>
             </a:r>
           </a:p>
         </p:txBody>
@@ -12168,7 +12209,7 @@
           <p:cNvPr id="3" name="Content Placeholder 2">
             <a:extLst>
               <a:ext uri="{FF2B5EF4-FFF2-40B4-BE49-F238E27FC236}">
-                <a16:creationId xmlns:a16="http://schemas.microsoft.com/office/drawing/2014/main" id="{AD369338-DBB3-81D3-B98B-BABA682E0382}"/>
+                <a16:creationId xmlns:a16="http://schemas.microsoft.com/office/drawing/2014/main" id="{9AED37CA-F64D-4CE1-3D64-48A81505B507}"/>
               </a:ext>
             </a:extLst>
           </p:cNvPr>
@@ -12181,8 +12222,8 @@
         </p:nvSpPr>
         <p:spPr>
           <a:xfrm>
-            <a:off x="676656" y="1470581"/>
-            <a:ext cx="10753725" cy="5073093"/>
+            <a:off x="4854804" y="1680917"/>
+            <a:ext cx="6806153" cy="3692706"/>
           </a:xfrm>
         </p:spPr>
         <p:txBody>
@@ -12197,44 +12238,14 @@
               </a:lnSpc>
             </a:pPr>
             <a:r>
-              <a:rPr lang="en-IN" sz="2000" b="1" dirty="0">
+              <a:rPr lang="en-IN" sz="2000" dirty="0">
                 <a:solidFill>
                   <a:schemeClr val="tx1">
                     <a:lumMod val="95000"/>
                   </a:schemeClr>
                 </a:solidFill>
               </a:rPr>
-              <a:t>Investor funded Amount</a:t>
-            </a:r>
-            <a:r>
-              <a:rPr lang="en-IN" sz="2000" dirty="0">
-                <a:solidFill>
-                  <a:schemeClr val="tx1">
-                    <a:lumMod val="95000"/>
-                  </a:schemeClr>
-                </a:solidFill>
-              </a:rPr>
-              <a:t> range between </a:t>
-            </a:r>
-            <a:r>
-              <a:rPr lang="en-IN" sz="2000" b="1" dirty="0">
-                <a:solidFill>
-                  <a:schemeClr val="tx1">
-                    <a:lumMod val="95000"/>
-                  </a:schemeClr>
-                </a:solidFill>
-              </a:rPr>
-              <a:t>3000-6000</a:t>
-            </a:r>
-            <a:r>
-              <a:rPr lang="en-IN" sz="2000" dirty="0">
-                <a:solidFill>
-                  <a:schemeClr val="tx1">
-                    <a:lumMod val="95000"/>
-                  </a:schemeClr>
-                </a:solidFill>
-              </a:rPr>
-              <a:t> are having a higher chances of getting Charged Off.</a:t>
+              <a:t>60 months tenured loans show a higher Charged Off %.</a:t>
             </a:r>
           </a:p>
           <a:p>
@@ -12244,361 +12255,82 @@
               </a:lnSpc>
             </a:pPr>
             <a:r>
-              <a:rPr lang="en-IN" sz="2000" b="1" dirty="0">
+              <a:rPr lang="en-IN" sz="2000" dirty="0">
                 <a:solidFill>
                   <a:schemeClr val="tx1">
                     <a:lumMod val="95000"/>
                   </a:schemeClr>
                 </a:solidFill>
               </a:rPr>
-              <a:t>Purpose</a:t>
-            </a:r>
-            <a:r>
-              <a:rPr lang="en-IN" sz="2000" dirty="0">
-                <a:solidFill>
-                  <a:schemeClr val="tx1">
-                    <a:lumMod val="95000"/>
-                  </a:schemeClr>
-                </a:solidFill>
-              </a:rPr>
-              <a:t> attribute may be a factor for the loans getting Charged Off.</a:t>
-            </a:r>
-          </a:p>
-          <a:p>
-            <a:pPr>
-              <a:lnSpc>
-                <a:spcPct val="114000"/>
-              </a:lnSpc>
-            </a:pPr>
-            <a:r>
-              <a:rPr lang="en-IN" sz="2000" dirty="0">
-                <a:solidFill>
-                  <a:schemeClr val="tx1">
-                    <a:lumMod val="95000"/>
-                  </a:schemeClr>
-                </a:solidFill>
-              </a:rPr>
-              <a:t>People with </a:t>
-            </a:r>
-            <a:r>
-              <a:rPr lang="en-IN" sz="2000" b="1" dirty="0">
-                <a:solidFill>
-                  <a:schemeClr val="tx1">
-                    <a:lumMod val="95000"/>
-                  </a:schemeClr>
-                </a:solidFill>
-              </a:rPr>
-              <a:t>employment 10 or more years</a:t>
-            </a:r>
-            <a:r>
-              <a:rPr lang="en-IN" sz="2000" dirty="0">
-                <a:solidFill>
-                  <a:schemeClr val="tx1">
-                    <a:lumMod val="95000"/>
-                  </a:schemeClr>
-                </a:solidFill>
-              </a:rPr>
-              <a:t> are more likely to be Charged Off.</a:t>
-            </a:r>
-          </a:p>
-          <a:p>
-            <a:pPr>
-              <a:lnSpc>
-                <a:spcPct val="114000"/>
-              </a:lnSpc>
-            </a:pPr>
-            <a:r>
-              <a:rPr lang="en-IN" sz="2000" dirty="0">
-                <a:solidFill>
-                  <a:schemeClr val="tx1">
-                    <a:lumMod val="95000"/>
-                  </a:schemeClr>
-                </a:solidFill>
-              </a:rPr>
-              <a:t>Almost </a:t>
-            </a:r>
-            <a:r>
-              <a:rPr lang="en-IN" sz="2000" b="1" dirty="0">
-                <a:solidFill>
-                  <a:schemeClr val="tx1">
-                    <a:lumMod val="95000"/>
-                  </a:schemeClr>
-                </a:solidFill>
-              </a:rPr>
-              <a:t>44%</a:t>
-            </a:r>
-            <a:r>
-              <a:rPr lang="en-IN" sz="2000" dirty="0">
-                <a:solidFill>
-                  <a:schemeClr val="tx1">
-                    <a:lumMod val="95000"/>
-                  </a:schemeClr>
-                </a:solidFill>
-              </a:rPr>
-              <a:t> of the loans are </a:t>
-            </a:r>
-            <a:r>
-              <a:rPr lang="en-IN" sz="2000" b="1" dirty="0">
-                <a:solidFill>
-                  <a:schemeClr val="tx1">
-                    <a:lumMod val="95000"/>
-                  </a:schemeClr>
-                </a:solidFill>
-              </a:rPr>
-              <a:t>not verified</a:t>
-            </a:r>
-            <a:r>
-              <a:rPr lang="en-IN" sz="2000" dirty="0">
-                <a:solidFill>
-                  <a:schemeClr val="tx1">
-                    <a:lumMod val="95000"/>
-                  </a:schemeClr>
-                </a:solidFill>
-              </a:rPr>
-              <a:t>. This could be a reason for the defaulters.</a:t>
-            </a:r>
-          </a:p>
-          <a:p>
-            <a:pPr>
-              <a:lnSpc>
-                <a:spcPct val="114000"/>
-              </a:lnSpc>
-            </a:pPr>
-            <a:r>
-              <a:rPr lang="en-IN" sz="2000" dirty="0">
-                <a:solidFill>
-                  <a:schemeClr val="tx1">
-                    <a:lumMod val="95000"/>
-                  </a:schemeClr>
-                </a:solidFill>
-              </a:rPr>
-              <a:t>It is observed of a pattern on the </a:t>
-            </a:r>
-            <a:r>
-              <a:rPr lang="en-IN" sz="2000" b="1" dirty="0">
-                <a:solidFill>
-                  <a:schemeClr val="tx1">
-                    <a:lumMod val="95000"/>
-                  </a:schemeClr>
-                </a:solidFill>
-              </a:rPr>
-              <a:t>Month</a:t>
-            </a:r>
-            <a:r>
-              <a:rPr lang="en-IN" sz="2000" dirty="0">
-                <a:solidFill>
-                  <a:schemeClr val="tx1">
-                    <a:lumMod val="95000"/>
-                  </a:schemeClr>
-                </a:solidFill>
-              </a:rPr>
-              <a:t> of the loan issued. </a:t>
-            </a:r>
-          </a:p>
-          <a:p>
-            <a:pPr>
-              <a:lnSpc>
-                <a:spcPct val="114000"/>
-              </a:lnSpc>
-            </a:pPr>
-            <a:r>
-              <a:rPr lang="en-IN" sz="2000" dirty="0">
-                <a:solidFill>
-                  <a:schemeClr val="tx1">
-                    <a:lumMod val="95000"/>
-                  </a:schemeClr>
-                </a:solidFill>
-              </a:rPr>
-              <a:t>Loans issued to the </a:t>
-            </a:r>
-            <a:r>
-              <a:rPr lang="en-IN" sz="2000" b="1" dirty="0">
-                <a:solidFill>
-                  <a:schemeClr val="tx1">
-                    <a:lumMod val="95000"/>
-                  </a:schemeClr>
-                </a:solidFill>
-              </a:rPr>
-              <a:t>State NE</a:t>
-            </a:r>
-            <a:r>
-              <a:rPr lang="en-IN" sz="2000" dirty="0">
-                <a:solidFill>
-                  <a:schemeClr val="tx1">
-                    <a:lumMod val="95000"/>
-                  </a:schemeClr>
-                </a:solidFill>
-              </a:rPr>
-              <a:t> has more % of loans charged off</a:t>
-            </a:r>
-          </a:p>
-          <a:p>
-            <a:pPr>
-              <a:lnSpc>
-                <a:spcPct val="114000"/>
-              </a:lnSpc>
-            </a:pPr>
-            <a:r>
-              <a:rPr lang="en-IN" sz="2000" dirty="0">
-                <a:solidFill>
-                  <a:schemeClr val="tx1">
-                    <a:lumMod val="95000"/>
-                  </a:schemeClr>
-                </a:solidFill>
-              </a:rPr>
-              <a:t>Loans issued under the </a:t>
-            </a:r>
-            <a:r>
-              <a:rPr lang="en-IN" sz="2000" b="1" dirty="0">
-                <a:solidFill>
-                  <a:schemeClr val="tx1">
-                    <a:lumMod val="95000"/>
-                  </a:schemeClr>
-                </a:solidFill>
-              </a:rPr>
-              <a:t>Grade – G</a:t>
-            </a:r>
-            <a:r>
-              <a:rPr lang="en-IN" sz="2000" dirty="0">
-                <a:solidFill>
-                  <a:schemeClr val="tx1">
-                    <a:lumMod val="95000"/>
-                  </a:schemeClr>
-                </a:solidFill>
-              </a:rPr>
-              <a:t> are more likely to be charged off.</a:t>
-            </a:r>
-          </a:p>
-          <a:p>
-            <a:pPr>
-              <a:lnSpc>
-                <a:spcPct val="114000"/>
-              </a:lnSpc>
-            </a:pPr>
-            <a:r>
-              <a:rPr lang="en-IN" sz="2000" dirty="0">
-                <a:solidFill>
-                  <a:schemeClr val="tx1">
-                    <a:lumMod val="95000"/>
-                  </a:schemeClr>
-                </a:solidFill>
-              </a:rPr>
-              <a:t>Also, the loans issued under </a:t>
-            </a:r>
-            <a:r>
-              <a:rPr lang="en-IN" sz="2000" b="1" dirty="0">
-                <a:solidFill>
-                  <a:schemeClr val="tx1">
-                    <a:lumMod val="95000"/>
-                  </a:schemeClr>
-                </a:solidFill>
-              </a:rPr>
-              <a:t>sub-Grades F5, G2, G2, G3, G5</a:t>
-            </a:r>
-            <a:r>
-              <a:rPr lang="en-IN" sz="2000" dirty="0">
-                <a:solidFill>
-                  <a:schemeClr val="tx1">
-                    <a:lumMod val="95000"/>
-                  </a:schemeClr>
-                </a:solidFill>
-              </a:rPr>
-              <a:t> are prone to be Charged Off.</a:t>
-            </a:r>
-          </a:p>
-          <a:p>
-            <a:pPr>
-              <a:lnSpc>
-                <a:spcPct val="114000"/>
-              </a:lnSpc>
-            </a:pPr>
-            <a:r>
-              <a:rPr lang="en-IN" sz="2000" dirty="0">
-                <a:solidFill>
-                  <a:schemeClr val="tx1">
-                    <a:lumMod val="95000"/>
-                  </a:schemeClr>
-                </a:solidFill>
-              </a:rPr>
-              <a:t>Loans issued to home ownership is </a:t>
-            </a:r>
-            <a:r>
-              <a:rPr lang="en-IN" sz="2000" b="1" dirty="0">
-                <a:solidFill>
-                  <a:schemeClr val="tx1">
-                    <a:lumMod val="95000"/>
-                  </a:schemeClr>
-                </a:solidFill>
-              </a:rPr>
-              <a:t>OTHER</a:t>
-            </a:r>
-            <a:r>
-              <a:rPr lang="en-IN" sz="2000" dirty="0">
-                <a:solidFill>
-                  <a:schemeClr val="tx1">
-                    <a:lumMod val="95000"/>
-                  </a:schemeClr>
-                </a:solidFill>
-              </a:rPr>
-              <a:t> tend to have their loans Charged Off more. </a:t>
-            </a:r>
-          </a:p>
-          <a:p>
-            <a:pPr>
-              <a:lnSpc>
-                <a:spcPct val="114000"/>
-              </a:lnSpc>
-            </a:pPr>
-            <a:r>
-              <a:rPr lang="en-IN" sz="2000" dirty="0">
-                <a:solidFill>
-                  <a:schemeClr val="tx1">
-                    <a:lumMod val="95000"/>
-                  </a:schemeClr>
-                </a:solidFill>
-              </a:rPr>
-              <a:t>Also, home ownership as </a:t>
-            </a:r>
-            <a:r>
-              <a:rPr lang="en-IN" sz="2000" b="1" dirty="0">
-                <a:solidFill>
-                  <a:schemeClr val="tx1">
-                    <a:lumMod val="95000"/>
-                  </a:schemeClr>
-                </a:solidFill>
-              </a:rPr>
-              <a:t>RENT</a:t>
-            </a:r>
-            <a:r>
-              <a:rPr lang="en-IN" sz="2000" dirty="0">
-                <a:solidFill>
-                  <a:schemeClr val="tx1">
-                    <a:lumMod val="95000"/>
-                  </a:schemeClr>
-                </a:solidFill>
-              </a:rPr>
-              <a:t> tend to take more loans and also Charged off…</a:t>
+              <a:t>Avoid higher tenured loans.</a:t>
             </a:r>
           </a:p>
         </p:txBody>
       </p:sp>
+      <p:pic>
+        <p:nvPicPr>
+          <p:cNvPr id="1030" name="Picture 6">
+            <a:extLst>
+              <a:ext uri="{FF2B5EF4-FFF2-40B4-BE49-F238E27FC236}">
+                <a16:creationId xmlns:a16="http://schemas.microsoft.com/office/drawing/2014/main" id="{CFB9C9AB-1D14-35A5-1CFE-C68F3414F80F}"/>
+              </a:ext>
+            </a:extLst>
+          </p:cNvPr>
+          <p:cNvPicPr>
+            <a:picLocks noChangeAspect="1" noChangeArrowheads="1"/>
+          </p:cNvPicPr>
+          <p:nvPr/>
+        </p:nvPicPr>
+        <p:blipFill>
+          <a:blip r:embed="rId2">
+            <a:extLst>
+              <a:ext uri="{28A0092B-C50C-407E-A947-70E740481C1C}">
+                <a14:useLocalDpi xmlns:a14="http://schemas.microsoft.com/office/drawing/2010/main" val="0"/>
+              </a:ext>
+            </a:extLst>
+          </a:blip>
+          <a:srcRect/>
+          <a:stretch>
+            <a:fillRect/>
+          </a:stretch>
+        </p:blipFill>
+        <p:spPr bwMode="auto">
+          <a:xfrm>
+            <a:off x="657224" y="1649348"/>
+            <a:ext cx="3547131" cy="5117816"/>
+          </a:xfrm>
+          <a:prstGeom prst="rect">
+            <a:avLst/>
+          </a:prstGeom>
+          <a:noFill/>
+          <a:extLst>
+            <a:ext uri="{909E8E84-426E-40DD-AFC4-6F175D3DCCD1}">
+              <a14:hiddenFill xmlns:a14="http://schemas.microsoft.com/office/drawing/2010/main">
+                <a:solidFill>
+                  <a:srgbClr val="FFFFFF"/>
+                </a:solidFill>
+              </a14:hiddenFill>
+            </a:ext>
+          </a:extLst>
+        </p:spPr>
+      </p:pic>
     </p:spTree>
     <p:extLst>
       <p:ext uri="{BB962C8B-B14F-4D97-AF65-F5344CB8AC3E}">
-        <p14:creationId xmlns:p14="http://schemas.microsoft.com/office/powerpoint/2010/main" val="1409506077"/>
+        <p14:creationId xmlns:p14="http://schemas.microsoft.com/office/powerpoint/2010/main" val="2223527433"/>
       </p:ext>
     </p:extLst>
   </p:cSld>
   <p:clrMapOvr>
     <a:masterClrMapping/>
   </p:clrMapOvr>
-  <mc:AlternateContent xmlns:mc="http://schemas.openxmlformats.org/markup-compatibility/2006" xmlns:p14="http://schemas.microsoft.com/office/powerpoint/2010/main">
-    <mc:Choice Requires="p14">
+  <mc:AlternateContent xmlns:mc="http://schemas.openxmlformats.org/markup-compatibility/2006">
+    <mc:Choice xmlns:p14="http://schemas.microsoft.com/office/powerpoint/2010/main" Requires="p14">
       <p:transition spd="med" p14:dur="700">
         <p:fade/>
       </p:transition>
     </mc:Choice>
-    <mc:Fallback xmlns="">
+    <mc:Fallback>
       <p:transition spd="med">
         <p:fade/>
       </p:transition>
@@ -12629,7 +12361,7 @@
           <p:cNvPr id="2" name="Title 1">
             <a:extLst>
               <a:ext uri="{FF2B5EF4-FFF2-40B4-BE49-F238E27FC236}">
-                <a16:creationId xmlns:a16="http://schemas.microsoft.com/office/drawing/2014/main" id="{08201A1E-5E7C-4C1F-A0E6-1073CED5F620}"/>
+                <a16:creationId xmlns:a16="http://schemas.microsoft.com/office/drawing/2014/main" id="{5890828C-A5B9-6735-0074-D06C569DAEC1}"/>
               </a:ext>
             </a:extLst>
           </p:cNvPr>
@@ -12643,7 +12375,7 @@
         <p:spPr>
           <a:xfrm>
             <a:off x="657224" y="499533"/>
-            <a:ext cx="10772775" cy="839073"/>
+            <a:ext cx="10772775" cy="1131304"/>
           </a:xfrm>
         </p:spPr>
         <p:txBody>
@@ -12652,17 +12384,22 @@
           <a:p>
             <a:r>
               <a:rPr lang="en-IN" dirty="0"/>
-              <a:t>Binning of Data</a:t>
-            </a:r>
+              <a:t>Data Analysis </a:t>
+            </a:r>
+            <a:r>
+              <a:rPr lang="en-IN" sz="4000" dirty="0"/>
+              <a:t>– interest rate</a:t>
+            </a:r>
+            <a:endParaRPr lang="en-IN" dirty="0"/>
           </a:p>
         </p:txBody>
       </p:sp>
       <p:sp>
         <p:nvSpPr>
-          <p:cNvPr id="3" name="Content Placeholder 2">
+          <p:cNvPr id="4" name="Content Placeholder 3">
             <a:extLst>
               <a:ext uri="{FF2B5EF4-FFF2-40B4-BE49-F238E27FC236}">
-                <a16:creationId xmlns:a16="http://schemas.microsoft.com/office/drawing/2014/main" id="{8D29805C-DA19-11F3-6CDE-03DF111D4B28}"/>
+                <a16:creationId xmlns:a16="http://schemas.microsoft.com/office/drawing/2014/main" id="{981DCA19-D259-B8C7-754F-72E04C090D0F}"/>
               </a:ext>
             </a:extLst>
           </p:cNvPr>
@@ -12675,374 +12412,50 @@
         </p:nvSpPr>
         <p:spPr>
           <a:xfrm>
-            <a:off x="676656" y="1489436"/>
-            <a:ext cx="10753725" cy="4986778"/>
-          </a:xfrm>
-        </p:spPr>
-        <p:txBody>
-          <a:bodyPr>
-            <a:normAutofit lnSpcReduction="10000"/>
-          </a:bodyPr>
-          <a:lstStyle/>
-          <a:p>
-            <a:pPr marL="179388" indent="-179388">
-              <a:buFont typeface="Arial" panose="020B0604020202020204" pitchFamily="34" charset="0"/>
-              <a:buChar char="•"/>
-            </a:pPr>
-            <a:r>
-              <a:rPr lang="en-IN" dirty="0">
-                <a:solidFill>
-                  <a:schemeClr val="tx1">
-                    <a:lumMod val="95000"/>
-                  </a:schemeClr>
-                </a:solidFill>
-              </a:rPr>
-              <a:t>Binning is a concept of dividing the continuous variables into bins so as each bin may act as a category. </a:t>
-            </a:r>
-          </a:p>
-          <a:p>
-            <a:pPr marL="179388" indent="-179388">
-              <a:buFont typeface="Arial" panose="020B0604020202020204" pitchFamily="34" charset="0"/>
-              <a:buChar char="•"/>
-            </a:pPr>
-            <a:r>
-              <a:rPr lang="en-IN" dirty="0">
-                <a:solidFill>
-                  <a:schemeClr val="tx1">
-                    <a:lumMod val="95000"/>
-                  </a:schemeClr>
-                </a:solidFill>
-              </a:rPr>
-              <a:t>Following attributes are categorized into 5 bins:</a:t>
-            </a:r>
-          </a:p>
-          <a:p>
-            <a:pPr marL="435420" lvl="1" indent="-179388">
-              <a:lnSpc>
-                <a:spcPct val="120000"/>
-              </a:lnSpc>
-              <a:buFont typeface="Arial" panose="020B0604020202020204" pitchFamily="34" charset="0"/>
-              <a:buChar char="•"/>
-            </a:pPr>
-            <a:r>
-              <a:rPr lang="en-IN" sz="2100" dirty="0" err="1">
-                <a:solidFill>
-                  <a:schemeClr val="tx1">
-                    <a:lumMod val="95000"/>
-                  </a:schemeClr>
-                </a:solidFill>
-              </a:rPr>
-              <a:t>annual_income</a:t>
-            </a:r>
-            <a:endParaRPr lang="en-IN" sz="2100" dirty="0">
-              <a:solidFill>
-                <a:schemeClr val="tx1">
-                  <a:lumMod val="95000"/>
-                </a:schemeClr>
-              </a:solidFill>
-            </a:endParaRPr>
-          </a:p>
-          <a:p>
-            <a:pPr marL="435420" lvl="1" indent="-179388">
-              <a:lnSpc>
-                <a:spcPct val="120000"/>
-              </a:lnSpc>
-              <a:buFont typeface="Arial" panose="020B0604020202020204" pitchFamily="34" charset="0"/>
-              <a:buChar char="•"/>
-            </a:pPr>
-            <a:r>
-              <a:rPr lang="en-IN" sz="2100" dirty="0" err="1">
-                <a:solidFill>
-                  <a:schemeClr val="tx1">
-                    <a:lumMod val="95000"/>
-                  </a:schemeClr>
-                </a:solidFill>
-              </a:rPr>
-              <a:t>funded_amount_investor</a:t>
-            </a:r>
-            <a:endParaRPr lang="en-IN" sz="2100" dirty="0">
-              <a:solidFill>
-                <a:schemeClr val="tx1">
-                  <a:lumMod val="95000"/>
-                </a:schemeClr>
-              </a:solidFill>
-            </a:endParaRPr>
-          </a:p>
-          <a:p>
-            <a:pPr marL="435420" lvl="1" indent="-179388">
-              <a:lnSpc>
-                <a:spcPct val="120000"/>
-              </a:lnSpc>
-              <a:buFont typeface="Arial" panose="020B0604020202020204" pitchFamily="34" charset="0"/>
-              <a:buChar char="•"/>
-            </a:pPr>
-            <a:r>
-              <a:rPr lang="en-IN" sz="2100" dirty="0" err="1">
-                <a:solidFill>
-                  <a:schemeClr val="tx1">
-                    <a:lumMod val="95000"/>
-                  </a:schemeClr>
-                </a:solidFill>
-              </a:rPr>
-              <a:t>installment</a:t>
-            </a:r>
-            <a:endParaRPr lang="en-IN" sz="2100" dirty="0">
-              <a:solidFill>
-                <a:schemeClr val="tx1">
-                  <a:lumMod val="95000"/>
-                </a:schemeClr>
-              </a:solidFill>
-            </a:endParaRPr>
-          </a:p>
-          <a:p>
-            <a:pPr marL="435420" lvl="1" indent="-179388">
-              <a:lnSpc>
-                <a:spcPct val="120000"/>
-              </a:lnSpc>
-              <a:buFont typeface="Arial" panose="020B0604020202020204" pitchFamily="34" charset="0"/>
-              <a:buChar char="•"/>
-            </a:pPr>
-            <a:r>
-              <a:rPr lang="en-IN" sz="2100" dirty="0" err="1">
-                <a:solidFill>
-                  <a:schemeClr val="tx1">
-                    <a:lumMod val="95000"/>
-                  </a:schemeClr>
-                </a:solidFill>
-              </a:rPr>
-              <a:t>total_received_late_fee</a:t>
-            </a:r>
-            <a:endParaRPr lang="en-IN" sz="2100" dirty="0">
-              <a:solidFill>
-                <a:schemeClr val="tx1">
-                  <a:lumMod val="95000"/>
-                </a:schemeClr>
-              </a:solidFill>
-            </a:endParaRPr>
-          </a:p>
-          <a:p>
-            <a:pPr marL="435420" lvl="1" indent="-179388">
-              <a:lnSpc>
-                <a:spcPct val="120000"/>
-              </a:lnSpc>
-              <a:buFont typeface="Arial" panose="020B0604020202020204" pitchFamily="34" charset="0"/>
-              <a:buChar char="•"/>
-            </a:pPr>
-            <a:r>
-              <a:rPr lang="en-IN" sz="2100" dirty="0" err="1">
-                <a:solidFill>
-                  <a:schemeClr val="tx1">
-                    <a:lumMod val="95000"/>
-                  </a:schemeClr>
-                </a:solidFill>
-              </a:rPr>
-              <a:t>dti</a:t>
-            </a:r>
-            <a:endParaRPr lang="en-IN" sz="2100" dirty="0">
-              <a:solidFill>
-                <a:schemeClr val="tx1">
-                  <a:lumMod val="95000"/>
-                </a:schemeClr>
-              </a:solidFill>
-            </a:endParaRPr>
-          </a:p>
-          <a:p>
-            <a:pPr marL="435420" lvl="1" indent="-179388">
-              <a:lnSpc>
-                <a:spcPct val="120000"/>
-              </a:lnSpc>
-              <a:buFont typeface="Arial" panose="020B0604020202020204" pitchFamily="34" charset="0"/>
-              <a:buChar char="•"/>
-            </a:pPr>
-            <a:r>
-              <a:rPr lang="en-IN" sz="2100" dirty="0" err="1">
-                <a:solidFill>
-                  <a:schemeClr val="tx1">
-                    <a:lumMod val="95000"/>
-                  </a:schemeClr>
-                </a:solidFill>
-              </a:rPr>
-              <a:t>interest_rate</a:t>
-            </a:r>
-            <a:endParaRPr lang="en-IN" sz="2100" dirty="0">
-              <a:solidFill>
-                <a:schemeClr val="tx1">
-                  <a:lumMod val="95000"/>
-                </a:schemeClr>
-              </a:solidFill>
-            </a:endParaRPr>
-          </a:p>
-          <a:p>
-            <a:pPr marL="435420" lvl="1" indent="-179388">
-              <a:lnSpc>
-                <a:spcPct val="120000"/>
-              </a:lnSpc>
-              <a:buFont typeface="Arial" panose="020B0604020202020204" pitchFamily="34" charset="0"/>
-              <a:buChar char="•"/>
-            </a:pPr>
-            <a:r>
-              <a:rPr lang="en-IN" sz="2100" dirty="0" err="1">
-                <a:solidFill>
-                  <a:schemeClr val="tx1">
-                    <a:lumMod val="95000"/>
-                  </a:schemeClr>
-                </a:solidFill>
-              </a:rPr>
-              <a:t>emp_length</a:t>
-            </a:r>
-            <a:endParaRPr lang="en-IN" sz="2100" dirty="0">
-              <a:solidFill>
-                <a:schemeClr val="tx1">
-                  <a:lumMod val="95000"/>
-                </a:schemeClr>
-              </a:solidFill>
-            </a:endParaRPr>
-          </a:p>
-          <a:p>
-            <a:pPr marL="435420" lvl="1" indent="-179388">
-              <a:lnSpc>
-                <a:spcPct val="120000"/>
-              </a:lnSpc>
-              <a:buFont typeface="Arial" panose="020B0604020202020204" pitchFamily="34" charset="0"/>
-              <a:buChar char="•"/>
-            </a:pPr>
-            <a:r>
-              <a:rPr lang="en-IN" sz="2100" dirty="0">
-                <a:solidFill>
-                  <a:schemeClr val="tx1">
-                    <a:lumMod val="95000"/>
-                  </a:schemeClr>
-                </a:solidFill>
-              </a:rPr>
-              <a:t>inq_last_6mths</a:t>
-            </a:r>
-          </a:p>
-          <a:p>
-            <a:pPr marL="435420" lvl="1" indent="-179388">
-              <a:lnSpc>
-                <a:spcPct val="120000"/>
-              </a:lnSpc>
-              <a:buFont typeface="Arial" panose="020B0604020202020204" pitchFamily="34" charset="0"/>
-              <a:buChar char="•"/>
-            </a:pPr>
-            <a:r>
-              <a:rPr lang="en-IN" sz="2100" dirty="0" err="1">
-                <a:solidFill>
-                  <a:schemeClr val="tx1">
-                    <a:lumMod val="95000"/>
-                  </a:schemeClr>
-                </a:solidFill>
-              </a:rPr>
-              <a:t>public_derogatory_records</a:t>
-            </a:r>
-            <a:endParaRPr lang="en-IN" dirty="0">
-              <a:solidFill>
-                <a:schemeClr val="tx1">
-                  <a:lumMod val="95000"/>
-                </a:schemeClr>
-              </a:solidFill>
-            </a:endParaRPr>
-          </a:p>
-        </p:txBody>
-      </p:sp>
-    </p:spTree>
-    <p:extLst>
-      <p:ext uri="{BB962C8B-B14F-4D97-AF65-F5344CB8AC3E}">
-        <p14:creationId xmlns:p14="http://schemas.microsoft.com/office/powerpoint/2010/main" val="3436366700"/>
-      </p:ext>
-    </p:extLst>
-  </p:cSld>
-  <p:clrMapOvr>
-    <a:masterClrMapping/>
-  </p:clrMapOvr>
-  <mc:AlternateContent xmlns:mc="http://schemas.openxmlformats.org/markup-compatibility/2006" xmlns:p14="http://schemas.microsoft.com/office/powerpoint/2010/main">
-    <mc:Choice Requires="p14">
-      <p:transition spd="med" p14:dur="700">
-        <p:fade/>
-      </p:transition>
-    </mc:Choice>
-    <mc:Fallback xmlns="">
-      <p:transition spd="med">
-        <p:fade/>
-      </p:transition>
-    </mc:Fallback>
-  </mc:AlternateContent>
-</p:sld>
-</file>
-
-<file path=ppt/slides/slide23.xml><?xml version="1.0" encoding="utf-8"?>
-<p:sld xmlns:a="http://schemas.openxmlformats.org/drawingml/2006/main" xmlns:r="http://schemas.openxmlformats.org/officeDocument/2006/relationships" xmlns:p="http://schemas.openxmlformats.org/presentationml/2006/main">
-  <p:cSld>
-    <p:spTree>
-      <p:nvGrpSpPr>
-        <p:cNvPr id="1" name=""/>
-        <p:cNvGrpSpPr/>
-        <p:nvPr/>
-      </p:nvGrpSpPr>
-      <p:grpSpPr>
-        <a:xfrm>
-          <a:off x="0" y="0"/>
-          <a:ext cx="0" cy="0"/>
-          <a:chOff x="0" y="0"/>
-          <a:chExt cx="0" cy="0"/>
-        </a:xfrm>
-      </p:grpSpPr>
-      <p:sp>
-        <p:nvSpPr>
-          <p:cNvPr id="2" name="Title 1">
-            <a:extLst>
-              <a:ext uri="{FF2B5EF4-FFF2-40B4-BE49-F238E27FC236}">
-                <a16:creationId xmlns:a16="http://schemas.microsoft.com/office/drawing/2014/main" id="{35707FBC-CBDC-196C-C782-58C7AFCCD6D5}"/>
-              </a:ext>
-            </a:extLst>
-          </p:cNvPr>
-          <p:cNvSpPr>
-            <a:spLocks noGrp="1"/>
-          </p:cNvSpPr>
-          <p:nvPr>
-            <p:ph type="title"/>
-          </p:nvPr>
-        </p:nvSpPr>
-        <p:spPr>
-          <a:xfrm>
-            <a:off x="657224" y="499533"/>
-            <a:ext cx="10772775" cy="867354"/>
+            <a:off x="676655" y="1776410"/>
+            <a:ext cx="6138923" cy="4839021"/>
           </a:xfrm>
         </p:spPr>
         <p:txBody>
           <a:bodyPr/>
           <a:lstStyle/>
           <a:p>
+            <a:pPr>
+              <a:lnSpc>
+                <a:spcPct val="150000"/>
+              </a:lnSpc>
+            </a:pPr>
             <a:r>
               <a:rPr lang="en-IN" dirty="0"/>
-              <a:t>Data Analysis</a:t>
-            </a:r>
-            <a:r>
-              <a:rPr lang="en-IN" sz="5400" dirty="0"/>
-              <a:t> </a:t>
-            </a:r>
-            <a:r>
-              <a:rPr lang="en-IN" sz="4000" dirty="0"/>
-              <a:t>– Binned Values</a:t>
+              <a:t>On Analysis, the Loans are getting Charged off for Higher Interest Rates.</a:t>
+            </a:r>
+          </a:p>
+          <a:p>
+            <a:pPr>
+              <a:lnSpc>
+                <a:spcPct val="150000"/>
+              </a:lnSpc>
+            </a:pPr>
+            <a:r>
+              <a:rPr lang="en-IN" dirty="0"/>
+              <a:t>Higher grades also mean higher interest rates.</a:t>
             </a:r>
           </a:p>
         </p:txBody>
       </p:sp>
       <p:pic>
         <p:nvPicPr>
-          <p:cNvPr id="1026" name="Picture 2">
+          <p:cNvPr id="3082" name="Picture 10">
             <a:extLst>
               <a:ext uri="{FF2B5EF4-FFF2-40B4-BE49-F238E27FC236}">
-                <a16:creationId xmlns:a16="http://schemas.microsoft.com/office/drawing/2014/main" id="{E0676D87-881A-8B63-1236-2EC21C4D150F}"/>
+                <a16:creationId xmlns:a16="http://schemas.microsoft.com/office/drawing/2014/main" id="{D2517943-407B-C235-BA91-53167A080EE5}"/>
               </a:ext>
             </a:extLst>
           </p:cNvPr>
           <p:cNvPicPr>
-            <a:picLocks noGrp="1" noChangeAspect="1" noChangeArrowheads="1"/>
+            <a:picLocks noChangeAspect="1" noChangeArrowheads="1"/>
           </p:cNvPicPr>
-          <p:nvPr>
-            <p:ph idx="1"/>
-          </p:nvPr>
+          <p:nvPr/>
         </p:nvPicPr>
         <p:blipFill>
           <a:blip r:embed="rId2">
@@ -13059,8 +12472,8 @@
         </p:blipFill>
         <p:spPr bwMode="auto">
           <a:xfrm>
-            <a:off x="5792078" y="1373612"/>
-            <a:ext cx="5639590" cy="2490621"/>
+            <a:off x="6966408" y="1761024"/>
+            <a:ext cx="4725285" cy="4839022"/>
           </a:xfrm>
           <a:prstGeom prst="rect">
             <a:avLst/>
@@ -13079,10 +12492,10 @@
       </p:pic>
       <p:pic>
         <p:nvPicPr>
-          <p:cNvPr id="1032" name="Picture 8">
+          <p:cNvPr id="3086" name="Picture 14">
             <a:extLst>
               <a:ext uri="{FF2B5EF4-FFF2-40B4-BE49-F238E27FC236}">
-                <a16:creationId xmlns:a16="http://schemas.microsoft.com/office/drawing/2014/main" id="{F3A9D52D-42D9-4A60-B9AD-2EBF7388380A}"/>
+                <a16:creationId xmlns:a16="http://schemas.microsoft.com/office/drawing/2014/main" id="{80714934-E82C-1E0A-CCEB-295DCFCD0D90}"/>
               </a:ext>
             </a:extLst>
           </p:cNvPr>
@@ -13106,8 +12519,8 @@
         </p:blipFill>
         <p:spPr bwMode="auto">
           <a:xfrm>
-            <a:off x="657224" y="4010807"/>
-            <a:ext cx="4985691" cy="2604836"/>
+            <a:off x="1486260" y="4313555"/>
+            <a:ext cx="4265191" cy="2259487"/>
           </a:xfrm>
           <a:prstGeom prst="rect">
             <a:avLst/>
@@ -13126,102 +12539,38 @@
       </p:pic>
       <p:pic>
         <p:nvPicPr>
-          <p:cNvPr id="1034" name="Picture 10">
+          <p:cNvPr id="6" name="Picture 5">
             <a:extLst>
               <a:ext uri="{FF2B5EF4-FFF2-40B4-BE49-F238E27FC236}">
-                <a16:creationId xmlns:a16="http://schemas.microsoft.com/office/drawing/2014/main" id="{1775E582-9F0F-F4A7-CDD3-0A7F38C8E8FD}"/>
+                <a16:creationId xmlns:a16="http://schemas.microsoft.com/office/drawing/2014/main" id="{F8EEB1C4-6BD7-EB10-FEA8-6CDDDED0C2D5}"/>
               </a:ext>
             </a:extLst>
           </p:cNvPr>
           <p:cNvPicPr>
-            <a:picLocks noChangeAspect="1" noChangeArrowheads="1"/>
+            <a:picLocks noChangeAspect="1"/>
           </p:cNvPicPr>
           <p:nvPr/>
         </p:nvPicPr>
         <p:blipFill>
-          <a:blip r:embed="rId4">
-            <a:extLst>
-              <a:ext uri="{28A0092B-C50C-407E-A947-70E740481C1C}">
-                <a14:useLocalDpi xmlns:a14="http://schemas.microsoft.com/office/drawing/2010/main" val="0"/>
-              </a:ext>
-            </a:extLst>
-          </a:blip>
-          <a:srcRect/>
+          <a:blip r:embed="rId4"/>
           <a:stretch>
             <a:fillRect/>
           </a:stretch>
         </p:blipFill>
-        <p:spPr bwMode="auto">
+        <p:spPr>
           <a:xfrm>
-            <a:off x="657224" y="1330086"/>
-            <a:ext cx="4985691" cy="2533182"/>
+            <a:off x="270649" y="142416"/>
+            <a:ext cx="11650701" cy="6573167"/>
           </a:xfrm>
           <a:prstGeom prst="rect">
             <a:avLst/>
           </a:prstGeom>
-          <a:noFill/>
-          <a:extLst>
-            <a:ext uri="{909E8E84-426E-40DD-AFC4-6F175D3DCCD1}">
-              <a14:hiddenFill xmlns:a14="http://schemas.microsoft.com/office/drawing/2010/main">
-                <a:solidFill>
-                  <a:srgbClr val="FFFFFF"/>
-                </a:solidFill>
-              </a14:hiddenFill>
-            </a:ext>
-          </a:extLst>
-        </p:spPr>
-      </p:pic>
-      <p:pic>
-        <p:nvPicPr>
-          <p:cNvPr id="1036" name="Picture 12">
-            <a:extLst>
-              <a:ext uri="{FF2B5EF4-FFF2-40B4-BE49-F238E27FC236}">
-                <a16:creationId xmlns:a16="http://schemas.microsoft.com/office/drawing/2014/main" id="{8F4BDBB0-8B7F-E3B4-915B-458158D8DC69}"/>
-              </a:ext>
-            </a:extLst>
-          </p:cNvPr>
-          <p:cNvPicPr>
-            <a:picLocks noChangeAspect="1" noChangeArrowheads="1"/>
-          </p:cNvPicPr>
-          <p:nvPr/>
-        </p:nvPicPr>
-        <p:blipFill>
-          <a:blip r:embed="rId5">
-            <a:extLst>
-              <a:ext uri="{28A0092B-C50C-407E-A947-70E740481C1C}">
-                <a14:useLocalDpi xmlns:a14="http://schemas.microsoft.com/office/drawing/2010/main" val="0"/>
-              </a:ext>
-            </a:extLst>
-          </a:blip>
-          <a:srcRect/>
-          <a:stretch>
-            <a:fillRect/>
-          </a:stretch>
-        </p:blipFill>
-        <p:spPr bwMode="auto">
-          <a:xfrm>
-            <a:off x="5792079" y="4015736"/>
-            <a:ext cx="5067300" cy="2587207"/>
-          </a:xfrm>
-          <a:prstGeom prst="rect">
-            <a:avLst/>
-          </a:prstGeom>
-          <a:noFill/>
-          <a:extLst>
-            <a:ext uri="{909E8E84-426E-40DD-AFC4-6F175D3DCCD1}">
-              <a14:hiddenFill xmlns:a14="http://schemas.microsoft.com/office/drawing/2010/main">
-                <a:solidFill>
-                  <a:srgbClr val="FFFFFF"/>
-                </a:solidFill>
-              </a14:hiddenFill>
-            </a:ext>
-          </a:extLst>
         </p:spPr>
       </p:pic>
     </p:spTree>
     <p:extLst>
       <p:ext uri="{BB962C8B-B14F-4D97-AF65-F5344CB8AC3E}">
-        <p14:creationId xmlns:p14="http://schemas.microsoft.com/office/powerpoint/2010/main" val="3982237307"/>
+        <p14:creationId xmlns:p14="http://schemas.microsoft.com/office/powerpoint/2010/main" val="2912887299"/>
       </p:ext>
     </p:extLst>
   </p:cSld>
@@ -13243,278 +12592,7 @@
 </p:sld>
 </file>
 
-<file path=ppt/slides/slide24.xml><?xml version="1.0" encoding="utf-8"?>
-<p:sld xmlns:a="http://schemas.openxmlformats.org/drawingml/2006/main" xmlns:r="http://schemas.openxmlformats.org/officeDocument/2006/relationships" xmlns:p="http://schemas.openxmlformats.org/presentationml/2006/main">
-  <p:cSld>
-    <p:spTree>
-      <p:nvGrpSpPr>
-        <p:cNvPr id="1" name=""/>
-        <p:cNvGrpSpPr/>
-        <p:nvPr/>
-      </p:nvGrpSpPr>
-      <p:grpSpPr>
-        <a:xfrm>
-          <a:off x="0" y="0"/>
-          <a:ext cx="0" cy="0"/>
-          <a:chOff x="0" y="0"/>
-          <a:chExt cx="0" cy="0"/>
-        </a:xfrm>
-      </p:grpSpPr>
-      <p:sp>
-        <p:nvSpPr>
-          <p:cNvPr id="2" name="Title 1">
-            <a:extLst>
-              <a:ext uri="{FF2B5EF4-FFF2-40B4-BE49-F238E27FC236}">
-                <a16:creationId xmlns:a16="http://schemas.microsoft.com/office/drawing/2014/main" id="{35707FBC-CBDC-196C-C782-58C7AFCCD6D5}"/>
-              </a:ext>
-            </a:extLst>
-          </p:cNvPr>
-          <p:cNvSpPr>
-            <a:spLocks noGrp="1"/>
-          </p:cNvSpPr>
-          <p:nvPr>
-            <p:ph type="title"/>
-          </p:nvPr>
-        </p:nvSpPr>
-        <p:spPr>
-          <a:xfrm>
-            <a:off x="657224" y="499533"/>
-            <a:ext cx="10772775" cy="867354"/>
-          </a:xfrm>
-        </p:spPr>
-        <p:txBody>
-          <a:bodyPr/>
-          <a:lstStyle/>
-          <a:p>
-            <a:r>
-              <a:rPr lang="en-IN" dirty="0"/>
-              <a:t>Data Analysis</a:t>
-            </a:r>
-            <a:r>
-              <a:rPr lang="en-IN" sz="5400" dirty="0"/>
-              <a:t> </a:t>
-            </a:r>
-            <a:r>
-              <a:rPr lang="en-IN" sz="4000" dirty="0"/>
-              <a:t>– Binned Values</a:t>
-            </a:r>
-          </a:p>
-        </p:txBody>
-      </p:sp>
-      <p:pic>
-        <p:nvPicPr>
-          <p:cNvPr id="1028" name="Picture 4">
-            <a:extLst>
-              <a:ext uri="{FF2B5EF4-FFF2-40B4-BE49-F238E27FC236}">
-                <a16:creationId xmlns:a16="http://schemas.microsoft.com/office/drawing/2014/main" id="{64FCE1BB-5836-D6AD-AEF8-4DF9ECC4EDF3}"/>
-              </a:ext>
-            </a:extLst>
-          </p:cNvPr>
-          <p:cNvPicPr>
-            <a:picLocks noChangeAspect="1" noChangeArrowheads="1"/>
-          </p:cNvPicPr>
-          <p:nvPr/>
-        </p:nvPicPr>
-        <p:blipFill>
-          <a:blip r:embed="rId2">
-            <a:extLst>
-              <a:ext uri="{28A0092B-C50C-407E-A947-70E740481C1C}">
-                <a14:useLocalDpi xmlns:a14="http://schemas.microsoft.com/office/drawing/2010/main" val="0"/>
-              </a:ext>
-            </a:extLst>
-          </a:blip>
-          <a:srcRect/>
-          <a:stretch>
-            <a:fillRect/>
-          </a:stretch>
-        </p:blipFill>
-        <p:spPr bwMode="auto">
-          <a:xfrm>
-            <a:off x="1016000" y="1552494"/>
-            <a:ext cx="4878912" cy="2427859"/>
-          </a:xfrm>
-          <a:prstGeom prst="rect">
-            <a:avLst/>
-          </a:prstGeom>
-          <a:noFill/>
-          <a:extLst>
-            <a:ext uri="{909E8E84-426E-40DD-AFC4-6F175D3DCCD1}">
-              <a14:hiddenFill xmlns:a14="http://schemas.microsoft.com/office/drawing/2010/main">
-                <a:solidFill>
-                  <a:srgbClr val="FFFFFF"/>
-                </a:solidFill>
-              </a14:hiddenFill>
-            </a:ext>
-          </a:extLst>
-        </p:spPr>
-      </p:pic>
-      <p:pic>
-        <p:nvPicPr>
-          <p:cNvPr id="1038" name="Picture 14">
-            <a:extLst>
-              <a:ext uri="{FF2B5EF4-FFF2-40B4-BE49-F238E27FC236}">
-                <a16:creationId xmlns:a16="http://schemas.microsoft.com/office/drawing/2014/main" id="{C4992D41-B83D-4261-1FBE-4EBEAAC0A7AB}"/>
-              </a:ext>
-            </a:extLst>
-          </p:cNvPr>
-          <p:cNvPicPr>
-            <a:picLocks noChangeAspect="1" noChangeArrowheads="1"/>
-          </p:cNvPicPr>
-          <p:nvPr/>
-        </p:nvPicPr>
-        <p:blipFill>
-          <a:blip r:embed="rId3">
-            <a:extLst>
-              <a:ext uri="{28A0092B-C50C-407E-A947-70E740481C1C}">
-                <a14:useLocalDpi xmlns:a14="http://schemas.microsoft.com/office/drawing/2010/main" val="0"/>
-              </a:ext>
-            </a:extLst>
-          </a:blip>
-          <a:srcRect/>
-          <a:stretch>
-            <a:fillRect/>
-          </a:stretch>
-        </p:blipFill>
-        <p:spPr bwMode="auto">
-          <a:xfrm>
-            <a:off x="1449523" y="4156009"/>
-            <a:ext cx="4445389" cy="2244134"/>
-          </a:xfrm>
-          <a:prstGeom prst="rect">
-            <a:avLst/>
-          </a:prstGeom>
-          <a:noFill/>
-          <a:extLst>
-            <a:ext uri="{909E8E84-426E-40DD-AFC4-6F175D3DCCD1}">
-              <a14:hiddenFill xmlns:a14="http://schemas.microsoft.com/office/drawing/2010/main">
-                <a:solidFill>
-                  <a:srgbClr val="FFFFFF"/>
-                </a:solidFill>
-              </a14:hiddenFill>
-            </a:ext>
-          </a:extLst>
-        </p:spPr>
-      </p:pic>
-      <p:pic>
-        <p:nvPicPr>
-          <p:cNvPr id="1040" name="Picture 16">
-            <a:extLst>
-              <a:ext uri="{FF2B5EF4-FFF2-40B4-BE49-F238E27FC236}">
-                <a16:creationId xmlns:a16="http://schemas.microsoft.com/office/drawing/2014/main" id="{0B83E843-F458-463C-A48B-8E581B08438B}"/>
-              </a:ext>
-            </a:extLst>
-          </p:cNvPr>
-          <p:cNvPicPr>
-            <a:picLocks noChangeAspect="1" noChangeArrowheads="1"/>
-          </p:cNvPicPr>
-          <p:nvPr/>
-        </p:nvPicPr>
-        <p:blipFill>
-          <a:blip r:embed="rId4">
-            <a:extLst>
-              <a:ext uri="{28A0092B-C50C-407E-A947-70E740481C1C}">
-                <a14:useLocalDpi xmlns:a14="http://schemas.microsoft.com/office/drawing/2010/main" val="0"/>
-              </a:ext>
-            </a:extLst>
-          </a:blip>
-          <a:srcRect/>
-          <a:stretch>
-            <a:fillRect/>
-          </a:stretch>
-        </p:blipFill>
-        <p:spPr bwMode="auto">
-          <a:xfrm>
-            <a:off x="6018733" y="1552493"/>
-            <a:ext cx="5157267" cy="2427860"/>
-          </a:xfrm>
-          <a:prstGeom prst="rect">
-            <a:avLst/>
-          </a:prstGeom>
-          <a:noFill/>
-          <a:extLst>
-            <a:ext uri="{909E8E84-426E-40DD-AFC4-6F175D3DCCD1}">
-              <a14:hiddenFill xmlns:a14="http://schemas.microsoft.com/office/drawing/2010/main">
-                <a:solidFill>
-                  <a:srgbClr val="FFFFFF"/>
-                </a:solidFill>
-              </a14:hiddenFill>
-            </a:ext>
-          </a:extLst>
-        </p:spPr>
-      </p:pic>
-      <p:pic>
-        <p:nvPicPr>
-          <p:cNvPr id="1042" name="Picture 18">
-            <a:extLst>
-              <a:ext uri="{FF2B5EF4-FFF2-40B4-BE49-F238E27FC236}">
-                <a16:creationId xmlns:a16="http://schemas.microsoft.com/office/drawing/2014/main" id="{556E790B-2B79-A2B7-BF41-6C09424847F5}"/>
-              </a:ext>
-            </a:extLst>
-          </p:cNvPr>
-          <p:cNvPicPr>
-            <a:picLocks noChangeAspect="1" noChangeArrowheads="1"/>
-          </p:cNvPicPr>
-          <p:nvPr/>
-        </p:nvPicPr>
-        <p:blipFill>
-          <a:blip r:embed="rId5">
-            <a:extLst>
-              <a:ext uri="{28A0092B-C50C-407E-A947-70E740481C1C}">
-                <a14:useLocalDpi xmlns:a14="http://schemas.microsoft.com/office/drawing/2010/main" val="0"/>
-              </a:ext>
-            </a:extLst>
-          </a:blip>
-          <a:srcRect/>
-          <a:stretch>
-            <a:fillRect/>
-          </a:stretch>
-        </p:blipFill>
-        <p:spPr bwMode="auto">
-          <a:xfrm>
-            <a:off x="6018732" y="4165959"/>
-            <a:ext cx="5157268" cy="2320031"/>
-          </a:xfrm>
-          <a:prstGeom prst="rect">
-            <a:avLst/>
-          </a:prstGeom>
-          <a:noFill/>
-          <a:extLst>
-            <a:ext uri="{909E8E84-426E-40DD-AFC4-6F175D3DCCD1}">
-              <a14:hiddenFill xmlns:a14="http://schemas.microsoft.com/office/drawing/2010/main">
-                <a:solidFill>
-                  <a:srgbClr val="FFFFFF"/>
-                </a:solidFill>
-              </a14:hiddenFill>
-            </a:ext>
-          </a:extLst>
-        </p:spPr>
-      </p:pic>
-    </p:spTree>
-    <p:extLst>
-      <p:ext uri="{BB962C8B-B14F-4D97-AF65-F5344CB8AC3E}">
-        <p14:creationId xmlns:p14="http://schemas.microsoft.com/office/powerpoint/2010/main" val="195623195"/>
-      </p:ext>
-    </p:extLst>
-  </p:cSld>
-  <p:clrMapOvr>
-    <a:masterClrMapping/>
-  </p:clrMapOvr>
-  <mc:AlternateContent xmlns:mc="http://schemas.openxmlformats.org/markup-compatibility/2006">
-    <mc:Choice xmlns:p14="http://schemas.microsoft.com/office/powerpoint/2010/main" Requires="p14">
-      <p:transition spd="med" p14:dur="700">
-        <p:fade/>
-      </p:transition>
-    </mc:Choice>
-    <mc:Fallback>
-      <p:transition spd="med">
-        <p:fade/>
-      </p:transition>
-    </mc:Fallback>
-  </mc:AlternateContent>
-</p:sld>
-</file>
-
-<file path=ppt/slides/slide25.xml><?xml version="1.0" encoding="utf-8"?>
+<file path=ppt/slides/slide23.xml><?xml version="1.0" encoding="utf-8"?>
 <p:sld xmlns:a="http://schemas.openxmlformats.org/drawingml/2006/main" xmlns:r="http://schemas.openxmlformats.org/officeDocument/2006/relationships" xmlns:p="http://schemas.openxmlformats.org/presentationml/2006/main">
   <p:cSld>
     <p:bg>
@@ -13566,12 +12644,8 @@
           <a:lstStyle/>
           <a:p>
             <a:r>
-              <a:rPr lang="en-IN" dirty="0">
-                <a:solidFill>
-                  <a:schemeClr val="tx1"/>
-                </a:solidFill>
-              </a:rPr>
-              <a:t>Summary of Binning data</a:t>
+              <a:rPr lang="en-IN" dirty="0"/>
+              <a:t>Summary of Analysis</a:t>
             </a:r>
           </a:p>
         </p:txBody>
@@ -13600,231 +12674,414 @@
         </p:spPr>
         <p:txBody>
           <a:bodyPr>
-            <a:normAutofit/>
+            <a:normAutofit fontScale="92500" lnSpcReduction="20000"/>
           </a:bodyPr>
           <a:lstStyle/>
           <a:p>
-            <a:pPr marL="179388" indent="-179388">
+            <a:pPr>
               <a:lnSpc>
                 <a:spcPct val="114000"/>
               </a:lnSpc>
-              <a:buClr>
-                <a:schemeClr val="tx1"/>
-              </a:buClr>
-              <a:buFont typeface="Arial" panose="020B0604020202020204" pitchFamily="34" charset="0"/>
-              <a:buChar char="•"/>
             </a:pPr>
             <a:r>
-              <a:rPr lang="en-IN" dirty="0">
-                <a:solidFill>
-                  <a:schemeClr val="tx1"/>
-                </a:solidFill>
-              </a:rPr>
-              <a:t>Loans with </a:t>
-            </a:r>
-            <a:r>
-              <a:rPr lang="en-IN" b="1" dirty="0">
-                <a:solidFill>
-                  <a:schemeClr val="tx1"/>
-                </a:solidFill>
-              </a:rPr>
-              <a:t>Investor funded amount &lt; ~7850</a:t>
-            </a:r>
-            <a:r>
-              <a:rPr lang="en-IN" dirty="0">
-                <a:solidFill>
-                  <a:schemeClr val="tx1"/>
-                </a:solidFill>
-              </a:rPr>
-              <a:t> are observed to be Charged Off</a:t>
-            </a:r>
-          </a:p>
-          <a:p>
-            <a:pPr marL="179388" indent="-179388">
+              <a:rPr lang="en-IN" sz="2000" b="1" dirty="0">
+                <a:solidFill>
+                  <a:schemeClr val="tx1">
+                    <a:lumMod val="95000"/>
+                  </a:schemeClr>
+                </a:solidFill>
+              </a:rPr>
+              <a:t>Investor funded Amount</a:t>
+            </a:r>
+            <a:r>
+              <a:rPr lang="en-IN" sz="2000" dirty="0">
+                <a:solidFill>
+                  <a:schemeClr val="tx1">
+                    <a:lumMod val="95000"/>
+                  </a:schemeClr>
+                </a:solidFill>
+              </a:rPr>
+              <a:t> range between </a:t>
+            </a:r>
+            <a:r>
+              <a:rPr lang="en-IN" sz="2000" b="1" dirty="0">
+                <a:solidFill>
+                  <a:schemeClr val="tx1">
+                    <a:lumMod val="95000"/>
+                  </a:schemeClr>
+                </a:solidFill>
+              </a:rPr>
+              <a:t>3000-6000</a:t>
+            </a:r>
+            <a:r>
+              <a:rPr lang="en-IN" sz="2000" dirty="0">
+                <a:solidFill>
+                  <a:schemeClr val="tx1">
+                    <a:lumMod val="95000"/>
+                  </a:schemeClr>
+                </a:solidFill>
+              </a:rPr>
+              <a:t> are having a higher chances of getting Charged Off.</a:t>
+            </a:r>
+          </a:p>
+          <a:p>
+            <a:pPr>
               <a:lnSpc>
                 <a:spcPct val="114000"/>
               </a:lnSpc>
-              <a:buClr>
-                <a:schemeClr val="tx1"/>
-              </a:buClr>
-              <a:buFont typeface="Arial" panose="020B0604020202020204" pitchFamily="34" charset="0"/>
-              <a:buChar char="•"/>
             </a:pPr>
             <a:r>
-              <a:rPr lang="en-IN" dirty="0">
-                <a:solidFill>
-                  <a:schemeClr val="tx1"/>
-                </a:solidFill>
-              </a:rPr>
-              <a:t>Loans with </a:t>
-            </a:r>
-            <a:r>
-              <a:rPr lang="en-IN" b="1" dirty="0">
-                <a:solidFill>
-                  <a:schemeClr val="tx1"/>
-                </a:solidFill>
-              </a:rPr>
-              <a:t>Monthly Instalments in the range of ~23 - 244</a:t>
-            </a:r>
-            <a:r>
-              <a:rPr lang="en-IN" dirty="0">
-                <a:solidFill>
-                  <a:schemeClr val="tx1"/>
-                </a:solidFill>
-              </a:rPr>
-              <a:t> are observed to be Charged Off</a:t>
-            </a:r>
-          </a:p>
-          <a:p>
-            <a:pPr marL="179388" indent="-179388">
+              <a:rPr lang="en-IN" sz="2000" b="1" dirty="0">
+                <a:solidFill>
+                  <a:schemeClr val="tx1">
+                    <a:lumMod val="95000"/>
+                  </a:schemeClr>
+                </a:solidFill>
+              </a:rPr>
+              <a:t>Purpose</a:t>
+            </a:r>
+            <a:r>
+              <a:rPr lang="en-IN" sz="2000" dirty="0">
+                <a:solidFill>
+                  <a:schemeClr val="tx1">
+                    <a:lumMod val="95000"/>
+                  </a:schemeClr>
+                </a:solidFill>
+              </a:rPr>
+              <a:t> attribute may be a factor for the loans getting Charged Off.</a:t>
+            </a:r>
+          </a:p>
+          <a:p>
+            <a:pPr>
               <a:lnSpc>
                 <a:spcPct val="114000"/>
               </a:lnSpc>
-              <a:buClr>
-                <a:schemeClr val="tx1"/>
-              </a:buClr>
-              <a:buFont typeface="Arial" panose="020B0604020202020204" pitchFamily="34" charset="0"/>
-              <a:buChar char="•"/>
             </a:pPr>
             <a:r>
-              <a:rPr lang="en-IN" dirty="0">
-                <a:solidFill>
-                  <a:schemeClr val="tx1"/>
-                </a:solidFill>
-              </a:rPr>
-              <a:t>Loans with </a:t>
-            </a:r>
-            <a:r>
-              <a:rPr lang="en-IN" b="1" dirty="0" err="1">
-                <a:solidFill>
-                  <a:schemeClr val="tx1"/>
-                </a:solidFill>
-              </a:rPr>
-              <a:t>dti</a:t>
-            </a:r>
-            <a:r>
-              <a:rPr lang="en-IN" b="1" dirty="0">
-                <a:solidFill>
-                  <a:schemeClr val="tx1"/>
-                </a:solidFill>
-              </a:rPr>
-              <a:t> in the range of ~7-22.5</a:t>
-            </a:r>
-            <a:r>
-              <a:rPr lang="en-IN" dirty="0">
-                <a:solidFill>
-                  <a:schemeClr val="tx1"/>
-                </a:solidFill>
-              </a:rPr>
-              <a:t> are observed to be Charged Off</a:t>
-            </a:r>
-          </a:p>
-          <a:p>
-            <a:pPr marL="179388" indent="-179388">
+              <a:rPr lang="en-IN" sz="2000" dirty="0">
+                <a:solidFill>
+                  <a:schemeClr val="tx1">
+                    <a:lumMod val="95000"/>
+                  </a:schemeClr>
+                </a:solidFill>
+              </a:rPr>
+              <a:t>People with </a:t>
+            </a:r>
+            <a:r>
+              <a:rPr lang="en-IN" sz="2000" b="1" dirty="0">
+                <a:solidFill>
+                  <a:schemeClr val="tx1">
+                    <a:lumMod val="95000"/>
+                  </a:schemeClr>
+                </a:solidFill>
+              </a:rPr>
+              <a:t>employment 10 or more years</a:t>
+            </a:r>
+            <a:r>
+              <a:rPr lang="en-IN" sz="2000" dirty="0">
+                <a:solidFill>
+                  <a:schemeClr val="tx1">
+                    <a:lumMod val="95000"/>
+                  </a:schemeClr>
+                </a:solidFill>
+              </a:rPr>
+              <a:t> are more likely to be Charged Off.</a:t>
+            </a:r>
+          </a:p>
+          <a:p>
+            <a:pPr>
               <a:lnSpc>
                 <a:spcPct val="114000"/>
               </a:lnSpc>
-              <a:buClr>
-                <a:schemeClr val="tx1"/>
-              </a:buClr>
-              <a:buFont typeface="Arial" panose="020B0604020202020204" pitchFamily="34" charset="0"/>
-              <a:buChar char="•"/>
             </a:pPr>
             <a:r>
-              <a:rPr lang="en-IN" dirty="0">
-                <a:solidFill>
-                  <a:schemeClr val="tx1"/>
-                </a:solidFill>
-              </a:rPr>
-              <a:t>Loans with </a:t>
-            </a:r>
-            <a:r>
-              <a:rPr lang="en-IN" b="1" dirty="0">
-                <a:solidFill>
-                  <a:schemeClr val="tx1"/>
-                </a:solidFill>
-              </a:rPr>
-              <a:t>Interest Rate in the range of ~ 9.75-14.5</a:t>
-            </a:r>
-            <a:r>
-              <a:rPr lang="en-IN" dirty="0">
-                <a:solidFill>
-                  <a:schemeClr val="tx1"/>
-                </a:solidFill>
-              </a:rPr>
-              <a:t> are observed to be Charged Off</a:t>
-            </a:r>
-          </a:p>
-          <a:p>
-            <a:pPr marL="179388" indent="-179388">
+              <a:rPr lang="en-IN" sz="2000" dirty="0">
+                <a:solidFill>
+                  <a:schemeClr val="tx1">
+                    <a:lumMod val="95000"/>
+                  </a:schemeClr>
+                </a:solidFill>
+              </a:rPr>
+              <a:t>Almost </a:t>
+            </a:r>
+            <a:r>
+              <a:rPr lang="en-IN" sz="2000" b="1" dirty="0">
+                <a:solidFill>
+                  <a:schemeClr val="tx1">
+                    <a:lumMod val="95000"/>
+                  </a:schemeClr>
+                </a:solidFill>
+              </a:rPr>
+              <a:t>44%</a:t>
+            </a:r>
+            <a:r>
+              <a:rPr lang="en-IN" sz="2000" dirty="0">
+                <a:solidFill>
+                  <a:schemeClr val="tx1">
+                    <a:lumMod val="95000"/>
+                  </a:schemeClr>
+                </a:solidFill>
+              </a:rPr>
+              <a:t> of the loans are </a:t>
+            </a:r>
+            <a:r>
+              <a:rPr lang="en-IN" sz="2000" b="1" dirty="0">
+                <a:solidFill>
+                  <a:schemeClr val="tx1">
+                    <a:lumMod val="95000"/>
+                  </a:schemeClr>
+                </a:solidFill>
+              </a:rPr>
+              <a:t>not verified</a:t>
+            </a:r>
+            <a:r>
+              <a:rPr lang="en-IN" sz="2000" dirty="0">
+                <a:solidFill>
+                  <a:schemeClr val="tx1">
+                    <a:lumMod val="95000"/>
+                  </a:schemeClr>
+                </a:solidFill>
+              </a:rPr>
+              <a:t>. This could be a reason for the defaulters.</a:t>
+            </a:r>
+          </a:p>
+          <a:p>
+            <a:pPr>
               <a:lnSpc>
                 <a:spcPct val="114000"/>
               </a:lnSpc>
-              <a:buClr>
-                <a:schemeClr val="tx1"/>
-              </a:buClr>
-              <a:buFont typeface="Arial" panose="020B0604020202020204" pitchFamily="34" charset="0"/>
-              <a:buChar char="•"/>
             </a:pPr>
             <a:r>
-              <a:rPr lang="en-IN" dirty="0">
-                <a:solidFill>
-                  <a:schemeClr val="tx1"/>
-                </a:solidFill>
-              </a:rPr>
-              <a:t>Loans with </a:t>
-            </a:r>
-            <a:r>
-              <a:rPr lang="en-IN" b="1" dirty="0">
-                <a:solidFill>
-                  <a:schemeClr val="tx1"/>
-                </a:solidFill>
-              </a:rPr>
-              <a:t>1-2 inquiries in last 6 months</a:t>
-            </a:r>
-            <a:r>
-              <a:rPr lang="en-IN" dirty="0">
-                <a:solidFill>
-                  <a:schemeClr val="tx1"/>
-                </a:solidFill>
-              </a:rPr>
-              <a:t> are observed to be Charged Off</a:t>
-            </a:r>
-          </a:p>
-          <a:p>
-            <a:pPr marL="179388" indent="-179388">
+              <a:rPr lang="en-IN" sz="2000" dirty="0">
+                <a:solidFill>
+                  <a:schemeClr val="tx1">
+                    <a:lumMod val="95000"/>
+                  </a:schemeClr>
+                </a:solidFill>
+              </a:rPr>
+              <a:t>It is observed of a pattern on the </a:t>
+            </a:r>
+            <a:r>
+              <a:rPr lang="en-IN" sz="2000" b="1" dirty="0">
+                <a:solidFill>
+                  <a:schemeClr val="tx1">
+                    <a:lumMod val="95000"/>
+                  </a:schemeClr>
+                </a:solidFill>
+              </a:rPr>
+              <a:t>Month</a:t>
+            </a:r>
+            <a:r>
+              <a:rPr lang="en-IN" sz="2000" dirty="0">
+                <a:solidFill>
+                  <a:schemeClr val="tx1">
+                    <a:lumMod val="95000"/>
+                  </a:schemeClr>
+                </a:solidFill>
+              </a:rPr>
+              <a:t> of the loan issued. </a:t>
+            </a:r>
+          </a:p>
+          <a:p>
+            <a:pPr>
               <a:lnSpc>
                 <a:spcPct val="114000"/>
               </a:lnSpc>
-              <a:buClr>
-                <a:schemeClr val="tx1"/>
-              </a:buClr>
-              <a:buFont typeface="Arial" panose="020B0604020202020204" pitchFamily="34" charset="0"/>
-              <a:buChar char="•"/>
             </a:pPr>
             <a:r>
-              <a:rPr lang="en-IN" dirty="0">
-                <a:solidFill>
-                  <a:schemeClr val="tx1"/>
-                </a:solidFill>
-              </a:rPr>
-              <a:t>Loans with </a:t>
-            </a:r>
-            <a:r>
-              <a:rPr lang="en-IN" b="1" dirty="0">
-                <a:solidFill>
-                  <a:schemeClr val="tx1"/>
-                </a:solidFill>
-              </a:rPr>
-              <a:t>at least 1 public derogatory record</a:t>
-            </a:r>
-            <a:r>
-              <a:rPr lang="en-IN" dirty="0">
-                <a:solidFill>
-                  <a:schemeClr val="tx1"/>
-                </a:solidFill>
-              </a:rPr>
-              <a:t> are observed to be Charged Off</a:t>
+              <a:rPr lang="en-IN" sz="2000" dirty="0">
+                <a:solidFill>
+                  <a:schemeClr val="tx1">
+                    <a:lumMod val="95000"/>
+                  </a:schemeClr>
+                </a:solidFill>
+              </a:rPr>
+              <a:t>Loans issued to the </a:t>
+            </a:r>
+            <a:r>
+              <a:rPr lang="en-IN" sz="2000" b="1" dirty="0">
+                <a:solidFill>
+                  <a:schemeClr val="tx1">
+                    <a:lumMod val="95000"/>
+                  </a:schemeClr>
+                </a:solidFill>
+              </a:rPr>
+              <a:t>State NE</a:t>
+            </a:r>
+            <a:r>
+              <a:rPr lang="en-IN" sz="2000" dirty="0">
+                <a:solidFill>
+                  <a:schemeClr val="tx1">
+                    <a:lumMod val="95000"/>
+                  </a:schemeClr>
+                </a:solidFill>
+              </a:rPr>
+              <a:t> has more % of loans charged off</a:t>
+            </a:r>
+          </a:p>
+          <a:p>
+            <a:pPr>
+              <a:lnSpc>
+                <a:spcPct val="114000"/>
+              </a:lnSpc>
+            </a:pPr>
+            <a:r>
+              <a:rPr lang="en-IN" sz="2000" dirty="0">
+                <a:solidFill>
+                  <a:schemeClr val="tx1">
+                    <a:lumMod val="95000"/>
+                  </a:schemeClr>
+                </a:solidFill>
+              </a:rPr>
+              <a:t>Also, the loans issued under </a:t>
+            </a:r>
+            <a:r>
+              <a:rPr lang="en-IN" sz="2000" b="1" dirty="0">
+                <a:solidFill>
+                  <a:schemeClr val="tx1">
+                    <a:lumMod val="95000"/>
+                  </a:schemeClr>
+                </a:solidFill>
+              </a:rPr>
+              <a:t>sub-Grades F5, G3, G5, G2, G1</a:t>
+            </a:r>
+            <a:r>
+              <a:rPr lang="en-IN" sz="2000" dirty="0">
+                <a:solidFill>
+                  <a:schemeClr val="tx1">
+                    <a:lumMod val="95000"/>
+                  </a:schemeClr>
+                </a:solidFill>
+              </a:rPr>
+              <a:t> are prone to be Charged Off.</a:t>
+            </a:r>
+          </a:p>
+          <a:p>
+            <a:pPr>
+              <a:lnSpc>
+                <a:spcPct val="114000"/>
+              </a:lnSpc>
+            </a:pPr>
+            <a:r>
+              <a:rPr lang="en-IN" sz="2000" dirty="0">
+                <a:solidFill>
+                  <a:schemeClr val="tx1">
+                    <a:lumMod val="95000"/>
+                  </a:schemeClr>
+                </a:solidFill>
+              </a:rPr>
+              <a:t>Loans issued to home ownership is </a:t>
+            </a:r>
+            <a:r>
+              <a:rPr lang="en-IN" sz="2000" b="1" dirty="0">
+                <a:solidFill>
+                  <a:schemeClr val="tx1">
+                    <a:lumMod val="95000"/>
+                  </a:schemeClr>
+                </a:solidFill>
+              </a:rPr>
+              <a:t>OTHER</a:t>
+            </a:r>
+            <a:r>
+              <a:rPr lang="en-IN" sz="2000" dirty="0">
+                <a:solidFill>
+                  <a:schemeClr val="tx1">
+                    <a:lumMod val="95000"/>
+                  </a:schemeClr>
+                </a:solidFill>
+              </a:rPr>
+              <a:t> tend to have their loans Charged Off more. </a:t>
+            </a:r>
+          </a:p>
+          <a:p>
+            <a:pPr>
+              <a:lnSpc>
+                <a:spcPct val="114000"/>
+              </a:lnSpc>
+            </a:pPr>
+            <a:r>
+              <a:rPr lang="en-IN" sz="2000" dirty="0">
+                <a:solidFill>
+                  <a:schemeClr val="tx1">
+                    <a:lumMod val="95000"/>
+                  </a:schemeClr>
+                </a:solidFill>
+              </a:rPr>
+              <a:t>Also, home ownership as </a:t>
+            </a:r>
+            <a:r>
+              <a:rPr lang="en-IN" sz="2000" b="1" dirty="0">
+                <a:solidFill>
+                  <a:schemeClr val="tx1">
+                    <a:lumMod val="95000"/>
+                  </a:schemeClr>
+                </a:solidFill>
+              </a:rPr>
+              <a:t>RENT</a:t>
+            </a:r>
+            <a:r>
+              <a:rPr lang="en-IN" sz="2000" dirty="0">
+                <a:solidFill>
+                  <a:schemeClr val="tx1">
+                    <a:lumMod val="95000"/>
+                  </a:schemeClr>
+                </a:solidFill>
+              </a:rPr>
+              <a:t> tend to take more loans and also Charged Off.</a:t>
+            </a:r>
+          </a:p>
+          <a:p>
+            <a:pPr>
+              <a:lnSpc>
+                <a:spcPct val="114000"/>
+              </a:lnSpc>
+            </a:pPr>
+            <a:r>
+              <a:rPr lang="en-IN" sz="2000" dirty="0">
+                <a:solidFill>
+                  <a:schemeClr val="tx1">
+                    <a:lumMod val="95000"/>
+                  </a:schemeClr>
+                </a:solidFill>
+              </a:rPr>
+              <a:t>Loans with a Tenure of </a:t>
+            </a:r>
+            <a:r>
+              <a:rPr lang="en-IN" sz="2000" b="1" dirty="0">
+                <a:solidFill>
+                  <a:schemeClr val="tx1">
+                    <a:lumMod val="95000"/>
+                  </a:schemeClr>
+                </a:solidFill>
+              </a:rPr>
+              <a:t>60 Months</a:t>
+            </a:r>
+            <a:r>
+              <a:rPr lang="en-IN" sz="2000" dirty="0">
+                <a:solidFill>
+                  <a:schemeClr val="tx1">
+                    <a:lumMod val="95000"/>
+                  </a:schemeClr>
+                </a:solidFill>
+              </a:rPr>
+              <a:t> have Charged off more.</a:t>
+            </a:r>
+          </a:p>
+          <a:p>
+            <a:pPr>
+              <a:lnSpc>
+                <a:spcPct val="114000"/>
+              </a:lnSpc>
+            </a:pPr>
+            <a:r>
+              <a:rPr lang="en-IN" sz="2000" dirty="0">
+                <a:solidFill>
+                  <a:schemeClr val="tx1">
+                    <a:lumMod val="95000"/>
+                  </a:schemeClr>
+                </a:solidFill>
+              </a:rPr>
+              <a:t>Interest rates are increasing for each Grade. Higher interest rates show strong correlation of getting Charged Off</a:t>
             </a:r>
           </a:p>
         </p:txBody>
@@ -13832,12 +13089,647 @@
     </p:spTree>
     <p:extLst>
       <p:ext uri="{BB962C8B-B14F-4D97-AF65-F5344CB8AC3E}">
-        <p14:creationId xmlns:p14="http://schemas.microsoft.com/office/powerpoint/2010/main" val="2399449442"/>
+        <p14:creationId xmlns:p14="http://schemas.microsoft.com/office/powerpoint/2010/main" val="1409506077"/>
       </p:ext>
     </p:extLst>
   </p:cSld>
   <p:clrMapOvr>
-    <a:overrideClrMapping bg1="dk1" tx1="lt1" bg2="dk2" tx2="lt2" accent1="accent1" accent2="accent2" accent3="accent3" accent4="accent4" accent5="accent5" accent6="accent6" hlink="hlink" folHlink="folHlink"/>
+    <a:masterClrMapping/>
+  </p:clrMapOvr>
+  <mc:AlternateContent xmlns:mc="http://schemas.openxmlformats.org/markup-compatibility/2006" xmlns:p14="http://schemas.microsoft.com/office/powerpoint/2010/main">
+    <mc:Choice Requires="p14">
+      <p:transition spd="med" p14:dur="700">
+        <p:fade/>
+      </p:transition>
+    </mc:Choice>
+    <mc:Fallback xmlns="">
+      <p:transition spd="med">
+        <p:fade/>
+      </p:transition>
+    </mc:Fallback>
+  </mc:AlternateContent>
+</p:sld>
+</file>
+
+<file path=ppt/slides/slide24.xml><?xml version="1.0" encoding="utf-8"?>
+<p:sld xmlns:a="http://schemas.openxmlformats.org/drawingml/2006/main" xmlns:r="http://schemas.openxmlformats.org/officeDocument/2006/relationships" xmlns:p="http://schemas.openxmlformats.org/presentationml/2006/main">
+  <p:cSld>
+    <p:spTree>
+      <p:nvGrpSpPr>
+        <p:cNvPr id="1" name=""/>
+        <p:cNvGrpSpPr/>
+        <p:nvPr/>
+      </p:nvGrpSpPr>
+      <p:grpSpPr>
+        <a:xfrm>
+          <a:off x="0" y="0"/>
+          <a:ext cx="0" cy="0"/>
+          <a:chOff x="0" y="0"/>
+          <a:chExt cx="0" cy="0"/>
+        </a:xfrm>
+      </p:grpSpPr>
+      <p:sp>
+        <p:nvSpPr>
+          <p:cNvPr id="2" name="Title 1">
+            <a:extLst>
+              <a:ext uri="{FF2B5EF4-FFF2-40B4-BE49-F238E27FC236}">
+                <a16:creationId xmlns:a16="http://schemas.microsoft.com/office/drawing/2014/main" id="{08201A1E-5E7C-4C1F-A0E6-1073CED5F620}"/>
+              </a:ext>
+            </a:extLst>
+          </p:cNvPr>
+          <p:cNvSpPr>
+            <a:spLocks noGrp="1"/>
+          </p:cNvSpPr>
+          <p:nvPr>
+            <p:ph type="title"/>
+          </p:nvPr>
+        </p:nvSpPr>
+        <p:spPr>
+          <a:xfrm>
+            <a:off x="657224" y="499533"/>
+            <a:ext cx="10772775" cy="839073"/>
+          </a:xfrm>
+        </p:spPr>
+        <p:txBody>
+          <a:bodyPr/>
+          <a:lstStyle/>
+          <a:p>
+            <a:r>
+              <a:rPr lang="en-IN" dirty="0"/>
+              <a:t>Binning of Data</a:t>
+            </a:r>
+          </a:p>
+        </p:txBody>
+      </p:sp>
+      <p:sp>
+        <p:nvSpPr>
+          <p:cNvPr id="3" name="Content Placeholder 2">
+            <a:extLst>
+              <a:ext uri="{FF2B5EF4-FFF2-40B4-BE49-F238E27FC236}">
+                <a16:creationId xmlns:a16="http://schemas.microsoft.com/office/drawing/2014/main" id="{8D29805C-DA19-11F3-6CDE-03DF111D4B28}"/>
+              </a:ext>
+            </a:extLst>
+          </p:cNvPr>
+          <p:cNvSpPr>
+            <a:spLocks noGrp="1"/>
+          </p:cNvSpPr>
+          <p:nvPr>
+            <p:ph idx="1"/>
+          </p:nvPr>
+        </p:nvSpPr>
+        <p:spPr>
+          <a:xfrm>
+            <a:off x="676656" y="1489436"/>
+            <a:ext cx="10753725" cy="4986778"/>
+          </a:xfrm>
+        </p:spPr>
+        <p:txBody>
+          <a:bodyPr>
+            <a:normAutofit lnSpcReduction="10000"/>
+          </a:bodyPr>
+          <a:lstStyle/>
+          <a:p>
+            <a:pPr marL="179388" indent="-179388">
+              <a:buFont typeface="Arial" panose="020B0604020202020204" pitchFamily="34" charset="0"/>
+              <a:buChar char="•"/>
+            </a:pPr>
+            <a:r>
+              <a:rPr lang="en-IN" dirty="0">
+                <a:solidFill>
+                  <a:schemeClr val="tx1">
+                    <a:lumMod val="95000"/>
+                  </a:schemeClr>
+                </a:solidFill>
+              </a:rPr>
+              <a:t>Binning is a concept of dividing the continuous variables into bins so as each bin may act as a category. </a:t>
+            </a:r>
+          </a:p>
+          <a:p>
+            <a:pPr marL="179388" indent="-179388">
+              <a:buFont typeface="Arial" panose="020B0604020202020204" pitchFamily="34" charset="0"/>
+              <a:buChar char="•"/>
+            </a:pPr>
+            <a:r>
+              <a:rPr lang="en-IN" dirty="0">
+                <a:solidFill>
+                  <a:schemeClr val="tx1">
+                    <a:lumMod val="95000"/>
+                  </a:schemeClr>
+                </a:solidFill>
+              </a:rPr>
+              <a:t>Following attributes are categorized into 5 bins:</a:t>
+            </a:r>
+          </a:p>
+          <a:p>
+            <a:pPr marL="435420" lvl="1" indent="-179388">
+              <a:lnSpc>
+                <a:spcPct val="120000"/>
+              </a:lnSpc>
+              <a:buFont typeface="Arial" panose="020B0604020202020204" pitchFamily="34" charset="0"/>
+              <a:buChar char="•"/>
+            </a:pPr>
+            <a:r>
+              <a:rPr lang="en-IN" sz="2100" dirty="0" err="1">
+                <a:solidFill>
+                  <a:schemeClr val="tx1">
+                    <a:lumMod val="95000"/>
+                  </a:schemeClr>
+                </a:solidFill>
+              </a:rPr>
+              <a:t>annual_income</a:t>
+            </a:r>
+            <a:endParaRPr lang="en-IN" sz="2100" dirty="0">
+              <a:solidFill>
+                <a:schemeClr val="tx1">
+                  <a:lumMod val="95000"/>
+                </a:schemeClr>
+              </a:solidFill>
+            </a:endParaRPr>
+          </a:p>
+          <a:p>
+            <a:pPr marL="435420" lvl="1" indent="-179388">
+              <a:lnSpc>
+                <a:spcPct val="120000"/>
+              </a:lnSpc>
+              <a:buFont typeface="Arial" panose="020B0604020202020204" pitchFamily="34" charset="0"/>
+              <a:buChar char="•"/>
+            </a:pPr>
+            <a:r>
+              <a:rPr lang="en-IN" sz="2100" dirty="0" err="1">
+                <a:solidFill>
+                  <a:schemeClr val="tx1">
+                    <a:lumMod val="95000"/>
+                  </a:schemeClr>
+                </a:solidFill>
+              </a:rPr>
+              <a:t>funded_amount_investor</a:t>
+            </a:r>
+            <a:endParaRPr lang="en-IN" sz="2100" dirty="0">
+              <a:solidFill>
+                <a:schemeClr val="tx1">
+                  <a:lumMod val="95000"/>
+                </a:schemeClr>
+              </a:solidFill>
+            </a:endParaRPr>
+          </a:p>
+          <a:p>
+            <a:pPr marL="435420" lvl="1" indent="-179388">
+              <a:lnSpc>
+                <a:spcPct val="120000"/>
+              </a:lnSpc>
+              <a:buFont typeface="Arial" panose="020B0604020202020204" pitchFamily="34" charset="0"/>
+              <a:buChar char="•"/>
+            </a:pPr>
+            <a:r>
+              <a:rPr lang="en-IN" sz="2100" dirty="0" err="1">
+                <a:solidFill>
+                  <a:schemeClr val="tx1">
+                    <a:lumMod val="95000"/>
+                  </a:schemeClr>
+                </a:solidFill>
+              </a:rPr>
+              <a:t>installment</a:t>
+            </a:r>
+            <a:endParaRPr lang="en-IN" sz="2100" dirty="0">
+              <a:solidFill>
+                <a:schemeClr val="tx1">
+                  <a:lumMod val="95000"/>
+                </a:schemeClr>
+              </a:solidFill>
+            </a:endParaRPr>
+          </a:p>
+          <a:p>
+            <a:pPr marL="435420" lvl="1" indent="-179388">
+              <a:lnSpc>
+                <a:spcPct val="120000"/>
+              </a:lnSpc>
+              <a:buFont typeface="Arial" panose="020B0604020202020204" pitchFamily="34" charset="0"/>
+              <a:buChar char="•"/>
+            </a:pPr>
+            <a:r>
+              <a:rPr lang="en-IN" sz="2100" dirty="0" err="1">
+                <a:solidFill>
+                  <a:schemeClr val="tx1">
+                    <a:lumMod val="95000"/>
+                  </a:schemeClr>
+                </a:solidFill>
+              </a:rPr>
+              <a:t>total_received_late_fee</a:t>
+            </a:r>
+            <a:endParaRPr lang="en-IN" sz="2100" dirty="0">
+              <a:solidFill>
+                <a:schemeClr val="tx1">
+                  <a:lumMod val="95000"/>
+                </a:schemeClr>
+              </a:solidFill>
+            </a:endParaRPr>
+          </a:p>
+          <a:p>
+            <a:pPr marL="435420" lvl="1" indent="-179388">
+              <a:lnSpc>
+                <a:spcPct val="120000"/>
+              </a:lnSpc>
+              <a:buFont typeface="Arial" panose="020B0604020202020204" pitchFamily="34" charset="0"/>
+              <a:buChar char="•"/>
+            </a:pPr>
+            <a:r>
+              <a:rPr lang="en-IN" sz="2100" dirty="0" err="1">
+                <a:solidFill>
+                  <a:schemeClr val="tx1">
+                    <a:lumMod val="95000"/>
+                  </a:schemeClr>
+                </a:solidFill>
+              </a:rPr>
+              <a:t>dti</a:t>
+            </a:r>
+            <a:endParaRPr lang="en-IN" sz="2100" dirty="0">
+              <a:solidFill>
+                <a:schemeClr val="tx1">
+                  <a:lumMod val="95000"/>
+                </a:schemeClr>
+              </a:solidFill>
+            </a:endParaRPr>
+          </a:p>
+          <a:p>
+            <a:pPr marL="435420" lvl="1" indent="-179388">
+              <a:lnSpc>
+                <a:spcPct val="120000"/>
+              </a:lnSpc>
+              <a:buFont typeface="Arial" panose="020B0604020202020204" pitchFamily="34" charset="0"/>
+              <a:buChar char="•"/>
+            </a:pPr>
+            <a:r>
+              <a:rPr lang="en-IN" sz="2100" dirty="0" err="1">
+                <a:solidFill>
+                  <a:schemeClr val="tx1">
+                    <a:lumMod val="95000"/>
+                  </a:schemeClr>
+                </a:solidFill>
+              </a:rPr>
+              <a:t>interest_rate</a:t>
+            </a:r>
+            <a:endParaRPr lang="en-IN" sz="2100" dirty="0">
+              <a:solidFill>
+                <a:schemeClr val="tx1">
+                  <a:lumMod val="95000"/>
+                </a:schemeClr>
+              </a:solidFill>
+            </a:endParaRPr>
+          </a:p>
+          <a:p>
+            <a:pPr marL="435420" lvl="1" indent="-179388">
+              <a:lnSpc>
+                <a:spcPct val="120000"/>
+              </a:lnSpc>
+              <a:buFont typeface="Arial" panose="020B0604020202020204" pitchFamily="34" charset="0"/>
+              <a:buChar char="•"/>
+            </a:pPr>
+            <a:r>
+              <a:rPr lang="en-IN" sz="2100" dirty="0" err="1">
+                <a:solidFill>
+                  <a:schemeClr val="tx1">
+                    <a:lumMod val="95000"/>
+                  </a:schemeClr>
+                </a:solidFill>
+              </a:rPr>
+              <a:t>emp_length</a:t>
+            </a:r>
+            <a:endParaRPr lang="en-IN" sz="2100" dirty="0">
+              <a:solidFill>
+                <a:schemeClr val="tx1">
+                  <a:lumMod val="95000"/>
+                </a:schemeClr>
+              </a:solidFill>
+            </a:endParaRPr>
+          </a:p>
+          <a:p>
+            <a:pPr marL="435420" lvl="1" indent="-179388">
+              <a:lnSpc>
+                <a:spcPct val="120000"/>
+              </a:lnSpc>
+              <a:buFont typeface="Arial" panose="020B0604020202020204" pitchFamily="34" charset="0"/>
+              <a:buChar char="•"/>
+            </a:pPr>
+            <a:r>
+              <a:rPr lang="en-IN" sz="2100" dirty="0">
+                <a:solidFill>
+                  <a:schemeClr val="tx1">
+                    <a:lumMod val="95000"/>
+                  </a:schemeClr>
+                </a:solidFill>
+              </a:rPr>
+              <a:t>inq_last_6mths</a:t>
+            </a:r>
+          </a:p>
+          <a:p>
+            <a:pPr marL="435420" lvl="1" indent="-179388">
+              <a:lnSpc>
+                <a:spcPct val="120000"/>
+              </a:lnSpc>
+              <a:buFont typeface="Arial" panose="020B0604020202020204" pitchFamily="34" charset="0"/>
+              <a:buChar char="•"/>
+            </a:pPr>
+            <a:r>
+              <a:rPr lang="en-IN" sz="2100" dirty="0" err="1">
+                <a:solidFill>
+                  <a:schemeClr val="tx1">
+                    <a:lumMod val="95000"/>
+                  </a:schemeClr>
+                </a:solidFill>
+              </a:rPr>
+              <a:t>public_derogatory_records</a:t>
+            </a:r>
+            <a:endParaRPr lang="en-IN" dirty="0">
+              <a:solidFill>
+                <a:schemeClr val="tx1">
+                  <a:lumMod val="95000"/>
+                </a:schemeClr>
+              </a:solidFill>
+            </a:endParaRPr>
+          </a:p>
+        </p:txBody>
+      </p:sp>
+    </p:spTree>
+    <p:extLst>
+      <p:ext uri="{BB962C8B-B14F-4D97-AF65-F5344CB8AC3E}">
+        <p14:creationId xmlns:p14="http://schemas.microsoft.com/office/powerpoint/2010/main" val="3436366700"/>
+      </p:ext>
+    </p:extLst>
+  </p:cSld>
+  <p:clrMapOvr>
+    <a:masterClrMapping/>
+  </p:clrMapOvr>
+  <mc:AlternateContent xmlns:mc="http://schemas.openxmlformats.org/markup-compatibility/2006" xmlns:p14="http://schemas.microsoft.com/office/powerpoint/2010/main">
+    <mc:Choice Requires="p14">
+      <p:transition spd="med" p14:dur="700">
+        <p:fade/>
+      </p:transition>
+    </mc:Choice>
+    <mc:Fallback xmlns="">
+      <p:transition spd="med">
+        <p:fade/>
+      </p:transition>
+    </mc:Fallback>
+  </mc:AlternateContent>
+</p:sld>
+</file>
+
+<file path=ppt/slides/slide25.xml><?xml version="1.0" encoding="utf-8"?>
+<p:sld xmlns:a="http://schemas.openxmlformats.org/drawingml/2006/main" xmlns:r="http://schemas.openxmlformats.org/officeDocument/2006/relationships" xmlns:p="http://schemas.openxmlformats.org/presentationml/2006/main">
+  <p:cSld>
+    <p:spTree>
+      <p:nvGrpSpPr>
+        <p:cNvPr id="1" name=""/>
+        <p:cNvGrpSpPr/>
+        <p:nvPr/>
+      </p:nvGrpSpPr>
+      <p:grpSpPr>
+        <a:xfrm>
+          <a:off x="0" y="0"/>
+          <a:ext cx="0" cy="0"/>
+          <a:chOff x="0" y="0"/>
+          <a:chExt cx="0" cy="0"/>
+        </a:xfrm>
+      </p:grpSpPr>
+      <p:sp>
+        <p:nvSpPr>
+          <p:cNvPr id="2" name="Title 1">
+            <a:extLst>
+              <a:ext uri="{FF2B5EF4-FFF2-40B4-BE49-F238E27FC236}">
+                <a16:creationId xmlns:a16="http://schemas.microsoft.com/office/drawing/2014/main" id="{35707FBC-CBDC-196C-C782-58C7AFCCD6D5}"/>
+              </a:ext>
+            </a:extLst>
+          </p:cNvPr>
+          <p:cNvSpPr>
+            <a:spLocks noGrp="1"/>
+          </p:cNvSpPr>
+          <p:nvPr>
+            <p:ph type="title"/>
+          </p:nvPr>
+        </p:nvSpPr>
+        <p:spPr>
+          <a:xfrm>
+            <a:off x="657224" y="499533"/>
+            <a:ext cx="10772775" cy="867354"/>
+          </a:xfrm>
+        </p:spPr>
+        <p:txBody>
+          <a:bodyPr>
+            <a:normAutofit/>
+          </a:bodyPr>
+          <a:lstStyle/>
+          <a:p>
+            <a:r>
+              <a:rPr lang="en-IN" dirty="0"/>
+              <a:t>Binning of Data </a:t>
+            </a:r>
+            <a:r>
+              <a:rPr lang="en-IN" sz="4000" dirty="0"/>
+              <a:t>– Binning charged off Data</a:t>
+            </a:r>
+            <a:endParaRPr lang="en-IN" sz="2200" dirty="0"/>
+          </a:p>
+        </p:txBody>
+      </p:sp>
+      <p:pic>
+        <p:nvPicPr>
+          <p:cNvPr id="1026" name="Picture 2">
+            <a:extLst>
+              <a:ext uri="{FF2B5EF4-FFF2-40B4-BE49-F238E27FC236}">
+                <a16:creationId xmlns:a16="http://schemas.microsoft.com/office/drawing/2014/main" id="{E0676D87-881A-8B63-1236-2EC21C4D150F}"/>
+              </a:ext>
+            </a:extLst>
+          </p:cNvPr>
+          <p:cNvPicPr>
+            <a:picLocks noGrp="1" noChangeAspect="1" noChangeArrowheads="1"/>
+          </p:cNvPicPr>
+          <p:nvPr>
+            <p:ph idx="1"/>
+          </p:nvPr>
+        </p:nvPicPr>
+        <p:blipFill>
+          <a:blip r:embed="rId2">
+            <a:extLst>
+              <a:ext uri="{28A0092B-C50C-407E-A947-70E740481C1C}">
+                <a14:useLocalDpi xmlns:a14="http://schemas.microsoft.com/office/drawing/2010/main" val="0"/>
+              </a:ext>
+            </a:extLst>
+          </a:blip>
+          <a:srcRect/>
+          <a:stretch>
+            <a:fillRect/>
+          </a:stretch>
+        </p:blipFill>
+        <p:spPr bwMode="auto">
+          <a:xfrm>
+            <a:off x="5792078" y="1373612"/>
+            <a:ext cx="5639590" cy="2490621"/>
+          </a:xfrm>
+          <a:prstGeom prst="rect">
+            <a:avLst/>
+          </a:prstGeom>
+          <a:noFill/>
+          <a:extLst>
+            <a:ext uri="{909E8E84-426E-40DD-AFC4-6F175D3DCCD1}">
+              <a14:hiddenFill xmlns:a14="http://schemas.microsoft.com/office/drawing/2010/main">
+                <a:solidFill>
+                  <a:srgbClr val="FFFFFF"/>
+                </a:solidFill>
+              </a14:hiddenFill>
+            </a:ext>
+          </a:extLst>
+        </p:spPr>
+      </p:pic>
+      <p:pic>
+        <p:nvPicPr>
+          <p:cNvPr id="1032" name="Picture 8">
+            <a:extLst>
+              <a:ext uri="{FF2B5EF4-FFF2-40B4-BE49-F238E27FC236}">
+                <a16:creationId xmlns:a16="http://schemas.microsoft.com/office/drawing/2014/main" id="{F3A9D52D-42D9-4A60-B9AD-2EBF7388380A}"/>
+              </a:ext>
+            </a:extLst>
+          </p:cNvPr>
+          <p:cNvPicPr>
+            <a:picLocks noChangeAspect="1" noChangeArrowheads="1"/>
+          </p:cNvPicPr>
+          <p:nvPr/>
+        </p:nvPicPr>
+        <p:blipFill>
+          <a:blip r:embed="rId3">
+            <a:extLst>
+              <a:ext uri="{28A0092B-C50C-407E-A947-70E740481C1C}">
+                <a14:useLocalDpi xmlns:a14="http://schemas.microsoft.com/office/drawing/2010/main" val="0"/>
+              </a:ext>
+            </a:extLst>
+          </a:blip>
+          <a:srcRect/>
+          <a:stretch>
+            <a:fillRect/>
+          </a:stretch>
+        </p:blipFill>
+        <p:spPr bwMode="auto">
+          <a:xfrm>
+            <a:off x="657224" y="4010807"/>
+            <a:ext cx="4985691" cy="2604836"/>
+          </a:xfrm>
+          <a:prstGeom prst="rect">
+            <a:avLst/>
+          </a:prstGeom>
+          <a:noFill/>
+          <a:extLst>
+            <a:ext uri="{909E8E84-426E-40DD-AFC4-6F175D3DCCD1}">
+              <a14:hiddenFill xmlns:a14="http://schemas.microsoft.com/office/drawing/2010/main">
+                <a:solidFill>
+                  <a:srgbClr val="FFFFFF"/>
+                </a:solidFill>
+              </a14:hiddenFill>
+            </a:ext>
+          </a:extLst>
+        </p:spPr>
+      </p:pic>
+      <p:pic>
+        <p:nvPicPr>
+          <p:cNvPr id="1034" name="Picture 10">
+            <a:extLst>
+              <a:ext uri="{FF2B5EF4-FFF2-40B4-BE49-F238E27FC236}">
+                <a16:creationId xmlns:a16="http://schemas.microsoft.com/office/drawing/2014/main" id="{1775E582-9F0F-F4A7-CDD3-0A7F38C8E8FD}"/>
+              </a:ext>
+            </a:extLst>
+          </p:cNvPr>
+          <p:cNvPicPr>
+            <a:picLocks noChangeAspect="1" noChangeArrowheads="1"/>
+          </p:cNvPicPr>
+          <p:nvPr/>
+        </p:nvPicPr>
+        <p:blipFill>
+          <a:blip r:embed="rId4">
+            <a:extLst>
+              <a:ext uri="{28A0092B-C50C-407E-A947-70E740481C1C}">
+                <a14:useLocalDpi xmlns:a14="http://schemas.microsoft.com/office/drawing/2010/main" val="0"/>
+              </a:ext>
+            </a:extLst>
+          </a:blip>
+          <a:srcRect/>
+          <a:stretch>
+            <a:fillRect/>
+          </a:stretch>
+        </p:blipFill>
+        <p:spPr bwMode="auto">
+          <a:xfrm>
+            <a:off x="657224" y="1330086"/>
+            <a:ext cx="4985691" cy="2533182"/>
+          </a:xfrm>
+          <a:prstGeom prst="rect">
+            <a:avLst/>
+          </a:prstGeom>
+          <a:noFill/>
+          <a:extLst>
+            <a:ext uri="{909E8E84-426E-40DD-AFC4-6F175D3DCCD1}">
+              <a14:hiddenFill xmlns:a14="http://schemas.microsoft.com/office/drawing/2010/main">
+                <a:solidFill>
+                  <a:srgbClr val="FFFFFF"/>
+                </a:solidFill>
+              </a14:hiddenFill>
+            </a:ext>
+          </a:extLst>
+        </p:spPr>
+      </p:pic>
+      <p:pic>
+        <p:nvPicPr>
+          <p:cNvPr id="1036" name="Picture 12">
+            <a:extLst>
+              <a:ext uri="{FF2B5EF4-FFF2-40B4-BE49-F238E27FC236}">
+                <a16:creationId xmlns:a16="http://schemas.microsoft.com/office/drawing/2014/main" id="{8F4BDBB0-8B7F-E3B4-915B-458158D8DC69}"/>
+              </a:ext>
+            </a:extLst>
+          </p:cNvPr>
+          <p:cNvPicPr>
+            <a:picLocks noChangeAspect="1" noChangeArrowheads="1"/>
+          </p:cNvPicPr>
+          <p:nvPr/>
+        </p:nvPicPr>
+        <p:blipFill>
+          <a:blip r:embed="rId5">
+            <a:extLst>
+              <a:ext uri="{28A0092B-C50C-407E-A947-70E740481C1C}">
+                <a14:useLocalDpi xmlns:a14="http://schemas.microsoft.com/office/drawing/2010/main" val="0"/>
+              </a:ext>
+            </a:extLst>
+          </a:blip>
+          <a:srcRect/>
+          <a:stretch>
+            <a:fillRect/>
+          </a:stretch>
+        </p:blipFill>
+        <p:spPr bwMode="auto">
+          <a:xfrm>
+            <a:off x="5792079" y="4015736"/>
+            <a:ext cx="5067300" cy="2587207"/>
+          </a:xfrm>
+          <a:prstGeom prst="rect">
+            <a:avLst/>
+          </a:prstGeom>
+          <a:noFill/>
+          <a:extLst>
+            <a:ext uri="{909E8E84-426E-40DD-AFC4-6F175D3DCCD1}">
+              <a14:hiddenFill xmlns:a14="http://schemas.microsoft.com/office/drawing/2010/main">
+                <a:solidFill>
+                  <a:srgbClr val="FFFFFF"/>
+                </a:solidFill>
+              </a14:hiddenFill>
+            </a:ext>
+          </a:extLst>
+        </p:spPr>
+      </p:pic>
+    </p:spTree>
+    <p:extLst>
+      <p:ext uri="{BB962C8B-B14F-4D97-AF65-F5344CB8AC3E}">
+        <p14:creationId xmlns:p14="http://schemas.microsoft.com/office/powerpoint/2010/main" val="3982237307"/>
+      </p:ext>
+    </p:extLst>
+  </p:cSld>
+  <p:clrMapOvr>
+    <a:masterClrMapping/>
   </p:clrMapOvr>
   <mc:AlternateContent xmlns:mc="http://schemas.openxmlformats.org/markup-compatibility/2006" xmlns:p14="http://schemas.microsoft.com/office/powerpoint/2010/main">
     <mc:Choice Requires="p14">
@@ -13876,7 +13768,7 @@
           <p:cNvPr id="2" name="Title 1">
             <a:extLst>
               <a:ext uri="{FF2B5EF4-FFF2-40B4-BE49-F238E27FC236}">
-                <a16:creationId xmlns:a16="http://schemas.microsoft.com/office/drawing/2014/main" id="{0F1C7A80-DC28-1922-E396-9421F9365606}"/>
+                <a16:creationId xmlns:a16="http://schemas.microsoft.com/office/drawing/2014/main" id="{35707FBC-CBDC-196C-C782-58C7AFCCD6D5}"/>
               </a:ext>
             </a:extLst>
           </p:cNvPr>
@@ -13890,121 +13782,34 @@
         <p:spPr>
           <a:xfrm>
             <a:off x="657224" y="499533"/>
-            <a:ext cx="10772775" cy="1018182"/>
+            <a:ext cx="10772775" cy="867354"/>
           </a:xfrm>
         </p:spPr>
         <p:txBody>
-          <a:bodyPr>
-            <a:normAutofit/>
-          </a:bodyPr>
+          <a:bodyPr/>
           <a:lstStyle/>
           <a:p>
             <a:r>
               <a:rPr lang="en-IN" dirty="0"/>
-              <a:t>Multivariate Analysis </a:t>
-            </a:r>
-            <a:r>
-              <a:rPr lang="en-IN" sz="3200" dirty="0"/>
-              <a:t>(Interest Rate – Purpose)</a:t>
-            </a:r>
-            <a:endParaRPr lang="en-IN" dirty="0"/>
-          </a:p>
-        </p:txBody>
-      </p:sp>
-      <p:sp>
-        <p:nvSpPr>
-          <p:cNvPr id="3" name="Content Placeholder 2">
-            <a:extLst>
-              <a:ext uri="{FF2B5EF4-FFF2-40B4-BE49-F238E27FC236}">
-                <a16:creationId xmlns:a16="http://schemas.microsoft.com/office/drawing/2014/main" id="{D94D65CF-4E07-5072-26FD-FE694F46B8BC}"/>
-              </a:ext>
-            </a:extLst>
-          </p:cNvPr>
-          <p:cNvSpPr>
-            <a:spLocks noGrp="1"/>
-          </p:cNvSpPr>
-          <p:nvPr>
-            <p:ph idx="1"/>
-          </p:nvPr>
-        </p:nvSpPr>
-        <p:spPr>
-          <a:xfrm>
-            <a:off x="720228" y="5642817"/>
-            <a:ext cx="10646766" cy="715672"/>
-          </a:xfrm>
-        </p:spPr>
-        <p:txBody>
-          <a:bodyPr>
-            <a:normAutofit lnSpcReduction="10000"/>
-          </a:bodyPr>
-          <a:lstStyle/>
-          <a:p>
-            <a:pPr marL="179388" indent="-179388">
-              <a:buClr>
-                <a:schemeClr val="tx1"/>
-              </a:buClr>
-              <a:buFont typeface="Arial" panose="020B0604020202020204" pitchFamily="34" charset="0"/>
-              <a:buChar char="•"/>
-            </a:pPr>
-            <a:r>
-              <a:rPr lang="en-IN" dirty="0">
-                <a:solidFill>
-                  <a:schemeClr val="tx1">
-                    <a:lumMod val="95000"/>
-                  </a:schemeClr>
-                </a:solidFill>
-              </a:rPr>
-              <a:t>Loans with purpose of </a:t>
-            </a:r>
-            <a:r>
-              <a:rPr lang="en-IN" b="1" dirty="0">
-                <a:solidFill>
-                  <a:schemeClr val="tx1">
-                    <a:lumMod val="95000"/>
-                  </a:schemeClr>
-                </a:solidFill>
-              </a:rPr>
-              <a:t>House</a:t>
-            </a:r>
-            <a:r>
-              <a:rPr lang="en-IN" dirty="0">
-                <a:solidFill>
-                  <a:schemeClr val="tx1">
-                    <a:lumMod val="95000"/>
-                  </a:schemeClr>
-                </a:solidFill>
-              </a:rPr>
-              <a:t> and with </a:t>
-            </a:r>
-            <a:r>
-              <a:rPr lang="en-IN" b="1" dirty="0">
-                <a:solidFill>
-                  <a:schemeClr val="tx1">
-                    <a:lumMod val="95000"/>
-                  </a:schemeClr>
-                </a:solidFill>
-              </a:rPr>
-              <a:t>higher interest rate</a:t>
-            </a:r>
-            <a:r>
-              <a:rPr lang="en-IN" dirty="0">
-                <a:solidFill>
-                  <a:schemeClr val="tx1">
-                    <a:lumMod val="95000"/>
-                  </a:schemeClr>
-                </a:solidFill>
-              </a:rPr>
-              <a:t> are having changes of getting Charged Off</a:t>
+              <a:t>Binning of Data</a:t>
+            </a:r>
+            <a:r>
+              <a:rPr lang="en-IN" sz="5400" dirty="0"/>
+              <a:t> </a:t>
+            </a:r>
+            <a:r>
+              <a:rPr lang="en-IN" sz="4000" dirty="0"/>
+              <a:t>– Binning charged off Data</a:t>
             </a:r>
           </a:p>
         </p:txBody>
       </p:sp>
       <p:pic>
         <p:nvPicPr>
-          <p:cNvPr id="2050" name="Picture 2">
+          <p:cNvPr id="1028" name="Picture 4">
             <a:extLst>
               <a:ext uri="{FF2B5EF4-FFF2-40B4-BE49-F238E27FC236}">
-                <a16:creationId xmlns:a16="http://schemas.microsoft.com/office/drawing/2014/main" id="{DCFEDBE8-E14E-6AE0-A04C-C38399C9B665}"/>
+                <a16:creationId xmlns:a16="http://schemas.microsoft.com/office/drawing/2014/main" id="{64FCE1BB-5836-D6AD-AEF8-4DF9ECC4EDF3}"/>
               </a:ext>
             </a:extLst>
           </p:cNvPr>
@@ -14028,8 +13833,8 @@
         </p:blipFill>
         <p:spPr bwMode="auto">
           <a:xfrm>
-            <a:off x="2978924" y="1593994"/>
-            <a:ext cx="5797431" cy="3670011"/>
+            <a:off x="1016000" y="1552494"/>
+            <a:ext cx="4878912" cy="2427859"/>
           </a:xfrm>
           <a:prstGeom prst="rect">
             <a:avLst/>
@@ -14046,10 +13851,151 @@
           </a:extLst>
         </p:spPr>
       </p:pic>
+      <p:pic>
+        <p:nvPicPr>
+          <p:cNvPr id="1038" name="Picture 14">
+            <a:extLst>
+              <a:ext uri="{FF2B5EF4-FFF2-40B4-BE49-F238E27FC236}">
+                <a16:creationId xmlns:a16="http://schemas.microsoft.com/office/drawing/2014/main" id="{C4992D41-B83D-4261-1FBE-4EBEAAC0A7AB}"/>
+              </a:ext>
+            </a:extLst>
+          </p:cNvPr>
+          <p:cNvPicPr>
+            <a:picLocks noChangeAspect="1" noChangeArrowheads="1"/>
+          </p:cNvPicPr>
+          <p:nvPr/>
+        </p:nvPicPr>
+        <p:blipFill>
+          <a:blip r:embed="rId3">
+            <a:extLst>
+              <a:ext uri="{28A0092B-C50C-407E-A947-70E740481C1C}">
+                <a14:useLocalDpi xmlns:a14="http://schemas.microsoft.com/office/drawing/2010/main" val="0"/>
+              </a:ext>
+            </a:extLst>
+          </a:blip>
+          <a:srcRect/>
+          <a:stretch>
+            <a:fillRect/>
+          </a:stretch>
+        </p:blipFill>
+        <p:spPr bwMode="auto">
+          <a:xfrm>
+            <a:off x="1449523" y="4156009"/>
+            <a:ext cx="4445389" cy="2244134"/>
+          </a:xfrm>
+          <a:prstGeom prst="rect">
+            <a:avLst/>
+          </a:prstGeom>
+          <a:noFill/>
+          <a:extLst>
+            <a:ext uri="{909E8E84-426E-40DD-AFC4-6F175D3DCCD1}">
+              <a14:hiddenFill xmlns:a14="http://schemas.microsoft.com/office/drawing/2010/main">
+                <a:solidFill>
+                  <a:srgbClr val="FFFFFF"/>
+                </a:solidFill>
+              </a14:hiddenFill>
+            </a:ext>
+          </a:extLst>
+        </p:spPr>
+      </p:pic>
+      <p:pic>
+        <p:nvPicPr>
+          <p:cNvPr id="1040" name="Picture 16">
+            <a:extLst>
+              <a:ext uri="{FF2B5EF4-FFF2-40B4-BE49-F238E27FC236}">
+                <a16:creationId xmlns:a16="http://schemas.microsoft.com/office/drawing/2014/main" id="{0B83E843-F458-463C-A48B-8E581B08438B}"/>
+              </a:ext>
+            </a:extLst>
+          </p:cNvPr>
+          <p:cNvPicPr>
+            <a:picLocks noChangeAspect="1" noChangeArrowheads="1"/>
+          </p:cNvPicPr>
+          <p:nvPr/>
+        </p:nvPicPr>
+        <p:blipFill>
+          <a:blip r:embed="rId4">
+            <a:extLst>
+              <a:ext uri="{28A0092B-C50C-407E-A947-70E740481C1C}">
+                <a14:useLocalDpi xmlns:a14="http://schemas.microsoft.com/office/drawing/2010/main" val="0"/>
+              </a:ext>
+            </a:extLst>
+          </a:blip>
+          <a:srcRect/>
+          <a:stretch>
+            <a:fillRect/>
+          </a:stretch>
+        </p:blipFill>
+        <p:spPr bwMode="auto">
+          <a:xfrm>
+            <a:off x="6018733" y="1552493"/>
+            <a:ext cx="5157267" cy="2427860"/>
+          </a:xfrm>
+          <a:prstGeom prst="rect">
+            <a:avLst/>
+          </a:prstGeom>
+          <a:noFill/>
+          <a:extLst>
+            <a:ext uri="{909E8E84-426E-40DD-AFC4-6F175D3DCCD1}">
+              <a14:hiddenFill xmlns:a14="http://schemas.microsoft.com/office/drawing/2010/main">
+                <a:solidFill>
+                  <a:srgbClr val="FFFFFF"/>
+                </a:solidFill>
+              </a14:hiddenFill>
+            </a:ext>
+          </a:extLst>
+        </p:spPr>
+      </p:pic>
+      <p:pic>
+        <p:nvPicPr>
+          <p:cNvPr id="1042" name="Picture 18">
+            <a:extLst>
+              <a:ext uri="{FF2B5EF4-FFF2-40B4-BE49-F238E27FC236}">
+                <a16:creationId xmlns:a16="http://schemas.microsoft.com/office/drawing/2014/main" id="{556E790B-2B79-A2B7-BF41-6C09424847F5}"/>
+              </a:ext>
+            </a:extLst>
+          </p:cNvPr>
+          <p:cNvPicPr>
+            <a:picLocks noChangeAspect="1" noChangeArrowheads="1"/>
+          </p:cNvPicPr>
+          <p:nvPr/>
+        </p:nvPicPr>
+        <p:blipFill>
+          <a:blip r:embed="rId5">
+            <a:extLst>
+              <a:ext uri="{28A0092B-C50C-407E-A947-70E740481C1C}">
+                <a14:useLocalDpi xmlns:a14="http://schemas.microsoft.com/office/drawing/2010/main" val="0"/>
+              </a:ext>
+            </a:extLst>
+          </a:blip>
+          <a:srcRect/>
+          <a:stretch>
+            <a:fillRect/>
+          </a:stretch>
+        </p:blipFill>
+        <p:spPr bwMode="auto">
+          <a:xfrm>
+            <a:off x="6018732" y="4165959"/>
+            <a:ext cx="5157268" cy="2320031"/>
+          </a:xfrm>
+          <a:prstGeom prst="rect">
+            <a:avLst/>
+          </a:prstGeom>
+          <a:noFill/>
+          <a:extLst>
+            <a:ext uri="{909E8E84-426E-40DD-AFC4-6F175D3DCCD1}">
+              <a14:hiddenFill xmlns:a14="http://schemas.microsoft.com/office/drawing/2010/main">
+                <a:solidFill>
+                  <a:srgbClr val="FFFFFF"/>
+                </a:solidFill>
+              </a14:hiddenFill>
+            </a:ext>
+          </a:extLst>
+        </p:spPr>
+      </p:pic>
     </p:spTree>
     <p:extLst>
       <p:ext uri="{BB962C8B-B14F-4D97-AF65-F5344CB8AC3E}">
-        <p14:creationId xmlns:p14="http://schemas.microsoft.com/office/powerpoint/2010/main" val="2402854921"/>
+        <p14:creationId xmlns:p14="http://schemas.microsoft.com/office/powerpoint/2010/main" val="195623195"/>
       </p:ext>
     </p:extLst>
   </p:cSld>
@@ -14074,6 +14020,14 @@
 <file path=ppt/slides/slide27.xml><?xml version="1.0" encoding="utf-8"?>
 <p:sld xmlns:a="http://schemas.openxmlformats.org/drawingml/2006/main" xmlns:r="http://schemas.openxmlformats.org/officeDocument/2006/relationships" xmlns:p="http://schemas.openxmlformats.org/presentationml/2006/main">
   <p:cSld>
+    <p:bg>
+      <p:bgPr>
+        <a:solidFill>
+          <a:schemeClr val="accent1"/>
+        </a:solidFill>
+        <a:effectLst/>
+      </p:bgPr>
+    </p:bg>
     <p:spTree>
       <p:nvGrpSpPr>
         <p:cNvPr id="1" name=""/>
@@ -14093,7 +14047,7 @@
           <p:cNvPr id="2" name="Title 1">
             <a:extLst>
               <a:ext uri="{FF2B5EF4-FFF2-40B4-BE49-F238E27FC236}">
-                <a16:creationId xmlns:a16="http://schemas.microsoft.com/office/drawing/2014/main" id="{0F1C7A80-DC28-1922-E396-9421F9365606}"/>
+                <a16:creationId xmlns:a16="http://schemas.microsoft.com/office/drawing/2014/main" id="{E4660895-E842-C3C9-6C5E-E0D106CFC53F}"/>
               </a:ext>
             </a:extLst>
           </p:cNvPr>
@@ -14107,32 +14061,21 @@
         <p:spPr>
           <a:xfrm>
             <a:off x="657224" y="499533"/>
-            <a:ext cx="10772775" cy="1018182"/>
+            <a:ext cx="10772775" cy="886207"/>
           </a:xfrm>
         </p:spPr>
         <p:txBody>
-          <a:bodyPr>
-            <a:normAutofit/>
-          </a:bodyPr>
+          <a:bodyPr/>
           <a:lstStyle/>
           <a:p>
             <a:r>
-              <a:rPr lang="en-IN" dirty="0"/>
-              <a:t>Multivariate Analysis </a:t>
-            </a:r>
-            <a:r>
-              <a:rPr lang="en-IN" sz="3200" dirty="0"/>
-              <a:t>(Annual Income - </a:t>
-            </a:r>
-            <a:r>
-              <a:rPr lang="en-IN" sz="3200" dirty="0" err="1"/>
-              <a:t>emp_length</a:t>
-            </a:r>
-            <a:r>
-              <a:rPr lang="en-IN" sz="3200" dirty="0"/>
-              <a:t>)</a:t>
-            </a:r>
-            <a:endParaRPr lang="en-IN" dirty="0"/>
+              <a:rPr lang="en-IN" dirty="0">
+                <a:solidFill>
+                  <a:schemeClr val="tx1"/>
+                </a:solidFill>
+              </a:rPr>
+              <a:t>Summary of Binning data</a:t>
+            </a:r>
           </a:p>
         </p:txBody>
       </p:sp>
@@ -14141,7 +14084,7 @@
           <p:cNvPr id="3" name="Content Placeholder 2">
             <a:extLst>
               <a:ext uri="{FF2B5EF4-FFF2-40B4-BE49-F238E27FC236}">
-                <a16:creationId xmlns:a16="http://schemas.microsoft.com/office/drawing/2014/main" id="{D94D65CF-4E07-5072-26FD-FE694F46B8BC}"/>
+                <a16:creationId xmlns:a16="http://schemas.microsoft.com/office/drawing/2014/main" id="{AD369338-DBB3-81D3-B98B-BABA682E0382}"/>
               </a:ext>
             </a:extLst>
           </p:cNvPr>
@@ -14154,17 +14097,20 @@
         </p:nvSpPr>
         <p:spPr>
           <a:xfrm>
-            <a:off x="761238" y="5661648"/>
-            <a:ext cx="10668761" cy="696819"/>
+            <a:off x="676656" y="1470581"/>
+            <a:ext cx="10753725" cy="5073093"/>
           </a:xfrm>
         </p:spPr>
         <p:txBody>
           <a:bodyPr>
-            <a:normAutofit lnSpcReduction="10000"/>
+            <a:normAutofit/>
           </a:bodyPr>
           <a:lstStyle/>
           <a:p>
             <a:pPr marL="179388" indent="-179388">
+              <a:lnSpc>
+                <a:spcPct val="114000"/>
+              </a:lnSpc>
               <a:buClr>
                 <a:schemeClr val="tx1"/>
               </a:buClr>
@@ -14174,110 +14120,271 @@
             <a:r>
               <a:rPr lang="en-IN" dirty="0">
                 <a:solidFill>
-                  <a:schemeClr val="tx1">
-                    <a:lumMod val="95000"/>
-                  </a:schemeClr>
-                </a:solidFill>
-              </a:rPr>
-              <a:t>Loans are Charged Off when the employment is </a:t>
+                  <a:schemeClr val="tx1"/>
+                </a:solidFill>
+              </a:rPr>
+              <a:t>Loans with </a:t>
             </a:r>
             <a:r>
               <a:rPr lang="en-IN" b="1" dirty="0">
                 <a:solidFill>
-                  <a:schemeClr val="tx1">
-                    <a:lumMod val="95000"/>
-                  </a:schemeClr>
-                </a:solidFill>
-              </a:rPr>
-              <a:t>7 years </a:t>
+                  <a:schemeClr val="tx1"/>
+                </a:solidFill>
+              </a:rPr>
+              <a:t>Investor funded amount &lt; ~7850</a:t>
             </a:r>
             <a:r>
               <a:rPr lang="en-IN" dirty="0">
                 <a:solidFill>
-                  <a:schemeClr val="tx1">
-                    <a:lumMod val="95000"/>
-                  </a:schemeClr>
-                </a:solidFill>
-              </a:rPr>
-              <a:t>and the annual income is in the range of </a:t>
+                  <a:schemeClr val="tx1"/>
+                </a:solidFill>
+              </a:rPr>
+              <a:t> are observed to be Charged Off</a:t>
+            </a:r>
+          </a:p>
+          <a:p>
+            <a:pPr marL="179388" indent="-179388">
+              <a:lnSpc>
+                <a:spcPct val="114000"/>
+              </a:lnSpc>
+              <a:buClr>
+                <a:schemeClr val="tx1"/>
+              </a:buClr>
+              <a:buFont typeface="Arial" panose="020B0604020202020204" pitchFamily="34" charset="0"/>
+              <a:buChar char="•"/>
+            </a:pPr>
+            <a:r>
+              <a:rPr lang="en-IN" dirty="0">
+                <a:solidFill>
+                  <a:schemeClr val="tx1"/>
+                </a:solidFill>
+              </a:rPr>
+              <a:t>Loans with </a:t>
             </a:r>
             <a:r>
               <a:rPr lang="en-IN" b="1" dirty="0">
                 <a:solidFill>
-                  <a:schemeClr val="tx1">
-                    <a:lumMod val="95000"/>
-                  </a:schemeClr>
-                </a:solidFill>
-              </a:rPr>
-              <a:t>[627K-938K]</a:t>
+                  <a:schemeClr val="tx1"/>
+                </a:solidFill>
+              </a:rPr>
+              <a:t>Monthly Instalments in the range of ~23 - 244</a:t>
+            </a:r>
+            <a:r>
+              <a:rPr lang="en-IN" dirty="0">
+                <a:solidFill>
+                  <a:schemeClr val="tx1"/>
+                </a:solidFill>
+              </a:rPr>
+              <a:t> are observed to be Charged Off</a:t>
+            </a:r>
+          </a:p>
+          <a:p>
+            <a:pPr marL="179388" indent="-179388">
+              <a:lnSpc>
+                <a:spcPct val="114000"/>
+              </a:lnSpc>
+              <a:buClr>
+                <a:schemeClr val="tx1"/>
+              </a:buClr>
+              <a:buFont typeface="Arial" panose="020B0604020202020204" pitchFamily="34" charset="0"/>
+              <a:buChar char="•"/>
+            </a:pPr>
+            <a:r>
+              <a:rPr lang="en-IN" dirty="0">
+                <a:solidFill>
+                  <a:schemeClr val="tx1"/>
+                </a:solidFill>
+              </a:rPr>
+              <a:t>Loans with </a:t>
+            </a:r>
+            <a:r>
+              <a:rPr lang="en-IN" b="1" dirty="0" err="1">
+                <a:solidFill>
+                  <a:schemeClr val="tx1"/>
+                </a:solidFill>
+              </a:rPr>
+              <a:t>dti</a:t>
+            </a:r>
+            <a:r>
+              <a:rPr lang="en-IN" b="1" dirty="0">
+                <a:solidFill>
+                  <a:schemeClr val="tx1"/>
+                </a:solidFill>
+              </a:rPr>
+              <a:t> in the range of ~7-22.5</a:t>
+            </a:r>
+            <a:r>
+              <a:rPr lang="en-IN" dirty="0">
+                <a:solidFill>
+                  <a:schemeClr val="tx1"/>
+                </a:solidFill>
+              </a:rPr>
+              <a:t> are observed to be Charged Off</a:t>
+            </a:r>
+          </a:p>
+          <a:p>
+            <a:pPr marL="179388" indent="-179388">
+              <a:lnSpc>
+                <a:spcPct val="114000"/>
+              </a:lnSpc>
+              <a:buClr>
+                <a:schemeClr val="tx1"/>
+              </a:buClr>
+              <a:buFont typeface="Arial" panose="020B0604020202020204" pitchFamily="34" charset="0"/>
+              <a:buChar char="•"/>
+            </a:pPr>
+            <a:r>
+              <a:rPr lang="en-IN" dirty="0">
+                <a:solidFill>
+                  <a:schemeClr val="tx1"/>
+                </a:solidFill>
+              </a:rPr>
+              <a:t>Loans with </a:t>
+            </a:r>
+            <a:r>
+              <a:rPr lang="en-IN" b="1" dirty="0">
+                <a:solidFill>
+                  <a:schemeClr val="tx1"/>
+                </a:solidFill>
+              </a:rPr>
+              <a:t>Interest Rate in the range of ~ 9.75-14.5</a:t>
+            </a:r>
+            <a:r>
+              <a:rPr lang="en-IN" dirty="0">
+                <a:solidFill>
+                  <a:schemeClr val="tx1"/>
+                </a:solidFill>
+              </a:rPr>
+              <a:t> are observed to be Charged Off</a:t>
+            </a:r>
+          </a:p>
+          <a:p>
+            <a:pPr marL="179388" indent="-179388">
+              <a:lnSpc>
+                <a:spcPct val="114000"/>
+              </a:lnSpc>
+              <a:buClr>
+                <a:schemeClr val="tx1"/>
+              </a:buClr>
+              <a:buFont typeface="Arial" panose="020B0604020202020204" pitchFamily="34" charset="0"/>
+              <a:buChar char="•"/>
+            </a:pPr>
+            <a:r>
+              <a:rPr lang="en-IN" dirty="0">
+                <a:solidFill>
+                  <a:schemeClr val="tx1"/>
+                </a:solidFill>
+              </a:rPr>
+              <a:t>Loans with </a:t>
+            </a:r>
+            <a:r>
+              <a:rPr lang="en-IN" b="1" dirty="0">
+                <a:solidFill>
+                  <a:schemeClr val="tx1"/>
+                </a:solidFill>
+              </a:rPr>
+              <a:t>1-2 inquiries in last 6 months</a:t>
+            </a:r>
+            <a:r>
+              <a:rPr lang="en-IN" dirty="0">
+                <a:solidFill>
+                  <a:schemeClr val="tx1"/>
+                </a:solidFill>
+              </a:rPr>
+              <a:t> are observed to be Charged Off</a:t>
+            </a:r>
+          </a:p>
+          <a:p>
+            <a:pPr marL="179388" indent="-179388">
+              <a:lnSpc>
+                <a:spcPct val="114000"/>
+              </a:lnSpc>
+              <a:buClr>
+                <a:schemeClr val="tx1"/>
+              </a:buClr>
+              <a:buFont typeface="Arial" panose="020B0604020202020204" pitchFamily="34" charset="0"/>
+              <a:buChar char="•"/>
+            </a:pPr>
+            <a:r>
+              <a:rPr lang="en-IN" dirty="0">
+                <a:solidFill>
+                  <a:schemeClr val="tx1"/>
+                </a:solidFill>
+              </a:rPr>
+              <a:t>Loans with </a:t>
+            </a:r>
+            <a:r>
+              <a:rPr lang="en-IN" b="1" dirty="0">
+                <a:solidFill>
+                  <a:schemeClr val="tx1"/>
+                </a:solidFill>
+              </a:rPr>
+              <a:t>at least 1 public derogatory record</a:t>
+            </a:r>
+            <a:r>
+              <a:rPr lang="en-IN" dirty="0">
+                <a:solidFill>
+                  <a:schemeClr val="tx1"/>
+                </a:solidFill>
+              </a:rPr>
+              <a:t> are observed to be Charged Off</a:t>
+            </a:r>
+          </a:p>
+          <a:p>
+            <a:pPr marL="179388" indent="-179388">
+              <a:lnSpc>
+                <a:spcPct val="114000"/>
+              </a:lnSpc>
+              <a:buClr>
+                <a:schemeClr val="tx1"/>
+              </a:buClr>
+              <a:buFont typeface="Arial" panose="020B0604020202020204" pitchFamily="34" charset="0"/>
+              <a:buChar char="•"/>
+            </a:pPr>
+            <a:r>
+              <a:rPr lang="en-IN" dirty="0">
+                <a:solidFill>
+                  <a:schemeClr val="tx1"/>
+                </a:solidFill>
+              </a:rPr>
+              <a:t>Loans with higher </a:t>
+            </a:r>
+            <a:r>
+              <a:rPr lang="en-IN" b="1" dirty="0">
+                <a:solidFill>
+                  <a:schemeClr val="tx1"/>
+                </a:solidFill>
+              </a:rPr>
+              <a:t>interest rate</a:t>
+            </a:r>
+            <a:r>
+              <a:rPr lang="en-IN" dirty="0">
+                <a:solidFill>
+                  <a:schemeClr val="tx1"/>
+                </a:solidFill>
+              </a:rPr>
+              <a:t> are likely to be Charged Off.</a:t>
             </a:r>
           </a:p>
         </p:txBody>
       </p:sp>
-      <p:pic>
-        <p:nvPicPr>
-          <p:cNvPr id="3074" name="Picture 2">
-            <a:extLst>
-              <a:ext uri="{FF2B5EF4-FFF2-40B4-BE49-F238E27FC236}">
-                <a16:creationId xmlns:a16="http://schemas.microsoft.com/office/drawing/2014/main" id="{25701EA5-7BAC-C10F-87D9-8F2164261C88}"/>
-              </a:ext>
-            </a:extLst>
-          </p:cNvPr>
-          <p:cNvPicPr>
-            <a:picLocks noChangeAspect="1" noChangeArrowheads="1"/>
-          </p:cNvPicPr>
-          <p:nvPr/>
-        </p:nvPicPr>
-        <p:blipFill>
-          <a:blip r:embed="rId2">
-            <a:extLst>
-              <a:ext uri="{28A0092B-C50C-407E-A947-70E740481C1C}">
-                <a14:useLocalDpi xmlns:a14="http://schemas.microsoft.com/office/drawing/2010/main" val="0"/>
-              </a:ext>
-            </a:extLst>
-          </a:blip>
-          <a:srcRect/>
-          <a:stretch>
-            <a:fillRect/>
-          </a:stretch>
-        </p:blipFill>
-        <p:spPr bwMode="auto">
-          <a:xfrm>
-            <a:off x="2958066" y="1650112"/>
-            <a:ext cx="5874850" cy="3557776"/>
-          </a:xfrm>
-          <a:prstGeom prst="rect">
-            <a:avLst/>
-          </a:prstGeom>
-          <a:noFill/>
-          <a:extLst>
-            <a:ext uri="{909E8E84-426E-40DD-AFC4-6F175D3DCCD1}">
-              <a14:hiddenFill xmlns:a14="http://schemas.microsoft.com/office/drawing/2010/main">
-                <a:solidFill>
-                  <a:srgbClr val="FFFFFF"/>
-                </a:solidFill>
-              </a14:hiddenFill>
-            </a:ext>
-          </a:extLst>
-        </p:spPr>
-      </p:pic>
     </p:spTree>
     <p:extLst>
       <p:ext uri="{BB962C8B-B14F-4D97-AF65-F5344CB8AC3E}">
-        <p14:creationId xmlns:p14="http://schemas.microsoft.com/office/powerpoint/2010/main" val="2073131590"/>
+        <p14:creationId xmlns:p14="http://schemas.microsoft.com/office/powerpoint/2010/main" val="2399449442"/>
       </p:ext>
     </p:extLst>
   </p:cSld>
   <p:clrMapOvr>
-    <a:masterClrMapping/>
+    <a:overrideClrMapping bg1="dk1" tx1="lt1" bg2="dk2" tx2="lt2" accent1="accent1" accent2="accent2" accent3="accent3" accent4="accent4" accent5="accent5" accent6="accent6" hlink="hlink" folHlink="folHlink"/>
   </p:clrMapOvr>
-  <mc:AlternateContent xmlns:mc="http://schemas.openxmlformats.org/markup-compatibility/2006">
-    <mc:Choice xmlns:p14="http://schemas.microsoft.com/office/powerpoint/2010/main" Requires="p14">
+  <mc:AlternateContent xmlns:mc="http://schemas.openxmlformats.org/markup-compatibility/2006" xmlns:p14="http://schemas.microsoft.com/office/powerpoint/2010/main">
+    <mc:Choice Requires="p14">
       <p:transition spd="med" p14:dur="700">
         <p:fade/>
       </p:transition>
     </mc:Choice>
-    <mc:Fallback>
+    <mc:Fallback xmlns="">
       <p:transition spd="med">
         <p:fade/>
       </p:transition>
@@ -14327,7 +14434,7 @@
         </p:spPr>
         <p:txBody>
           <a:bodyPr>
-            <a:normAutofit fontScale="90000"/>
+            <a:normAutofit/>
           </a:bodyPr>
           <a:lstStyle/>
           <a:p>
@@ -14336,17 +14443,10 @@
               <a:t>Multivariate Analysis </a:t>
             </a:r>
             <a:r>
-              <a:rPr lang="en-IN" sz="3300" dirty="0"/>
-              <a:t>(</a:t>
-            </a:r>
-            <a:r>
-              <a:rPr lang="en-IN" sz="3300" dirty="0" err="1"/>
-              <a:t>funded_amount_investor</a:t>
-            </a:r>
-            <a:r>
-              <a:rPr lang="en-IN" sz="3300" dirty="0"/>
-              <a:t>- Grade)</a:t>
-            </a:r>
+              <a:rPr lang="en-IN" sz="3200" dirty="0"/>
+              <a:t>(Interest Rate – Purpose)</a:t>
+            </a:r>
+            <a:endParaRPr lang="en-IN" dirty="0"/>
           </a:p>
         </p:txBody>
       </p:sp>
@@ -14368,17 +14468,17 @@
         </p:nvSpPr>
         <p:spPr>
           <a:xfrm>
-            <a:off x="6232648" y="1734532"/>
-            <a:ext cx="5197351" cy="3516198"/>
+            <a:off x="720228" y="5642817"/>
+            <a:ext cx="10646766" cy="715672"/>
           </a:xfrm>
         </p:spPr>
         <p:txBody>
           <a:bodyPr>
-            <a:normAutofit/>
+            <a:normAutofit lnSpcReduction="10000"/>
           </a:bodyPr>
           <a:lstStyle/>
           <a:p>
-            <a:pPr marL="179388" indent="-179388" algn="just">
+            <a:pPr marL="179388" indent="-179388">
               <a:buClr>
                 <a:schemeClr val="tx1"/>
               </a:buClr>
@@ -14393,68 +14493,18 @@
                   </a:schemeClr>
                 </a:solidFill>
               </a:rPr>
-              <a:t>Loans Charged Off when:</a:t>
-            </a:r>
-          </a:p>
-          <a:p>
-            <a:pPr marL="179388" indent="-179388" algn="just">
-              <a:buClr>
-                <a:schemeClr val="tx1"/>
-              </a:buClr>
-              <a:buFont typeface="Arial" panose="020B0604020202020204" pitchFamily="34" charset="0"/>
-              <a:buChar char="•"/>
-            </a:pPr>
-            <a:endParaRPr lang="en-IN" dirty="0">
-              <a:solidFill>
-                <a:schemeClr val="tx1">
-                  <a:lumMod val="95000"/>
-                </a:schemeClr>
-              </a:solidFill>
-            </a:endParaRPr>
-          </a:p>
-          <a:p>
-            <a:pPr marL="435420" lvl="1" indent="-179388" algn="just">
-              <a:buClr>
-                <a:schemeClr val="tx1"/>
-              </a:buClr>
-              <a:buFont typeface="Arial" panose="020B0604020202020204" pitchFamily="34" charset="0"/>
-              <a:buChar char="•"/>
-            </a:pPr>
-            <a:r>
-              <a:rPr lang="en-IN" dirty="0">
+              <a:t>Loans with purpose of </a:t>
+            </a:r>
+            <a:r>
+              <a:rPr lang="en-IN" b="1" dirty="0">
                 <a:solidFill>
                   <a:schemeClr val="tx1">
                     <a:lumMod val="95000"/>
                   </a:schemeClr>
                 </a:solidFill>
               </a:rPr>
-              <a:t>Grade is F and Investor funded amount &gt; 16K.</a:t>
-            </a:r>
-          </a:p>
-          <a:p>
-            <a:pPr marL="435420" lvl="1" indent="-179388" algn="just">
-              <a:buClr>
-                <a:schemeClr val="tx1"/>
-              </a:buClr>
-              <a:buFont typeface="Arial" panose="020B0604020202020204" pitchFamily="34" charset="0"/>
-              <a:buChar char="•"/>
-            </a:pPr>
-            <a:endParaRPr lang="en-IN" dirty="0">
-              <a:solidFill>
-                <a:schemeClr val="tx1">
-                  <a:lumMod val="95000"/>
-                </a:schemeClr>
-              </a:solidFill>
-            </a:endParaRPr>
-          </a:p>
-          <a:p>
-            <a:pPr marL="435420" lvl="1" indent="-179388" algn="just">
-              <a:buClr>
-                <a:schemeClr val="tx1"/>
-              </a:buClr>
-              <a:buFont typeface="Arial" panose="020B0604020202020204" pitchFamily="34" charset="0"/>
-              <a:buChar char="•"/>
-            </a:pPr>
+              <a:t>House</a:t>
+            </a:r>
             <a:r>
               <a:rPr lang="en-IN" dirty="0">
                 <a:solidFill>
@@ -14463,17 +14513,37 @@
                   </a:schemeClr>
                 </a:solidFill>
               </a:rPr>
-              <a:t>Grade is G and Investor funded amount &lt; 18K</a:t>
+              <a:t> and with </a:t>
+            </a:r>
+            <a:r>
+              <a:rPr lang="en-IN" b="1" dirty="0">
+                <a:solidFill>
+                  <a:schemeClr val="tx1">
+                    <a:lumMod val="95000"/>
+                  </a:schemeClr>
+                </a:solidFill>
+              </a:rPr>
+              <a:t>higher interest rate</a:t>
+            </a:r>
+            <a:r>
+              <a:rPr lang="en-IN" dirty="0">
+                <a:solidFill>
+                  <a:schemeClr val="tx1">
+                    <a:lumMod val="95000"/>
+                  </a:schemeClr>
+                </a:solidFill>
+              </a:rPr>
+              <a:t> are having changes of getting Charged Off</a:t>
             </a:r>
           </a:p>
         </p:txBody>
       </p:sp>
       <p:pic>
         <p:nvPicPr>
-          <p:cNvPr id="3076" name="Picture 4">
+          <p:cNvPr id="2050" name="Picture 2">
             <a:extLst>
               <a:ext uri="{FF2B5EF4-FFF2-40B4-BE49-F238E27FC236}">
-                <a16:creationId xmlns:a16="http://schemas.microsoft.com/office/drawing/2014/main" id="{C974E967-12F5-C4BA-D2FC-CDBC90A2D2E9}"/>
+                <a16:creationId xmlns:a16="http://schemas.microsoft.com/office/drawing/2014/main" id="{DCFEDBE8-E14E-6AE0-A04C-C38399C9B665}"/>
               </a:ext>
             </a:extLst>
           </p:cNvPr>
@@ -14497,8 +14567,8 @@
         </p:blipFill>
         <p:spPr bwMode="auto">
           <a:xfrm>
-            <a:off x="657223" y="1809342"/>
-            <a:ext cx="5302130" cy="3950436"/>
+            <a:off x="2978924" y="1593994"/>
+            <a:ext cx="5797431" cy="3670011"/>
           </a:xfrm>
           <a:prstGeom prst="rect">
             <a:avLst/>
@@ -14518,20 +14588,20 @@
     </p:spTree>
     <p:extLst>
       <p:ext uri="{BB962C8B-B14F-4D97-AF65-F5344CB8AC3E}">
-        <p14:creationId xmlns:p14="http://schemas.microsoft.com/office/powerpoint/2010/main" val="1472770681"/>
+        <p14:creationId xmlns:p14="http://schemas.microsoft.com/office/powerpoint/2010/main" val="2402854921"/>
       </p:ext>
     </p:extLst>
   </p:cSld>
   <p:clrMapOvr>
     <a:masterClrMapping/>
   </p:clrMapOvr>
-  <mc:AlternateContent xmlns:mc="http://schemas.openxmlformats.org/markup-compatibility/2006">
-    <mc:Choice xmlns:p14="http://schemas.microsoft.com/office/powerpoint/2010/main" Requires="p14">
+  <mc:AlternateContent xmlns:mc="http://schemas.openxmlformats.org/markup-compatibility/2006" xmlns:p14="http://schemas.microsoft.com/office/powerpoint/2010/main">
+    <mc:Choice Requires="p14">
       <p:transition spd="med" p14:dur="700">
         <p:fade/>
       </p:transition>
     </mc:Choice>
-    <mc:Fallback>
+    <mc:Fallback xmlns="">
       <p:transition spd="med">
         <p:fade/>
       </p:transition>
@@ -14590,17 +14660,18 @@
               <a:t>Multivariate Analysis </a:t>
             </a:r>
             <a:r>
-              <a:rPr lang="en-IN" sz="3300" dirty="0"/>
-              <a:t>(Grade - </a:t>
-            </a:r>
-            <a:r>
-              <a:rPr lang="en-IN" sz="3300" dirty="0" err="1"/>
-              <a:t>dti</a:t>
-            </a:r>
-            <a:r>
-              <a:rPr lang="en-IN" sz="3300" dirty="0"/>
+              <a:rPr lang="en-IN" sz="3200" dirty="0"/>
+              <a:t>(Annual Income - </a:t>
+            </a:r>
+            <a:r>
+              <a:rPr lang="en-IN" sz="3200" dirty="0" err="1"/>
+              <a:t>emp_length</a:t>
+            </a:r>
+            <a:r>
+              <a:rPr lang="en-IN" sz="3200" dirty="0"/>
               <a:t>)</a:t>
             </a:r>
+            <a:endParaRPr lang="en-IN" dirty="0"/>
           </a:p>
         </p:txBody>
       </p:sp>
@@ -14622,17 +14693,17 @@
         </p:nvSpPr>
         <p:spPr>
           <a:xfrm>
-            <a:off x="762002" y="1668546"/>
-            <a:ext cx="5120324" cy="4314825"/>
+            <a:off x="761238" y="5661648"/>
+            <a:ext cx="10668761" cy="696819"/>
           </a:xfrm>
         </p:spPr>
         <p:txBody>
           <a:bodyPr>
-            <a:normAutofit/>
+            <a:normAutofit lnSpcReduction="10000"/>
           </a:bodyPr>
           <a:lstStyle/>
           <a:p>
-            <a:pPr marL="179388" indent="-179388" algn="just">
+            <a:pPr marL="179388" indent="-179388">
               <a:buClr>
                 <a:schemeClr val="tx1"/>
               </a:buClr>
@@ -14647,18 +14718,17 @@
                   </a:schemeClr>
                 </a:solidFill>
               </a:rPr>
-              <a:t>DTI </a:t>
-            </a:r>
-            <a:r>
-              <a:rPr lang="en-IN" dirty="0">
+              <a:t>Loans are Charged Off when the employment is </a:t>
+            </a:r>
+            <a:r>
+              <a:rPr lang="en-IN" b="1" dirty="0">
                 <a:solidFill>
                   <a:schemeClr val="tx1">
                     <a:lumMod val="95000"/>
                   </a:schemeClr>
                 </a:solidFill>
-                <a:sym typeface="Wingdings" panose="05000000000000000000" pitchFamily="2" charset="2"/>
-              </a:rPr>
-              <a:t> </a:t>
+              </a:rPr>
+              <a:t>7 years </a:t>
             </a:r>
             <a:r>
               <a:rPr lang="en-IN" dirty="0">
@@ -14668,243 +14738,27 @@
                   </a:schemeClr>
                 </a:solidFill>
               </a:rPr>
-              <a:t>Debt to Income ratio</a:t>
-            </a:r>
-          </a:p>
-          <a:p>
-            <a:pPr marL="179388" indent="-179388" algn="just">
-              <a:buClr>
-                <a:schemeClr val="tx1"/>
-              </a:buClr>
-              <a:buFont typeface="Arial" panose="020B0604020202020204" pitchFamily="34" charset="0"/>
-              <a:buChar char="•"/>
-            </a:pPr>
-            <a:endParaRPr lang="en-IN" dirty="0">
-              <a:solidFill>
-                <a:schemeClr val="tx1">
-                  <a:lumMod val="95000"/>
-                </a:schemeClr>
-              </a:solidFill>
-            </a:endParaRPr>
-          </a:p>
-          <a:p>
-            <a:pPr marL="179388" indent="-179388" algn="just">
-              <a:buClr>
-                <a:schemeClr val="tx1"/>
-              </a:buClr>
-              <a:buFont typeface="Arial" panose="020B0604020202020204" pitchFamily="34" charset="0"/>
-              <a:buChar char="•"/>
-            </a:pPr>
-            <a:r>
-              <a:rPr lang="en-IN" dirty="0">
+              <a:t>and the annual income is in the range of </a:t>
+            </a:r>
+            <a:r>
+              <a:rPr lang="en-IN" b="1" dirty="0">
                 <a:solidFill>
                   <a:schemeClr val="tx1">
                     <a:lumMod val="95000"/>
                   </a:schemeClr>
                 </a:solidFill>
               </a:rPr>
-              <a:t>Loans Charged Off when:</a:t>
-            </a:r>
-          </a:p>
-          <a:p>
-            <a:pPr marL="179388" indent="-179388" algn="just">
-              <a:buClr>
-                <a:schemeClr val="tx1"/>
-              </a:buClr>
-              <a:buFont typeface="Arial" panose="020B0604020202020204" pitchFamily="34" charset="0"/>
-              <a:buChar char="•"/>
-            </a:pPr>
-            <a:endParaRPr lang="en-IN" dirty="0">
-              <a:solidFill>
-                <a:schemeClr val="tx1">
-                  <a:lumMod val="95000"/>
-                </a:schemeClr>
-              </a:solidFill>
-            </a:endParaRPr>
-          </a:p>
-          <a:p>
-            <a:pPr marL="435420" lvl="1" indent="-179388" algn="just">
-              <a:buClr>
-                <a:schemeClr val="tx1"/>
-              </a:buClr>
-              <a:buFont typeface="Arial" panose="020B0604020202020204" pitchFamily="34" charset="0"/>
-              <a:buChar char="•"/>
-            </a:pPr>
-            <a:r>
-              <a:rPr lang="en-IN" dirty="0">
-                <a:solidFill>
-                  <a:schemeClr val="tx1">
-                    <a:lumMod val="95000"/>
-                  </a:schemeClr>
-                </a:solidFill>
-              </a:rPr>
-              <a:t>Grade is A with </a:t>
-            </a:r>
-            <a:r>
-              <a:rPr lang="en-IN" dirty="0" err="1">
-                <a:solidFill>
-                  <a:schemeClr val="tx1">
-                    <a:lumMod val="95000"/>
-                  </a:schemeClr>
-                </a:solidFill>
-              </a:rPr>
-              <a:t>dti</a:t>
-            </a:r>
-            <a:r>
-              <a:rPr lang="en-IN" dirty="0">
-                <a:solidFill>
-                  <a:schemeClr val="tx1">
-                    <a:lumMod val="95000"/>
-                  </a:schemeClr>
-                </a:solidFill>
-              </a:rPr>
-              <a:t> &gt; 12.5</a:t>
-            </a:r>
-          </a:p>
-          <a:p>
-            <a:pPr marL="435420" lvl="1" indent="-179388" algn="just">
-              <a:buClr>
-                <a:schemeClr val="tx1"/>
-              </a:buClr>
-              <a:buFont typeface="Arial" panose="020B0604020202020204" pitchFamily="34" charset="0"/>
-              <a:buChar char="•"/>
-            </a:pPr>
-            <a:r>
-              <a:rPr lang="en-IN" dirty="0">
-                <a:solidFill>
-                  <a:schemeClr val="tx1">
-                    <a:lumMod val="95000"/>
-                  </a:schemeClr>
-                </a:solidFill>
-              </a:rPr>
-              <a:t>Grade is B with </a:t>
-            </a:r>
-            <a:r>
-              <a:rPr lang="en-IN" dirty="0" err="1">
-                <a:solidFill>
-                  <a:schemeClr val="tx1">
-                    <a:lumMod val="95000"/>
-                  </a:schemeClr>
-                </a:solidFill>
-              </a:rPr>
-              <a:t>dti</a:t>
-            </a:r>
-            <a:r>
-              <a:rPr lang="en-IN" dirty="0">
-                <a:solidFill>
-                  <a:schemeClr val="tx1">
-                    <a:lumMod val="95000"/>
-                  </a:schemeClr>
-                </a:solidFill>
-              </a:rPr>
-              <a:t> &gt; ~13.75</a:t>
-            </a:r>
-          </a:p>
-          <a:p>
-            <a:pPr marL="435420" lvl="1" indent="-179388" algn="just">
-              <a:buClr>
-                <a:schemeClr val="tx1"/>
-              </a:buClr>
-              <a:buFont typeface="Arial" panose="020B0604020202020204" pitchFamily="34" charset="0"/>
-              <a:buChar char="•"/>
-            </a:pPr>
-            <a:r>
-              <a:rPr lang="en-IN" dirty="0">
-                <a:solidFill>
-                  <a:schemeClr val="tx1">
-                    <a:lumMod val="95000"/>
-                  </a:schemeClr>
-                </a:solidFill>
-              </a:rPr>
-              <a:t>Grade is C with </a:t>
-            </a:r>
-            <a:r>
-              <a:rPr lang="en-IN" dirty="0" err="1">
-                <a:solidFill>
-                  <a:schemeClr val="tx1">
-                    <a:lumMod val="95000"/>
-                  </a:schemeClr>
-                </a:solidFill>
-              </a:rPr>
-              <a:t>dti</a:t>
-            </a:r>
-            <a:r>
-              <a:rPr lang="en-IN" dirty="0">
-                <a:solidFill>
-                  <a:schemeClr val="tx1">
-                    <a:lumMod val="95000"/>
-                  </a:schemeClr>
-                </a:solidFill>
-              </a:rPr>
-              <a:t> &gt; 14.</a:t>
-            </a:r>
-          </a:p>
-          <a:p>
-            <a:pPr marL="435420" lvl="1" indent="-179388" algn="just">
-              <a:buClr>
-                <a:schemeClr val="tx1"/>
-              </a:buClr>
-              <a:buFont typeface="Arial" panose="020B0604020202020204" pitchFamily="34" charset="0"/>
-              <a:buChar char="•"/>
-            </a:pPr>
-            <a:r>
-              <a:rPr lang="en-IN" dirty="0">
-                <a:solidFill>
-                  <a:schemeClr val="tx1">
-                    <a:lumMod val="95000"/>
-                  </a:schemeClr>
-                </a:solidFill>
-              </a:rPr>
-              <a:t>Grade is G and </a:t>
-            </a:r>
-            <a:r>
-              <a:rPr lang="en-IN" dirty="0" err="1">
-                <a:solidFill>
-                  <a:schemeClr val="tx1">
-                    <a:lumMod val="95000"/>
-                  </a:schemeClr>
-                </a:solidFill>
-              </a:rPr>
-              <a:t>dti</a:t>
-            </a:r>
-            <a:r>
-              <a:rPr lang="en-IN" dirty="0">
-                <a:solidFill>
-                  <a:schemeClr val="tx1">
-                    <a:lumMod val="95000"/>
-                  </a:schemeClr>
-                </a:solidFill>
-              </a:rPr>
-              <a:t> &lt; 13.5.</a:t>
-            </a:r>
-          </a:p>
-          <a:p>
-            <a:pPr marL="435420" lvl="1" indent="-179388" algn="just">
-              <a:buClr>
-                <a:schemeClr val="tx1"/>
-              </a:buClr>
-              <a:buFont typeface="Arial" panose="020B0604020202020204" pitchFamily="34" charset="0"/>
-              <a:buChar char="•"/>
-            </a:pPr>
-            <a:r>
-              <a:rPr lang="en-IN" dirty="0">
-                <a:solidFill>
-                  <a:schemeClr val="tx1">
-                    <a:lumMod val="95000"/>
-                  </a:schemeClr>
-                </a:solidFill>
-              </a:rPr>
-              <a:t>Grade G covers a vast range of DTI where the Loans are Charged Off. </a:t>
+              <a:t>[627K-938K]</a:t>
             </a:r>
           </a:p>
         </p:txBody>
       </p:sp>
       <p:pic>
         <p:nvPicPr>
-          <p:cNvPr id="6148" name="Picture 4">
+          <p:cNvPr id="3074" name="Picture 2">
             <a:extLst>
               <a:ext uri="{FF2B5EF4-FFF2-40B4-BE49-F238E27FC236}">
-                <a16:creationId xmlns:a16="http://schemas.microsoft.com/office/drawing/2014/main" id="{437A7247-B349-C228-B984-FE6D0E2940AE}"/>
+                <a16:creationId xmlns:a16="http://schemas.microsoft.com/office/drawing/2014/main" id="{25701EA5-7BAC-C10F-87D9-8F2164261C88}"/>
               </a:ext>
             </a:extLst>
           </p:cNvPr>
@@ -14928,8 +14782,8 @@
         </p:blipFill>
         <p:spPr bwMode="auto">
           <a:xfrm>
-            <a:off x="6096000" y="1668546"/>
-            <a:ext cx="5486400" cy="4314825"/>
+            <a:off x="2958066" y="1650112"/>
+            <a:ext cx="5874850" cy="3557776"/>
           </a:xfrm>
           <a:prstGeom prst="rect">
             <a:avLst/>
@@ -14949,20 +14803,20 @@
     </p:spTree>
     <p:extLst>
       <p:ext uri="{BB962C8B-B14F-4D97-AF65-F5344CB8AC3E}">
-        <p14:creationId xmlns:p14="http://schemas.microsoft.com/office/powerpoint/2010/main" val="3969752853"/>
+        <p14:creationId xmlns:p14="http://schemas.microsoft.com/office/powerpoint/2010/main" val="2073131590"/>
       </p:ext>
     </p:extLst>
   </p:cSld>
   <p:clrMapOvr>
     <a:masterClrMapping/>
   </p:clrMapOvr>
-  <mc:AlternateContent xmlns:mc="http://schemas.openxmlformats.org/markup-compatibility/2006">
-    <mc:Choice xmlns:p14="http://schemas.microsoft.com/office/powerpoint/2010/main" Requires="p14">
+  <mc:AlternateContent xmlns:mc="http://schemas.openxmlformats.org/markup-compatibility/2006" xmlns:p14="http://schemas.microsoft.com/office/powerpoint/2010/main">
+    <mc:Choice Requires="p14">
       <p:transition spd="med" p14:dur="700">
         <p:fade/>
       </p:transition>
     </mc:Choice>
-    <mc:Fallback>
+    <mc:Fallback xmlns="">
       <p:transition spd="med">
         <p:fade/>
       </p:transition>
@@ -15312,7 +15166,7 @@
         </p:spPr>
         <p:txBody>
           <a:bodyPr>
-            <a:normAutofit/>
+            <a:normAutofit fontScale="90000"/>
           </a:bodyPr>
           <a:lstStyle/>
           <a:p>
@@ -15322,15 +15176,15 @@
             </a:r>
             <a:r>
               <a:rPr lang="en-IN" sz="3300" dirty="0"/>
-              <a:t>(Issue Month - </a:t>
+              <a:t>(</a:t>
             </a:r>
             <a:r>
               <a:rPr lang="en-IN" sz="3300" dirty="0" err="1"/>
-              <a:t>dti</a:t>
+              <a:t>funded_amount_investor</a:t>
             </a:r>
             <a:r>
               <a:rPr lang="en-IN" sz="3300" dirty="0"/>
-              <a:t>)</a:t>
+              <a:t>- Grade)</a:t>
             </a:r>
           </a:p>
         </p:txBody>
@@ -15353,8 +15207,8 @@
         </p:nvSpPr>
         <p:spPr>
           <a:xfrm>
-            <a:off x="762002" y="1668546"/>
-            <a:ext cx="5120324" cy="4314825"/>
+            <a:off x="6232648" y="1734532"/>
+            <a:ext cx="5197351" cy="3516198"/>
           </a:xfrm>
         </p:spPr>
         <p:txBody>
@@ -15378,28 +15232,7 @@
                   </a:schemeClr>
                 </a:solidFill>
               </a:rPr>
-              <a:t>DTI </a:t>
-            </a:r>
-            <a:r>
-              <a:rPr lang="en-IN" dirty="0">
-                <a:solidFill>
-                  <a:schemeClr val="tx1">
-                    <a:lumMod val="95000"/>
-                  </a:schemeClr>
-                </a:solidFill>
-                <a:sym typeface="Wingdings" panose="05000000000000000000" pitchFamily="2" charset="2"/>
-              </a:rPr>
-              <a:t> </a:t>
-            </a:r>
-            <a:r>
-              <a:rPr lang="en-IN" dirty="0">
-                <a:solidFill>
-                  <a:schemeClr val="tx1">
-                    <a:lumMod val="95000"/>
-                  </a:schemeClr>
-                </a:solidFill>
-              </a:rPr>
-              <a:t>Debt to Income ratio </a:t>
+              <a:t>Loans Charged Off when:</a:t>
             </a:r>
           </a:p>
           <a:p>
@@ -15419,45 +15252,6 @@
             </a:endParaRPr>
           </a:p>
           <a:p>
-            <a:pPr marL="179388" indent="-179388" algn="just">
-              <a:buClr>
-                <a:schemeClr val="tx1"/>
-              </a:buClr>
-              <a:buFont typeface="Arial" panose="020B0604020202020204" pitchFamily="34" charset="0"/>
-              <a:buChar char="•"/>
-            </a:pPr>
-            <a:r>
-              <a:rPr lang="en-IN" dirty="0">
-                <a:solidFill>
-                  <a:schemeClr val="tx1">
-                    <a:lumMod val="95000"/>
-                  </a:schemeClr>
-                </a:solidFill>
-              </a:rPr>
-              <a:t>Loans Charged Off with the </a:t>
-            </a:r>
-            <a:r>
-              <a:rPr lang="en-IN" dirty="0" err="1">
-                <a:solidFill>
-                  <a:schemeClr val="tx1">
-                    <a:lumMod val="95000"/>
-                  </a:schemeClr>
-                </a:solidFill>
-              </a:rPr>
-              <a:t>dti</a:t>
-            </a:r>
-            <a:r>
-              <a:rPr lang="en-IN" dirty="0">
-                <a:solidFill>
-                  <a:schemeClr val="tx1">
-                    <a:lumMod val="95000"/>
-                  </a:schemeClr>
-                </a:solidFill>
-              </a:rPr>
-              <a:t> &gt; 13.5:</a:t>
-            </a:r>
-          </a:p>
-          <a:p>
             <a:pPr marL="435420" lvl="1" indent="-179388" algn="just">
               <a:buClr>
                 <a:schemeClr val="tx1"/>
@@ -15473,7 +15267,7 @@
                   </a:schemeClr>
                 </a:solidFill>
               </a:rPr>
-              <a:t>when issued during the Months </a:t>
+              <a:t>Grade is F and Investor funded amount &gt; 16K.</a:t>
             </a:r>
           </a:p>
           <a:p>
@@ -15484,16 +15278,13 @@
               <a:buFont typeface="Arial" panose="020B0604020202020204" pitchFamily="34" charset="0"/>
               <a:buChar char="•"/>
             </a:pPr>
-            <a:r>
-              <a:rPr lang="en-IN" dirty="0">
-                <a:solidFill>
-                  <a:schemeClr val="tx1">
-                    <a:lumMod val="95000"/>
-                  </a:schemeClr>
-                </a:solidFill>
-              </a:rPr>
-              <a:t>April-July</a:t>
-            </a:r>
+            <a:endParaRPr lang="en-IN" dirty="0">
+              <a:solidFill>
+                <a:schemeClr val="tx1">
+                  <a:lumMod val="95000"/>
+                </a:schemeClr>
+              </a:solidFill>
+            </a:endParaRPr>
           </a:p>
           <a:p>
             <a:pPr marL="435420" lvl="1" indent="-179388" algn="just">
@@ -15511,17 +15302,17 @@
                   </a:schemeClr>
                 </a:solidFill>
               </a:rPr>
-              <a:t>Oct-Dec</a:t>
+              <a:t>Grade is G and Investor funded amount &lt; 18K</a:t>
             </a:r>
           </a:p>
         </p:txBody>
       </p:sp>
       <p:pic>
         <p:nvPicPr>
-          <p:cNvPr id="7170" name="Picture 2">
+          <p:cNvPr id="3076" name="Picture 4">
             <a:extLst>
               <a:ext uri="{FF2B5EF4-FFF2-40B4-BE49-F238E27FC236}">
-                <a16:creationId xmlns:a16="http://schemas.microsoft.com/office/drawing/2014/main" id="{A3E1B008-AD29-1307-6447-E0B95A60E235}"/>
+                <a16:creationId xmlns:a16="http://schemas.microsoft.com/office/drawing/2014/main" id="{C974E967-12F5-C4BA-D2FC-CDBC90A2D2E9}"/>
               </a:ext>
             </a:extLst>
           </p:cNvPr>
@@ -15545,8 +15336,8 @@
         </p:blipFill>
         <p:spPr bwMode="auto">
           <a:xfrm>
-            <a:off x="6096000" y="1668545"/>
-            <a:ext cx="5572125" cy="4314825"/>
+            <a:off x="657223" y="1809342"/>
+            <a:ext cx="5302130" cy="3950436"/>
           </a:xfrm>
           <a:prstGeom prst="rect">
             <a:avLst/>
@@ -15566,20 +15357,20 @@
     </p:spTree>
     <p:extLst>
       <p:ext uri="{BB962C8B-B14F-4D97-AF65-F5344CB8AC3E}">
-        <p14:creationId xmlns:p14="http://schemas.microsoft.com/office/powerpoint/2010/main" val="2068007900"/>
+        <p14:creationId xmlns:p14="http://schemas.microsoft.com/office/powerpoint/2010/main" val="1472770681"/>
       </p:ext>
     </p:extLst>
   </p:cSld>
   <p:clrMapOvr>
     <a:masterClrMapping/>
   </p:clrMapOvr>
-  <mc:AlternateContent xmlns:mc="http://schemas.openxmlformats.org/markup-compatibility/2006">
-    <mc:Choice xmlns:p14="http://schemas.microsoft.com/office/powerpoint/2010/main" Requires="p14">
+  <mc:AlternateContent xmlns:mc="http://schemas.openxmlformats.org/markup-compatibility/2006" xmlns:p14="http://schemas.microsoft.com/office/powerpoint/2010/main">
+    <mc:Choice Requires="p14">
       <p:transition spd="med" p14:dur="700">
         <p:fade/>
       </p:transition>
     </mc:Choice>
-    <mc:Fallback>
+    <mc:Fallback xmlns="">
       <p:transition spd="med">
         <p:fade/>
       </p:transition>
@@ -15639,7 +15430,7 @@
             </a:r>
             <a:r>
               <a:rPr lang="en-IN" sz="3300" dirty="0"/>
-              <a:t>(Purpose - </a:t>
+              <a:t>(Grade - </a:t>
             </a:r>
             <a:r>
               <a:rPr lang="en-IN" sz="3300" dirty="0" err="1"/>
@@ -15670,8 +15461,8 @@
         </p:nvSpPr>
         <p:spPr>
           <a:xfrm>
-            <a:off x="762001" y="1668546"/>
-            <a:ext cx="5949883" cy="4314825"/>
+            <a:off x="762002" y="1668546"/>
+            <a:ext cx="5120324" cy="4314825"/>
           </a:xfrm>
         </p:spPr>
         <p:txBody>
@@ -15751,8 +15542,24 @@
                   </a:schemeClr>
                 </a:solidFill>
               </a:rPr>
-              <a:t>Loans Charged Off with the following combination:</a:t>
-            </a:r>
+              <a:t>Loans Charged Off when:</a:t>
+            </a:r>
+          </a:p>
+          <a:p>
+            <a:pPr marL="179388" indent="-179388" algn="just">
+              <a:buClr>
+                <a:schemeClr val="tx1"/>
+              </a:buClr>
+              <a:buFont typeface="Arial" panose="020B0604020202020204" pitchFamily="34" charset="0"/>
+              <a:buChar char="•"/>
+            </a:pPr>
+            <a:endParaRPr lang="en-IN" dirty="0">
+              <a:solidFill>
+                <a:schemeClr val="tx1">
+                  <a:lumMod val="95000"/>
+                </a:schemeClr>
+              </a:solidFill>
+            </a:endParaRPr>
           </a:p>
           <a:p>
             <a:pPr marL="435420" lvl="1" indent="-179388" algn="just">
@@ -15770,7 +15577,7 @@
                   </a:schemeClr>
                 </a:solidFill>
               </a:rPr>
-              <a:t>Small Businesses with </a:t>
+              <a:t>Grade is A with </a:t>
             </a:r>
             <a:r>
               <a:rPr lang="en-IN" dirty="0" err="1">
@@ -15790,7 +15597,7 @@
                   </a:schemeClr>
                 </a:solidFill>
               </a:rPr>
-              <a:t> &gt; 11.50</a:t>
+              <a:t> &gt; 12.5</a:t>
             </a:r>
           </a:p>
           <a:p>
@@ -15809,7 +15616,7 @@
                   </a:schemeClr>
                 </a:solidFill>
               </a:rPr>
-              <a:t>Vacation with </a:t>
+              <a:t>Grade is B with </a:t>
             </a:r>
             <a:r>
               <a:rPr lang="en-IN" dirty="0" err="1">
@@ -15829,7 +15636,7 @@
                   </a:schemeClr>
                 </a:solidFill>
               </a:rPr>
-              <a:t> &gt; 13.0</a:t>
+              <a:t> &gt; ~13.75</a:t>
             </a:r>
           </a:p>
           <a:p>
@@ -15841,44 +15648,34 @@
               <a:buChar char="•"/>
             </a:pPr>
             <a:r>
-              <a:rPr lang="en-IN" dirty="0" err="1">
+              <a:rPr lang="en-IN" dirty="0">
                 <a:solidFill>
                   <a:schemeClr val="tx1">
                     <a:lumMod val="95000"/>
                   </a:schemeClr>
                 </a:solidFill>
               </a:rPr>
-              <a:t>debt_consolidation</a:t>
-            </a:r>
-            <a:r>
-              <a:rPr lang="en-IN" dirty="0">
+              <a:t>Grade is C with </a:t>
+            </a:r>
+            <a:r>
+              <a:rPr lang="en-IN" dirty="0" err="1">
                 <a:solidFill>
                   <a:schemeClr val="tx1">
                     <a:lumMod val="95000"/>
                   </a:schemeClr>
                 </a:solidFill>
               </a:rPr>
-              <a:t> with </a:t>
-            </a:r>
-            <a:r>
-              <a:rPr lang="en-IN" dirty="0" err="1">
+              <a:t>dti</a:t>
+            </a:r>
+            <a:r>
+              <a:rPr lang="en-IN" dirty="0">
                 <a:solidFill>
                   <a:schemeClr val="tx1">
                     <a:lumMod val="95000"/>
                   </a:schemeClr>
                 </a:solidFill>
               </a:rPr>
-              <a:t>dti</a:t>
-            </a:r>
-            <a:r>
-              <a:rPr lang="en-IN" dirty="0">
-                <a:solidFill>
-                  <a:schemeClr val="tx1">
-                    <a:lumMod val="95000"/>
-                  </a:schemeClr>
-                </a:solidFill>
-              </a:rPr>
-              <a:t> &gt; 14.75</a:t>
+              <a:t> &gt; 14.</a:t>
             </a:r>
           </a:p>
           <a:p>
@@ -15897,7 +15694,7 @@
                   </a:schemeClr>
                 </a:solidFill>
               </a:rPr>
-              <a:t>Major Purchases with </a:t>
+              <a:t>Grade is G and </a:t>
             </a:r>
             <a:r>
               <a:rPr lang="en-IN" dirty="0" err="1">
@@ -15917,7 +15714,7 @@
                   </a:schemeClr>
                 </a:solidFill>
               </a:rPr>
-              <a:t> &gt; 11.25</a:t>
+              <a:t> &lt; 13.5.</a:t>
             </a:r>
           </a:p>
           <a:p>
@@ -15936,37 +15733,17 @@
                   </a:schemeClr>
                 </a:solidFill>
               </a:rPr>
-              <a:t>House with </a:t>
-            </a:r>
-            <a:r>
-              <a:rPr lang="en-IN" dirty="0" err="1">
-                <a:solidFill>
-                  <a:schemeClr val="tx1">
-                    <a:lumMod val="95000"/>
-                  </a:schemeClr>
-                </a:solidFill>
-              </a:rPr>
-              <a:t>dti</a:t>
-            </a:r>
-            <a:r>
-              <a:rPr lang="en-IN" dirty="0">
-                <a:solidFill>
-                  <a:schemeClr val="tx1">
-                    <a:lumMod val="95000"/>
-                  </a:schemeClr>
-                </a:solidFill>
-              </a:rPr>
-              <a:t> &gt; 11.50</a:t>
+              <a:t>Grade G covers a vast range of DTI where the Loans are Charged Off. </a:t>
             </a:r>
           </a:p>
         </p:txBody>
       </p:sp>
       <p:pic>
         <p:nvPicPr>
-          <p:cNvPr id="8194" name="Picture 2">
+          <p:cNvPr id="6148" name="Picture 4">
             <a:extLst>
               <a:ext uri="{FF2B5EF4-FFF2-40B4-BE49-F238E27FC236}">
-                <a16:creationId xmlns:a16="http://schemas.microsoft.com/office/drawing/2014/main" id="{463DC76B-73B1-B92B-31DD-23722ECB6500}"/>
+                <a16:creationId xmlns:a16="http://schemas.microsoft.com/office/drawing/2014/main" id="{437A7247-B349-C228-B984-FE6D0E2940AE}"/>
               </a:ext>
             </a:extLst>
           </p:cNvPr>
@@ -15990,8 +15767,8 @@
         </p:blipFill>
         <p:spPr bwMode="auto">
           <a:xfrm>
-            <a:off x="6894494" y="1668546"/>
-            <a:ext cx="5086973" cy="4034673"/>
+            <a:off x="6096000" y="1668546"/>
+            <a:ext cx="5486400" cy="4314825"/>
           </a:xfrm>
           <a:prstGeom prst="rect">
             <a:avLst/>
@@ -16011,20 +15788,20 @@
     </p:spTree>
     <p:extLst>
       <p:ext uri="{BB962C8B-B14F-4D97-AF65-F5344CB8AC3E}">
-        <p14:creationId xmlns:p14="http://schemas.microsoft.com/office/powerpoint/2010/main" val="3871207791"/>
+        <p14:creationId xmlns:p14="http://schemas.microsoft.com/office/powerpoint/2010/main" val="3969752853"/>
       </p:ext>
     </p:extLst>
   </p:cSld>
   <p:clrMapOvr>
     <a:masterClrMapping/>
   </p:clrMapOvr>
-  <mc:AlternateContent xmlns:mc="http://schemas.openxmlformats.org/markup-compatibility/2006">
-    <mc:Choice xmlns:p14="http://schemas.microsoft.com/office/powerpoint/2010/main" Requires="p14">
+  <mc:AlternateContent xmlns:mc="http://schemas.openxmlformats.org/markup-compatibility/2006" xmlns:p14="http://schemas.microsoft.com/office/powerpoint/2010/main">
+    <mc:Choice Requires="p14">
       <p:transition spd="med" p14:dur="700">
         <p:fade/>
       </p:transition>
     </mc:Choice>
-    <mc:Fallback>
+    <mc:Fallback xmlns="">
       <p:transition spd="med">
         <p:fade/>
       </p:transition>
@@ -16084,7 +15861,7 @@
             </a:r>
             <a:r>
               <a:rPr lang="en-IN" sz="3300" dirty="0"/>
-              <a:t>(Home Ownership - </a:t>
+              <a:t>(Issue Month - </a:t>
             </a:r>
             <a:r>
               <a:rPr lang="en-IN" sz="3300" dirty="0" err="1"/>
@@ -16115,8 +15892,8 @@
         </p:nvSpPr>
         <p:spPr>
           <a:xfrm>
-            <a:off x="762001" y="1668546"/>
-            <a:ext cx="5362575" cy="4314825"/>
+            <a:off x="762002" y="1668546"/>
+            <a:ext cx="5120324" cy="4314825"/>
           </a:xfrm>
         </p:spPr>
         <p:txBody>
@@ -16161,7 +15938,7 @@
                   </a:schemeClr>
                 </a:solidFill>
               </a:rPr>
-              <a:t>Debt to Income ratio</a:t>
+              <a:t>Debt to Income ratio </a:t>
             </a:r>
           </a:p>
           <a:p>
@@ -16196,17 +15973,94 @@
                   </a:schemeClr>
                 </a:solidFill>
               </a:rPr>
-              <a:t>Loans Charged Off with Home Ownership as MORTGAGE and having a DTI &gt; 14.</a:t>
+              <a:t>Loans Charged Off with the </a:t>
+            </a:r>
+            <a:r>
+              <a:rPr lang="en-IN" dirty="0" err="1">
+                <a:solidFill>
+                  <a:schemeClr val="tx1">
+                    <a:lumMod val="95000"/>
+                  </a:schemeClr>
+                </a:solidFill>
+              </a:rPr>
+              <a:t>dti</a:t>
+            </a:r>
+            <a:r>
+              <a:rPr lang="en-IN" dirty="0">
+                <a:solidFill>
+                  <a:schemeClr val="tx1">
+                    <a:lumMod val="95000"/>
+                  </a:schemeClr>
+                </a:solidFill>
+              </a:rPr>
+              <a:t> &gt; 13.5:</a:t>
+            </a:r>
+          </a:p>
+          <a:p>
+            <a:pPr marL="435420" lvl="1" indent="-179388" algn="just">
+              <a:buClr>
+                <a:schemeClr val="tx1"/>
+              </a:buClr>
+              <a:buFont typeface="Arial" panose="020B0604020202020204" pitchFamily="34" charset="0"/>
+              <a:buChar char="•"/>
+            </a:pPr>
+            <a:r>
+              <a:rPr lang="en-IN" dirty="0">
+                <a:solidFill>
+                  <a:schemeClr val="tx1">
+                    <a:lumMod val="95000"/>
+                  </a:schemeClr>
+                </a:solidFill>
+              </a:rPr>
+              <a:t>when issued during the Months </a:t>
+            </a:r>
+          </a:p>
+          <a:p>
+            <a:pPr marL="435420" lvl="1" indent="-179388" algn="just">
+              <a:buClr>
+                <a:schemeClr val="tx1"/>
+              </a:buClr>
+              <a:buFont typeface="Arial" panose="020B0604020202020204" pitchFamily="34" charset="0"/>
+              <a:buChar char="•"/>
+            </a:pPr>
+            <a:r>
+              <a:rPr lang="en-IN" dirty="0">
+                <a:solidFill>
+                  <a:schemeClr val="tx1">
+                    <a:lumMod val="95000"/>
+                  </a:schemeClr>
+                </a:solidFill>
+              </a:rPr>
+              <a:t>April-July</a:t>
+            </a:r>
+          </a:p>
+          <a:p>
+            <a:pPr marL="435420" lvl="1" indent="-179388" algn="just">
+              <a:buClr>
+                <a:schemeClr val="tx1"/>
+              </a:buClr>
+              <a:buFont typeface="Arial" panose="020B0604020202020204" pitchFamily="34" charset="0"/>
+              <a:buChar char="•"/>
+            </a:pPr>
+            <a:r>
+              <a:rPr lang="en-IN" dirty="0">
+                <a:solidFill>
+                  <a:schemeClr val="tx1">
+                    <a:lumMod val="95000"/>
+                  </a:schemeClr>
+                </a:solidFill>
+              </a:rPr>
+              <a:t>Oct-Dec</a:t>
             </a:r>
           </a:p>
         </p:txBody>
       </p:sp>
       <p:pic>
         <p:nvPicPr>
-          <p:cNvPr id="9218" name="Picture 2">
+          <p:cNvPr id="7170" name="Picture 2">
             <a:extLst>
               <a:ext uri="{FF2B5EF4-FFF2-40B4-BE49-F238E27FC236}">
-                <a16:creationId xmlns:a16="http://schemas.microsoft.com/office/drawing/2014/main" id="{2448B630-95CD-8EAA-B754-A70F1C21C819}"/>
+                <a16:creationId xmlns:a16="http://schemas.microsoft.com/office/drawing/2014/main" id="{A3E1B008-AD29-1307-6447-E0B95A60E235}"/>
               </a:ext>
             </a:extLst>
           </p:cNvPr>
@@ -16230,8 +16084,8 @@
         </p:blipFill>
         <p:spPr bwMode="auto">
           <a:xfrm>
-            <a:off x="6412437" y="1637909"/>
-            <a:ext cx="5362575" cy="4314825"/>
+            <a:off x="6096000" y="1668545"/>
+            <a:ext cx="5572125" cy="4314825"/>
           </a:xfrm>
           <a:prstGeom prst="rect">
             <a:avLst/>
@@ -16251,20 +16105,20 @@
     </p:spTree>
     <p:extLst>
       <p:ext uri="{BB962C8B-B14F-4D97-AF65-F5344CB8AC3E}">
-        <p14:creationId xmlns:p14="http://schemas.microsoft.com/office/powerpoint/2010/main" val="2819382599"/>
+        <p14:creationId xmlns:p14="http://schemas.microsoft.com/office/powerpoint/2010/main" val="2068007900"/>
       </p:ext>
     </p:extLst>
   </p:cSld>
   <p:clrMapOvr>
     <a:masterClrMapping/>
   </p:clrMapOvr>
-  <mc:AlternateContent xmlns:mc="http://schemas.openxmlformats.org/markup-compatibility/2006">
-    <mc:Choice xmlns:p14="http://schemas.microsoft.com/office/powerpoint/2010/main" Requires="p14">
+  <mc:AlternateContent xmlns:mc="http://schemas.openxmlformats.org/markup-compatibility/2006" xmlns:p14="http://schemas.microsoft.com/office/powerpoint/2010/main">
+    <mc:Choice Requires="p14">
       <p:transition spd="med" p14:dur="700">
         <p:fade/>
       </p:transition>
     </mc:Choice>
-    <mc:Fallback>
+    <mc:Fallback xmlns="">
       <p:transition spd="med">
         <p:fade/>
       </p:transition>
@@ -16324,6 +16178,691 @@
             </a:r>
             <a:r>
               <a:rPr lang="en-IN" sz="3300" dirty="0"/>
+              <a:t>(Purpose - </a:t>
+            </a:r>
+            <a:r>
+              <a:rPr lang="en-IN" sz="3300" dirty="0" err="1"/>
+              <a:t>dti</a:t>
+            </a:r>
+            <a:r>
+              <a:rPr lang="en-IN" sz="3300" dirty="0"/>
+              <a:t>)</a:t>
+            </a:r>
+          </a:p>
+        </p:txBody>
+      </p:sp>
+      <p:sp>
+        <p:nvSpPr>
+          <p:cNvPr id="3" name="Content Placeholder 2">
+            <a:extLst>
+              <a:ext uri="{FF2B5EF4-FFF2-40B4-BE49-F238E27FC236}">
+                <a16:creationId xmlns:a16="http://schemas.microsoft.com/office/drawing/2014/main" id="{D94D65CF-4E07-5072-26FD-FE694F46B8BC}"/>
+              </a:ext>
+            </a:extLst>
+          </p:cNvPr>
+          <p:cNvSpPr>
+            <a:spLocks noGrp="1"/>
+          </p:cNvSpPr>
+          <p:nvPr>
+            <p:ph idx="1"/>
+          </p:nvPr>
+        </p:nvSpPr>
+        <p:spPr>
+          <a:xfrm>
+            <a:off x="762001" y="1668546"/>
+            <a:ext cx="5949883" cy="4314825"/>
+          </a:xfrm>
+        </p:spPr>
+        <p:txBody>
+          <a:bodyPr>
+            <a:normAutofit/>
+          </a:bodyPr>
+          <a:lstStyle/>
+          <a:p>
+            <a:pPr marL="179388" indent="-179388" algn="just">
+              <a:buClr>
+                <a:schemeClr val="tx1"/>
+              </a:buClr>
+              <a:buFont typeface="Arial" panose="020B0604020202020204" pitchFamily="34" charset="0"/>
+              <a:buChar char="•"/>
+            </a:pPr>
+            <a:r>
+              <a:rPr lang="en-IN" dirty="0">
+                <a:solidFill>
+                  <a:schemeClr val="tx1">
+                    <a:lumMod val="95000"/>
+                  </a:schemeClr>
+                </a:solidFill>
+              </a:rPr>
+              <a:t>DTI </a:t>
+            </a:r>
+            <a:r>
+              <a:rPr lang="en-IN" dirty="0">
+                <a:solidFill>
+                  <a:schemeClr val="tx1">
+                    <a:lumMod val="95000"/>
+                  </a:schemeClr>
+                </a:solidFill>
+                <a:sym typeface="Wingdings" panose="05000000000000000000" pitchFamily="2" charset="2"/>
+              </a:rPr>
+              <a:t> </a:t>
+            </a:r>
+            <a:r>
+              <a:rPr lang="en-IN" dirty="0">
+                <a:solidFill>
+                  <a:schemeClr val="tx1">
+                    <a:lumMod val="95000"/>
+                  </a:schemeClr>
+                </a:solidFill>
+              </a:rPr>
+              <a:t>Debt to Income ratio</a:t>
+            </a:r>
+          </a:p>
+          <a:p>
+            <a:pPr marL="179388" indent="-179388" algn="just">
+              <a:buClr>
+                <a:schemeClr val="tx1"/>
+              </a:buClr>
+              <a:buFont typeface="Arial" panose="020B0604020202020204" pitchFamily="34" charset="0"/>
+              <a:buChar char="•"/>
+            </a:pPr>
+            <a:endParaRPr lang="en-IN" dirty="0">
+              <a:solidFill>
+                <a:schemeClr val="tx1">
+                  <a:lumMod val="95000"/>
+                </a:schemeClr>
+              </a:solidFill>
+            </a:endParaRPr>
+          </a:p>
+          <a:p>
+            <a:pPr marL="179388" indent="-179388" algn="just">
+              <a:buClr>
+                <a:schemeClr val="tx1"/>
+              </a:buClr>
+              <a:buFont typeface="Arial" panose="020B0604020202020204" pitchFamily="34" charset="0"/>
+              <a:buChar char="•"/>
+            </a:pPr>
+            <a:r>
+              <a:rPr lang="en-IN" dirty="0">
+                <a:solidFill>
+                  <a:schemeClr val="tx1">
+                    <a:lumMod val="95000"/>
+                  </a:schemeClr>
+                </a:solidFill>
+              </a:rPr>
+              <a:t>Loans Charged Off with the following combination:</a:t>
+            </a:r>
+          </a:p>
+          <a:p>
+            <a:pPr marL="435420" lvl="1" indent="-179388" algn="just">
+              <a:buClr>
+                <a:schemeClr val="tx1"/>
+              </a:buClr>
+              <a:buFont typeface="Arial" panose="020B0604020202020204" pitchFamily="34" charset="0"/>
+              <a:buChar char="•"/>
+            </a:pPr>
+            <a:r>
+              <a:rPr lang="en-IN" dirty="0">
+                <a:solidFill>
+                  <a:schemeClr val="tx1">
+                    <a:lumMod val="95000"/>
+                  </a:schemeClr>
+                </a:solidFill>
+              </a:rPr>
+              <a:t>Small Businesses with </a:t>
+            </a:r>
+            <a:r>
+              <a:rPr lang="en-IN" dirty="0" err="1">
+                <a:solidFill>
+                  <a:schemeClr val="tx1">
+                    <a:lumMod val="95000"/>
+                  </a:schemeClr>
+                </a:solidFill>
+              </a:rPr>
+              <a:t>dti</a:t>
+            </a:r>
+            <a:r>
+              <a:rPr lang="en-IN" dirty="0">
+                <a:solidFill>
+                  <a:schemeClr val="tx1">
+                    <a:lumMod val="95000"/>
+                  </a:schemeClr>
+                </a:solidFill>
+              </a:rPr>
+              <a:t> &gt; 11.50</a:t>
+            </a:r>
+          </a:p>
+          <a:p>
+            <a:pPr marL="435420" lvl="1" indent="-179388" algn="just">
+              <a:buClr>
+                <a:schemeClr val="tx1"/>
+              </a:buClr>
+              <a:buFont typeface="Arial" panose="020B0604020202020204" pitchFamily="34" charset="0"/>
+              <a:buChar char="•"/>
+            </a:pPr>
+            <a:r>
+              <a:rPr lang="en-IN" dirty="0">
+                <a:solidFill>
+                  <a:schemeClr val="tx1">
+                    <a:lumMod val="95000"/>
+                  </a:schemeClr>
+                </a:solidFill>
+              </a:rPr>
+              <a:t>Vacation with </a:t>
+            </a:r>
+            <a:r>
+              <a:rPr lang="en-IN" dirty="0" err="1">
+                <a:solidFill>
+                  <a:schemeClr val="tx1">
+                    <a:lumMod val="95000"/>
+                  </a:schemeClr>
+                </a:solidFill>
+              </a:rPr>
+              <a:t>dti</a:t>
+            </a:r>
+            <a:r>
+              <a:rPr lang="en-IN" dirty="0">
+                <a:solidFill>
+                  <a:schemeClr val="tx1">
+                    <a:lumMod val="95000"/>
+                  </a:schemeClr>
+                </a:solidFill>
+              </a:rPr>
+              <a:t> &gt; 13.0</a:t>
+            </a:r>
+          </a:p>
+          <a:p>
+            <a:pPr marL="435420" lvl="1" indent="-179388" algn="just">
+              <a:buClr>
+                <a:schemeClr val="tx1"/>
+              </a:buClr>
+              <a:buFont typeface="Arial" panose="020B0604020202020204" pitchFamily="34" charset="0"/>
+              <a:buChar char="•"/>
+            </a:pPr>
+            <a:r>
+              <a:rPr lang="en-IN" dirty="0" err="1">
+                <a:solidFill>
+                  <a:schemeClr val="tx1">
+                    <a:lumMod val="95000"/>
+                  </a:schemeClr>
+                </a:solidFill>
+              </a:rPr>
+              <a:t>debt_consolidation</a:t>
+            </a:r>
+            <a:r>
+              <a:rPr lang="en-IN" dirty="0">
+                <a:solidFill>
+                  <a:schemeClr val="tx1">
+                    <a:lumMod val="95000"/>
+                  </a:schemeClr>
+                </a:solidFill>
+              </a:rPr>
+              <a:t> with </a:t>
+            </a:r>
+            <a:r>
+              <a:rPr lang="en-IN" dirty="0" err="1">
+                <a:solidFill>
+                  <a:schemeClr val="tx1">
+                    <a:lumMod val="95000"/>
+                  </a:schemeClr>
+                </a:solidFill>
+              </a:rPr>
+              <a:t>dti</a:t>
+            </a:r>
+            <a:r>
+              <a:rPr lang="en-IN" dirty="0">
+                <a:solidFill>
+                  <a:schemeClr val="tx1">
+                    <a:lumMod val="95000"/>
+                  </a:schemeClr>
+                </a:solidFill>
+              </a:rPr>
+              <a:t> &gt; 14.75</a:t>
+            </a:r>
+          </a:p>
+          <a:p>
+            <a:pPr marL="435420" lvl="1" indent="-179388" algn="just">
+              <a:buClr>
+                <a:schemeClr val="tx1"/>
+              </a:buClr>
+              <a:buFont typeface="Arial" panose="020B0604020202020204" pitchFamily="34" charset="0"/>
+              <a:buChar char="•"/>
+            </a:pPr>
+            <a:r>
+              <a:rPr lang="en-IN" dirty="0">
+                <a:solidFill>
+                  <a:schemeClr val="tx1">
+                    <a:lumMod val="95000"/>
+                  </a:schemeClr>
+                </a:solidFill>
+              </a:rPr>
+              <a:t>Major Purchases with </a:t>
+            </a:r>
+            <a:r>
+              <a:rPr lang="en-IN" dirty="0" err="1">
+                <a:solidFill>
+                  <a:schemeClr val="tx1">
+                    <a:lumMod val="95000"/>
+                  </a:schemeClr>
+                </a:solidFill>
+              </a:rPr>
+              <a:t>dti</a:t>
+            </a:r>
+            <a:r>
+              <a:rPr lang="en-IN" dirty="0">
+                <a:solidFill>
+                  <a:schemeClr val="tx1">
+                    <a:lumMod val="95000"/>
+                  </a:schemeClr>
+                </a:solidFill>
+              </a:rPr>
+              <a:t> &gt; 11.25</a:t>
+            </a:r>
+          </a:p>
+          <a:p>
+            <a:pPr marL="435420" lvl="1" indent="-179388" algn="just">
+              <a:buClr>
+                <a:schemeClr val="tx1"/>
+              </a:buClr>
+              <a:buFont typeface="Arial" panose="020B0604020202020204" pitchFamily="34" charset="0"/>
+              <a:buChar char="•"/>
+            </a:pPr>
+            <a:r>
+              <a:rPr lang="en-IN" dirty="0">
+                <a:solidFill>
+                  <a:schemeClr val="tx1">
+                    <a:lumMod val="95000"/>
+                  </a:schemeClr>
+                </a:solidFill>
+              </a:rPr>
+              <a:t>House with </a:t>
+            </a:r>
+            <a:r>
+              <a:rPr lang="en-IN" dirty="0" err="1">
+                <a:solidFill>
+                  <a:schemeClr val="tx1">
+                    <a:lumMod val="95000"/>
+                  </a:schemeClr>
+                </a:solidFill>
+              </a:rPr>
+              <a:t>dti</a:t>
+            </a:r>
+            <a:r>
+              <a:rPr lang="en-IN" dirty="0">
+                <a:solidFill>
+                  <a:schemeClr val="tx1">
+                    <a:lumMod val="95000"/>
+                  </a:schemeClr>
+                </a:solidFill>
+              </a:rPr>
+              <a:t> &gt; 11.50</a:t>
+            </a:r>
+          </a:p>
+        </p:txBody>
+      </p:sp>
+      <p:pic>
+        <p:nvPicPr>
+          <p:cNvPr id="8194" name="Picture 2">
+            <a:extLst>
+              <a:ext uri="{FF2B5EF4-FFF2-40B4-BE49-F238E27FC236}">
+                <a16:creationId xmlns:a16="http://schemas.microsoft.com/office/drawing/2014/main" id="{463DC76B-73B1-B92B-31DD-23722ECB6500}"/>
+              </a:ext>
+            </a:extLst>
+          </p:cNvPr>
+          <p:cNvPicPr>
+            <a:picLocks noChangeAspect="1" noChangeArrowheads="1"/>
+          </p:cNvPicPr>
+          <p:nvPr/>
+        </p:nvPicPr>
+        <p:blipFill>
+          <a:blip r:embed="rId2">
+            <a:extLst>
+              <a:ext uri="{28A0092B-C50C-407E-A947-70E740481C1C}">
+                <a14:useLocalDpi xmlns:a14="http://schemas.microsoft.com/office/drawing/2010/main" val="0"/>
+              </a:ext>
+            </a:extLst>
+          </a:blip>
+          <a:srcRect/>
+          <a:stretch>
+            <a:fillRect/>
+          </a:stretch>
+        </p:blipFill>
+        <p:spPr bwMode="auto">
+          <a:xfrm>
+            <a:off x="6894494" y="1668546"/>
+            <a:ext cx="5086973" cy="4034673"/>
+          </a:xfrm>
+          <a:prstGeom prst="rect">
+            <a:avLst/>
+          </a:prstGeom>
+          <a:noFill/>
+          <a:extLst>
+            <a:ext uri="{909E8E84-426E-40DD-AFC4-6F175D3DCCD1}">
+              <a14:hiddenFill xmlns:a14="http://schemas.microsoft.com/office/drawing/2010/main">
+                <a:solidFill>
+                  <a:srgbClr val="FFFFFF"/>
+                </a:solidFill>
+              </a14:hiddenFill>
+            </a:ext>
+          </a:extLst>
+        </p:spPr>
+      </p:pic>
+    </p:spTree>
+    <p:extLst>
+      <p:ext uri="{BB962C8B-B14F-4D97-AF65-F5344CB8AC3E}">
+        <p14:creationId xmlns:p14="http://schemas.microsoft.com/office/powerpoint/2010/main" val="3871207791"/>
+      </p:ext>
+    </p:extLst>
+  </p:cSld>
+  <p:clrMapOvr>
+    <a:masterClrMapping/>
+  </p:clrMapOvr>
+  <mc:AlternateContent xmlns:mc="http://schemas.openxmlformats.org/markup-compatibility/2006" xmlns:p14="http://schemas.microsoft.com/office/powerpoint/2010/main">
+    <mc:Choice Requires="p14">
+      <p:transition spd="med" p14:dur="700">
+        <p:fade/>
+      </p:transition>
+    </mc:Choice>
+    <mc:Fallback xmlns="">
+      <p:transition spd="med">
+        <p:fade/>
+      </p:transition>
+    </mc:Fallback>
+  </mc:AlternateContent>
+</p:sld>
+</file>
+
+<file path=ppt/slides/slide34.xml><?xml version="1.0" encoding="utf-8"?>
+<p:sld xmlns:a="http://schemas.openxmlformats.org/drawingml/2006/main" xmlns:r="http://schemas.openxmlformats.org/officeDocument/2006/relationships" xmlns:p="http://schemas.openxmlformats.org/presentationml/2006/main">
+  <p:cSld>
+    <p:spTree>
+      <p:nvGrpSpPr>
+        <p:cNvPr id="1" name=""/>
+        <p:cNvGrpSpPr/>
+        <p:nvPr/>
+      </p:nvGrpSpPr>
+      <p:grpSpPr>
+        <a:xfrm>
+          <a:off x="0" y="0"/>
+          <a:ext cx="0" cy="0"/>
+          <a:chOff x="0" y="0"/>
+          <a:chExt cx="0" cy="0"/>
+        </a:xfrm>
+      </p:grpSpPr>
+      <p:sp>
+        <p:nvSpPr>
+          <p:cNvPr id="2" name="Title 1">
+            <a:extLst>
+              <a:ext uri="{FF2B5EF4-FFF2-40B4-BE49-F238E27FC236}">
+                <a16:creationId xmlns:a16="http://schemas.microsoft.com/office/drawing/2014/main" id="{0F1C7A80-DC28-1922-E396-9421F9365606}"/>
+              </a:ext>
+            </a:extLst>
+          </p:cNvPr>
+          <p:cNvSpPr>
+            <a:spLocks noGrp="1"/>
+          </p:cNvSpPr>
+          <p:nvPr>
+            <p:ph type="title"/>
+          </p:nvPr>
+        </p:nvSpPr>
+        <p:spPr>
+          <a:xfrm>
+            <a:off x="657224" y="499533"/>
+            <a:ext cx="10772775" cy="1018182"/>
+          </a:xfrm>
+        </p:spPr>
+        <p:txBody>
+          <a:bodyPr>
+            <a:normAutofit/>
+          </a:bodyPr>
+          <a:lstStyle/>
+          <a:p>
+            <a:r>
+              <a:rPr lang="en-IN" dirty="0"/>
+              <a:t>Multivariate Analysis </a:t>
+            </a:r>
+            <a:r>
+              <a:rPr lang="en-IN" sz="3300" dirty="0"/>
+              <a:t>(Home Ownership - </a:t>
+            </a:r>
+            <a:r>
+              <a:rPr lang="en-IN" sz="3300" dirty="0" err="1"/>
+              <a:t>dti</a:t>
+            </a:r>
+            <a:r>
+              <a:rPr lang="en-IN" sz="3300" dirty="0"/>
+              <a:t>)</a:t>
+            </a:r>
+          </a:p>
+        </p:txBody>
+      </p:sp>
+      <p:sp>
+        <p:nvSpPr>
+          <p:cNvPr id="3" name="Content Placeholder 2">
+            <a:extLst>
+              <a:ext uri="{FF2B5EF4-FFF2-40B4-BE49-F238E27FC236}">
+                <a16:creationId xmlns:a16="http://schemas.microsoft.com/office/drawing/2014/main" id="{D94D65CF-4E07-5072-26FD-FE694F46B8BC}"/>
+              </a:ext>
+            </a:extLst>
+          </p:cNvPr>
+          <p:cNvSpPr>
+            <a:spLocks noGrp="1"/>
+          </p:cNvSpPr>
+          <p:nvPr>
+            <p:ph idx="1"/>
+          </p:nvPr>
+        </p:nvSpPr>
+        <p:spPr>
+          <a:xfrm>
+            <a:off x="762001" y="1668546"/>
+            <a:ext cx="5362575" cy="4314825"/>
+          </a:xfrm>
+        </p:spPr>
+        <p:txBody>
+          <a:bodyPr>
+            <a:normAutofit/>
+          </a:bodyPr>
+          <a:lstStyle/>
+          <a:p>
+            <a:pPr marL="179388" indent="-179388" algn="just">
+              <a:buClr>
+                <a:schemeClr val="tx1"/>
+              </a:buClr>
+              <a:buFont typeface="Arial" panose="020B0604020202020204" pitchFamily="34" charset="0"/>
+              <a:buChar char="•"/>
+            </a:pPr>
+            <a:r>
+              <a:rPr lang="en-IN" dirty="0">
+                <a:solidFill>
+                  <a:schemeClr val="tx1">
+                    <a:lumMod val="95000"/>
+                  </a:schemeClr>
+                </a:solidFill>
+              </a:rPr>
+              <a:t>DTI </a:t>
+            </a:r>
+            <a:r>
+              <a:rPr lang="en-IN" dirty="0">
+                <a:solidFill>
+                  <a:schemeClr val="tx1">
+                    <a:lumMod val="95000"/>
+                  </a:schemeClr>
+                </a:solidFill>
+                <a:sym typeface="Wingdings" panose="05000000000000000000" pitchFamily="2" charset="2"/>
+              </a:rPr>
+              <a:t> </a:t>
+            </a:r>
+            <a:r>
+              <a:rPr lang="en-IN" dirty="0">
+                <a:solidFill>
+                  <a:schemeClr val="tx1">
+                    <a:lumMod val="95000"/>
+                  </a:schemeClr>
+                </a:solidFill>
+              </a:rPr>
+              <a:t>Debt to Income ratio</a:t>
+            </a:r>
+          </a:p>
+          <a:p>
+            <a:pPr marL="179388" indent="-179388" algn="just">
+              <a:buClr>
+                <a:schemeClr val="tx1"/>
+              </a:buClr>
+              <a:buFont typeface="Arial" panose="020B0604020202020204" pitchFamily="34" charset="0"/>
+              <a:buChar char="•"/>
+            </a:pPr>
+            <a:endParaRPr lang="en-IN" dirty="0">
+              <a:solidFill>
+                <a:schemeClr val="tx1">
+                  <a:lumMod val="95000"/>
+                </a:schemeClr>
+              </a:solidFill>
+            </a:endParaRPr>
+          </a:p>
+          <a:p>
+            <a:pPr marL="179388" indent="-179388" algn="just">
+              <a:buClr>
+                <a:schemeClr val="tx1"/>
+              </a:buClr>
+              <a:buFont typeface="Arial" panose="020B0604020202020204" pitchFamily="34" charset="0"/>
+              <a:buChar char="•"/>
+            </a:pPr>
+            <a:r>
+              <a:rPr lang="en-IN" dirty="0">
+                <a:solidFill>
+                  <a:schemeClr val="tx1">
+                    <a:lumMod val="95000"/>
+                  </a:schemeClr>
+                </a:solidFill>
+              </a:rPr>
+              <a:t>Loans Charged Off with Home Ownership as MORTGAGE and having a DTI &gt; 14.</a:t>
+            </a:r>
+          </a:p>
+        </p:txBody>
+      </p:sp>
+      <p:pic>
+        <p:nvPicPr>
+          <p:cNvPr id="9218" name="Picture 2">
+            <a:extLst>
+              <a:ext uri="{FF2B5EF4-FFF2-40B4-BE49-F238E27FC236}">
+                <a16:creationId xmlns:a16="http://schemas.microsoft.com/office/drawing/2014/main" id="{2448B630-95CD-8EAA-B754-A70F1C21C819}"/>
+              </a:ext>
+            </a:extLst>
+          </p:cNvPr>
+          <p:cNvPicPr>
+            <a:picLocks noChangeAspect="1" noChangeArrowheads="1"/>
+          </p:cNvPicPr>
+          <p:nvPr/>
+        </p:nvPicPr>
+        <p:blipFill>
+          <a:blip r:embed="rId2">
+            <a:extLst>
+              <a:ext uri="{28A0092B-C50C-407E-A947-70E740481C1C}">
+                <a14:useLocalDpi xmlns:a14="http://schemas.microsoft.com/office/drawing/2010/main" val="0"/>
+              </a:ext>
+            </a:extLst>
+          </a:blip>
+          <a:srcRect/>
+          <a:stretch>
+            <a:fillRect/>
+          </a:stretch>
+        </p:blipFill>
+        <p:spPr bwMode="auto">
+          <a:xfrm>
+            <a:off x="6412437" y="1637909"/>
+            <a:ext cx="5362575" cy="4314825"/>
+          </a:xfrm>
+          <a:prstGeom prst="rect">
+            <a:avLst/>
+          </a:prstGeom>
+          <a:noFill/>
+          <a:extLst>
+            <a:ext uri="{909E8E84-426E-40DD-AFC4-6F175D3DCCD1}">
+              <a14:hiddenFill xmlns:a14="http://schemas.microsoft.com/office/drawing/2010/main">
+                <a:solidFill>
+                  <a:srgbClr val="FFFFFF"/>
+                </a:solidFill>
+              </a14:hiddenFill>
+            </a:ext>
+          </a:extLst>
+        </p:spPr>
+      </p:pic>
+    </p:spTree>
+    <p:extLst>
+      <p:ext uri="{BB962C8B-B14F-4D97-AF65-F5344CB8AC3E}">
+        <p14:creationId xmlns:p14="http://schemas.microsoft.com/office/powerpoint/2010/main" val="2819382599"/>
+      </p:ext>
+    </p:extLst>
+  </p:cSld>
+  <p:clrMapOvr>
+    <a:masterClrMapping/>
+  </p:clrMapOvr>
+  <mc:AlternateContent xmlns:mc="http://schemas.openxmlformats.org/markup-compatibility/2006" xmlns:p14="http://schemas.microsoft.com/office/powerpoint/2010/main">
+    <mc:Choice Requires="p14">
+      <p:transition spd="med" p14:dur="700">
+        <p:fade/>
+      </p:transition>
+    </mc:Choice>
+    <mc:Fallback xmlns="">
+      <p:transition spd="med">
+        <p:fade/>
+      </p:transition>
+    </mc:Fallback>
+  </mc:AlternateContent>
+</p:sld>
+</file>
+
+<file path=ppt/slides/slide35.xml><?xml version="1.0" encoding="utf-8"?>
+<p:sld xmlns:a="http://schemas.openxmlformats.org/drawingml/2006/main" xmlns:r="http://schemas.openxmlformats.org/officeDocument/2006/relationships" xmlns:p="http://schemas.openxmlformats.org/presentationml/2006/main">
+  <p:cSld>
+    <p:spTree>
+      <p:nvGrpSpPr>
+        <p:cNvPr id="1" name=""/>
+        <p:cNvGrpSpPr/>
+        <p:nvPr/>
+      </p:nvGrpSpPr>
+      <p:grpSpPr>
+        <a:xfrm>
+          <a:off x="0" y="0"/>
+          <a:ext cx="0" cy="0"/>
+          <a:chOff x="0" y="0"/>
+          <a:chExt cx="0" cy="0"/>
+        </a:xfrm>
+      </p:grpSpPr>
+      <p:sp>
+        <p:nvSpPr>
+          <p:cNvPr id="2" name="Title 1">
+            <a:extLst>
+              <a:ext uri="{FF2B5EF4-FFF2-40B4-BE49-F238E27FC236}">
+                <a16:creationId xmlns:a16="http://schemas.microsoft.com/office/drawing/2014/main" id="{0F1C7A80-DC28-1922-E396-9421F9365606}"/>
+              </a:ext>
+            </a:extLst>
+          </p:cNvPr>
+          <p:cNvSpPr>
+            <a:spLocks noGrp="1"/>
+          </p:cNvSpPr>
+          <p:nvPr>
+            <p:ph type="title"/>
+          </p:nvPr>
+        </p:nvSpPr>
+        <p:spPr>
+          <a:xfrm>
+            <a:off x="657224" y="499533"/>
+            <a:ext cx="10772775" cy="1018182"/>
+          </a:xfrm>
+        </p:spPr>
+        <p:txBody>
+          <a:bodyPr>
+            <a:normAutofit/>
+          </a:bodyPr>
+          <a:lstStyle/>
+          <a:p>
+            <a:r>
+              <a:rPr lang="en-IN" dirty="0"/>
+              <a:t>Multivariate Analysis </a:t>
+            </a:r>
+            <a:r>
+              <a:rPr lang="en-IN" sz="3300" dirty="0"/>
               <a:t>(Year- </a:t>
             </a:r>
             <a:r>
@@ -16498,13 +17037,13 @@
   <p:clrMapOvr>
     <a:masterClrMapping/>
   </p:clrMapOvr>
-  <mc:AlternateContent xmlns:mc="http://schemas.openxmlformats.org/markup-compatibility/2006">
-    <mc:Choice xmlns:p14="http://schemas.microsoft.com/office/powerpoint/2010/main" Requires="p14">
+  <mc:AlternateContent xmlns:mc="http://schemas.openxmlformats.org/markup-compatibility/2006" xmlns:p14="http://schemas.microsoft.com/office/powerpoint/2010/main">
+    <mc:Choice Requires="p14">
       <p:transition spd="med" p14:dur="700">
         <p:fade/>
       </p:transition>
     </mc:Choice>
-    <mc:Fallback>
+    <mc:Fallback xmlns="">
       <p:transition spd="med">
         <p:fade/>
       </p:transition>
@@ -16513,7 +17052,7 @@
 </p:sld>
 </file>
 
-<file path=ppt/slides/slide34.xml><?xml version="1.0" encoding="utf-8"?>
+<file path=ppt/slides/slide36.xml><?xml version="1.0" encoding="utf-8"?>
 <p:sld xmlns:a="http://schemas.openxmlformats.org/drawingml/2006/main" xmlns:r="http://schemas.openxmlformats.org/officeDocument/2006/relationships" xmlns:p="http://schemas.openxmlformats.org/presentationml/2006/main">
   <p:cSld>
     <p:bg>
@@ -16781,13 +17320,13 @@
   <p:clrMapOvr>
     <a:overrideClrMapping bg1="dk1" tx1="lt1" bg2="dk2" tx2="lt2" accent1="accent1" accent2="accent2" accent3="accent3" accent4="accent4" accent5="accent5" accent6="accent6" hlink="hlink" folHlink="folHlink"/>
   </p:clrMapOvr>
-  <mc:AlternateContent xmlns:mc="http://schemas.openxmlformats.org/markup-compatibility/2006">
-    <mc:Choice xmlns:p14="http://schemas.microsoft.com/office/powerpoint/2010/main" Requires="p14">
+  <mc:AlternateContent xmlns:mc="http://schemas.openxmlformats.org/markup-compatibility/2006" xmlns:p14="http://schemas.microsoft.com/office/powerpoint/2010/main">
+    <mc:Choice Requires="p14">
       <p:transition spd="med" p14:dur="700">
         <p:fade/>
       </p:transition>
     </mc:Choice>
-    <mc:Fallback>
+    <mc:Fallback xmlns="">
       <p:transition spd="med">
         <p:fade/>
       </p:transition>
@@ -16796,7 +17335,7 @@
 </p:sld>
 </file>
 
-<file path=ppt/slides/slide35.xml><?xml version="1.0" encoding="utf-8"?>
+<file path=ppt/slides/slide37.xml><?xml version="1.0" encoding="utf-8"?>
 <p:sld xmlns:a="http://schemas.openxmlformats.org/drawingml/2006/main" xmlns:r="http://schemas.openxmlformats.org/officeDocument/2006/relationships" xmlns:p="http://schemas.openxmlformats.org/presentationml/2006/main">
   <p:cSld>
     <p:bg>
@@ -17191,6 +17730,252 @@
   </p:cSld>
   <p:clrMapOvr>
     <a:overrideClrMapping bg1="dk1" tx1="lt1" bg2="dk2" tx2="lt2" accent1="accent1" accent2="accent2" accent3="accent3" accent4="accent4" accent5="accent5" accent6="accent6" hlink="hlink" folHlink="folHlink"/>
+  </p:clrMapOvr>
+  <mc:AlternateContent xmlns:mc="http://schemas.openxmlformats.org/markup-compatibility/2006" xmlns:p14="http://schemas.microsoft.com/office/powerpoint/2010/main">
+    <mc:Choice Requires="p14">
+      <p:transition spd="med" p14:dur="700">
+        <p:fade/>
+      </p:transition>
+    </mc:Choice>
+    <mc:Fallback xmlns="">
+      <p:transition spd="med">
+        <p:fade/>
+      </p:transition>
+    </mc:Fallback>
+  </mc:AlternateContent>
+</p:sld>
+</file>
+
+<file path=ppt/slides/slide38.xml><?xml version="1.0" encoding="utf-8"?>
+<p:sld xmlns:a="http://schemas.openxmlformats.org/drawingml/2006/main" xmlns:r="http://schemas.openxmlformats.org/officeDocument/2006/relationships" xmlns:p="http://schemas.openxmlformats.org/presentationml/2006/main">
+  <p:cSld>
+    <p:spTree>
+      <p:nvGrpSpPr>
+        <p:cNvPr id="1" name=""/>
+        <p:cNvGrpSpPr/>
+        <p:nvPr/>
+      </p:nvGrpSpPr>
+      <p:grpSpPr>
+        <a:xfrm>
+          <a:off x="0" y="0"/>
+          <a:ext cx="0" cy="0"/>
+          <a:chOff x="0" y="0"/>
+          <a:chExt cx="0" cy="0"/>
+        </a:xfrm>
+      </p:grpSpPr>
+      <p:sp>
+        <p:nvSpPr>
+          <p:cNvPr id="2" name="Title 1">
+            <a:extLst>
+              <a:ext uri="{FF2B5EF4-FFF2-40B4-BE49-F238E27FC236}">
+                <a16:creationId xmlns:a16="http://schemas.microsoft.com/office/drawing/2014/main" id="{EF82F39A-B1E7-EFB0-2DA1-0CE2426E9C35}"/>
+              </a:ext>
+            </a:extLst>
+          </p:cNvPr>
+          <p:cNvSpPr>
+            <a:spLocks noGrp="1"/>
+          </p:cNvSpPr>
+          <p:nvPr>
+            <p:ph type="title"/>
+          </p:nvPr>
+        </p:nvSpPr>
+        <p:spPr>
+          <a:xfrm>
+            <a:off x="657224" y="499533"/>
+            <a:ext cx="10772775" cy="725952"/>
+          </a:xfrm>
+        </p:spPr>
+        <p:txBody>
+          <a:bodyPr>
+            <a:normAutofit fontScale="90000"/>
+          </a:bodyPr>
+          <a:lstStyle/>
+          <a:p>
+            <a:r>
+              <a:rPr lang="en-IN" dirty="0"/>
+              <a:t>Conclusion</a:t>
+            </a:r>
+          </a:p>
+        </p:txBody>
+      </p:sp>
+      <p:sp>
+        <p:nvSpPr>
+          <p:cNvPr id="3" name="Content Placeholder 2">
+            <a:extLst>
+              <a:ext uri="{FF2B5EF4-FFF2-40B4-BE49-F238E27FC236}">
+                <a16:creationId xmlns:a16="http://schemas.microsoft.com/office/drawing/2014/main" id="{30B3015C-E8AF-0F53-C929-644D9BCC21F7}"/>
+              </a:ext>
+            </a:extLst>
+          </p:cNvPr>
+          <p:cNvSpPr>
+            <a:spLocks noGrp="1"/>
+          </p:cNvSpPr>
+          <p:nvPr>
+            <p:ph idx="1"/>
+          </p:nvPr>
+        </p:nvSpPr>
+        <p:spPr>
+          <a:xfrm>
+            <a:off x="676656" y="1319753"/>
+            <a:ext cx="10753725" cy="5038713"/>
+          </a:xfrm>
+        </p:spPr>
+        <p:txBody>
+          <a:bodyPr>
+            <a:normAutofit/>
+          </a:bodyPr>
+          <a:lstStyle/>
+          <a:p>
+            <a:pPr marL="457200" indent="-457200">
+              <a:buFont typeface="+mj-lt"/>
+              <a:buAutoNum type="arabicPeriod"/>
+            </a:pPr>
+            <a:r>
+              <a:rPr lang="en-IN" sz="2000" dirty="0">
+                <a:solidFill>
+                  <a:schemeClr val="tx1"/>
+                </a:solidFill>
+              </a:rPr>
+              <a:t>Avoid Term loans for the tenure of 60 months.</a:t>
+            </a:r>
+          </a:p>
+          <a:p>
+            <a:pPr marL="457200" indent="-457200">
+              <a:buFont typeface="+mj-lt"/>
+              <a:buAutoNum type="arabicPeriod"/>
+            </a:pPr>
+            <a:r>
+              <a:rPr lang="en-IN" sz="2000" dirty="0">
+                <a:solidFill>
+                  <a:schemeClr val="tx1"/>
+                </a:solidFill>
+              </a:rPr>
+              <a:t>Avoid loans for small businesses with DTI &gt; 11.50</a:t>
+            </a:r>
+          </a:p>
+          <a:p>
+            <a:pPr marL="457200" indent="-457200">
+              <a:buFont typeface="+mj-lt"/>
+              <a:buAutoNum type="arabicPeriod"/>
+            </a:pPr>
+            <a:r>
+              <a:rPr lang="en-IN" sz="2000" dirty="0">
+                <a:solidFill>
+                  <a:schemeClr val="tx1"/>
+                </a:solidFill>
+              </a:rPr>
+              <a:t>Avoid loans for debt consolidation with DTI  &gt; 14.75</a:t>
+            </a:r>
+          </a:p>
+          <a:p>
+            <a:pPr marL="457200" indent="-457200">
+              <a:buFont typeface="+mj-lt"/>
+              <a:buAutoNum type="arabicPeriod"/>
+            </a:pPr>
+            <a:r>
+              <a:rPr lang="en-IN" sz="2000" dirty="0">
+                <a:solidFill>
+                  <a:schemeClr val="tx1"/>
+                </a:solidFill>
+              </a:rPr>
+              <a:t>Avoid loans which are not verified. Almost 44% of the loans are not verified. This could be a reason for the defaulters.</a:t>
+            </a:r>
+          </a:p>
+          <a:p>
+            <a:pPr marL="457200" indent="-457200">
+              <a:buFont typeface="+mj-lt"/>
+              <a:buAutoNum type="arabicPeriod"/>
+            </a:pPr>
+            <a:r>
+              <a:rPr lang="en-IN" sz="2000" dirty="0">
+                <a:solidFill>
+                  <a:schemeClr val="tx1"/>
+                </a:solidFill>
+              </a:rPr>
+              <a:t>Avoid loans with DTI &gt; 13.5 and issued during the months April-July &amp; Oct-Dec.</a:t>
+            </a:r>
+          </a:p>
+          <a:p>
+            <a:pPr marL="457200" indent="-457200">
+              <a:buFont typeface="+mj-lt"/>
+              <a:buAutoNum type="arabicPeriod"/>
+            </a:pPr>
+            <a:r>
+              <a:rPr lang="en-IN" sz="2000" dirty="0">
+                <a:solidFill>
+                  <a:schemeClr val="tx1"/>
+                </a:solidFill>
+              </a:rPr>
+              <a:t>Avoid loans issued for Home Ownership as MORTGAGE and DTI&gt;14. </a:t>
+            </a:r>
+          </a:p>
+          <a:p>
+            <a:pPr marL="457200" indent="-457200">
+              <a:buFont typeface="+mj-lt"/>
+              <a:buAutoNum type="arabicPeriod"/>
+            </a:pPr>
+            <a:r>
+              <a:rPr lang="en-IN" sz="2000" dirty="0">
+                <a:solidFill>
+                  <a:schemeClr val="tx1"/>
+                </a:solidFill>
+              </a:rPr>
+              <a:t>Avoid loans with type Grade C &amp; DTI&gt;14.</a:t>
+            </a:r>
+          </a:p>
+          <a:p>
+            <a:pPr marL="457200" indent="-457200">
+              <a:buFont typeface="+mj-lt"/>
+              <a:buAutoNum type="arabicPeriod"/>
+            </a:pPr>
+            <a:r>
+              <a:rPr lang="en-IN" sz="2000" dirty="0">
+                <a:solidFill>
+                  <a:schemeClr val="tx1"/>
+                </a:solidFill>
+              </a:rPr>
+              <a:t>Avoid loans with type Grade F with loan amount &gt; 16K &amp; type Grade G with loan amount &lt; 18K.</a:t>
+            </a:r>
+          </a:p>
+          <a:p>
+            <a:pPr marL="457200" indent="-457200">
+              <a:buFont typeface="+mj-lt"/>
+              <a:buAutoNum type="arabicPeriod"/>
+            </a:pPr>
+            <a:r>
+              <a:rPr lang="en-IN" sz="2000" dirty="0">
+                <a:solidFill>
+                  <a:schemeClr val="tx1"/>
+                </a:solidFill>
+              </a:rPr>
+              <a:t>Avoid loans when employment tenure is 7 years &amp; annual income is [627K-938K].</a:t>
+            </a:r>
+          </a:p>
+          <a:p>
+            <a:pPr marL="457200" indent="-457200">
+              <a:buFont typeface="+mj-lt"/>
+              <a:buAutoNum type="arabicPeriod"/>
+            </a:pPr>
+            <a:r>
+              <a:rPr lang="en-IN" sz="2000" dirty="0">
+                <a:solidFill>
+                  <a:schemeClr val="tx1"/>
+                </a:solidFill>
+              </a:rPr>
+              <a:t>Avoid loans with state NE as they have highest Defaulted rate of loans</a:t>
+            </a:r>
+          </a:p>
+        </p:txBody>
+      </p:sp>
+    </p:spTree>
+    <p:extLst>
+      <p:ext uri="{BB962C8B-B14F-4D97-AF65-F5344CB8AC3E}">
+        <p14:creationId xmlns:p14="http://schemas.microsoft.com/office/powerpoint/2010/main" val="3388626852"/>
+      </p:ext>
+    </p:extLst>
+  </p:cSld>
+  <p:clrMapOvr>
+    <a:masterClrMapping/>
   </p:clrMapOvr>
   <mc:AlternateContent xmlns:mc="http://schemas.openxmlformats.org/markup-compatibility/2006" xmlns:p14="http://schemas.microsoft.com/office/powerpoint/2010/main">
     <mc:Choice Requires="p14">
@@ -18712,7 +19497,7 @@
               <a:buChar char="•"/>
             </a:pPr>
             <a:r>
-              <a:rPr lang="en-IN" sz="2000" dirty="0">
+              <a:rPr lang="en-IN" sz="2000">
                 <a:solidFill>
                   <a:schemeClr val="tx1">
                     <a:lumMod val="95000"/>
@@ -18734,7 +19519,7 @@
               <a:buChar char="•"/>
             </a:pPr>
             <a:r>
-              <a:rPr lang="en-IN" sz="2000" dirty="0">
+              <a:rPr lang="en-IN" sz="2000">
                 <a:solidFill>
                   <a:schemeClr val="tx1">
                     <a:lumMod val="95000"/>
@@ -18744,7 +19529,7 @@
               <a:t>The Column </a:t>
             </a:r>
             <a:r>
-              <a:rPr lang="en-IN" sz="2000" b="1" dirty="0" err="1">
+              <a:rPr lang="en-IN" sz="2000" b="1">
                 <a:solidFill>
                   <a:schemeClr val="tx1">
                     <a:lumMod val="95000"/>
@@ -18753,13 +19538,6 @@
               </a:rPr>
               <a:t>issue_d</a:t>
             </a:r>
-            <a:endParaRPr lang="en-IN" sz="2000" b="1" dirty="0">
-              <a:solidFill>
-                <a:schemeClr val="tx1">
-                  <a:lumMod val="95000"/>
-                </a:schemeClr>
-              </a:solidFill>
-            </a:endParaRPr>
           </a:p>
           <a:p>
             <a:pPr marL="563118" lvl="2" indent="-355600" algn="just">
@@ -18773,7 +19551,7 @@
               <a:buChar char="•"/>
             </a:pPr>
             <a:r>
-              <a:rPr lang="en-IN" sz="1600" dirty="0">
+              <a:rPr lang="en-IN" sz="1600">
                 <a:solidFill>
                   <a:schemeClr val="tx1">
                     <a:lumMod val="95000"/>
@@ -18795,7 +19573,7 @@
               <a:buChar char="•"/>
             </a:pPr>
             <a:r>
-              <a:rPr lang="en-IN" sz="2000" dirty="0">
+              <a:rPr lang="en-IN" sz="2000">
                 <a:solidFill>
                   <a:schemeClr val="tx1">
                     <a:lumMod val="95000"/>
@@ -18805,7 +19583,7 @@
               <a:t>The Column </a:t>
             </a:r>
             <a:r>
-              <a:rPr lang="en-IN" sz="2000" b="1" dirty="0" err="1">
+              <a:rPr lang="en-IN" sz="2000" b="1">
                 <a:solidFill>
                   <a:schemeClr val="tx1">
                     <a:lumMod val="95000"/>
@@ -18814,13 +19592,6 @@
               </a:rPr>
               <a:t>int_rate</a:t>
             </a:r>
-            <a:endParaRPr lang="en-IN" sz="2000" b="1" dirty="0">
-              <a:solidFill>
-                <a:schemeClr val="tx1">
-                  <a:lumMod val="95000"/>
-                </a:schemeClr>
-              </a:solidFill>
-            </a:endParaRPr>
           </a:p>
           <a:p>
             <a:pPr marL="563118" lvl="2" indent="-355600" algn="just">
@@ -18834,7 +19605,7 @@
               <a:buChar char="•"/>
             </a:pPr>
             <a:r>
-              <a:rPr lang="en-IN" sz="1600" dirty="0">
+              <a:rPr lang="en-IN" sz="1600">
                 <a:solidFill>
                   <a:schemeClr val="tx1">
                     <a:lumMod val="95000"/>
@@ -18856,7 +19627,7 @@
               <a:buChar char="•"/>
             </a:pPr>
             <a:r>
-              <a:rPr lang="en-IN" sz="2000" dirty="0">
+              <a:rPr lang="en-IN" sz="2000">
                 <a:solidFill>
                   <a:schemeClr val="tx1">
                     <a:lumMod val="95000"/>
@@ -18866,7 +19637,7 @@
               <a:t>The Column </a:t>
             </a:r>
             <a:r>
-              <a:rPr lang="en-IN" sz="2000" b="1" dirty="0">
+              <a:rPr lang="en-IN" sz="2000" b="1">
                 <a:solidFill>
                   <a:schemeClr val="tx1">
                     <a:lumMod val="95000"/>
@@ -18888,7 +19659,7 @@
               <a:buChar char="•"/>
             </a:pPr>
             <a:r>
-              <a:rPr lang="en-IN" sz="1600" dirty="0">
+              <a:rPr lang="en-IN" sz="1600">
                 <a:solidFill>
                   <a:schemeClr val="tx1">
                     <a:lumMod val="95000"/>
@@ -18910,7 +19681,7 @@
               <a:buChar char="•"/>
             </a:pPr>
             <a:r>
-              <a:rPr lang="en-IN" sz="2000" dirty="0">
+              <a:rPr lang="en-IN" sz="2000">
                 <a:solidFill>
                   <a:schemeClr val="tx1">
                     <a:lumMod val="95000"/>
@@ -18920,7 +19691,7 @@
               <a:t>The Column </a:t>
             </a:r>
             <a:r>
-              <a:rPr lang="en-IN" sz="2000" b="1" dirty="0" err="1">
+              <a:rPr lang="en-IN" sz="2000" b="1">
                 <a:solidFill>
                   <a:schemeClr val="tx1">
                     <a:lumMod val="95000"/>
@@ -18929,13 +19700,6 @@
               </a:rPr>
               <a:t>emp_length</a:t>
             </a:r>
-            <a:endParaRPr lang="en-IN" sz="2000" b="1" dirty="0">
-              <a:solidFill>
-                <a:schemeClr val="tx1">
-                  <a:lumMod val="95000"/>
-                </a:schemeClr>
-              </a:solidFill>
-            </a:endParaRPr>
           </a:p>
           <a:p>
             <a:pPr marL="563118" lvl="2" indent="-355600" algn="just">
@@ -18949,7 +19713,7 @@
               <a:buChar char="•"/>
             </a:pPr>
             <a:r>
-              <a:rPr lang="en-IN" sz="1600" dirty="0">
+              <a:rPr lang="en-IN" sz="1600">
                 <a:solidFill>
                   <a:schemeClr val="tx1">
                     <a:lumMod val="95000"/>
@@ -18980,45 +19744,6 @@
           </a:p>
         </p:txBody>
       </p:sp>
-      <p:pic>
-        <p:nvPicPr>
-          <p:cNvPr id="7" name="Graphic 6" descr="Mop and bucket">
-            <a:extLst>
-              <a:ext uri="{FF2B5EF4-FFF2-40B4-BE49-F238E27FC236}">
-                <a16:creationId xmlns:a16="http://schemas.microsoft.com/office/drawing/2014/main" id="{AFDEB4D1-783B-55FC-603A-C7B919DE42ED}"/>
-              </a:ext>
-            </a:extLst>
-          </p:cNvPr>
-          <p:cNvPicPr>
-            <a:picLocks noChangeAspect="1"/>
-          </p:cNvPicPr>
-          <p:nvPr/>
-        </p:nvPicPr>
-        <p:blipFill>
-          <a:blip r:embed="rId2">
-            <a:extLst>
-              <a:ext uri="{28A0092B-C50C-407E-A947-70E740481C1C}">
-                <a14:useLocalDpi xmlns:a14="http://schemas.microsoft.com/office/drawing/2010/main" val="0"/>
-              </a:ext>
-              <a:ext uri="{96DAC541-7B7A-43D3-8B79-37D633B846F1}">
-                <asvg:svgBlip xmlns:asvg="http://schemas.microsoft.com/office/drawing/2016/SVG/main" r:embed="rId3"/>
-              </a:ext>
-            </a:extLst>
-          </a:blip>
-          <a:stretch>
-            <a:fillRect/>
-          </a:stretch>
-        </p:blipFill>
-        <p:spPr>
-          <a:xfrm>
-            <a:off x="8100058" y="1703445"/>
-            <a:ext cx="3448478" cy="3448478"/>
-          </a:xfrm>
-          <a:prstGeom prst="rect">
-            <a:avLst/>
-          </a:prstGeom>
-        </p:spPr>
-      </p:pic>
     </p:spTree>
     <p:extLst>
       <p:ext uri="{BB962C8B-B14F-4D97-AF65-F5344CB8AC3E}">

--- a/Lending Club Case Study.pptx
+++ b/Lending Club Case Study.pptx
@@ -12324,13 +12324,13 @@
   <p:clrMapOvr>
     <a:masterClrMapping/>
   </p:clrMapOvr>
-  <mc:AlternateContent xmlns:mc="http://schemas.openxmlformats.org/markup-compatibility/2006">
-    <mc:Choice xmlns:p14="http://schemas.microsoft.com/office/powerpoint/2010/main" Requires="p14">
+  <mc:AlternateContent xmlns:mc="http://schemas.openxmlformats.org/markup-compatibility/2006" xmlns:p14="http://schemas.microsoft.com/office/powerpoint/2010/main">
+    <mc:Choice Requires="p14">
       <p:transition spd="med" p14:dur="700">
         <p:fade/>
       </p:transition>
     </mc:Choice>
-    <mc:Fallback>
+    <mc:Fallback xmlns="">
       <p:transition spd="med">
         <p:fade/>
       </p:transition>
@@ -14328,42 +14328,6 @@
                 </a:solidFill>
               </a:rPr>
               <a:t> are observed to be Charged Off</a:t>
-            </a:r>
-          </a:p>
-          <a:p>
-            <a:pPr marL="179388" indent="-179388">
-              <a:lnSpc>
-                <a:spcPct val="114000"/>
-              </a:lnSpc>
-              <a:buClr>
-                <a:schemeClr val="tx1"/>
-              </a:buClr>
-              <a:buFont typeface="Arial" panose="020B0604020202020204" pitchFamily="34" charset="0"/>
-              <a:buChar char="•"/>
-            </a:pPr>
-            <a:r>
-              <a:rPr lang="en-IN" dirty="0">
-                <a:solidFill>
-                  <a:schemeClr val="tx1"/>
-                </a:solidFill>
-              </a:rPr>
-              <a:t>Loans with higher </a:t>
-            </a:r>
-            <a:r>
-              <a:rPr lang="en-IN" b="1" dirty="0">
-                <a:solidFill>
-                  <a:schemeClr val="tx1"/>
-                </a:solidFill>
-              </a:rPr>
-              <a:t>interest rate</a:t>
-            </a:r>
-            <a:r>
-              <a:rPr lang="en-IN" dirty="0">
-                <a:solidFill>
-                  <a:schemeClr val="tx1"/>
-                </a:solidFill>
-              </a:rPr>
-              <a:t> are likely to be Charged Off.</a:t>
             </a:r>
           </a:p>
         </p:txBody>
@@ -17822,142 +17786,189 @@
         </p:spPr>
         <p:txBody>
           <a:bodyPr>
-            <a:normAutofit/>
+            <a:normAutofit lnSpcReduction="10000"/>
           </a:bodyPr>
           <a:lstStyle/>
           <a:p>
             <a:pPr marL="457200" indent="-457200">
+              <a:lnSpc>
+                <a:spcPct val="100000"/>
+              </a:lnSpc>
               <a:buFont typeface="+mj-lt"/>
               <a:buAutoNum type="arabicPeriod"/>
             </a:pPr>
             <a:r>
-              <a:rPr lang="en-IN" sz="2000" dirty="0">
+              <a:rPr lang="en-IN" sz="1800" dirty="0">
                 <a:solidFill>
                   <a:schemeClr val="tx1"/>
                 </a:solidFill>
               </a:rPr>
-              <a:t>Avoid Term loans for the tenure of 60 months.</a:t>
+              <a:t>Loans for the Term tenure of 60 months are likely to be Charged Off.</a:t>
             </a:r>
           </a:p>
           <a:p>
             <a:pPr marL="457200" indent="-457200">
+              <a:lnSpc>
+                <a:spcPct val="100000"/>
+              </a:lnSpc>
               <a:buFont typeface="+mj-lt"/>
               <a:buAutoNum type="arabicPeriod"/>
             </a:pPr>
             <a:r>
-              <a:rPr lang="en-IN" sz="2000" dirty="0">
+              <a:rPr lang="en-IN" sz="1800" dirty="0">
                 <a:solidFill>
                   <a:schemeClr val="tx1"/>
                 </a:solidFill>
               </a:rPr>
-              <a:t>Avoid loans for small businesses with DTI &gt; 11.50</a:t>
+              <a:t>Loans with higher interest rate are the key reason for Charged off. Hence, it is observed that more loans % are Charged off for the loans with higher grades.</a:t>
             </a:r>
           </a:p>
           <a:p>
             <a:pPr marL="457200" indent="-457200">
+              <a:lnSpc>
+                <a:spcPct val="100000"/>
+              </a:lnSpc>
               <a:buFont typeface="+mj-lt"/>
               <a:buAutoNum type="arabicPeriod"/>
             </a:pPr>
             <a:r>
-              <a:rPr lang="en-IN" sz="2000" dirty="0">
+              <a:rPr lang="en-IN" sz="1800" dirty="0">
                 <a:solidFill>
                   <a:schemeClr val="tx1"/>
                 </a:solidFill>
               </a:rPr>
-              <a:t>Avoid loans for debt consolidation with DTI  &gt; 14.75</a:t>
+              <a:t>Avoid loans for small businesses with DTI &gt; 11.50</a:t>
             </a:r>
           </a:p>
           <a:p>
             <a:pPr marL="457200" indent="-457200">
+              <a:lnSpc>
+                <a:spcPct val="100000"/>
+              </a:lnSpc>
               <a:buFont typeface="+mj-lt"/>
               <a:buAutoNum type="arabicPeriod"/>
             </a:pPr>
             <a:r>
-              <a:rPr lang="en-IN" sz="2000" dirty="0">
+              <a:rPr lang="en-IN" sz="1800" dirty="0">
                 <a:solidFill>
                   <a:schemeClr val="tx1"/>
                 </a:solidFill>
               </a:rPr>
-              <a:t>Avoid loans which are not verified. Almost 44% of the loans are not verified. This could be a reason for the defaulters.</a:t>
+              <a:t>Avoid loans for debt consolidation with DTI  &gt; 14.75</a:t>
             </a:r>
           </a:p>
           <a:p>
             <a:pPr marL="457200" indent="-457200">
+              <a:lnSpc>
+                <a:spcPct val="100000"/>
+              </a:lnSpc>
               <a:buFont typeface="+mj-lt"/>
               <a:buAutoNum type="arabicPeriod"/>
             </a:pPr>
             <a:r>
-              <a:rPr lang="en-IN" sz="2000" dirty="0">
+              <a:rPr lang="en-IN" sz="1800" dirty="0">
                 <a:solidFill>
                   <a:schemeClr val="tx1"/>
                 </a:solidFill>
               </a:rPr>
-              <a:t>Avoid loans with DTI &gt; 13.5 and issued during the months April-July &amp; Oct-Dec.</a:t>
+              <a:t>Avoid loans which are not verified. Almost 44% of the loans are not verified. This could be a reason for the defaulters.</a:t>
             </a:r>
           </a:p>
           <a:p>
             <a:pPr marL="457200" indent="-457200">
+              <a:lnSpc>
+                <a:spcPct val="100000"/>
+              </a:lnSpc>
               <a:buFont typeface="+mj-lt"/>
               <a:buAutoNum type="arabicPeriod"/>
             </a:pPr>
             <a:r>
-              <a:rPr lang="en-IN" sz="2000" dirty="0">
+              <a:rPr lang="en-IN" sz="1800" dirty="0">
                 <a:solidFill>
                   <a:schemeClr val="tx1"/>
                 </a:solidFill>
               </a:rPr>
-              <a:t>Avoid loans issued for Home Ownership as MORTGAGE and DTI&gt;14. </a:t>
+              <a:t>Avoid loans with DTI &gt; 13.5 and issued during the months April-July &amp; Oct-Dec.</a:t>
             </a:r>
           </a:p>
           <a:p>
             <a:pPr marL="457200" indent="-457200">
+              <a:lnSpc>
+                <a:spcPct val="100000"/>
+              </a:lnSpc>
               <a:buFont typeface="+mj-lt"/>
               <a:buAutoNum type="arabicPeriod"/>
             </a:pPr>
             <a:r>
-              <a:rPr lang="en-IN" sz="2000" dirty="0">
+              <a:rPr lang="en-IN" sz="1800" dirty="0">
                 <a:solidFill>
                   <a:schemeClr val="tx1"/>
                 </a:solidFill>
               </a:rPr>
-              <a:t>Avoid loans with type Grade C &amp; DTI&gt;14.</a:t>
+              <a:t>Avoid loans issued for Home Ownership as MORTGAGE and DTI&gt;14. </a:t>
             </a:r>
           </a:p>
           <a:p>
             <a:pPr marL="457200" indent="-457200">
+              <a:lnSpc>
+                <a:spcPct val="100000"/>
+              </a:lnSpc>
               <a:buFont typeface="+mj-lt"/>
               <a:buAutoNum type="arabicPeriod"/>
             </a:pPr>
             <a:r>
-              <a:rPr lang="en-IN" sz="2000" dirty="0">
+              <a:rPr lang="en-IN" sz="1800" dirty="0">
                 <a:solidFill>
                   <a:schemeClr val="tx1"/>
                 </a:solidFill>
               </a:rPr>
-              <a:t>Avoid loans with type Grade F with loan amount &gt; 16K &amp; type Grade G with loan amount &lt; 18K.</a:t>
+              <a:t>Avoid loans with type Grade C &amp; DTI&gt;14.</a:t>
             </a:r>
           </a:p>
           <a:p>
             <a:pPr marL="457200" indent="-457200">
+              <a:lnSpc>
+                <a:spcPct val="100000"/>
+              </a:lnSpc>
               <a:buFont typeface="+mj-lt"/>
               <a:buAutoNum type="arabicPeriod"/>
             </a:pPr>
             <a:r>
-              <a:rPr lang="en-IN" sz="2000" dirty="0">
+              <a:rPr lang="en-IN" sz="1800" dirty="0">
                 <a:solidFill>
                   <a:schemeClr val="tx1"/>
                 </a:solidFill>
               </a:rPr>
-              <a:t>Avoid loans when employment tenure is 7 years &amp; annual income is [627K-938K].</a:t>
+              <a:t>Avoid loans with type Grade F with loan amount &gt; 16K &amp; type Grade G with loan amount &lt; 18K.</a:t>
             </a:r>
           </a:p>
           <a:p>
             <a:pPr marL="457200" indent="-457200">
+              <a:lnSpc>
+                <a:spcPct val="100000"/>
+              </a:lnSpc>
               <a:buFont typeface="+mj-lt"/>
               <a:buAutoNum type="arabicPeriod"/>
             </a:pPr>
             <a:r>
-              <a:rPr lang="en-IN" sz="2000" dirty="0">
+              <a:rPr lang="en-IN" sz="1800" dirty="0">
+                <a:solidFill>
+                  <a:schemeClr val="tx1"/>
+                </a:solidFill>
+              </a:rPr>
+              <a:t>Avoid loans when employment tenure is 7 years &amp; annual income is [627K-938K].</a:t>
+            </a:r>
+          </a:p>
+          <a:p>
+            <a:pPr marL="457200" indent="-457200">
+              <a:lnSpc>
+                <a:spcPct val="100000"/>
+              </a:lnSpc>
+              <a:buFont typeface="+mj-lt"/>
+              <a:buAutoNum type="arabicPeriod"/>
+            </a:pPr>
+            <a:r>
+              <a:rPr lang="en-IN" sz="1800" dirty="0">
                 <a:solidFill>
                   <a:schemeClr val="tx1"/>
                 </a:solidFill>

--- a/Lending Club Case Study.pptx
+++ b/Lending Club Case Study.pptx
@@ -1132,10 +1132,10 @@
         <a:lstStyle/>
         <a:p>
           <a:r>
-            <a:rPr lang="en-IN"/>
+            <a:rPr lang="en-IN" dirty="0"/>
             <a:t>Converting the columns that have Numeric Data</a:t>
           </a:r>
-          <a:endParaRPr lang="en-US"/>
+          <a:endParaRPr lang="en-US" dirty="0"/>
         </a:p>
       </dgm:t>
     </dgm:pt>
@@ -1169,10 +1169,10 @@
         <a:lstStyle/>
         <a:p>
           <a:r>
-            <a:rPr lang="en-IN"/>
+            <a:rPr lang="en-IN" dirty="0"/>
             <a:t>Converting the columns that represent DateTime</a:t>
           </a:r>
-          <a:endParaRPr lang="en-US"/>
+          <a:endParaRPr lang="en-US" dirty="0"/>
         </a:p>
       </dgm:t>
     </dgm:pt>
@@ -2439,10 +2439,10 @@
             <a:buNone/>
           </a:pPr>
           <a:r>
-            <a:rPr lang="en-IN" sz="1500" kern="1200"/>
+            <a:rPr lang="en-IN" sz="1500" kern="1200" dirty="0"/>
             <a:t>Converting the columns that have Numeric Data</a:t>
           </a:r>
-          <a:endParaRPr lang="en-US" sz="1500" kern="1200"/>
+          <a:endParaRPr lang="en-US" sz="1500" kern="1200" dirty="0"/>
         </a:p>
       </dsp:txBody>
       <dsp:txXfrm>
@@ -2548,10 +2548,10 @@
             <a:buNone/>
           </a:pPr>
           <a:r>
-            <a:rPr lang="en-IN" sz="1500" kern="1200"/>
+            <a:rPr lang="en-IN" sz="1500" kern="1200" dirty="0"/>
             <a:t>Converting the columns that represent DateTime</a:t>
           </a:r>
-          <a:endParaRPr lang="en-US" sz="1500" kern="1200"/>
+          <a:endParaRPr lang="en-US" sz="1500" kern="1200" dirty="0"/>
         </a:p>
       </dsp:txBody>
       <dsp:txXfrm>
@@ -9452,7 +9452,7 @@
               <a:t>The column </a:t>
             </a:r>
             <a:r>
-              <a:rPr lang="en-US" b="1" i="1" dirty="0" err="1">
+              <a:rPr lang="en-US" b="1" i="1" dirty="0">
                 <a:solidFill>
                   <a:schemeClr val="tx1">
                     <a:lumMod val="95000"/>
@@ -9496,7 +9496,7 @@
               <a:t>After ignoring the </a:t>
             </a:r>
             <a:r>
-              <a:rPr lang="en-US" b="1" i="1" dirty="0" err="1">
+              <a:rPr lang="en-US" b="1" i="1" dirty="0">
                 <a:solidFill>
                   <a:schemeClr val="tx1">
                     <a:lumMod val="95000"/>
@@ -9653,7 +9653,7 @@
           <a:lstStyle/>
           <a:p>
             <a:pPr algn="ctr"/>
-            <a:endParaRPr lang="en-IN"/>
+            <a:endParaRPr lang="en-IN" dirty="0"/>
           </a:p>
         </p:txBody>
       </p:sp>
@@ -11695,7 +11695,7 @@
           <a:lstStyle/>
           <a:p>
             <a:pPr algn="ctr"/>
-            <a:endParaRPr lang="en-US"/>
+            <a:endParaRPr lang="en-US" dirty="0"/>
           </a:p>
         </p:txBody>
       </p:sp>
@@ -12009,7 +12009,7 @@
               <a:t>On Further analysis, the loans with </a:t>
             </a:r>
             <a:r>
-              <a:rPr lang="en-IN" sz="2000" b="1" dirty="0" err="1">
+              <a:rPr lang="en-IN" sz="2000" b="1" dirty="0">
                 <a:solidFill>
                   <a:schemeClr val="tx1">
                     <a:lumMod val="95000"/>
@@ -13229,7 +13229,7 @@
               <a:buChar char="•"/>
             </a:pPr>
             <a:r>
-              <a:rPr lang="en-IN" sz="2100" dirty="0" err="1">
+              <a:rPr lang="en-IN" sz="2100" dirty="0">
                 <a:solidFill>
                   <a:schemeClr val="tx1">
                     <a:lumMod val="95000"/>
@@ -13238,13 +13238,6 @@
               </a:rPr>
               <a:t>annual_income</a:t>
             </a:r>
-            <a:endParaRPr lang="en-IN" sz="2100" dirty="0">
-              <a:solidFill>
-                <a:schemeClr val="tx1">
-                  <a:lumMod val="95000"/>
-                </a:schemeClr>
-              </a:solidFill>
-            </a:endParaRPr>
           </a:p>
           <a:p>
             <a:pPr marL="435420" lvl="1" indent="-179388">
@@ -13255,7 +13248,7 @@
               <a:buChar char="•"/>
             </a:pPr>
             <a:r>
-              <a:rPr lang="en-IN" sz="2100" dirty="0" err="1">
+              <a:rPr lang="en-IN" sz="2100" dirty="0">
                 <a:solidFill>
                   <a:schemeClr val="tx1">
                     <a:lumMod val="95000"/>
@@ -13264,13 +13257,6 @@
               </a:rPr>
               <a:t>funded_amount_investor</a:t>
             </a:r>
-            <a:endParaRPr lang="en-IN" sz="2100" dirty="0">
-              <a:solidFill>
-                <a:schemeClr val="tx1">
-                  <a:lumMod val="95000"/>
-                </a:schemeClr>
-              </a:solidFill>
-            </a:endParaRPr>
           </a:p>
           <a:p>
             <a:pPr marL="435420" lvl="1" indent="-179388">
@@ -13281,7 +13267,7 @@
               <a:buChar char="•"/>
             </a:pPr>
             <a:r>
-              <a:rPr lang="en-IN" sz="2100" dirty="0" err="1">
+              <a:rPr lang="en-IN" sz="2100" dirty="0">
                 <a:solidFill>
                   <a:schemeClr val="tx1">
                     <a:lumMod val="95000"/>
@@ -13290,13 +13276,6 @@
               </a:rPr>
               <a:t>installment</a:t>
             </a:r>
-            <a:endParaRPr lang="en-IN" sz="2100" dirty="0">
-              <a:solidFill>
-                <a:schemeClr val="tx1">
-                  <a:lumMod val="95000"/>
-                </a:schemeClr>
-              </a:solidFill>
-            </a:endParaRPr>
           </a:p>
           <a:p>
             <a:pPr marL="435420" lvl="1" indent="-179388">
@@ -13307,7 +13286,7 @@
               <a:buChar char="•"/>
             </a:pPr>
             <a:r>
-              <a:rPr lang="en-IN" sz="2100" dirty="0" err="1">
+              <a:rPr lang="en-IN" sz="2100" dirty="0">
                 <a:solidFill>
                   <a:schemeClr val="tx1">
                     <a:lumMod val="95000"/>
@@ -13316,13 +13295,6 @@
               </a:rPr>
               <a:t>total_received_late_fee</a:t>
             </a:r>
-            <a:endParaRPr lang="en-IN" sz="2100" dirty="0">
-              <a:solidFill>
-                <a:schemeClr val="tx1">
-                  <a:lumMod val="95000"/>
-                </a:schemeClr>
-              </a:solidFill>
-            </a:endParaRPr>
           </a:p>
           <a:p>
             <a:pPr marL="435420" lvl="1" indent="-179388">
@@ -13333,7 +13305,7 @@
               <a:buChar char="•"/>
             </a:pPr>
             <a:r>
-              <a:rPr lang="en-IN" sz="2100" dirty="0" err="1">
+              <a:rPr lang="en-IN" sz="2100" dirty="0">
                 <a:solidFill>
                   <a:schemeClr val="tx1">
                     <a:lumMod val="95000"/>
@@ -13342,13 +13314,6 @@
               </a:rPr>
               <a:t>dti</a:t>
             </a:r>
-            <a:endParaRPr lang="en-IN" sz="2100" dirty="0">
-              <a:solidFill>
-                <a:schemeClr val="tx1">
-                  <a:lumMod val="95000"/>
-                </a:schemeClr>
-              </a:solidFill>
-            </a:endParaRPr>
           </a:p>
           <a:p>
             <a:pPr marL="435420" lvl="1" indent="-179388">
@@ -13359,7 +13324,7 @@
               <a:buChar char="•"/>
             </a:pPr>
             <a:r>
-              <a:rPr lang="en-IN" sz="2100" dirty="0" err="1">
+              <a:rPr lang="en-IN" sz="2100" dirty="0">
                 <a:solidFill>
                   <a:schemeClr val="tx1">
                     <a:lumMod val="95000"/>
@@ -13368,13 +13333,6 @@
               </a:rPr>
               <a:t>interest_rate</a:t>
             </a:r>
-            <a:endParaRPr lang="en-IN" sz="2100" dirty="0">
-              <a:solidFill>
-                <a:schemeClr val="tx1">
-                  <a:lumMod val="95000"/>
-                </a:schemeClr>
-              </a:solidFill>
-            </a:endParaRPr>
           </a:p>
           <a:p>
             <a:pPr marL="435420" lvl="1" indent="-179388">
@@ -13385,7 +13343,7 @@
               <a:buChar char="•"/>
             </a:pPr>
             <a:r>
-              <a:rPr lang="en-IN" sz="2100" dirty="0" err="1">
+              <a:rPr lang="en-IN" sz="2100" dirty="0">
                 <a:solidFill>
                   <a:schemeClr val="tx1">
                     <a:lumMod val="95000"/>
@@ -13394,13 +13352,6 @@
               </a:rPr>
               <a:t>emp_length</a:t>
             </a:r>
-            <a:endParaRPr lang="en-IN" sz="2100" dirty="0">
-              <a:solidFill>
-                <a:schemeClr val="tx1">
-                  <a:lumMod val="95000"/>
-                </a:schemeClr>
-              </a:solidFill>
-            </a:endParaRPr>
           </a:p>
           <a:p>
             <a:pPr marL="435420" lvl="1" indent="-179388">
@@ -13430,7 +13381,7 @@
               <a:buChar char="•"/>
             </a:pPr>
             <a:r>
-              <a:rPr lang="en-IN" sz="2100" dirty="0" err="1">
+              <a:rPr lang="en-IN" sz="2100" dirty="0">
                 <a:solidFill>
                   <a:schemeClr val="tx1">
                     <a:lumMod val="95000"/>
@@ -14198,20 +14149,12 @@
               <a:t>Loans with </a:t>
             </a:r>
             <a:r>
-              <a:rPr lang="en-IN" b="1" dirty="0" err="1">
+              <a:rPr lang="en-IN" b="1" dirty="0">
                 <a:solidFill>
                   <a:schemeClr val="tx1"/>
                 </a:solidFill>
               </a:rPr>
-              <a:t>dti</a:t>
-            </a:r>
-            <a:r>
-              <a:rPr lang="en-IN" b="1" dirty="0">
-                <a:solidFill>
-                  <a:schemeClr val="tx1"/>
-                </a:solidFill>
-              </a:rPr>
-              <a:t> in the range of ~7-22.5</a:t>
+              <a:t>dti in the range of ~7-22.5</a:t>
             </a:r>
             <a:r>
               <a:rPr lang="en-IN" dirty="0">
@@ -14625,15 +14568,7 @@
             </a:r>
             <a:r>
               <a:rPr lang="en-IN" sz="3200" dirty="0"/>
-              <a:t>(Annual Income - </a:t>
-            </a:r>
-            <a:r>
-              <a:rPr lang="en-IN" sz="3200" dirty="0" err="1"/>
-              <a:t>emp_length</a:t>
-            </a:r>
-            <a:r>
-              <a:rPr lang="en-IN" sz="3200" dirty="0"/>
-              <a:t>)</a:t>
+              <a:t>(Annual Income - emp_length)</a:t>
             </a:r>
             <a:endParaRPr lang="en-IN" dirty="0"/>
           </a:p>
@@ -15030,23 +14965,7 @@
                   <a:srgbClr val="FFFFFF"/>
                 </a:solidFill>
               </a:rPr>
-              <a:t>The company can utilise this knowledge for its portfolio and risk assessment. </a:t>
-            </a:r>
-            <a:r>
-              <a:rPr lang="en-IN" dirty="0" err="1">
-                <a:solidFill>
-                  <a:srgbClr val="FFFFFF"/>
-                </a:solidFill>
-              </a:rPr>
-              <a:t>a.k.a</a:t>
-            </a:r>
-            <a:r>
-              <a:rPr lang="en-IN" dirty="0">
-                <a:solidFill>
-                  <a:srgbClr val="FFFFFF"/>
-                </a:solidFill>
-              </a:rPr>
-              <a:t>, </a:t>
+              <a:t>The company can utilise this knowledge for its portfolio and risk assessment. aka, </a:t>
             </a:r>
             <a:r>
               <a:rPr lang="en-IN" dirty="0">
@@ -15140,15 +15059,7 @@
             </a:r>
             <a:r>
               <a:rPr lang="en-IN" sz="3300" dirty="0"/>
-              <a:t>(</a:t>
-            </a:r>
-            <a:r>
-              <a:rPr lang="en-IN" sz="3300" dirty="0" err="1"/>
-              <a:t>funded_amount_investor</a:t>
-            </a:r>
-            <a:r>
-              <a:rPr lang="en-IN" sz="3300" dirty="0"/>
-              <a:t>- Grade)</a:t>
+              <a:t>(funded_amount_investor- Grade)</a:t>
             </a:r>
           </a:p>
         </p:txBody>
@@ -15394,15 +15305,7 @@
             </a:r>
             <a:r>
               <a:rPr lang="en-IN" sz="3300" dirty="0"/>
-              <a:t>(Grade - </a:t>
-            </a:r>
-            <a:r>
-              <a:rPr lang="en-IN" sz="3300" dirty="0" err="1"/>
-              <a:t>dti</a:t>
-            </a:r>
-            <a:r>
-              <a:rPr lang="en-IN" sz="3300" dirty="0"/>
-              <a:t>)</a:t>
+              <a:t>(Grade - dti)</a:t>
             </a:r>
           </a:p>
         </p:txBody>
@@ -15541,27 +15444,7 @@
                   </a:schemeClr>
                 </a:solidFill>
               </a:rPr>
-              <a:t>Grade is A with </a:t>
-            </a:r>
-            <a:r>
-              <a:rPr lang="en-IN" dirty="0" err="1">
-                <a:solidFill>
-                  <a:schemeClr val="tx1">
-                    <a:lumMod val="95000"/>
-                  </a:schemeClr>
-                </a:solidFill>
-              </a:rPr>
-              <a:t>dti</a:t>
-            </a:r>
-            <a:r>
-              <a:rPr lang="en-IN" dirty="0">
-                <a:solidFill>
-                  <a:schemeClr val="tx1">
-                    <a:lumMod val="95000"/>
-                  </a:schemeClr>
-                </a:solidFill>
-              </a:rPr>
-              <a:t> &gt; 12.5</a:t>
+              <a:t>Grade is A with dti &gt; 12.5</a:t>
             </a:r>
           </a:p>
           <a:p>
@@ -15580,27 +15463,7 @@
                   </a:schemeClr>
                 </a:solidFill>
               </a:rPr>
-              <a:t>Grade is B with </a:t>
-            </a:r>
-            <a:r>
-              <a:rPr lang="en-IN" dirty="0" err="1">
-                <a:solidFill>
-                  <a:schemeClr val="tx1">
-                    <a:lumMod val="95000"/>
-                  </a:schemeClr>
-                </a:solidFill>
-              </a:rPr>
-              <a:t>dti</a:t>
-            </a:r>
-            <a:r>
-              <a:rPr lang="en-IN" dirty="0">
-                <a:solidFill>
-                  <a:schemeClr val="tx1">
-                    <a:lumMod val="95000"/>
-                  </a:schemeClr>
-                </a:solidFill>
-              </a:rPr>
-              <a:t> &gt; ~13.75</a:t>
+              <a:t>Grade is B with dti &gt; ~13.75</a:t>
             </a:r>
           </a:p>
           <a:p>
@@ -15619,27 +15482,7 @@
                   </a:schemeClr>
                 </a:solidFill>
               </a:rPr>
-              <a:t>Grade is C with </a:t>
-            </a:r>
-            <a:r>
-              <a:rPr lang="en-IN" dirty="0" err="1">
-                <a:solidFill>
-                  <a:schemeClr val="tx1">
-                    <a:lumMod val="95000"/>
-                  </a:schemeClr>
-                </a:solidFill>
-              </a:rPr>
-              <a:t>dti</a:t>
-            </a:r>
-            <a:r>
-              <a:rPr lang="en-IN" dirty="0">
-                <a:solidFill>
-                  <a:schemeClr val="tx1">
-                    <a:lumMod val="95000"/>
-                  </a:schemeClr>
-                </a:solidFill>
-              </a:rPr>
-              <a:t> &gt; 14.</a:t>
+              <a:t>Grade is C with dti &gt; 14.</a:t>
             </a:r>
           </a:p>
           <a:p>
@@ -15658,27 +15501,7 @@
                   </a:schemeClr>
                 </a:solidFill>
               </a:rPr>
-              <a:t>Grade is G and </a:t>
-            </a:r>
-            <a:r>
-              <a:rPr lang="en-IN" dirty="0" err="1">
-                <a:solidFill>
-                  <a:schemeClr val="tx1">
-                    <a:lumMod val="95000"/>
-                  </a:schemeClr>
-                </a:solidFill>
-              </a:rPr>
-              <a:t>dti</a:t>
-            </a:r>
-            <a:r>
-              <a:rPr lang="en-IN" dirty="0">
-                <a:solidFill>
-                  <a:schemeClr val="tx1">
-                    <a:lumMod val="95000"/>
-                  </a:schemeClr>
-                </a:solidFill>
-              </a:rPr>
-              <a:t> &lt; 13.5.</a:t>
+              <a:t>Grade is G and dti &lt; 13.5.</a:t>
             </a:r>
           </a:p>
           <a:p>
@@ -15825,15 +15648,7 @@
             </a:r>
             <a:r>
               <a:rPr lang="en-IN" sz="3300" dirty="0"/>
-              <a:t>(Issue Month - </a:t>
-            </a:r>
-            <a:r>
-              <a:rPr lang="en-IN" sz="3300" dirty="0" err="1"/>
-              <a:t>dti</a:t>
-            </a:r>
-            <a:r>
-              <a:rPr lang="en-IN" sz="3300" dirty="0"/>
-              <a:t>)</a:t>
+              <a:t>(Issue Month - dti)</a:t>
             </a:r>
           </a:p>
         </p:txBody>
@@ -15937,27 +15752,7 @@
                   </a:schemeClr>
                 </a:solidFill>
               </a:rPr>
-              <a:t>Loans Charged Off with the </a:t>
-            </a:r>
-            <a:r>
-              <a:rPr lang="en-IN" dirty="0" err="1">
-                <a:solidFill>
-                  <a:schemeClr val="tx1">
-                    <a:lumMod val="95000"/>
-                  </a:schemeClr>
-                </a:solidFill>
-              </a:rPr>
-              <a:t>dti</a:t>
-            </a:r>
-            <a:r>
-              <a:rPr lang="en-IN" dirty="0">
-                <a:solidFill>
-                  <a:schemeClr val="tx1">
-                    <a:lumMod val="95000"/>
-                  </a:schemeClr>
-                </a:solidFill>
-              </a:rPr>
-              <a:t> &gt; 13.5:</a:t>
+              <a:t>Loans Charged Off with the dti &gt; 13.5:</a:t>
             </a:r>
           </a:p>
           <a:p>
@@ -16142,15 +15937,7 @@
             </a:r>
             <a:r>
               <a:rPr lang="en-IN" sz="3300" dirty="0"/>
-              <a:t>(Purpose - </a:t>
-            </a:r>
-            <a:r>
-              <a:rPr lang="en-IN" sz="3300" dirty="0" err="1"/>
-              <a:t>dti</a:t>
-            </a:r>
-            <a:r>
-              <a:rPr lang="en-IN" sz="3300" dirty="0"/>
-              <a:t>)</a:t>
+              <a:t>(Purpose - dti)</a:t>
             </a:r>
           </a:p>
         </p:txBody>
@@ -16273,27 +16060,7 @@
                   </a:schemeClr>
                 </a:solidFill>
               </a:rPr>
-              <a:t>Small Businesses with </a:t>
-            </a:r>
-            <a:r>
-              <a:rPr lang="en-IN" dirty="0" err="1">
-                <a:solidFill>
-                  <a:schemeClr val="tx1">
-                    <a:lumMod val="95000"/>
-                  </a:schemeClr>
-                </a:solidFill>
-              </a:rPr>
-              <a:t>dti</a:t>
-            </a:r>
-            <a:r>
-              <a:rPr lang="en-IN" dirty="0">
-                <a:solidFill>
-                  <a:schemeClr val="tx1">
-                    <a:lumMod val="95000"/>
-                  </a:schemeClr>
-                </a:solidFill>
-              </a:rPr>
-              <a:t> &gt; 11.50</a:t>
+              <a:t>Small Businesses with dti &gt; 11.50</a:t>
             </a:r>
           </a:p>
           <a:p>
@@ -16312,27 +16079,7 @@
                   </a:schemeClr>
                 </a:solidFill>
               </a:rPr>
-              <a:t>Vacation with </a:t>
-            </a:r>
-            <a:r>
-              <a:rPr lang="en-IN" dirty="0" err="1">
-                <a:solidFill>
-                  <a:schemeClr val="tx1">
-                    <a:lumMod val="95000"/>
-                  </a:schemeClr>
-                </a:solidFill>
-              </a:rPr>
-              <a:t>dti</a:t>
-            </a:r>
-            <a:r>
-              <a:rPr lang="en-IN" dirty="0">
-                <a:solidFill>
-                  <a:schemeClr val="tx1">
-                    <a:lumMod val="95000"/>
-                  </a:schemeClr>
-                </a:solidFill>
-              </a:rPr>
-              <a:t> &gt; 13.0</a:t>
+              <a:t>Vacation with dti &gt; 13.0</a:t>
             </a:r>
           </a:p>
           <a:p>
@@ -16344,44 +16091,14 @@
               <a:buChar char="•"/>
             </a:pPr>
             <a:r>
-              <a:rPr lang="en-IN" dirty="0" err="1">
+              <a:rPr lang="en-IN" dirty="0">
                 <a:solidFill>
                   <a:schemeClr val="tx1">
                     <a:lumMod val="95000"/>
                   </a:schemeClr>
                 </a:solidFill>
               </a:rPr>
-              <a:t>debt_consolidation</a:t>
-            </a:r>
-            <a:r>
-              <a:rPr lang="en-IN" dirty="0">
-                <a:solidFill>
-                  <a:schemeClr val="tx1">
-                    <a:lumMod val="95000"/>
-                  </a:schemeClr>
-                </a:solidFill>
-              </a:rPr>
-              <a:t> with </a:t>
-            </a:r>
-            <a:r>
-              <a:rPr lang="en-IN" dirty="0" err="1">
-                <a:solidFill>
-                  <a:schemeClr val="tx1">
-                    <a:lumMod val="95000"/>
-                  </a:schemeClr>
-                </a:solidFill>
-              </a:rPr>
-              <a:t>dti</a:t>
-            </a:r>
-            <a:r>
-              <a:rPr lang="en-IN" dirty="0">
-                <a:solidFill>
-                  <a:schemeClr val="tx1">
-                    <a:lumMod val="95000"/>
-                  </a:schemeClr>
-                </a:solidFill>
-              </a:rPr>
-              <a:t> &gt; 14.75</a:t>
+              <a:t>debt_consolidation with dti &gt; 14.75</a:t>
             </a:r>
           </a:p>
           <a:p>
@@ -16400,27 +16117,7 @@
                   </a:schemeClr>
                 </a:solidFill>
               </a:rPr>
-              <a:t>Major Purchases with </a:t>
-            </a:r>
-            <a:r>
-              <a:rPr lang="en-IN" dirty="0" err="1">
-                <a:solidFill>
-                  <a:schemeClr val="tx1">
-                    <a:lumMod val="95000"/>
-                  </a:schemeClr>
-                </a:solidFill>
-              </a:rPr>
-              <a:t>dti</a:t>
-            </a:r>
-            <a:r>
-              <a:rPr lang="en-IN" dirty="0">
-                <a:solidFill>
-                  <a:schemeClr val="tx1">
-                    <a:lumMod val="95000"/>
-                  </a:schemeClr>
-                </a:solidFill>
-              </a:rPr>
-              <a:t> &gt; 11.25</a:t>
+              <a:t>Major Purchases with dti &gt; 11.25</a:t>
             </a:r>
           </a:p>
           <a:p>
@@ -16439,27 +16136,7 @@
                   </a:schemeClr>
                 </a:solidFill>
               </a:rPr>
-              <a:t>House with </a:t>
-            </a:r>
-            <a:r>
-              <a:rPr lang="en-IN" dirty="0" err="1">
-                <a:solidFill>
-                  <a:schemeClr val="tx1">
-                    <a:lumMod val="95000"/>
-                  </a:schemeClr>
-                </a:solidFill>
-              </a:rPr>
-              <a:t>dti</a:t>
-            </a:r>
-            <a:r>
-              <a:rPr lang="en-IN" dirty="0">
-                <a:solidFill>
-                  <a:schemeClr val="tx1">
-                    <a:lumMod val="95000"/>
-                  </a:schemeClr>
-                </a:solidFill>
-              </a:rPr>
-              <a:t> &gt; 11.50</a:t>
+              <a:t>House with dti &gt; 11.50</a:t>
             </a:r>
           </a:p>
         </p:txBody>
@@ -16587,15 +16264,7 @@
             </a:r>
             <a:r>
               <a:rPr lang="en-IN" sz="3300" dirty="0"/>
-              <a:t>(Home Ownership - </a:t>
-            </a:r>
-            <a:r>
-              <a:rPr lang="en-IN" sz="3300" dirty="0" err="1"/>
-              <a:t>dti</a:t>
-            </a:r>
-            <a:r>
-              <a:rPr lang="en-IN" sz="3300" dirty="0"/>
-              <a:t>)</a:t>
+              <a:t>(Home Ownership - dti)</a:t>
             </a:r>
           </a:p>
         </p:txBody>
@@ -16827,15 +16496,7 @@
             </a:r>
             <a:r>
               <a:rPr lang="en-IN" sz="3300" dirty="0"/>
-              <a:t>(Year- </a:t>
-            </a:r>
-            <a:r>
-              <a:rPr lang="en-IN" sz="3300" dirty="0" err="1"/>
-              <a:t>dti</a:t>
-            </a:r>
-            <a:r>
-              <a:rPr lang="en-IN" sz="3300" dirty="0"/>
-              <a:t>)</a:t>
+              <a:t>(Year- dti)</a:t>
             </a:r>
           </a:p>
         </p:txBody>
@@ -17204,12 +16865,20 @@
               <a:t> are likely to be Charged Off when the </a:t>
             </a:r>
             <a:r>
-              <a:rPr lang="en-IN" b="1" dirty="0" err="1">
+              <a:rPr lang="en-IN" b="1" dirty="0">
                 <a:solidFill>
                   <a:schemeClr val="tx1"/>
                 </a:solidFill>
               </a:rPr>
-              <a:t>loan_amount</a:t>
+              <a:t>loan_amount is &gt; 16K</a:t>
+            </a:r>
+            <a:r>
+              <a:rPr lang="en-IN" dirty="0">
+                <a:solidFill>
+                  <a:schemeClr val="tx1"/>
+                </a:solidFill>
+              </a:rPr>
+              <a:t>. and </a:t>
             </a:r>
             <a:r>
               <a:rPr lang="en-IN" b="1" dirty="0">
@@ -17217,7 +16886,7 @@
                   <a:schemeClr val="tx1"/>
                 </a:solidFill>
               </a:rPr>
-              <a:t> is &gt; 16K</a:t>
+              <a:t>Grade G</a:t>
             </a:r>
             <a:r>
               <a:rPr lang="en-IN" dirty="0">
@@ -17225,7 +16894,7 @@
                   <a:schemeClr val="tx1"/>
                 </a:solidFill>
               </a:rPr>
-              <a:t>. and </a:t>
+              <a:t> with </a:t>
             </a:r>
             <a:r>
               <a:rPr lang="en-IN" b="1" dirty="0">
@@ -17233,31 +16902,7 @@
                   <a:schemeClr val="tx1"/>
                 </a:solidFill>
               </a:rPr>
-              <a:t>Grade G</a:t>
-            </a:r>
-            <a:r>
-              <a:rPr lang="en-IN" dirty="0">
-                <a:solidFill>
-                  <a:schemeClr val="tx1"/>
-                </a:solidFill>
-              </a:rPr>
-              <a:t> with </a:t>
-            </a:r>
-            <a:r>
-              <a:rPr lang="en-IN" b="1" dirty="0" err="1">
-                <a:solidFill>
-                  <a:schemeClr val="tx1"/>
-                </a:solidFill>
-              </a:rPr>
-              <a:t>funded_amount_investor</a:t>
-            </a:r>
-            <a:r>
-              <a:rPr lang="en-IN" b="1" dirty="0">
-                <a:solidFill>
-                  <a:schemeClr val="tx1"/>
-                </a:solidFill>
-              </a:rPr>
-              <a:t> &lt; 18K</a:t>
+              <a:t>funded_amount_investor &lt; 18K</a:t>
             </a:r>
           </a:p>
           <a:p>
@@ -18095,7 +17740,7 @@
           <a:lstStyle/>
           <a:p>
             <a:r>
-              <a:rPr lang="en-US" b="1"/>
+              <a:rPr lang="en-US" b="1" dirty="0"/>
               <a:t>About Us</a:t>
             </a:r>
           </a:p>
@@ -18532,7 +18177,7 @@
           <a:lstStyle/>
           <a:p>
             <a:pPr algn="ctr"/>
-            <a:endParaRPr lang="en-US"/>
+            <a:endParaRPr lang="en-US" dirty="0"/>
           </a:p>
         </p:txBody>
       </p:sp>
@@ -18565,7 +18210,7 @@
           <a:lstStyle/>
           <a:p>
             <a:r>
-              <a:rPr lang="en-IN" sz="4000">
+              <a:rPr lang="en-IN" sz="4000" dirty="0">
                 <a:solidFill>
                   <a:srgbClr val="FFFFFF"/>
                 </a:solidFill>
@@ -18591,7 +18236,7 @@
             <p:ph idx="1"/>
             <p:extLst>
               <p:ext uri="{D42A27DB-BD31-4B8C-83A1-F6EECF244321}">
-                <p14:modId xmlns:p14="http://schemas.microsoft.com/office/powerpoint/2010/main" val="317829076"/>
+                <p14:modId xmlns:p14="http://schemas.microsoft.com/office/powerpoint/2010/main" val="862201634"/>
               </p:ext>
             </p:extLst>
           </p:nvPr>
@@ -18800,87 +18445,7 @@
                   </a:schemeClr>
                 </a:solidFill>
               </a:rPr>
-              <a:t>The columns related to person identification (id, </a:t>
-            </a:r>
-            <a:r>
-              <a:rPr lang="en-IN" sz="1700" dirty="0" err="1">
-                <a:solidFill>
-                  <a:schemeClr val="tx1">
-                    <a:lumMod val="95000"/>
-                  </a:schemeClr>
-                </a:solidFill>
-              </a:rPr>
-              <a:t>member_id</a:t>
-            </a:r>
-            <a:r>
-              <a:rPr lang="en-IN" sz="1700" dirty="0">
-                <a:solidFill>
-                  <a:schemeClr val="tx1">
-                    <a:lumMod val="95000"/>
-                  </a:schemeClr>
-                </a:solidFill>
-              </a:rPr>
-              <a:t>, </a:t>
-            </a:r>
-            <a:r>
-              <a:rPr lang="en-IN" sz="1700" dirty="0" err="1">
-                <a:solidFill>
-                  <a:schemeClr val="tx1">
-                    <a:lumMod val="95000"/>
-                  </a:schemeClr>
-                </a:solidFill>
-              </a:rPr>
-              <a:t>emp_title</a:t>
-            </a:r>
-            <a:r>
-              <a:rPr lang="en-IN" sz="1700" dirty="0">
-                <a:solidFill>
-                  <a:schemeClr val="tx1">
-                    <a:lumMod val="95000"/>
-                  </a:schemeClr>
-                </a:solidFill>
-              </a:rPr>
-              <a:t>, title, </a:t>
-            </a:r>
-            <a:r>
-              <a:rPr lang="en-IN" sz="1700" dirty="0" err="1">
-                <a:solidFill>
-                  <a:schemeClr val="tx1">
-                    <a:lumMod val="95000"/>
-                  </a:schemeClr>
-                </a:solidFill>
-              </a:rPr>
-              <a:t>url</a:t>
-            </a:r>
-            <a:r>
-              <a:rPr lang="en-IN" sz="1700" dirty="0">
-                <a:solidFill>
-                  <a:schemeClr val="tx1">
-                    <a:lumMod val="95000"/>
-                  </a:schemeClr>
-                </a:solidFill>
-              </a:rPr>
-              <a:t>, </a:t>
-            </a:r>
-            <a:r>
-              <a:rPr lang="en-IN" sz="1700" dirty="0" err="1">
-                <a:solidFill>
-                  <a:schemeClr val="tx1">
-                    <a:lumMod val="95000"/>
-                  </a:schemeClr>
-                </a:solidFill>
-              </a:rPr>
-              <a:t>desc</a:t>
-            </a:r>
-            <a:r>
-              <a:rPr lang="en-IN" sz="1700" dirty="0">
-                <a:solidFill>
-                  <a:schemeClr val="tx1">
-                    <a:lumMod val="95000"/>
-                  </a:schemeClr>
-                </a:solidFill>
-              </a:rPr>
-              <a:t>, etc) is assumed that they may not add any relevance to the analysis. Hence, they are discarded.</a:t>
+              <a:t>The columns related to person identification (id, member_id, emp_title, title, URL, desc, etc) is assumed that they may not add any relevance to the analysis. Hence, they are discarded.</a:t>
             </a:r>
           </a:p>
           <a:p>
@@ -18924,47 +18489,7 @@
                   </a:schemeClr>
                 </a:solidFill>
               </a:rPr>
-              <a:t>The columns </a:t>
-            </a:r>
-            <a:r>
-              <a:rPr lang="en-IN" sz="1700" dirty="0" err="1">
-                <a:solidFill>
-                  <a:schemeClr val="tx1">
-                    <a:lumMod val="95000"/>
-                  </a:schemeClr>
-                </a:solidFill>
-              </a:rPr>
-              <a:t>pub_rec_bankruptcies</a:t>
-            </a:r>
-            <a:r>
-              <a:rPr lang="en-IN" sz="1700" dirty="0">
-                <a:solidFill>
-                  <a:schemeClr val="tx1">
-                    <a:lumMod val="95000"/>
-                  </a:schemeClr>
-                </a:solidFill>
-              </a:rPr>
-              <a:t>, </a:t>
-            </a:r>
-            <a:r>
-              <a:rPr lang="en-IN" sz="1700" dirty="0" err="1">
-                <a:solidFill>
-                  <a:schemeClr val="tx1">
-                    <a:lumMod val="95000"/>
-                  </a:schemeClr>
-                </a:solidFill>
-              </a:rPr>
-              <a:t>tax_liens</a:t>
-            </a:r>
-            <a:r>
-              <a:rPr lang="en-IN" sz="1700" dirty="0">
-                <a:solidFill>
-                  <a:schemeClr val="tx1">
-                    <a:lumMod val="95000"/>
-                  </a:schemeClr>
-                </a:solidFill>
-              </a:rPr>
-              <a:t> have mostly ~1 non-null information. As we cannot fill in with any information, it is assumed &amp; discarded.</a:t>
+              <a:t>The columns pub_rec_bankruptcies, tax_liens have mostly ~1 non-null information. As we cannot fill in with any information, it is assumed &amp; discarded.</a:t>
             </a:r>
           </a:p>
           <a:p>
@@ -19193,7 +18718,7 @@
               <a:t>The Column </a:t>
             </a:r>
             <a:r>
-              <a:rPr lang="en-IN" sz="2000" b="1" dirty="0" err="1">
+              <a:rPr lang="en-IN" sz="2000" b="1" dirty="0">
                 <a:solidFill>
                   <a:schemeClr val="tx1">
                     <a:lumMod val="95000"/>
@@ -19202,13 +18727,6 @@
               </a:rPr>
               <a:t>funded_amnt_inv</a:t>
             </a:r>
-            <a:endParaRPr lang="en-IN" sz="2000" b="1" dirty="0">
-              <a:solidFill>
-                <a:schemeClr val="tx1">
-                  <a:lumMod val="95000"/>
-                </a:schemeClr>
-              </a:solidFill>
-            </a:endParaRPr>
           </a:p>
           <a:p>
             <a:pPr marL="563118" lvl="2" indent="-355600" algn="just">
@@ -19272,7 +18790,7 @@
               <a:t>The Column </a:t>
             </a:r>
             <a:r>
-              <a:rPr lang="en-IN" sz="2000" b="1" dirty="0" err="1">
+              <a:rPr lang="en-IN" sz="2000" b="1" dirty="0">
                 <a:solidFill>
                   <a:schemeClr val="tx1">
                     <a:lumMod val="95000"/>
@@ -19281,13 +18799,6 @@
               </a:rPr>
               <a:t>emp_length</a:t>
             </a:r>
-            <a:endParaRPr lang="en-IN" sz="2000" b="1" dirty="0">
-              <a:solidFill>
-                <a:schemeClr val="tx1">
-                  <a:lumMod val="95000"/>
-                </a:schemeClr>
-              </a:solidFill>
-            </a:endParaRPr>
           </a:p>
           <a:p>
             <a:pPr marL="563118" lvl="2" indent="-355600" algn="just">
@@ -19308,47 +18819,7 @@
                   </a:schemeClr>
                 </a:solidFill>
               </a:rPr>
-              <a:t>which represents the employment tenure has some missing information. We can take the most frequently observed value in the </a:t>
-            </a:r>
-            <a:r>
-              <a:rPr lang="en-IN" sz="1600" dirty="0" err="1">
-                <a:solidFill>
-                  <a:schemeClr val="tx1">
-                    <a:lumMod val="95000"/>
-                  </a:schemeClr>
-                </a:solidFill>
-              </a:rPr>
-              <a:t>emp_length</a:t>
-            </a:r>
-            <a:r>
-              <a:rPr lang="en-IN" sz="1600" dirty="0">
-                <a:solidFill>
-                  <a:schemeClr val="tx1">
-                    <a:lumMod val="95000"/>
-                  </a:schemeClr>
-                </a:solidFill>
-              </a:rPr>
-              <a:t> column (mode) and applying there.  (The column </a:t>
-            </a:r>
-            <a:r>
-              <a:rPr lang="en-IN" sz="1600" dirty="0" err="1">
-                <a:solidFill>
-                  <a:schemeClr val="tx1">
-                    <a:lumMod val="95000"/>
-                  </a:schemeClr>
-                </a:solidFill>
-              </a:rPr>
-              <a:t>emp_length</a:t>
-            </a:r>
-            <a:r>
-              <a:rPr lang="en-IN" sz="1600" dirty="0">
-                <a:solidFill>
-                  <a:schemeClr val="tx1">
-                    <a:lumMod val="95000"/>
-                  </a:schemeClr>
-                </a:solidFill>
-              </a:rPr>
-              <a:t> is a categorical column. Hence, considering the most occurred value).</a:t>
+              <a:t>which represents the employment tenure has some missing information. We can take the most frequently observed value in the emp_length column (mode) and applying there.  (The column emp_length is a categorical column. Hence, considering the most occurred value).</a:t>
             </a:r>
           </a:p>
         </p:txBody>
@@ -19508,7 +18979,7 @@
               <a:buChar char="•"/>
             </a:pPr>
             <a:r>
-              <a:rPr lang="en-IN" sz="2000">
+              <a:rPr lang="en-IN" sz="2000" dirty="0">
                 <a:solidFill>
                   <a:schemeClr val="tx1">
                     <a:lumMod val="95000"/>
@@ -19530,7 +19001,7 @@
               <a:buChar char="•"/>
             </a:pPr>
             <a:r>
-              <a:rPr lang="en-IN" sz="2000">
+              <a:rPr lang="en-IN" sz="2000" dirty="0">
                 <a:solidFill>
                   <a:schemeClr val="tx1">
                     <a:lumMod val="95000"/>
@@ -19540,7 +19011,7 @@
               <a:t>The Column </a:t>
             </a:r>
             <a:r>
-              <a:rPr lang="en-IN" sz="2000" b="1">
+              <a:rPr lang="en-IN" sz="2000" b="1" dirty="0">
                 <a:solidFill>
                   <a:schemeClr val="tx1">
                     <a:lumMod val="95000"/>
@@ -19562,7 +19033,7 @@
               <a:buChar char="•"/>
             </a:pPr>
             <a:r>
-              <a:rPr lang="en-IN" sz="1600">
+              <a:rPr lang="en-IN" sz="1600" dirty="0">
                 <a:solidFill>
                   <a:schemeClr val="tx1">
                     <a:lumMod val="95000"/>
@@ -19584,7 +19055,7 @@
               <a:buChar char="•"/>
             </a:pPr>
             <a:r>
-              <a:rPr lang="en-IN" sz="2000">
+              <a:rPr lang="en-IN" sz="2000" dirty="0">
                 <a:solidFill>
                   <a:schemeClr val="tx1">
                     <a:lumMod val="95000"/>
@@ -19594,7 +19065,7 @@
               <a:t>The Column </a:t>
             </a:r>
             <a:r>
-              <a:rPr lang="en-IN" sz="2000" b="1">
+              <a:rPr lang="en-IN" sz="2000" b="1" dirty="0">
                 <a:solidFill>
                   <a:schemeClr val="tx1">
                     <a:lumMod val="95000"/>
@@ -19616,7 +19087,7 @@
               <a:buChar char="•"/>
             </a:pPr>
             <a:r>
-              <a:rPr lang="en-IN" sz="1600">
+              <a:rPr lang="en-IN" sz="1600" dirty="0">
                 <a:solidFill>
                   <a:schemeClr val="tx1">
                     <a:lumMod val="95000"/>
@@ -19638,7 +19109,7 @@
               <a:buChar char="•"/>
             </a:pPr>
             <a:r>
-              <a:rPr lang="en-IN" sz="2000">
+              <a:rPr lang="en-IN" sz="2000" dirty="0">
                 <a:solidFill>
                   <a:schemeClr val="tx1">
                     <a:lumMod val="95000"/>
@@ -19648,7 +19119,7 @@
               <a:t>The Column </a:t>
             </a:r>
             <a:r>
-              <a:rPr lang="en-IN" sz="2000" b="1">
+              <a:rPr lang="en-IN" sz="2000" b="1" dirty="0">
                 <a:solidFill>
                   <a:schemeClr val="tx1">
                     <a:lumMod val="95000"/>
@@ -19670,7 +19141,7 @@
               <a:buChar char="•"/>
             </a:pPr>
             <a:r>
-              <a:rPr lang="en-IN" sz="1600">
+              <a:rPr lang="en-IN" sz="1600" dirty="0">
                 <a:solidFill>
                   <a:schemeClr val="tx1">
                     <a:lumMod val="95000"/>
@@ -19692,7 +19163,7 @@
               <a:buChar char="•"/>
             </a:pPr>
             <a:r>
-              <a:rPr lang="en-IN" sz="2000">
+              <a:rPr lang="en-IN" sz="2000" dirty="0">
                 <a:solidFill>
                   <a:schemeClr val="tx1">
                     <a:lumMod val="95000"/>
@@ -19702,7 +19173,7 @@
               <a:t>The Column </a:t>
             </a:r>
             <a:r>
-              <a:rPr lang="en-IN" sz="2000" b="1">
+              <a:rPr lang="en-IN" sz="2000" b="1" dirty="0">
                 <a:solidFill>
                   <a:schemeClr val="tx1">
                     <a:lumMod val="95000"/>
@@ -19724,7 +19195,7 @@
               <a:buChar char="•"/>
             </a:pPr>
             <a:r>
-              <a:rPr lang="en-IN" sz="1600">
+              <a:rPr lang="en-IN" sz="1600" dirty="0">
                 <a:solidFill>
                   <a:schemeClr val="tx1">
                     <a:lumMod val="95000"/>

--- a/Lending Club Case Study.pptx
+++ b/Lending Club Case Study.pptx
@@ -11964,9 +11964,7 @@
             <a:r>
               <a:rPr lang="en-IN" sz="2000" dirty="0">
                 <a:solidFill>
-                  <a:schemeClr val="tx1">
-                    <a:lumMod val="95000"/>
-                  </a:schemeClr>
+                  <a:schemeClr val="tx1"/>
                 </a:solidFill>
               </a:rPr>
               <a:t>More loans are given to the people who have </a:t>
@@ -11974,9 +11972,7 @@
             <a:r>
               <a:rPr lang="en-IN" sz="2000" b="1" dirty="0">
                 <a:solidFill>
-                  <a:schemeClr val="tx1">
-                    <a:lumMod val="95000"/>
-                  </a:schemeClr>
+                  <a:schemeClr val="tx1"/>
                 </a:solidFill>
               </a:rPr>
               <a:t>home Ownership – Rent</a:t>
@@ -11984,9 +11980,7 @@
             <a:r>
               <a:rPr lang="en-IN" sz="2000" dirty="0">
                 <a:solidFill>
-                  <a:schemeClr val="tx1">
-                    <a:lumMod val="95000"/>
-                  </a:schemeClr>
+                  <a:schemeClr val="tx1"/>
                 </a:solidFill>
               </a:rPr>
               <a:t> and are also charged off more.</a:t>
@@ -12001,9 +11995,7 @@
             <a:r>
               <a:rPr lang="en-IN" sz="2000" dirty="0">
                 <a:solidFill>
-                  <a:schemeClr val="tx1">
-                    <a:lumMod val="95000"/>
-                  </a:schemeClr>
+                  <a:schemeClr val="tx1"/>
                 </a:solidFill>
               </a:rPr>
               <a:t>On Further analysis, the loans with </a:t>
@@ -12011,9 +12003,7 @@
             <a:r>
               <a:rPr lang="en-IN" sz="2000" b="1" dirty="0">
                 <a:solidFill>
-                  <a:schemeClr val="tx1">
-                    <a:lumMod val="95000"/>
-                  </a:schemeClr>
+                  <a:schemeClr val="tx1"/>
                 </a:solidFill>
               </a:rPr>
               <a:t>home_ownership</a:t>
@@ -12021,9 +12011,7 @@
             <a:r>
               <a:rPr lang="en-IN" sz="2000" dirty="0">
                 <a:solidFill>
-                  <a:schemeClr val="tx1">
-                    <a:lumMod val="95000"/>
-                  </a:schemeClr>
+                  <a:schemeClr val="tx1"/>
                 </a:solidFill>
               </a:rPr>
               <a:t> mentioned as OTHER have a higher rate of Charged Off.</a:t>
@@ -12240,9 +12228,7 @@
             <a:r>
               <a:rPr lang="en-IN" sz="2000" dirty="0">
                 <a:solidFill>
-                  <a:schemeClr val="tx1">
-                    <a:lumMod val="95000"/>
-                  </a:schemeClr>
+                  <a:schemeClr val="tx1"/>
                 </a:solidFill>
               </a:rPr>
               <a:t>60 months tenured loans show a higher Charged Off %.</a:t>
@@ -12257,9 +12243,7 @@
             <a:r>
               <a:rPr lang="en-IN" sz="2000" dirty="0">
                 <a:solidFill>
-                  <a:schemeClr val="tx1">
-                    <a:lumMod val="95000"/>
-                  </a:schemeClr>
+                  <a:schemeClr val="tx1"/>
                 </a:solidFill>
               </a:rPr>
               <a:t>Avoid higher tenured loans.</a:t>
@@ -12426,7 +12410,11 @@
               </a:lnSpc>
             </a:pPr>
             <a:r>
-              <a:rPr lang="en-IN" dirty="0"/>
+              <a:rPr lang="en-IN" dirty="0">
+                <a:solidFill>
+                  <a:schemeClr val="tx1"/>
+                </a:solidFill>
+              </a:rPr>
               <a:t>On Analysis, the Loans are getting Charged off for Higher Interest Rates.</a:t>
             </a:r>
           </a:p>
@@ -12437,7 +12425,11 @@
               </a:lnSpc>
             </a:pPr>
             <a:r>
-              <a:rPr lang="en-IN" dirty="0"/>
+              <a:rPr lang="en-IN" dirty="0">
+                <a:solidFill>
+                  <a:schemeClr val="tx1"/>
+                </a:solidFill>
+              </a:rPr>
               <a:t>Higher grades also mean higher interest rates.</a:t>
             </a:r>
           </a:p>
@@ -12535,36 +12527,6 @@
               </a14:hiddenFill>
             </a:ext>
           </a:extLst>
-        </p:spPr>
-      </p:pic>
-      <p:pic>
-        <p:nvPicPr>
-          <p:cNvPr id="6" name="Picture 5">
-            <a:extLst>
-              <a:ext uri="{FF2B5EF4-FFF2-40B4-BE49-F238E27FC236}">
-                <a16:creationId xmlns:a16="http://schemas.microsoft.com/office/drawing/2014/main" id="{F8EEB1C4-6BD7-EB10-FEA8-6CDDDED0C2D5}"/>
-              </a:ext>
-            </a:extLst>
-          </p:cNvPr>
-          <p:cNvPicPr>
-            <a:picLocks noChangeAspect="1"/>
-          </p:cNvPicPr>
-          <p:nvPr/>
-        </p:nvPicPr>
-        <p:blipFill>
-          <a:blip r:embed="rId4"/>
-          <a:stretch>
-            <a:fillRect/>
-          </a:stretch>
-        </p:blipFill>
-        <p:spPr>
-          <a:xfrm>
-            <a:off x="270649" y="142416"/>
-            <a:ext cx="11650701" cy="6573167"/>
-          </a:xfrm>
-          <a:prstGeom prst="rect">
-            <a:avLst/>
-          </a:prstGeom>
         </p:spPr>
       </p:pic>
     </p:spTree>
@@ -17980,16 +17942,19 @@
         <p:spPr>
           <a:xfrm>
             <a:off x="4702556" y="2011680"/>
-            <a:ext cx="6713303" cy="4247718"/>
+            <a:ext cx="7080949" cy="4549376"/>
           </a:xfrm>
         </p:spPr>
         <p:txBody>
           <a:bodyPr>
-            <a:normAutofit/>
+            <a:normAutofit fontScale="92500" lnSpcReduction="10000"/>
           </a:bodyPr>
           <a:lstStyle/>
           <a:p>
             <a:pPr marL="358775" indent="-274638" algn="just">
+              <a:lnSpc>
+                <a:spcPct val="114000"/>
+              </a:lnSpc>
               <a:buClr>
                 <a:schemeClr val="tx2"/>
               </a:buClr>
@@ -17997,12 +17962,19 @@
               <a:buChar char="•"/>
             </a:pPr>
             <a:r>
-              <a:rPr lang="en-IN" sz="1700" dirty="0"/>
+              <a:rPr lang="en-IN" sz="1700" dirty="0">
+                <a:solidFill>
+                  <a:schemeClr val="tx1"/>
+                </a:solidFill>
+              </a:rPr>
               <a:t>The Data contains 38717 Records and 111 rows which correspond to a Loan Data set, which has loans catered to different purposes.</a:t>
             </a:r>
           </a:p>
           <a:p>
             <a:pPr marL="358775" indent="-274638" algn="just">
+              <a:lnSpc>
+                <a:spcPct val="114000"/>
+              </a:lnSpc>
               <a:buClr>
                 <a:schemeClr val="tx2"/>
               </a:buClr>
@@ -18010,12 +17982,19 @@
               <a:buChar char="•"/>
             </a:pPr>
             <a:r>
-              <a:rPr lang="en-IN" sz="1700" dirty="0"/>
+              <a:rPr lang="en-IN" sz="1700" dirty="0">
+                <a:solidFill>
+                  <a:schemeClr val="tx1"/>
+                </a:solidFill>
+              </a:rPr>
               <a:t>~50% of the data has null values or columns with only 1 value. These columns may not be useful for the analysis.</a:t>
             </a:r>
           </a:p>
           <a:p>
             <a:pPr marL="358775" indent="-274638" algn="just">
+              <a:lnSpc>
+                <a:spcPct val="114000"/>
+              </a:lnSpc>
               <a:buClr>
                 <a:schemeClr val="tx2"/>
               </a:buClr>
@@ -18023,12 +18002,19 @@
               <a:buChar char="•"/>
             </a:pPr>
             <a:r>
-              <a:rPr lang="en-IN" sz="1700" dirty="0"/>
+              <a:rPr lang="en-IN" sz="1700" dirty="0">
+                <a:solidFill>
+                  <a:schemeClr val="tx1"/>
+                </a:solidFill>
+              </a:rPr>
               <a:t>The Data Column ‘loan_status’ attributes the Status of the Loan. The value ‘Charged Off’ means its defaulted. This column is required to filter out the defaulted data and perform analysis.</a:t>
             </a:r>
           </a:p>
           <a:p>
             <a:pPr marL="358775" indent="-274638" algn="just">
+              <a:lnSpc>
+                <a:spcPct val="114000"/>
+              </a:lnSpc>
               <a:buClr>
                 <a:schemeClr val="tx2"/>
               </a:buClr>
@@ -18036,12 +18022,19 @@
               <a:buChar char="•"/>
             </a:pPr>
             <a:r>
-              <a:rPr lang="en-IN" sz="1700" dirty="0"/>
+              <a:rPr lang="en-IN" sz="1700" dirty="0">
+                <a:solidFill>
+                  <a:schemeClr val="tx1"/>
+                </a:solidFill>
+              </a:rPr>
               <a:t>The Data has few demographic information which can be made use of.</a:t>
             </a:r>
           </a:p>
           <a:p>
             <a:pPr marL="358775" indent="-274638" algn="just">
+              <a:lnSpc>
+                <a:spcPct val="114000"/>
+              </a:lnSpc>
               <a:buClr>
                 <a:schemeClr val="tx2"/>
               </a:buClr>
@@ -18049,12 +18042,19 @@
               <a:buChar char="•"/>
             </a:pPr>
             <a:r>
-              <a:rPr lang="en-IN" sz="1700" dirty="0"/>
+              <a:rPr lang="en-IN" sz="1700" dirty="0">
+                <a:solidFill>
+                  <a:schemeClr val="tx1"/>
+                </a:solidFill>
+              </a:rPr>
               <a:t>The data has many columns that correspond to the current on-going loan information (such as outstanding principal amount etc..)</a:t>
             </a:r>
           </a:p>
           <a:p>
             <a:pPr marL="358775" indent="-274638" algn="just">
+              <a:lnSpc>
+                <a:spcPct val="114000"/>
+              </a:lnSpc>
               <a:buClr>
                 <a:schemeClr val="tx2"/>
               </a:buClr>
@@ -18062,7 +18062,11 @@
               <a:buChar char="•"/>
             </a:pPr>
             <a:r>
-              <a:rPr lang="en-IN" sz="1700" dirty="0"/>
+              <a:rPr lang="en-IN" sz="1700" dirty="0">
+                <a:solidFill>
+                  <a:schemeClr val="tx1"/>
+                </a:solidFill>
+              </a:rPr>
               <a:t>The Data has information about some of the codes that are determined by the Grade and Sub-Grade. These can be considered as a Lending Club’s categorization of loans. A specific analysis based on this can give insightful results. </a:t>
             </a:r>
           </a:p>
